--- a/python_ppt/Python 11장. GUI 프로그래밍.pptx
+++ b/python_ppt/Python 11장. GUI 프로그래밍.pptx
@@ -5,7 +5,7 @@
     <p:sldMasterId id="2147483648" r:id="rId1"/>
   </p:sldMasterIdLst>
   <p:notesMasterIdLst>
-    <p:notesMasterId r:id="rId31"/>
+    <p:notesMasterId r:id="rId32"/>
   </p:notesMasterIdLst>
   <p:sldIdLst>
     <p:sldId id="256" r:id="rId2"/>
@@ -32,11 +32,12 @@
     <p:sldId id="327" r:id="rId23"/>
     <p:sldId id="330" r:id="rId24"/>
     <p:sldId id="331" r:id="rId25"/>
-    <p:sldId id="348" r:id="rId26"/>
-    <p:sldId id="332" r:id="rId27"/>
-    <p:sldId id="333" r:id="rId28"/>
-    <p:sldId id="350" r:id="rId29"/>
-    <p:sldId id="351" r:id="rId30"/>
+    <p:sldId id="356" r:id="rId26"/>
+    <p:sldId id="348" r:id="rId27"/>
+    <p:sldId id="332" r:id="rId28"/>
+    <p:sldId id="333" r:id="rId29"/>
+    <p:sldId id="350" r:id="rId30"/>
+    <p:sldId id="351" r:id="rId31"/>
   </p:sldIdLst>
   <p:sldSz cx="9906000" cy="6858000" type="A4"/>
   <p:notesSz cx="6858000" cy="9144000"/>
@@ -236,7 +237,7 @@
           <a:p>
             <a:fld id="{7665CDAC-D627-4E87-877A-1B781DD4CADC}" type="datetimeFigureOut">
               <a:rPr lang="ko-KR" altLang="en-US" smtClean="0"/>
-              <a:t>2023-04-26</a:t>
+              <a:t>2023-05-02</a:t>
             </a:fld>
             <a:endParaRPr lang="ko-KR" altLang="en-US"/>
           </a:p>
@@ -648,7 +649,7 @@
           <a:p>
             <a:fld id="{C25BCFD5-C4DF-4EBC-B718-C69ED2FBDE6F}" type="datetime1">
               <a:rPr lang="ko-KR" altLang="en-US" smtClean="0"/>
-              <a:t>2023-04-26</a:t>
+              <a:t>2023-05-02</a:t>
             </a:fld>
             <a:endParaRPr lang="ko-KR" altLang="en-US"/>
           </a:p>
@@ -1099,7 +1100,7 @@
           <a:p>
             <a:fld id="{AB448CD7-D367-43D5-B461-ACE552E75063}" type="datetime1">
               <a:rPr lang="ko-KR" altLang="en-US" smtClean="0"/>
-              <a:t>2023-04-26</a:t>
+              <a:t>2023-05-02</a:t>
             </a:fld>
             <a:endParaRPr lang="ko-KR" altLang="en-US"/>
           </a:p>
@@ -1277,7 +1278,7 @@
           <a:p>
             <a:fld id="{B6E49E79-7361-4780-8BEF-7EDE3708298A}" type="datetime1">
               <a:rPr lang="ko-KR" altLang="en-US" smtClean="0"/>
-              <a:t>2023-04-26</a:t>
+              <a:t>2023-05-02</a:t>
             </a:fld>
             <a:endParaRPr lang="ko-KR" altLang="en-US"/>
           </a:p>
@@ -1449,7 +1450,7 @@
           <a:p>
             <a:fld id="{A4D42E3C-B70B-437C-85CF-1286301B9CBA}" type="datetime1">
               <a:rPr lang="ko-KR" altLang="en-US" smtClean="0"/>
-              <a:t>2023-04-26</a:t>
+              <a:t>2023-05-02</a:t>
             </a:fld>
             <a:endParaRPr lang="ko-KR" altLang="en-US"/>
           </a:p>
@@ -1701,7 +1702,7 @@
           <a:p>
             <a:fld id="{B3369A20-5B3D-4D98-A822-26B93D177A40}" type="datetime1">
               <a:rPr lang="ko-KR" altLang="en-US" smtClean="0"/>
-              <a:t>2023-04-26</a:t>
+              <a:t>2023-05-02</a:t>
             </a:fld>
             <a:endParaRPr lang="ko-KR" altLang="en-US"/>
           </a:p>
@@ -1986,7 +1987,7 @@
           <a:p>
             <a:fld id="{685CD4CE-9E43-4F70-A9D8-A2130CA7D92A}" type="datetime1">
               <a:rPr lang="ko-KR" altLang="en-US" smtClean="0"/>
-              <a:t>2023-04-26</a:t>
+              <a:t>2023-05-02</a:t>
             </a:fld>
             <a:endParaRPr lang="ko-KR" altLang="en-US"/>
           </a:p>
@@ -2412,7 +2413,7 @@
           <a:p>
             <a:fld id="{F752BD92-DA3E-4A0B-90C9-7DE5E15B6E96}" type="datetime1">
               <a:rPr lang="ko-KR" altLang="en-US" smtClean="0"/>
-              <a:t>2023-04-26</a:t>
+              <a:t>2023-05-02</a:t>
             </a:fld>
             <a:endParaRPr lang="ko-KR" altLang="en-US"/>
           </a:p>
@@ -2536,7 +2537,7 @@
           <a:p>
             <a:fld id="{8EA2B83A-F366-424E-B742-340ACF856BB5}" type="datetime1">
               <a:rPr lang="ko-KR" altLang="en-US" smtClean="0"/>
-              <a:t>2023-04-26</a:t>
+              <a:t>2023-05-02</a:t>
             </a:fld>
             <a:endParaRPr lang="ko-KR" altLang="en-US"/>
           </a:p>
@@ -2631,7 +2632,7 @@
           <a:p>
             <a:fld id="{9A49D68B-5DBD-48E9-A8D4-FCBC4B3DD9C6}" type="datetime1">
               <a:rPr lang="ko-KR" altLang="en-US" smtClean="0"/>
-              <a:t>2023-04-26</a:t>
+              <a:t>2023-05-02</a:t>
             </a:fld>
             <a:endParaRPr lang="ko-KR" altLang="en-US"/>
           </a:p>
@@ -2906,7 +2907,7 @@
           <a:p>
             <a:fld id="{4CAB534F-7D16-467B-9320-91F98915D181}" type="datetime1">
               <a:rPr lang="ko-KR" altLang="en-US" smtClean="0"/>
-              <a:t>2023-04-26</a:t>
+              <a:t>2023-05-02</a:t>
             </a:fld>
             <a:endParaRPr lang="ko-KR" altLang="en-US"/>
           </a:p>
@@ -3158,7 +3159,7 @@
           <a:p>
             <a:fld id="{A390A91F-2F8D-4486-A69D-D680F95444B0}" type="datetime1">
               <a:rPr lang="ko-KR" altLang="en-US" smtClean="0"/>
-              <a:t>2023-04-26</a:t>
+              <a:t>2023-05-02</a:t>
             </a:fld>
             <a:endParaRPr lang="ko-KR" altLang="en-US"/>
           </a:p>
@@ -3337,7 +3338,7 @@
           <a:p>
             <a:fld id="{2238BBEA-E8DD-414A-BF68-FC2AFA7CFF2D}" type="datetime1">
               <a:rPr lang="ko-KR" altLang="en-US" smtClean="0"/>
-              <a:t>2023-04-26</a:t>
+              <a:t>2023-05-02</a:t>
             </a:fld>
             <a:endParaRPr lang="ko-KR" altLang="en-US"/>
           </a:p>
@@ -4139,7 +4140,7 @@
                   <a:schemeClr val="tx1"/>
                 </a:solidFill>
               </a:rPr>
-              <a:t>13</a:t>
+              <a:t>11</a:t>
             </a:r>
             <a:r>
               <a:rPr lang="ko-KR" altLang="en-US" sz="3600" b="1" dirty="0" smtClean="0">
@@ -4327,11 +4328,7 @@
             </a:pPr>
             <a:r>
               <a:rPr lang="ko-KR" altLang="en-US" sz="2000" dirty="0" smtClean="0"/>
-              <a:t>이름을 </a:t>
-            </a:r>
-            <a:r>
-              <a:rPr lang="ko-KR" altLang="en-US" sz="2000" dirty="0" smtClean="0"/>
-              <a:t>입력 받고</a:t>
+              <a:t>이름을 입력 받고</a:t>
             </a:r>
             <a:r>
               <a:rPr lang="en-US" altLang="ko-KR" sz="2000" dirty="0" smtClean="0"/>
@@ -7289,7 +7286,7 @@
       </p:sp>
       <p:pic>
         <p:nvPicPr>
-          <p:cNvPr id="3" name="그림 2"/>
+          <p:cNvPr id="5" name="그림 4"/>
           <p:cNvPicPr>
             <a:picLocks noChangeAspect="1"/>
           </p:cNvPicPr>
@@ -7309,8 +7306,8 @@
         </p:blipFill>
         <p:spPr>
           <a:xfrm>
-            <a:off x="1177582" y="1484784"/>
-            <a:ext cx="7613040" cy="4031330"/>
+            <a:off x="1424608" y="1484784"/>
+            <a:ext cx="5879390" cy="3744416"/>
           </a:xfrm>
           <a:prstGeom prst="rect">
             <a:avLst/>
@@ -7616,7 +7613,7 @@
         </p:blipFill>
         <p:spPr>
           <a:xfrm>
-            <a:off x="1787201" y="1905347"/>
+            <a:off x="1934832" y="2222426"/>
             <a:ext cx="3364244" cy="1584176"/>
           </a:xfrm>
           <a:prstGeom prst="rect">
@@ -7689,7 +7686,7 @@
         </p:nvSpPr>
         <p:spPr>
           <a:xfrm>
-            <a:off x="1064568" y="1268760"/>
+            <a:off x="1064568" y="1409001"/>
             <a:ext cx="4968552" cy="507831"/>
           </a:xfrm>
           <a:prstGeom prst="rect">
@@ -7763,7 +7760,7 @@
         </p:nvCxnSpPr>
         <p:spPr>
           <a:xfrm flipV="1">
-            <a:off x="4808984" y="2106697"/>
+            <a:off x="4956615" y="2423776"/>
             <a:ext cx="504056" cy="182341"/>
           </a:xfrm>
           <a:prstGeom prst="straightConnector1">
@@ -7801,7 +7798,7 @@
         </p:nvSpPr>
         <p:spPr>
           <a:xfrm>
-            <a:off x="5243613" y="1844824"/>
+            <a:off x="5391244" y="2161903"/>
             <a:ext cx="1866012" cy="330993"/>
           </a:xfrm>
           <a:prstGeom prst="roundRect">
@@ -7872,7 +7869,7 @@
         </p:nvSpPr>
         <p:spPr>
           <a:xfrm>
-            <a:off x="1652099" y="3704821"/>
+            <a:off x="1799730" y="4021900"/>
             <a:ext cx="1866012" cy="330993"/>
           </a:xfrm>
           <a:prstGeom prst="roundRect">
@@ -7943,7 +7940,7 @@
         </p:nvCxnSpPr>
         <p:spPr>
           <a:xfrm flipH="1">
-            <a:off x="2360713" y="3284984"/>
+            <a:off x="2508344" y="3602063"/>
             <a:ext cx="72007" cy="419837"/>
           </a:xfrm>
           <a:prstGeom prst="straightConnector1">
@@ -7981,7 +7978,7 @@
         </p:nvSpPr>
         <p:spPr>
           <a:xfrm>
-            <a:off x="3578995" y="3717032"/>
+            <a:off x="3726626" y="4034111"/>
             <a:ext cx="1590029" cy="330993"/>
           </a:xfrm>
           <a:prstGeom prst="roundRect">
@@ -8052,7 +8049,7 @@
         </p:nvCxnSpPr>
         <p:spPr>
           <a:xfrm>
-            <a:off x="4446017" y="3284984"/>
+            <a:off x="4593648" y="3602063"/>
             <a:ext cx="60883" cy="419837"/>
           </a:xfrm>
           <a:prstGeom prst="straightConnector1">
@@ -8082,43 +8079,6 @@
           </a:fontRef>
         </p:style>
       </p:cxnSp>
-      <p:pic>
-        <p:nvPicPr>
-          <p:cNvPr id="17" name="그림 16"/>
-          <p:cNvPicPr>
-            <a:picLocks noChangeAspect="1"/>
-          </p:cNvPicPr>
-          <p:nvPr/>
-        </p:nvPicPr>
-        <p:blipFill>
-          <a:blip r:embed="rId3">
-            <a:extLst>
-              <a:ext uri="{28A0092B-C50C-407E-A947-70E740481C1C}">
-                <a14:useLocalDpi xmlns:a14="http://schemas.microsoft.com/office/drawing/2010/main" val="0"/>
-              </a:ext>
-            </a:extLst>
-          </a:blip>
-          <a:stretch>
-            <a:fillRect/>
-          </a:stretch>
-        </p:blipFill>
-        <p:spPr>
-          <a:xfrm>
-            <a:off x="1643752" y="4221088"/>
-            <a:ext cx="6439458" cy="2270957"/>
-          </a:xfrm>
-          <a:prstGeom prst="rect">
-            <a:avLst/>
-          </a:prstGeom>
-          <a:ln>
-            <a:solidFill>
-              <a:schemeClr val="bg1">
-                <a:lumMod val="85000"/>
-              </a:schemeClr>
-            </a:solidFill>
-          </a:ln>
-        </p:spPr>
-      </p:pic>
     </p:spTree>
     <p:extLst>
       <p:ext uri="{BB962C8B-B14F-4D97-AF65-F5344CB8AC3E}">
@@ -8338,6 +8298,216 @@
           <a:chExt cx="0" cy="0"/>
         </a:xfrm>
       </p:grpSpPr>
+      <p:sp>
+        <p:nvSpPr>
+          <p:cNvPr id="2" name="제목 1"/>
+          <p:cNvSpPr>
+            <a:spLocks noGrp="1"/>
+          </p:cNvSpPr>
+          <p:nvPr>
+            <p:ph type="title"/>
+          </p:nvPr>
+        </p:nvSpPr>
+        <p:spPr/>
+        <p:txBody>
+          <a:bodyPr/>
+          <a:lstStyle/>
+          <a:p>
+            <a:r>
+              <a:rPr lang="en-US" altLang="ko-KR" dirty="0" smtClean="0"/>
+              <a:t> UI - </a:t>
+            </a:r>
+            <a:r>
+              <a:rPr lang="ko-KR" altLang="en-US" dirty="0" smtClean="0"/>
+              <a:t>계산기</a:t>
+            </a:r>
+            <a:endParaRPr lang="ko-KR" altLang="en-US" dirty="0"/>
+          </a:p>
+        </p:txBody>
+      </p:sp>
+      <p:sp>
+        <p:nvSpPr>
+          <p:cNvPr id="4" name="슬라이드 번호 개체 틀 3"/>
+          <p:cNvSpPr>
+            <a:spLocks noGrp="1"/>
+          </p:cNvSpPr>
+          <p:nvPr>
+            <p:ph type="sldNum" sz="quarter" idx="12"/>
+          </p:nvPr>
+        </p:nvSpPr>
+        <p:spPr/>
+        <p:txBody>
+          <a:bodyPr/>
+          <a:lstStyle/>
+          <a:p>
+            <a:fld id="{1BDE3FE7-3AEA-4B05-AC5A-802D1816ACF0}" type="slidenum">
+              <a:rPr lang="ko-KR" altLang="en-US" smtClean="0"/>
+              <a:t>25</a:t>
+            </a:fld>
+            <a:endParaRPr lang="ko-KR" altLang="en-US"/>
+          </a:p>
+        </p:txBody>
+      </p:sp>
+      <p:sp>
+        <p:nvSpPr>
+          <p:cNvPr id="12" name="TextBox 11"/>
+          <p:cNvSpPr txBox="1"/>
+          <p:nvPr/>
+        </p:nvSpPr>
+        <p:spPr>
+          <a:xfrm>
+            <a:off x="1064568" y="1268760"/>
+            <a:ext cx="4968552" cy="507831"/>
+          </a:xfrm>
+          <a:prstGeom prst="rect">
+            <a:avLst/>
+          </a:prstGeom>
+          <a:noFill/>
+          <a:ln>
+            <a:noFill/>
+          </a:ln>
+        </p:spPr>
+        <p:style>
+          <a:lnRef idx="1">
+            <a:schemeClr val="accent3"/>
+          </a:lnRef>
+          <a:fillRef idx="2">
+            <a:schemeClr val="accent3"/>
+          </a:fillRef>
+          <a:effectRef idx="1">
+            <a:schemeClr val="accent3"/>
+          </a:effectRef>
+          <a:fontRef idx="minor">
+            <a:schemeClr val="dk1"/>
+          </a:fontRef>
+        </p:style>
+        <p:txBody>
+          <a:bodyPr wrap="square" rtlCol="0">
+            <a:spAutoFit/>
+          </a:bodyPr>
+          <a:lstStyle/>
+          <a:p>
+            <a:pPr>
+              <a:lnSpc>
+                <a:spcPct val="150000"/>
+              </a:lnSpc>
+            </a:pPr>
+            <a:r>
+              <a:rPr lang="en-US" altLang="ko-KR" dirty="0" smtClean="0">
+                <a:latin typeface="+mn-ea"/>
+              </a:rPr>
+              <a:t>- </a:t>
+            </a:r>
+            <a:r>
+              <a:rPr lang="ko-KR" altLang="en-US" dirty="0" smtClean="0">
+                <a:latin typeface="+mn-ea"/>
+              </a:rPr>
+              <a:t>계산기 </a:t>
+            </a:r>
+            <a:r>
+              <a:rPr lang="en-US" altLang="ko-KR" dirty="0" smtClean="0">
+                <a:latin typeface="+mn-ea"/>
+              </a:rPr>
+              <a:t>: </a:t>
+            </a:r>
+            <a:r>
+              <a:rPr lang="en-US" altLang="ko-KR" dirty="0" err="1" smtClean="0">
+                <a:latin typeface="+mn-ea"/>
+              </a:rPr>
+              <a:t>top_row</a:t>
+            </a:r>
+            <a:r>
+              <a:rPr lang="en-US" altLang="ko-KR" dirty="0" smtClean="0">
+                <a:latin typeface="+mn-ea"/>
+              </a:rPr>
+              <a:t> </a:t>
+            </a:r>
+            <a:r>
+              <a:rPr lang="ko-KR" altLang="en-US" dirty="0" smtClean="0">
+                <a:latin typeface="+mn-ea"/>
+              </a:rPr>
+              <a:t>프레임</a:t>
+            </a:r>
+            <a:endParaRPr lang="en-US" altLang="ko-KR" dirty="0">
+              <a:latin typeface="+mn-ea"/>
+            </a:endParaRPr>
+          </a:p>
+        </p:txBody>
+      </p:sp>
+      <p:pic>
+        <p:nvPicPr>
+          <p:cNvPr id="17" name="그림 16"/>
+          <p:cNvPicPr>
+            <a:picLocks noChangeAspect="1"/>
+          </p:cNvPicPr>
+          <p:nvPr/>
+        </p:nvPicPr>
+        <p:blipFill>
+          <a:blip r:embed="rId2">
+            <a:extLst>
+              <a:ext uri="{28A0092B-C50C-407E-A947-70E740481C1C}">
+                <a14:useLocalDpi xmlns:a14="http://schemas.microsoft.com/office/drawing/2010/main" val="0"/>
+              </a:ext>
+            </a:extLst>
+          </a:blip>
+          <a:stretch>
+            <a:fillRect/>
+          </a:stretch>
+        </p:blipFill>
+        <p:spPr>
+          <a:xfrm>
+            <a:off x="776536" y="1992615"/>
+            <a:ext cx="7350614" cy="2592288"/>
+          </a:xfrm>
+          <a:prstGeom prst="rect">
+            <a:avLst/>
+          </a:prstGeom>
+          <a:ln>
+            <a:solidFill>
+              <a:schemeClr val="bg1">
+                <a:lumMod val="85000"/>
+              </a:schemeClr>
+            </a:solidFill>
+          </a:ln>
+        </p:spPr>
+      </p:pic>
+    </p:spTree>
+    <p:extLst>
+      <p:ext uri="{BB962C8B-B14F-4D97-AF65-F5344CB8AC3E}">
+        <p14:creationId xmlns:p14="http://schemas.microsoft.com/office/powerpoint/2010/main" val="3744144981"/>
+      </p:ext>
+    </p:extLst>
+  </p:cSld>
+  <p:clrMapOvr>
+    <a:masterClrMapping/>
+  </p:clrMapOvr>
+  <p:timing>
+    <p:tnLst>
+      <p:par>
+        <p:cTn id="1" dur="indefinite" restart="never" nodeType="tmRoot"/>
+      </p:par>
+    </p:tnLst>
+  </p:timing>
+</p:sld>
+</file>
+
+<file path=ppt/slides/slide26.xml><?xml version="1.0" encoding="utf-8"?>
+<p:sld xmlns:a="http://schemas.openxmlformats.org/drawingml/2006/main" xmlns:r="http://schemas.openxmlformats.org/officeDocument/2006/relationships" xmlns:p="http://schemas.openxmlformats.org/presentationml/2006/main">
+  <p:cSld>
+    <p:spTree>
+      <p:nvGrpSpPr>
+        <p:cNvPr id="1" name=""/>
+        <p:cNvGrpSpPr/>
+        <p:nvPr/>
+      </p:nvGrpSpPr>
+      <p:grpSpPr>
+        <a:xfrm>
+          <a:off x="0" y="0"/>
+          <a:ext cx="0" cy="0"/>
+          <a:chOff x="0" y="0"/>
+          <a:chExt cx="0" cy="0"/>
+        </a:xfrm>
+      </p:grpSpPr>
       <p:pic>
         <p:nvPicPr>
           <p:cNvPr id="3" name="그림 2"/>
@@ -8419,7 +8589,7 @@
           <a:p>
             <a:fld id="{1BDE3FE7-3AEA-4B05-AC5A-802D1816ACF0}" type="slidenum">
               <a:rPr lang="ko-KR" altLang="en-US" smtClean="0"/>
-              <a:t>25</a:t>
+              <a:t>26</a:t>
             </a:fld>
             <a:endParaRPr lang="ko-KR" altLang="en-US"/>
           </a:p>
@@ -8644,7 +8814,7 @@
 </p:sld>
 </file>
 
-<file path=ppt/slides/slide26.xml><?xml version="1.0" encoding="utf-8"?>
+<file path=ppt/slides/slide27.xml><?xml version="1.0" encoding="utf-8"?>
 <p:sld xmlns:a="http://schemas.openxmlformats.org/drawingml/2006/main" xmlns:r="http://schemas.openxmlformats.org/officeDocument/2006/relationships" xmlns:p="http://schemas.openxmlformats.org/presentationml/2006/main">
   <p:cSld>
     <p:spTree>
@@ -8705,7 +8875,7 @@
           <a:p>
             <a:fld id="{1BDE3FE7-3AEA-4B05-AC5A-802D1816ACF0}" type="slidenum">
               <a:rPr lang="ko-KR" altLang="en-US" smtClean="0"/>
-              <a:t>26</a:t>
+              <a:t>27</a:t>
             </a:fld>
             <a:endParaRPr lang="ko-KR" altLang="en-US"/>
           </a:p>
@@ -8768,7 +8938,7 @@
 </p:sld>
 </file>
 
-<file path=ppt/slides/slide27.xml><?xml version="1.0" encoding="utf-8"?>
+<file path=ppt/slides/slide28.xml><?xml version="1.0" encoding="utf-8"?>
 <p:sld xmlns:a="http://schemas.openxmlformats.org/drawingml/2006/main" xmlns:r="http://schemas.openxmlformats.org/officeDocument/2006/relationships" xmlns:p="http://schemas.openxmlformats.org/presentationml/2006/main">
   <p:cSld>
     <p:spTree>
@@ -8866,7 +9036,7 @@
           <a:p>
             <a:fld id="{1BDE3FE7-3AEA-4B05-AC5A-802D1816ACF0}" type="slidenum">
               <a:rPr lang="ko-KR" altLang="en-US" smtClean="0"/>
-              <a:t>27</a:t>
+              <a:t>28</a:t>
             </a:fld>
             <a:endParaRPr lang="ko-KR" altLang="en-US"/>
           </a:p>
@@ -8966,7 +9136,7 @@
 </p:sld>
 </file>
 
-<file path=ppt/slides/slide28.xml><?xml version="1.0" encoding="utf-8"?>
+<file path=ppt/slides/slide29.xml><?xml version="1.0" encoding="utf-8"?>
 <p:sld xmlns:a="http://schemas.openxmlformats.org/drawingml/2006/main" xmlns:r="http://schemas.openxmlformats.org/officeDocument/2006/relationships" xmlns:p="http://schemas.openxmlformats.org/presentationml/2006/main">
   <p:cSld>
     <p:spTree>
@@ -9035,7 +9205,7 @@
           <a:p>
             <a:fld id="{1BDE3FE7-3AEA-4B05-AC5A-802D1816ACF0}" type="slidenum">
               <a:rPr lang="ko-KR" altLang="en-US" smtClean="0"/>
-              <a:t>28</a:t>
+              <a:t>29</a:t>
             </a:fld>
             <a:endParaRPr lang="ko-KR" altLang="en-US"/>
           </a:p>
@@ -9098,138 +9268,6 @@
 </p:sld>
 </file>
 
-<file path=ppt/slides/slide29.xml><?xml version="1.0" encoding="utf-8"?>
-<p:sld xmlns:a="http://schemas.openxmlformats.org/drawingml/2006/main" xmlns:r="http://schemas.openxmlformats.org/officeDocument/2006/relationships" xmlns:p="http://schemas.openxmlformats.org/presentationml/2006/main">
-  <p:cSld>
-    <p:spTree>
-      <p:nvGrpSpPr>
-        <p:cNvPr id="1" name=""/>
-        <p:cNvGrpSpPr/>
-        <p:nvPr/>
-      </p:nvGrpSpPr>
-      <p:grpSpPr>
-        <a:xfrm>
-          <a:off x="0" y="0"/>
-          <a:ext cx="0" cy="0"/>
-          <a:chOff x="0" y="0"/>
-          <a:chExt cx="0" cy="0"/>
-        </a:xfrm>
-      </p:grpSpPr>
-      <p:sp>
-        <p:nvSpPr>
-          <p:cNvPr id="2" name="제목 1"/>
-          <p:cNvSpPr>
-            <a:spLocks noGrp="1"/>
-          </p:cNvSpPr>
-          <p:nvPr>
-            <p:ph type="title"/>
-          </p:nvPr>
-        </p:nvSpPr>
-        <p:spPr/>
-        <p:txBody>
-          <a:bodyPr/>
-          <a:lstStyle/>
-          <a:p>
-            <a:r>
-              <a:rPr lang="en-US" altLang="ko-KR" dirty="0" smtClean="0"/>
-              <a:t> </a:t>
-            </a:r>
-            <a:r>
-              <a:rPr lang="ko-KR" altLang="en-US" dirty="0" err="1" smtClean="0"/>
-              <a:t>로또</a:t>
-            </a:r>
-            <a:r>
-              <a:rPr lang="ko-KR" altLang="en-US" dirty="0" smtClean="0"/>
-              <a:t> 당첨 번호 확인 </a:t>
-            </a:r>
-            <a:r>
-              <a:rPr lang="ko-KR" altLang="en-US" dirty="0" err="1" smtClean="0"/>
-              <a:t>앱</a:t>
-            </a:r>
-            <a:endParaRPr lang="ko-KR" altLang="en-US" dirty="0"/>
-          </a:p>
-        </p:txBody>
-      </p:sp>
-      <p:sp>
-        <p:nvSpPr>
-          <p:cNvPr id="4" name="슬라이드 번호 개체 틀 3"/>
-          <p:cNvSpPr>
-            <a:spLocks noGrp="1"/>
-          </p:cNvSpPr>
-          <p:nvPr>
-            <p:ph type="sldNum" sz="quarter" idx="12"/>
-          </p:nvPr>
-        </p:nvSpPr>
-        <p:spPr/>
-        <p:txBody>
-          <a:bodyPr/>
-          <a:lstStyle/>
-          <a:p>
-            <a:fld id="{1BDE3FE7-3AEA-4B05-AC5A-802D1816ACF0}" type="slidenum">
-              <a:rPr lang="ko-KR" altLang="en-US" smtClean="0"/>
-              <a:t>29</a:t>
-            </a:fld>
-            <a:endParaRPr lang="ko-KR" altLang="en-US"/>
-          </a:p>
-        </p:txBody>
-      </p:sp>
-      <p:pic>
-        <p:nvPicPr>
-          <p:cNvPr id="3" name="그림 2"/>
-          <p:cNvPicPr>
-            <a:picLocks noChangeAspect="1"/>
-          </p:cNvPicPr>
-          <p:nvPr/>
-        </p:nvPicPr>
-        <p:blipFill>
-          <a:blip r:embed="rId2">
-            <a:extLst>
-              <a:ext uri="{28A0092B-C50C-407E-A947-70E740481C1C}">
-                <a14:useLocalDpi xmlns:a14="http://schemas.microsoft.com/office/drawing/2010/main" val="0"/>
-              </a:ext>
-            </a:extLst>
-          </a:blip>
-          <a:stretch>
-            <a:fillRect/>
-          </a:stretch>
-        </p:blipFill>
-        <p:spPr>
-          <a:xfrm>
-            <a:off x="1280592" y="1556792"/>
-            <a:ext cx="6866215" cy="3360711"/>
-          </a:xfrm>
-          <a:prstGeom prst="rect">
-            <a:avLst/>
-          </a:prstGeom>
-          <a:ln>
-            <a:solidFill>
-              <a:schemeClr val="bg1">
-                <a:lumMod val="85000"/>
-              </a:schemeClr>
-            </a:solidFill>
-          </a:ln>
-        </p:spPr>
-      </p:pic>
-    </p:spTree>
-    <p:extLst>
-      <p:ext uri="{BB962C8B-B14F-4D97-AF65-F5344CB8AC3E}">
-        <p14:creationId xmlns:p14="http://schemas.microsoft.com/office/powerpoint/2010/main" val="2087334653"/>
-      </p:ext>
-    </p:extLst>
-  </p:cSld>
-  <p:clrMapOvr>
-    <a:masterClrMapping/>
-  </p:clrMapOvr>
-  <p:timing>
-    <p:tnLst>
-      <p:par>
-        <p:cTn id="1" dur="indefinite" restart="never" nodeType="tmRoot"/>
-      </p:par>
-    </p:tnLst>
-  </p:timing>
-</p:sld>
-</file>
-
 <file path=ppt/slides/slide3.xml><?xml version="1.0" encoding="utf-8"?>
 <p:sld xmlns:a="http://schemas.openxmlformats.org/drawingml/2006/main" xmlns:r="http://schemas.openxmlformats.org/officeDocument/2006/relationships" xmlns:p="http://schemas.openxmlformats.org/presentationml/2006/main">
   <p:cSld>
@@ -9347,14 +9385,7 @@
                 <a:latin typeface="휴먼엑스포" panose="02030504000101010101" pitchFamily="18" charset="-127"/>
                 <a:ea typeface="휴먼엑스포" panose="02030504000101010101" pitchFamily="18" charset="-127"/>
               </a:rPr>
-              <a:t>GUI(Graphical </a:t>
-            </a:r>
-            <a:r>
-              <a:rPr lang="en-US" altLang="ko-KR" sz="2000" dirty="0" smtClean="0">
-                <a:latin typeface="휴먼엑스포" panose="02030504000101010101" pitchFamily="18" charset="-127"/>
-                <a:ea typeface="휴먼엑스포" panose="02030504000101010101" pitchFamily="18" charset="-127"/>
-              </a:rPr>
-              <a:t>User Interface)</a:t>
+              <a:t>GUI(Graphical User Interface)</a:t>
             </a:r>
             <a:r>
               <a:rPr lang="ko-KR" altLang="en-US" sz="2000" dirty="0" smtClean="0">
@@ -10340,6 +10371,138 @@
 </p:sld>
 </file>
 
+<file path=ppt/slides/slide30.xml><?xml version="1.0" encoding="utf-8"?>
+<p:sld xmlns:a="http://schemas.openxmlformats.org/drawingml/2006/main" xmlns:r="http://schemas.openxmlformats.org/officeDocument/2006/relationships" xmlns:p="http://schemas.openxmlformats.org/presentationml/2006/main">
+  <p:cSld>
+    <p:spTree>
+      <p:nvGrpSpPr>
+        <p:cNvPr id="1" name=""/>
+        <p:cNvGrpSpPr/>
+        <p:nvPr/>
+      </p:nvGrpSpPr>
+      <p:grpSpPr>
+        <a:xfrm>
+          <a:off x="0" y="0"/>
+          <a:ext cx="0" cy="0"/>
+          <a:chOff x="0" y="0"/>
+          <a:chExt cx="0" cy="0"/>
+        </a:xfrm>
+      </p:grpSpPr>
+      <p:sp>
+        <p:nvSpPr>
+          <p:cNvPr id="2" name="제목 1"/>
+          <p:cNvSpPr>
+            <a:spLocks noGrp="1"/>
+          </p:cNvSpPr>
+          <p:nvPr>
+            <p:ph type="title"/>
+          </p:nvPr>
+        </p:nvSpPr>
+        <p:spPr/>
+        <p:txBody>
+          <a:bodyPr/>
+          <a:lstStyle/>
+          <a:p>
+            <a:r>
+              <a:rPr lang="en-US" altLang="ko-KR" dirty="0" smtClean="0"/>
+              <a:t> </a:t>
+            </a:r>
+            <a:r>
+              <a:rPr lang="ko-KR" altLang="en-US" dirty="0" err="1" smtClean="0"/>
+              <a:t>로또</a:t>
+            </a:r>
+            <a:r>
+              <a:rPr lang="ko-KR" altLang="en-US" dirty="0" smtClean="0"/>
+              <a:t> 당첨 번호 확인 </a:t>
+            </a:r>
+            <a:r>
+              <a:rPr lang="ko-KR" altLang="en-US" dirty="0" err="1" smtClean="0"/>
+              <a:t>앱</a:t>
+            </a:r>
+            <a:endParaRPr lang="ko-KR" altLang="en-US" dirty="0"/>
+          </a:p>
+        </p:txBody>
+      </p:sp>
+      <p:sp>
+        <p:nvSpPr>
+          <p:cNvPr id="4" name="슬라이드 번호 개체 틀 3"/>
+          <p:cNvSpPr>
+            <a:spLocks noGrp="1"/>
+          </p:cNvSpPr>
+          <p:nvPr>
+            <p:ph type="sldNum" sz="quarter" idx="12"/>
+          </p:nvPr>
+        </p:nvSpPr>
+        <p:spPr/>
+        <p:txBody>
+          <a:bodyPr/>
+          <a:lstStyle/>
+          <a:p>
+            <a:fld id="{1BDE3FE7-3AEA-4B05-AC5A-802D1816ACF0}" type="slidenum">
+              <a:rPr lang="ko-KR" altLang="en-US" smtClean="0"/>
+              <a:t>30</a:t>
+            </a:fld>
+            <a:endParaRPr lang="ko-KR" altLang="en-US"/>
+          </a:p>
+        </p:txBody>
+      </p:sp>
+      <p:pic>
+        <p:nvPicPr>
+          <p:cNvPr id="3" name="그림 2"/>
+          <p:cNvPicPr>
+            <a:picLocks noChangeAspect="1"/>
+          </p:cNvPicPr>
+          <p:nvPr/>
+        </p:nvPicPr>
+        <p:blipFill>
+          <a:blip r:embed="rId2">
+            <a:extLst>
+              <a:ext uri="{28A0092B-C50C-407E-A947-70E740481C1C}">
+                <a14:useLocalDpi xmlns:a14="http://schemas.microsoft.com/office/drawing/2010/main" val="0"/>
+              </a:ext>
+            </a:extLst>
+          </a:blip>
+          <a:stretch>
+            <a:fillRect/>
+          </a:stretch>
+        </p:blipFill>
+        <p:spPr>
+          <a:xfrm>
+            <a:off x="1280592" y="1556792"/>
+            <a:ext cx="6866215" cy="3360711"/>
+          </a:xfrm>
+          <a:prstGeom prst="rect">
+            <a:avLst/>
+          </a:prstGeom>
+          <a:ln>
+            <a:solidFill>
+              <a:schemeClr val="bg1">
+                <a:lumMod val="85000"/>
+              </a:schemeClr>
+            </a:solidFill>
+          </a:ln>
+        </p:spPr>
+      </p:pic>
+    </p:spTree>
+    <p:extLst>
+      <p:ext uri="{BB962C8B-B14F-4D97-AF65-F5344CB8AC3E}">
+        <p14:creationId xmlns:p14="http://schemas.microsoft.com/office/powerpoint/2010/main" val="2087334653"/>
+      </p:ext>
+    </p:extLst>
+  </p:cSld>
+  <p:clrMapOvr>
+    <a:masterClrMapping/>
+  </p:clrMapOvr>
+  <p:timing>
+    <p:tnLst>
+      <p:par>
+        <p:cTn id="1" dur="indefinite" restart="never" nodeType="tmRoot"/>
+      </p:par>
+    </p:tnLst>
+  </p:timing>
+</p:sld>
+</file>
+
 <file path=ppt/slides/slide4.xml><?xml version="1.0" encoding="utf-8"?>
 <p:sld xmlns:a="http://schemas.openxmlformats.org/drawingml/2006/main" xmlns:r="http://schemas.openxmlformats.org/officeDocument/2006/relationships" xmlns:p="http://schemas.openxmlformats.org/presentationml/2006/main">
   <p:cSld>
@@ -10769,9 +10932,402 @@
   <p:timing>
     <p:tnLst>
       <p:par>
-        <p:cTn id="1" dur="indefinite" restart="never" nodeType="tmRoot"/>
+        <p:cTn id="1" dur="indefinite" restart="never" nodeType="tmRoot">
+          <p:childTnLst>
+            <p:seq concurrent="1" nextAc="seek">
+              <p:cTn id="2" dur="indefinite" nodeType="mainSeq">
+                <p:childTnLst>
+                  <p:par>
+                    <p:cTn id="3" fill="hold">
+                      <p:stCondLst>
+                        <p:cond delay="indefinite"/>
+                      </p:stCondLst>
+                      <p:childTnLst>
+                        <p:par>
+                          <p:cTn id="4" fill="hold">
+                            <p:stCondLst>
+                              <p:cond delay="0"/>
+                            </p:stCondLst>
+                            <p:childTnLst>
+                              <p:par>
+                                <p:cTn id="5" presetID="2" presetClass="entr" presetSubtype="2" fill="hold" grpId="0" nodeType="clickEffect">
+                                  <p:stCondLst>
+                                    <p:cond delay="0"/>
+                                  </p:stCondLst>
+                                  <p:childTnLst>
+                                    <p:set>
+                                      <p:cBhvr>
+                                        <p:cTn id="6" dur="1" fill="hold">
+                                          <p:stCondLst>
+                                            <p:cond delay="0"/>
+                                          </p:stCondLst>
+                                        </p:cTn>
+                                        <p:tgtEl>
+                                          <p:spTgt spid="9"/>
+                                        </p:tgtEl>
+                                        <p:attrNameLst>
+                                          <p:attrName>style.visibility</p:attrName>
+                                        </p:attrNameLst>
+                                      </p:cBhvr>
+                                      <p:to>
+                                        <p:strVal val="visible"/>
+                                      </p:to>
+                                    </p:set>
+                                    <p:anim calcmode="lin" valueType="num">
+                                      <p:cBhvr additive="base">
+                                        <p:cTn id="7" dur="500" fill="hold"/>
+                                        <p:tgtEl>
+                                          <p:spTgt spid="9"/>
+                                        </p:tgtEl>
+                                        <p:attrNameLst>
+                                          <p:attrName>ppt_x</p:attrName>
+                                        </p:attrNameLst>
+                                      </p:cBhvr>
+                                      <p:tavLst>
+                                        <p:tav tm="0">
+                                          <p:val>
+                                            <p:strVal val="1+#ppt_w/2"/>
+                                          </p:val>
+                                        </p:tav>
+                                        <p:tav tm="100000">
+                                          <p:val>
+                                            <p:strVal val="#ppt_x"/>
+                                          </p:val>
+                                        </p:tav>
+                                      </p:tavLst>
+                                    </p:anim>
+                                    <p:anim calcmode="lin" valueType="num">
+                                      <p:cBhvr additive="base">
+                                        <p:cTn id="8" dur="500" fill="hold"/>
+                                        <p:tgtEl>
+                                          <p:spTgt spid="9"/>
+                                        </p:tgtEl>
+                                        <p:attrNameLst>
+                                          <p:attrName>ppt_y</p:attrName>
+                                        </p:attrNameLst>
+                                      </p:cBhvr>
+                                      <p:tavLst>
+                                        <p:tav tm="0">
+                                          <p:val>
+                                            <p:strVal val="#ppt_y"/>
+                                          </p:val>
+                                        </p:tav>
+                                        <p:tav tm="100000">
+                                          <p:val>
+                                            <p:strVal val="#ppt_y"/>
+                                          </p:val>
+                                        </p:tav>
+                                      </p:tavLst>
+                                    </p:anim>
+                                  </p:childTnLst>
+                                </p:cTn>
+                              </p:par>
+                            </p:childTnLst>
+                          </p:cTn>
+                        </p:par>
+                      </p:childTnLst>
+                    </p:cTn>
+                  </p:par>
+                  <p:par>
+                    <p:cTn id="9" fill="hold">
+                      <p:stCondLst>
+                        <p:cond delay="indefinite"/>
+                      </p:stCondLst>
+                      <p:childTnLst>
+                        <p:par>
+                          <p:cTn id="10" fill="hold">
+                            <p:stCondLst>
+                              <p:cond delay="0"/>
+                            </p:stCondLst>
+                            <p:childTnLst>
+                              <p:par>
+                                <p:cTn id="11" presetID="2" presetClass="entr" presetSubtype="2" fill="hold" grpId="0" nodeType="clickEffect">
+                                  <p:stCondLst>
+                                    <p:cond delay="0"/>
+                                  </p:stCondLst>
+                                  <p:childTnLst>
+                                    <p:set>
+                                      <p:cBhvr>
+                                        <p:cTn id="12" dur="1" fill="hold">
+                                          <p:stCondLst>
+                                            <p:cond delay="0"/>
+                                          </p:stCondLst>
+                                        </p:cTn>
+                                        <p:tgtEl>
+                                          <p:spTgt spid="10"/>
+                                        </p:tgtEl>
+                                        <p:attrNameLst>
+                                          <p:attrName>style.visibility</p:attrName>
+                                        </p:attrNameLst>
+                                      </p:cBhvr>
+                                      <p:to>
+                                        <p:strVal val="visible"/>
+                                      </p:to>
+                                    </p:set>
+                                    <p:anim calcmode="lin" valueType="num">
+                                      <p:cBhvr additive="base">
+                                        <p:cTn id="13" dur="500" fill="hold"/>
+                                        <p:tgtEl>
+                                          <p:spTgt spid="10"/>
+                                        </p:tgtEl>
+                                        <p:attrNameLst>
+                                          <p:attrName>ppt_x</p:attrName>
+                                        </p:attrNameLst>
+                                      </p:cBhvr>
+                                      <p:tavLst>
+                                        <p:tav tm="0">
+                                          <p:val>
+                                            <p:strVal val="1+#ppt_w/2"/>
+                                          </p:val>
+                                        </p:tav>
+                                        <p:tav tm="100000">
+                                          <p:val>
+                                            <p:strVal val="#ppt_x"/>
+                                          </p:val>
+                                        </p:tav>
+                                      </p:tavLst>
+                                    </p:anim>
+                                    <p:anim calcmode="lin" valueType="num">
+                                      <p:cBhvr additive="base">
+                                        <p:cTn id="14" dur="500" fill="hold"/>
+                                        <p:tgtEl>
+                                          <p:spTgt spid="10"/>
+                                        </p:tgtEl>
+                                        <p:attrNameLst>
+                                          <p:attrName>ppt_y</p:attrName>
+                                        </p:attrNameLst>
+                                      </p:cBhvr>
+                                      <p:tavLst>
+                                        <p:tav tm="0">
+                                          <p:val>
+                                            <p:strVal val="#ppt_y"/>
+                                          </p:val>
+                                        </p:tav>
+                                        <p:tav tm="100000">
+                                          <p:val>
+                                            <p:strVal val="#ppt_y"/>
+                                          </p:val>
+                                        </p:tav>
+                                      </p:tavLst>
+                                    </p:anim>
+                                  </p:childTnLst>
+                                </p:cTn>
+                              </p:par>
+                            </p:childTnLst>
+                          </p:cTn>
+                        </p:par>
+                      </p:childTnLst>
+                    </p:cTn>
+                  </p:par>
+                  <p:par>
+                    <p:cTn id="15" fill="hold">
+                      <p:stCondLst>
+                        <p:cond delay="indefinite"/>
+                      </p:stCondLst>
+                      <p:childTnLst>
+                        <p:par>
+                          <p:cTn id="16" fill="hold">
+                            <p:stCondLst>
+                              <p:cond delay="0"/>
+                            </p:stCondLst>
+                            <p:childTnLst>
+                              <p:par>
+                                <p:cTn id="17" presetID="2" presetClass="entr" presetSubtype="2" fill="hold" grpId="0" nodeType="clickEffect">
+                                  <p:stCondLst>
+                                    <p:cond delay="0"/>
+                                  </p:stCondLst>
+                                  <p:childTnLst>
+                                    <p:set>
+                                      <p:cBhvr>
+                                        <p:cTn id="18" dur="1" fill="hold">
+                                          <p:stCondLst>
+                                            <p:cond delay="0"/>
+                                          </p:stCondLst>
+                                        </p:cTn>
+                                        <p:tgtEl>
+                                          <p:spTgt spid="11"/>
+                                        </p:tgtEl>
+                                        <p:attrNameLst>
+                                          <p:attrName>style.visibility</p:attrName>
+                                        </p:attrNameLst>
+                                      </p:cBhvr>
+                                      <p:to>
+                                        <p:strVal val="visible"/>
+                                      </p:to>
+                                    </p:set>
+                                    <p:anim calcmode="lin" valueType="num">
+                                      <p:cBhvr additive="base">
+                                        <p:cTn id="19" dur="500" fill="hold"/>
+                                        <p:tgtEl>
+                                          <p:spTgt spid="11"/>
+                                        </p:tgtEl>
+                                        <p:attrNameLst>
+                                          <p:attrName>ppt_x</p:attrName>
+                                        </p:attrNameLst>
+                                      </p:cBhvr>
+                                      <p:tavLst>
+                                        <p:tav tm="0">
+                                          <p:val>
+                                            <p:strVal val="1+#ppt_w/2"/>
+                                          </p:val>
+                                        </p:tav>
+                                        <p:tav tm="100000">
+                                          <p:val>
+                                            <p:strVal val="#ppt_x"/>
+                                          </p:val>
+                                        </p:tav>
+                                      </p:tavLst>
+                                    </p:anim>
+                                    <p:anim calcmode="lin" valueType="num">
+                                      <p:cBhvr additive="base">
+                                        <p:cTn id="20" dur="500" fill="hold"/>
+                                        <p:tgtEl>
+                                          <p:spTgt spid="11"/>
+                                        </p:tgtEl>
+                                        <p:attrNameLst>
+                                          <p:attrName>ppt_y</p:attrName>
+                                        </p:attrNameLst>
+                                      </p:cBhvr>
+                                      <p:tavLst>
+                                        <p:tav tm="0">
+                                          <p:val>
+                                            <p:strVal val="#ppt_y"/>
+                                          </p:val>
+                                        </p:tav>
+                                        <p:tav tm="100000">
+                                          <p:val>
+                                            <p:strVal val="#ppt_y"/>
+                                          </p:val>
+                                        </p:tav>
+                                      </p:tavLst>
+                                    </p:anim>
+                                  </p:childTnLst>
+                                </p:cTn>
+                              </p:par>
+                            </p:childTnLst>
+                          </p:cTn>
+                        </p:par>
+                      </p:childTnLst>
+                    </p:cTn>
+                  </p:par>
+                  <p:par>
+                    <p:cTn id="21" fill="hold">
+                      <p:stCondLst>
+                        <p:cond delay="indefinite"/>
+                      </p:stCondLst>
+                      <p:childTnLst>
+                        <p:par>
+                          <p:cTn id="22" fill="hold">
+                            <p:stCondLst>
+                              <p:cond delay="0"/>
+                            </p:stCondLst>
+                            <p:childTnLst>
+                              <p:par>
+                                <p:cTn id="23" presetID="2" presetClass="entr" presetSubtype="2" fill="hold" grpId="0" nodeType="clickEffect">
+                                  <p:stCondLst>
+                                    <p:cond delay="0"/>
+                                  </p:stCondLst>
+                                  <p:childTnLst>
+                                    <p:set>
+                                      <p:cBhvr>
+                                        <p:cTn id="24" dur="1" fill="hold">
+                                          <p:stCondLst>
+                                            <p:cond delay="0"/>
+                                          </p:stCondLst>
+                                        </p:cTn>
+                                        <p:tgtEl>
+                                          <p:spTgt spid="12"/>
+                                        </p:tgtEl>
+                                        <p:attrNameLst>
+                                          <p:attrName>style.visibility</p:attrName>
+                                        </p:attrNameLst>
+                                      </p:cBhvr>
+                                      <p:to>
+                                        <p:strVal val="visible"/>
+                                      </p:to>
+                                    </p:set>
+                                    <p:anim calcmode="lin" valueType="num">
+                                      <p:cBhvr additive="base">
+                                        <p:cTn id="25" dur="500" fill="hold"/>
+                                        <p:tgtEl>
+                                          <p:spTgt spid="12"/>
+                                        </p:tgtEl>
+                                        <p:attrNameLst>
+                                          <p:attrName>ppt_x</p:attrName>
+                                        </p:attrNameLst>
+                                      </p:cBhvr>
+                                      <p:tavLst>
+                                        <p:tav tm="0">
+                                          <p:val>
+                                            <p:strVal val="1+#ppt_w/2"/>
+                                          </p:val>
+                                        </p:tav>
+                                        <p:tav tm="100000">
+                                          <p:val>
+                                            <p:strVal val="#ppt_x"/>
+                                          </p:val>
+                                        </p:tav>
+                                      </p:tavLst>
+                                    </p:anim>
+                                    <p:anim calcmode="lin" valueType="num">
+                                      <p:cBhvr additive="base">
+                                        <p:cTn id="26" dur="500" fill="hold"/>
+                                        <p:tgtEl>
+                                          <p:spTgt spid="12"/>
+                                        </p:tgtEl>
+                                        <p:attrNameLst>
+                                          <p:attrName>ppt_y</p:attrName>
+                                        </p:attrNameLst>
+                                      </p:cBhvr>
+                                      <p:tavLst>
+                                        <p:tav tm="0">
+                                          <p:val>
+                                            <p:strVal val="#ppt_y"/>
+                                          </p:val>
+                                        </p:tav>
+                                        <p:tav tm="100000">
+                                          <p:val>
+                                            <p:strVal val="#ppt_y"/>
+                                          </p:val>
+                                        </p:tav>
+                                      </p:tavLst>
+                                    </p:anim>
+                                  </p:childTnLst>
+                                </p:cTn>
+                              </p:par>
+                            </p:childTnLst>
+                          </p:cTn>
+                        </p:par>
+                      </p:childTnLst>
+                    </p:cTn>
+                  </p:par>
+                </p:childTnLst>
+              </p:cTn>
+              <p:prevCondLst>
+                <p:cond evt="onPrev" delay="0">
+                  <p:tgtEl>
+                    <p:sldTgt/>
+                  </p:tgtEl>
+                </p:cond>
+              </p:prevCondLst>
+              <p:nextCondLst>
+                <p:cond evt="onNext" delay="0">
+                  <p:tgtEl>
+                    <p:sldTgt/>
+                  </p:tgtEl>
+                </p:cond>
+              </p:nextCondLst>
+            </p:seq>
+          </p:childTnLst>
+        </p:cTn>
       </p:par>
     </p:tnLst>
+    <p:bldLst>
+      <p:bldP spid="9" grpId="0" animBg="1"/>
+      <p:bldP spid="10" grpId="0" animBg="1"/>
+      <p:bldP spid="11" grpId="0" animBg="1"/>
+      <p:bldP spid="12" grpId="0" animBg="1"/>
+    </p:bldLst>
   </p:timing>
 </p:sld>
 </file>
@@ -11234,9 +11790,6 @@
               </a:rPr>
               <a:t>)</a:t>
             </a:r>
-            <a:endParaRPr lang="en-US" altLang="ko-KR" dirty="0" smtClean="0">
-              <a:latin typeface="+mn-ea"/>
-            </a:endParaRPr>
           </a:p>
         </p:txBody>
       </p:sp>
@@ -11377,19 +11930,8 @@
                 <a:latin typeface="휴먼엑스포" panose="02030504000101010101" pitchFamily="18" charset="-127"/>
                 <a:ea typeface="휴먼엑스포" panose="02030504000101010101" pitchFamily="18" charset="-127"/>
               </a:rPr>
-              <a:t>g</a:t>
-            </a:r>
-            <a:r>
-              <a:rPr lang="en-US" altLang="ko-KR" sz="2000" dirty="0" smtClean="0">
-                <a:latin typeface="휴먼엑스포" panose="02030504000101010101" pitchFamily="18" charset="-127"/>
-                <a:ea typeface="휴먼엑스포" panose="02030504000101010101" pitchFamily="18" charset="-127"/>
-              </a:rPr>
-              <a:t>rid(row, column)</a:t>
-            </a:r>
-            <a:endParaRPr lang="en-US" altLang="ko-KR" sz="2000" dirty="0" smtClean="0">
-              <a:latin typeface="휴먼엑스포" panose="02030504000101010101" pitchFamily="18" charset="-127"/>
-              <a:ea typeface="휴먼엑스포" panose="02030504000101010101" pitchFamily="18" charset="-127"/>
-            </a:endParaRPr>
+              <a:t>grid(row, column)</a:t>
+            </a:r>
           </a:p>
         </p:txBody>
       </p:sp>
@@ -11677,11 +12219,7 @@
           <a:p>
             <a:r>
               <a:rPr lang="ko-KR" altLang="en-US" sz="2000" dirty="0" smtClean="0"/>
-              <a:t>확인 </a:t>
-            </a:r>
-            <a:r>
-              <a:rPr lang="ko-KR" altLang="en-US" sz="2000" dirty="0" smtClean="0"/>
-              <a:t>버튼을 클릭하여 콘솔에 메시지 출력하기</a:t>
+              <a:t>확인 버튼을 클릭하여 콘솔에 메시지 출력하기</a:t>
             </a:r>
             <a:endParaRPr lang="ko-KR" altLang="en-US" sz="2000" dirty="0"/>
           </a:p>
@@ -11780,15 +12318,7 @@
                   <a:srgbClr val="C00000"/>
                 </a:solidFill>
               </a:rPr>
-              <a:t>클릭이 </a:t>
-            </a:r>
-            <a:r>
-              <a:rPr lang="ko-KR" altLang="en-US" dirty="0" smtClean="0">
-                <a:solidFill>
-                  <a:srgbClr val="C00000"/>
-                </a:solidFill>
-              </a:rPr>
-              <a:t>발생한 때 작동함</a:t>
+              <a:t>클릭이 발생한 때 작동함</a:t>
             </a:r>
             <a:endParaRPr lang="ko-KR" altLang="en-US" dirty="0">
               <a:solidFill>
@@ -12089,11 +12619,7 @@
           <a:p>
             <a:r>
               <a:rPr lang="ko-KR" altLang="en-US" sz="2000" dirty="0" smtClean="0"/>
-              <a:t>확인 </a:t>
-            </a:r>
-            <a:r>
-              <a:rPr lang="ko-KR" altLang="en-US" sz="2000" dirty="0" smtClean="0"/>
-              <a:t>버튼을 클릭하여 콘솔에 메시지 출력하기</a:t>
+              <a:t>확인 버튼을 클릭하여 콘솔에 메시지 출력하기</a:t>
             </a:r>
             <a:endParaRPr lang="ko-KR" altLang="en-US" sz="2000" dirty="0"/>
           </a:p>
@@ -12192,15 +12718,7 @@
                   <a:srgbClr val="C00000"/>
                 </a:solidFill>
               </a:rPr>
-              <a:t>클릭이 </a:t>
-            </a:r>
-            <a:r>
-              <a:rPr lang="ko-KR" altLang="en-US" dirty="0" smtClean="0">
-                <a:solidFill>
-                  <a:srgbClr val="C00000"/>
-                </a:solidFill>
-              </a:rPr>
-              <a:t>발생한 때 작동함</a:t>
+              <a:t>클릭이 발생한 때 작동함</a:t>
             </a:r>
             <a:endParaRPr lang="ko-KR" altLang="en-US" dirty="0">
               <a:solidFill>
@@ -12425,7 +12943,6 @@
               <a:rPr lang="ko-KR" altLang="en-US" sz="2000" dirty="0"/>
               <a:t>메시지 출력하기</a:t>
             </a:r>
-            <a:endParaRPr lang="ko-KR" altLang="en-US" sz="2000" dirty="0"/>
           </a:p>
         </p:txBody>
       </p:sp>

--- a/python_ppt/Python 11장. GUI 프로그래밍.pptx
+++ b/python_ppt/Python 11장. GUI 프로그래밍.pptx
@@ -237,7 +237,7 @@
           <a:p>
             <a:fld id="{7665CDAC-D627-4E87-877A-1B781DD4CADC}" type="datetimeFigureOut">
               <a:rPr lang="ko-KR" altLang="en-US" smtClean="0"/>
-              <a:t>2023-05-02</a:t>
+              <a:t>2023-05-03</a:t>
             </a:fld>
             <a:endParaRPr lang="ko-KR" altLang="en-US"/>
           </a:p>
@@ -649,7 +649,7 @@
           <a:p>
             <a:fld id="{C25BCFD5-C4DF-4EBC-B718-C69ED2FBDE6F}" type="datetime1">
               <a:rPr lang="ko-KR" altLang="en-US" smtClean="0"/>
-              <a:t>2023-05-02</a:t>
+              <a:t>2023-05-03</a:t>
             </a:fld>
             <a:endParaRPr lang="ko-KR" altLang="en-US"/>
           </a:p>
@@ -1100,7 +1100,7 @@
           <a:p>
             <a:fld id="{AB448CD7-D367-43D5-B461-ACE552E75063}" type="datetime1">
               <a:rPr lang="ko-KR" altLang="en-US" smtClean="0"/>
-              <a:t>2023-05-02</a:t>
+              <a:t>2023-05-03</a:t>
             </a:fld>
             <a:endParaRPr lang="ko-KR" altLang="en-US"/>
           </a:p>
@@ -1278,7 +1278,7 @@
           <a:p>
             <a:fld id="{B6E49E79-7361-4780-8BEF-7EDE3708298A}" type="datetime1">
               <a:rPr lang="ko-KR" altLang="en-US" smtClean="0"/>
-              <a:t>2023-05-02</a:t>
+              <a:t>2023-05-03</a:t>
             </a:fld>
             <a:endParaRPr lang="ko-KR" altLang="en-US"/>
           </a:p>
@@ -1450,7 +1450,7 @@
           <a:p>
             <a:fld id="{A4D42E3C-B70B-437C-85CF-1286301B9CBA}" type="datetime1">
               <a:rPr lang="ko-KR" altLang="en-US" smtClean="0"/>
-              <a:t>2023-05-02</a:t>
+              <a:t>2023-05-03</a:t>
             </a:fld>
             <a:endParaRPr lang="ko-KR" altLang="en-US"/>
           </a:p>
@@ -1702,7 +1702,7 @@
           <a:p>
             <a:fld id="{B3369A20-5B3D-4D98-A822-26B93D177A40}" type="datetime1">
               <a:rPr lang="ko-KR" altLang="en-US" smtClean="0"/>
-              <a:t>2023-05-02</a:t>
+              <a:t>2023-05-03</a:t>
             </a:fld>
             <a:endParaRPr lang="ko-KR" altLang="en-US"/>
           </a:p>
@@ -1987,7 +1987,7 @@
           <a:p>
             <a:fld id="{685CD4CE-9E43-4F70-A9D8-A2130CA7D92A}" type="datetime1">
               <a:rPr lang="ko-KR" altLang="en-US" smtClean="0"/>
-              <a:t>2023-05-02</a:t>
+              <a:t>2023-05-03</a:t>
             </a:fld>
             <a:endParaRPr lang="ko-KR" altLang="en-US"/>
           </a:p>
@@ -2413,7 +2413,7 @@
           <a:p>
             <a:fld id="{F752BD92-DA3E-4A0B-90C9-7DE5E15B6E96}" type="datetime1">
               <a:rPr lang="ko-KR" altLang="en-US" smtClean="0"/>
-              <a:t>2023-05-02</a:t>
+              <a:t>2023-05-03</a:t>
             </a:fld>
             <a:endParaRPr lang="ko-KR" altLang="en-US"/>
           </a:p>
@@ -2537,7 +2537,7 @@
           <a:p>
             <a:fld id="{8EA2B83A-F366-424E-B742-340ACF856BB5}" type="datetime1">
               <a:rPr lang="ko-KR" altLang="en-US" smtClean="0"/>
-              <a:t>2023-05-02</a:t>
+              <a:t>2023-05-03</a:t>
             </a:fld>
             <a:endParaRPr lang="ko-KR" altLang="en-US"/>
           </a:p>
@@ -2632,7 +2632,7 @@
           <a:p>
             <a:fld id="{9A49D68B-5DBD-48E9-A8D4-FCBC4B3DD9C6}" type="datetime1">
               <a:rPr lang="ko-KR" altLang="en-US" smtClean="0"/>
-              <a:t>2023-05-02</a:t>
+              <a:t>2023-05-03</a:t>
             </a:fld>
             <a:endParaRPr lang="ko-KR" altLang="en-US"/>
           </a:p>
@@ -2907,7 +2907,7 @@
           <a:p>
             <a:fld id="{4CAB534F-7D16-467B-9320-91F98915D181}" type="datetime1">
               <a:rPr lang="ko-KR" altLang="en-US" smtClean="0"/>
-              <a:t>2023-05-02</a:t>
+              <a:t>2023-05-03</a:t>
             </a:fld>
             <a:endParaRPr lang="ko-KR" altLang="en-US"/>
           </a:p>
@@ -3159,7 +3159,7 @@
           <a:p>
             <a:fld id="{A390A91F-2F8D-4486-A69D-D680F95444B0}" type="datetime1">
               <a:rPr lang="ko-KR" altLang="en-US" smtClean="0"/>
-              <a:t>2023-05-02</a:t>
+              <a:t>2023-05-03</a:t>
             </a:fld>
             <a:endParaRPr lang="ko-KR" altLang="en-US"/>
           </a:p>
@@ -3338,7 +3338,7 @@
           <a:p>
             <a:fld id="{2238BBEA-E8DD-414A-BF68-FC2AFA7CFF2D}" type="datetime1">
               <a:rPr lang="ko-KR" altLang="en-US" smtClean="0"/>
-              <a:t>2023-05-02</a:t>
+              <a:t>2023-05-03</a:t>
             </a:fld>
             <a:endParaRPr lang="ko-KR" altLang="en-US"/>
           </a:p>
@@ -5507,7 +5507,7 @@
       </p:sp>
       <p:pic>
         <p:nvPicPr>
-          <p:cNvPr id="3" name="그림 2"/>
+          <p:cNvPr id="5" name="그림 4"/>
           <p:cNvPicPr>
             <a:picLocks noChangeAspect="1"/>
           </p:cNvPicPr>
@@ -5527,8 +5527,8 @@
         </p:blipFill>
         <p:spPr>
           <a:xfrm>
-            <a:off x="1752870" y="1758839"/>
-            <a:ext cx="5389460" cy="4437537"/>
+            <a:off x="1712640" y="1858831"/>
+            <a:ext cx="5700254" cy="4480948"/>
           </a:xfrm>
           <a:prstGeom prst="rect">
             <a:avLst/>

--- a/python_ppt/Python 11장. GUI 프로그래밍.pptx
+++ b/python_ppt/Python 11장. GUI 프로그래밍.pptx
@@ -5,7 +5,7 @@
     <p:sldMasterId id="2147483648" r:id="rId1"/>
   </p:sldMasterIdLst>
   <p:notesMasterIdLst>
-    <p:notesMasterId r:id="rId32"/>
+    <p:notesMasterId r:id="rId33"/>
   </p:notesMasterIdLst>
   <p:sldIdLst>
     <p:sldId id="256" r:id="rId2"/>
@@ -38,6 +38,7 @@
     <p:sldId id="333" r:id="rId29"/>
     <p:sldId id="350" r:id="rId30"/>
     <p:sldId id="351" r:id="rId31"/>
+    <p:sldId id="357" r:id="rId32"/>
   </p:sldIdLst>
   <p:sldSz cx="9906000" cy="6858000" type="A4"/>
   <p:notesSz cx="6858000" cy="9144000"/>
@@ -237,7 +238,7 @@
           <a:p>
             <a:fld id="{7665CDAC-D627-4E87-877A-1B781DD4CADC}" type="datetimeFigureOut">
               <a:rPr lang="ko-KR" altLang="en-US" smtClean="0"/>
-              <a:t>2023-05-03</a:t>
+              <a:t>2023-05-04</a:t>
             </a:fld>
             <a:endParaRPr lang="ko-KR" altLang="en-US"/>
           </a:p>
@@ -649,7 +650,7 @@
           <a:p>
             <a:fld id="{C25BCFD5-C4DF-4EBC-B718-C69ED2FBDE6F}" type="datetime1">
               <a:rPr lang="ko-KR" altLang="en-US" smtClean="0"/>
-              <a:t>2023-05-03</a:t>
+              <a:t>2023-05-04</a:t>
             </a:fld>
             <a:endParaRPr lang="ko-KR" altLang="en-US"/>
           </a:p>
@@ -1100,7 +1101,7 @@
           <a:p>
             <a:fld id="{AB448CD7-D367-43D5-B461-ACE552E75063}" type="datetime1">
               <a:rPr lang="ko-KR" altLang="en-US" smtClean="0"/>
-              <a:t>2023-05-03</a:t>
+              <a:t>2023-05-04</a:t>
             </a:fld>
             <a:endParaRPr lang="ko-KR" altLang="en-US"/>
           </a:p>
@@ -1278,7 +1279,7 @@
           <a:p>
             <a:fld id="{B6E49E79-7361-4780-8BEF-7EDE3708298A}" type="datetime1">
               <a:rPr lang="ko-KR" altLang="en-US" smtClean="0"/>
-              <a:t>2023-05-03</a:t>
+              <a:t>2023-05-04</a:t>
             </a:fld>
             <a:endParaRPr lang="ko-KR" altLang="en-US"/>
           </a:p>
@@ -1450,7 +1451,7 @@
           <a:p>
             <a:fld id="{A4D42E3C-B70B-437C-85CF-1286301B9CBA}" type="datetime1">
               <a:rPr lang="ko-KR" altLang="en-US" smtClean="0"/>
-              <a:t>2023-05-03</a:t>
+              <a:t>2023-05-04</a:t>
             </a:fld>
             <a:endParaRPr lang="ko-KR" altLang="en-US"/>
           </a:p>
@@ -1702,7 +1703,7 @@
           <a:p>
             <a:fld id="{B3369A20-5B3D-4D98-A822-26B93D177A40}" type="datetime1">
               <a:rPr lang="ko-KR" altLang="en-US" smtClean="0"/>
-              <a:t>2023-05-03</a:t>
+              <a:t>2023-05-04</a:t>
             </a:fld>
             <a:endParaRPr lang="ko-KR" altLang="en-US"/>
           </a:p>
@@ -1987,7 +1988,7 @@
           <a:p>
             <a:fld id="{685CD4CE-9E43-4F70-A9D8-A2130CA7D92A}" type="datetime1">
               <a:rPr lang="ko-KR" altLang="en-US" smtClean="0"/>
-              <a:t>2023-05-03</a:t>
+              <a:t>2023-05-04</a:t>
             </a:fld>
             <a:endParaRPr lang="ko-KR" altLang="en-US"/>
           </a:p>
@@ -2413,7 +2414,7 @@
           <a:p>
             <a:fld id="{F752BD92-DA3E-4A0B-90C9-7DE5E15B6E96}" type="datetime1">
               <a:rPr lang="ko-KR" altLang="en-US" smtClean="0"/>
-              <a:t>2023-05-03</a:t>
+              <a:t>2023-05-04</a:t>
             </a:fld>
             <a:endParaRPr lang="ko-KR" altLang="en-US"/>
           </a:p>
@@ -2537,7 +2538,7 @@
           <a:p>
             <a:fld id="{8EA2B83A-F366-424E-B742-340ACF856BB5}" type="datetime1">
               <a:rPr lang="ko-KR" altLang="en-US" smtClean="0"/>
-              <a:t>2023-05-03</a:t>
+              <a:t>2023-05-04</a:t>
             </a:fld>
             <a:endParaRPr lang="ko-KR" altLang="en-US"/>
           </a:p>
@@ -2632,7 +2633,7 @@
           <a:p>
             <a:fld id="{9A49D68B-5DBD-48E9-A8D4-FCBC4B3DD9C6}" type="datetime1">
               <a:rPr lang="ko-KR" altLang="en-US" smtClean="0"/>
-              <a:t>2023-05-03</a:t>
+              <a:t>2023-05-04</a:t>
             </a:fld>
             <a:endParaRPr lang="ko-KR" altLang="en-US"/>
           </a:p>
@@ -2907,7 +2908,7 @@
           <a:p>
             <a:fld id="{4CAB534F-7D16-467B-9320-91F98915D181}" type="datetime1">
               <a:rPr lang="ko-KR" altLang="en-US" smtClean="0"/>
-              <a:t>2023-05-03</a:t>
+              <a:t>2023-05-04</a:t>
             </a:fld>
             <a:endParaRPr lang="ko-KR" altLang="en-US"/>
           </a:p>
@@ -3159,7 +3160,7 @@
           <a:p>
             <a:fld id="{A390A91F-2F8D-4486-A69D-D680F95444B0}" type="datetime1">
               <a:rPr lang="ko-KR" altLang="en-US" smtClean="0"/>
-              <a:t>2023-05-03</a:t>
+              <a:t>2023-05-04</a:t>
             </a:fld>
             <a:endParaRPr lang="ko-KR" altLang="en-US"/>
           </a:p>
@@ -3338,7 +3339,7 @@
           <a:p>
             <a:fld id="{2238BBEA-E8DD-414A-BF68-FC2AFA7CFF2D}" type="datetime1">
               <a:rPr lang="ko-KR" altLang="en-US" smtClean="0"/>
-              <a:t>2023-05-03</a:t>
+              <a:t>2023-05-04</a:t>
             </a:fld>
             <a:endParaRPr lang="ko-KR" altLang="en-US"/>
           </a:p>
@@ -9213,7 +9214,7 @@
       </p:sp>
       <p:pic>
         <p:nvPicPr>
-          <p:cNvPr id="5" name="그림 4"/>
+          <p:cNvPr id="3" name="그림 2"/>
           <p:cNvPicPr>
             <a:picLocks noChangeAspect="1"/>
           </p:cNvPicPr>
@@ -9233,8 +9234,117 @@
         </p:blipFill>
         <p:spPr>
           <a:xfrm>
-            <a:off x="605413" y="1592420"/>
-            <a:ext cx="8695174" cy="3673159"/>
+            <a:off x="1577777" y="4456959"/>
+            <a:ext cx="3456385" cy="1440160"/>
+          </a:xfrm>
+          <a:prstGeom prst="rect">
+            <a:avLst/>
+          </a:prstGeom>
+        </p:spPr>
+      </p:pic>
+      <p:pic>
+        <p:nvPicPr>
+          <p:cNvPr id="6" name="그림 5"/>
+          <p:cNvPicPr>
+            <a:picLocks noChangeAspect="1"/>
+          </p:cNvPicPr>
+          <p:nvPr/>
+        </p:nvPicPr>
+        <p:blipFill>
+          <a:blip r:embed="rId3">
+            <a:extLst>
+              <a:ext uri="{28A0092B-C50C-407E-A947-70E740481C1C}">
+                <a14:useLocalDpi xmlns:a14="http://schemas.microsoft.com/office/drawing/2010/main" val="0"/>
+              </a:ext>
+            </a:extLst>
+          </a:blip>
+          <a:stretch>
+            <a:fillRect/>
+          </a:stretch>
+        </p:blipFill>
+        <p:spPr>
+          <a:xfrm>
+            <a:off x="5545462" y="4548334"/>
+            <a:ext cx="3863675" cy="1257409"/>
+          </a:xfrm>
+          <a:prstGeom prst="rect">
+            <a:avLst/>
+          </a:prstGeom>
+          <a:ln>
+            <a:solidFill>
+              <a:schemeClr val="bg1">
+                <a:lumMod val="85000"/>
+              </a:schemeClr>
+            </a:solidFill>
+          </a:ln>
+        </p:spPr>
+      </p:pic>
+      <p:sp>
+        <p:nvSpPr>
+          <p:cNvPr id="7" name="TextBox 6"/>
+          <p:cNvSpPr txBox="1"/>
+          <p:nvPr/>
+        </p:nvSpPr>
+        <p:spPr>
+          <a:xfrm>
+            <a:off x="1160200" y="1448852"/>
+            <a:ext cx="6673120" cy="400110"/>
+          </a:xfrm>
+          <a:prstGeom prst="rect">
+            <a:avLst/>
+          </a:prstGeom>
+          <a:noFill/>
+        </p:spPr>
+        <p:txBody>
+          <a:bodyPr wrap="square" rtlCol="0">
+            <a:spAutoFit/>
+          </a:bodyPr>
+          <a:lstStyle/>
+          <a:p>
+            <a:pPr marL="285750" indent="-285750">
+              <a:buFont typeface="Wingdings" panose="05000000000000000000" pitchFamily="2" charset="2"/>
+              <a:buChar char="Ø"/>
+            </a:pPr>
+            <a:r>
+              <a:rPr lang="ko-KR" altLang="en-US" sz="2000" dirty="0" smtClean="0"/>
+              <a:t>당첨 </a:t>
+            </a:r>
+            <a:r>
+              <a:rPr lang="ko-KR" altLang="en-US" sz="2000" dirty="0" err="1" smtClean="0"/>
+              <a:t>회차를</a:t>
+            </a:r>
+            <a:r>
+              <a:rPr lang="ko-KR" altLang="en-US" sz="2000" dirty="0" smtClean="0"/>
+              <a:t> 입력하면 당첨번호와 보너스 번호 출력</a:t>
+            </a:r>
+            <a:endParaRPr lang="ko-KR" altLang="en-US" sz="2000" dirty="0"/>
+          </a:p>
+        </p:txBody>
+      </p:sp>
+      <p:pic>
+        <p:nvPicPr>
+          <p:cNvPr id="8" name="그림 7"/>
+          <p:cNvPicPr>
+            <a:picLocks noChangeAspect="1"/>
+          </p:cNvPicPr>
+          <p:nvPr/>
+        </p:nvPicPr>
+        <p:blipFill>
+          <a:blip r:embed="rId4">
+            <a:extLst>
+              <a:ext uri="{28A0092B-C50C-407E-A947-70E740481C1C}">
+                <a14:useLocalDpi xmlns:a14="http://schemas.microsoft.com/office/drawing/2010/main" val="0"/>
+              </a:ext>
+            </a:extLst>
+          </a:blip>
+          <a:stretch>
+            <a:fillRect/>
+          </a:stretch>
+        </p:blipFill>
+        <p:spPr>
+          <a:xfrm>
+            <a:off x="1568624" y="2014107"/>
+            <a:ext cx="4712141" cy="1816385"/>
           </a:xfrm>
           <a:prstGeom prst="rect">
             <a:avLst/>
@@ -10487,6 +10597,138 @@
     <p:extLst>
       <p:ext uri="{BB962C8B-B14F-4D97-AF65-F5344CB8AC3E}">
         <p14:creationId xmlns:p14="http://schemas.microsoft.com/office/powerpoint/2010/main" val="2087334653"/>
+      </p:ext>
+    </p:extLst>
+  </p:cSld>
+  <p:clrMapOvr>
+    <a:masterClrMapping/>
+  </p:clrMapOvr>
+  <p:timing>
+    <p:tnLst>
+      <p:par>
+        <p:cTn id="1" dur="indefinite" restart="never" nodeType="tmRoot"/>
+      </p:par>
+    </p:tnLst>
+  </p:timing>
+</p:sld>
+</file>
+
+<file path=ppt/slides/slide31.xml><?xml version="1.0" encoding="utf-8"?>
+<p:sld xmlns:a="http://schemas.openxmlformats.org/drawingml/2006/main" xmlns:r="http://schemas.openxmlformats.org/officeDocument/2006/relationships" xmlns:p="http://schemas.openxmlformats.org/presentationml/2006/main">
+  <p:cSld>
+    <p:spTree>
+      <p:nvGrpSpPr>
+        <p:cNvPr id="1" name=""/>
+        <p:cNvGrpSpPr/>
+        <p:nvPr/>
+      </p:nvGrpSpPr>
+      <p:grpSpPr>
+        <a:xfrm>
+          <a:off x="0" y="0"/>
+          <a:ext cx="0" cy="0"/>
+          <a:chOff x="0" y="0"/>
+          <a:chExt cx="0" cy="0"/>
+        </a:xfrm>
+      </p:grpSpPr>
+      <p:sp>
+        <p:nvSpPr>
+          <p:cNvPr id="2" name="제목 1"/>
+          <p:cNvSpPr>
+            <a:spLocks noGrp="1"/>
+          </p:cNvSpPr>
+          <p:nvPr>
+            <p:ph type="title"/>
+          </p:nvPr>
+        </p:nvSpPr>
+        <p:spPr/>
+        <p:txBody>
+          <a:bodyPr/>
+          <a:lstStyle/>
+          <a:p>
+            <a:r>
+              <a:rPr lang="en-US" altLang="ko-KR" dirty="0" smtClean="0"/>
+              <a:t> </a:t>
+            </a:r>
+            <a:r>
+              <a:rPr lang="ko-KR" altLang="en-US" dirty="0" err="1" smtClean="0"/>
+              <a:t>로또</a:t>
+            </a:r>
+            <a:r>
+              <a:rPr lang="ko-KR" altLang="en-US" dirty="0" smtClean="0"/>
+              <a:t> 당첨 번호 확인 </a:t>
+            </a:r>
+            <a:r>
+              <a:rPr lang="ko-KR" altLang="en-US" dirty="0" err="1" smtClean="0"/>
+              <a:t>앱</a:t>
+            </a:r>
+            <a:endParaRPr lang="ko-KR" altLang="en-US" dirty="0"/>
+          </a:p>
+        </p:txBody>
+      </p:sp>
+      <p:sp>
+        <p:nvSpPr>
+          <p:cNvPr id="4" name="슬라이드 번호 개체 틀 3"/>
+          <p:cNvSpPr>
+            <a:spLocks noGrp="1"/>
+          </p:cNvSpPr>
+          <p:nvPr>
+            <p:ph type="sldNum" sz="quarter" idx="12"/>
+          </p:nvPr>
+        </p:nvSpPr>
+        <p:spPr/>
+        <p:txBody>
+          <a:bodyPr/>
+          <a:lstStyle/>
+          <a:p>
+            <a:fld id="{1BDE3FE7-3AEA-4B05-AC5A-802D1816ACF0}" type="slidenum">
+              <a:rPr lang="ko-KR" altLang="en-US" smtClean="0"/>
+              <a:t>31</a:t>
+            </a:fld>
+            <a:endParaRPr lang="ko-KR" altLang="en-US"/>
+          </a:p>
+        </p:txBody>
+      </p:sp>
+      <p:pic>
+        <p:nvPicPr>
+          <p:cNvPr id="5" name="그림 4"/>
+          <p:cNvPicPr>
+            <a:picLocks noChangeAspect="1"/>
+          </p:cNvPicPr>
+          <p:nvPr/>
+        </p:nvPicPr>
+        <p:blipFill>
+          <a:blip r:embed="rId2">
+            <a:extLst>
+              <a:ext uri="{28A0092B-C50C-407E-A947-70E740481C1C}">
+                <a14:useLocalDpi xmlns:a14="http://schemas.microsoft.com/office/drawing/2010/main" val="0"/>
+              </a:ext>
+            </a:extLst>
+          </a:blip>
+          <a:stretch>
+            <a:fillRect/>
+          </a:stretch>
+        </p:blipFill>
+        <p:spPr>
+          <a:xfrm>
+            <a:off x="920552" y="1556792"/>
+            <a:ext cx="8436071" cy="3810330"/>
+          </a:xfrm>
+          <a:prstGeom prst="rect">
+            <a:avLst/>
+          </a:prstGeom>
+          <a:ln>
+            <a:solidFill>
+              <a:schemeClr val="bg1">
+                <a:lumMod val="85000"/>
+              </a:schemeClr>
+            </a:solidFill>
+          </a:ln>
+        </p:spPr>
+      </p:pic>
+    </p:spTree>
+    <p:extLst>
+      <p:ext uri="{BB962C8B-B14F-4D97-AF65-F5344CB8AC3E}">
+        <p14:creationId xmlns:p14="http://schemas.microsoft.com/office/powerpoint/2010/main" val="3369510661"/>
       </p:ext>
     </p:extLst>
   </p:cSld>

--- a/python_ppt/Python 11장. GUI 프로그래밍.pptx
+++ b/python_ppt/Python 11장. GUI 프로그래밍.pptx
@@ -5,7 +5,7 @@
     <p:sldMasterId id="2147483648" r:id="rId1"/>
   </p:sldMasterIdLst>
   <p:notesMasterIdLst>
-    <p:notesMasterId r:id="rId33"/>
+    <p:notesMasterId r:id="rId46"/>
   </p:notesMasterIdLst>
   <p:sldIdLst>
     <p:sldId id="256" r:id="rId2"/>
@@ -17,28 +17,41 @@
     <p:sldId id="341" r:id="rId8"/>
     <p:sldId id="354" r:id="rId9"/>
     <p:sldId id="355" r:id="rId10"/>
-    <p:sldId id="342" r:id="rId11"/>
-    <p:sldId id="322" r:id="rId12"/>
-    <p:sldId id="336" r:id="rId13"/>
-    <p:sldId id="338" r:id="rId14"/>
-    <p:sldId id="345" r:id="rId15"/>
-    <p:sldId id="346" r:id="rId16"/>
-    <p:sldId id="324" r:id="rId17"/>
-    <p:sldId id="337" r:id="rId18"/>
-    <p:sldId id="349" r:id="rId19"/>
-    <p:sldId id="325" r:id="rId20"/>
-    <p:sldId id="326" r:id="rId21"/>
-    <p:sldId id="344" r:id="rId22"/>
-    <p:sldId id="327" r:id="rId23"/>
-    <p:sldId id="330" r:id="rId24"/>
-    <p:sldId id="331" r:id="rId25"/>
-    <p:sldId id="356" r:id="rId26"/>
-    <p:sldId id="348" r:id="rId27"/>
-    <p:sldId id="332" r:id="rId28"/>
-    <p:sldId id="333" r:id="rId29"/>
-    <p:sldId id="350" r:id="rId30"/>
-    <p:sldId id="351" r:id="rId31"/>
-    <p:sldId id="357" r:id="rId32"/>
+    <p:sldId id="367" r:id="rId11"/>
+    <p:sldId id="368" r:id="rId12"/>
+    <p:sldId id="369" r:id="rId13"/>
+    <p:sldId id="370" r:id="rId14"/>
+    <p:sldId id="342" r:id="rId15"/>
+    <p:sldId id="322" r:id="rId16"/>
+    <p:sldId id="336" r:id="rId17"/>
+    <p:sldId id="338" r:id="rId18"/>
+    <p:sldId id="345" r:id="rId19"/>
+    <p:sldId id="346" r:id="rId20"/>
+    <p:sldId id="324" r:id="rId21"/>
+    <p:sldId id="337" r:id="rId22"/>
+    <p:sldId id="349" r:id="rId23"/>
+    <p:sldId id="325" r:id="rId24"/>
+    <p:sldId id="326" r:id="rId25"/>
+    <p:sldId id="344" r:id="rId26"/>
+    <p:sldId id="327" r:id="rId27"/>
+    <p:sldId id="362" r:id="rId28"/>
+    <p:sldId id="363" r:id="rId29"/>
+    <p:sldId id="364" r:id="rId30"/>
+    <p:sldId id="330" r:id="rId31"/>
+    <p:sldId id="331" r:id="rId32"/>
+    <p:sldId id="356" r:id="rId33"/>
+    <p:sldId id="348" r:id="rId34"/>
+    <p:sldId id="332" r:id="rId35"/>
+    <p:sldId id="333" r:id="rId36"/>
+    <p:sldId id="350" r:id="rId37"/>
+    <p:sldId id="361" r:id="rId38"/>
+    <p:sldId id="351" r:id="rId39"/>
+    <p:sldId id="359" r:id="rId40"/>
+    <p:sldId id="360" r:id="rId41"/>
+    <p:sldId id="358" r:id="rId42"/>
+    <p:sldId id="365" r:id="rId43"/>
+    <p:sldId id="357" r:id="rId44"/>
+    <p:sldId id="366" r:id="rId45"/>
   </p:sldIdLst>
   <p:sldSz cx="9906000" cy="6858000" type="A4"/>
   <p:notesSz cx="6858000" cy="9144000"/>
@@ -238,7 +251,7 @@
           <a:p>
             <a:fld id="{7665CDAC-D627-4E87-877A-1B781DD4CADC}" type="datetimeFigureOut">
               <a:rPr lang="ko-KR" altLang="en-US" smtClean="0"/>
-              <a:t>2023-05-04</a:t>
+              <a:t>2023-05-08</a:t>
             </a:fld>
             <a:endParaRPr lang="ko-KR" altLang="en-US"/>
           </a:p>
@@ -650,7 +663,7 @@
           <a:p>
             <a:fld id="{C25BCFD5-C4DF-4EBC-B718-C69ED2FBDE6F}" type="datetime1">
               <a:rPr lang="ko-KR" altLang="en-US" smtClean="0"/>
-              <a:t>2023-05-04</a:t>
+              <a:t>2023-05-08</a:t>
             </a:fld>
             <a:endParaRPr lang="ko-KR" altLang="en-US"/>
           </a:p>
@@ -1101,7 +1114,7 @@
           <a:p>
             <a:fld id="{AB448CD7-D367-43D5-B461-ACE552E75063}" type="datetime1">
               <a:rPr lang="ko-KR" altLang="en-US" smtClean="0"/>
-              <a:t>2023-05-04</a:t>
+              <a:t>2023-05-08</a:t>
             </a:fld>
             <a:endParaRPr lang="ko-KR" altLang="en-US"/>
           </a:p>
@@ -1279,7 +1292,7 @@
           <a:p>
             <a:fld id="{B6E49E79-7361-4780-8BEF-7EDE3708298A}" type="datetime1">
               <a:rPr lang="ko-KR" altLang="en-US" smtClean="0"/>
-              <a:t>2023-05-04</a:t>
+              <a:t>2023-05-08</a:t>
             </a:fld>
             <a:endParaRPr lang="ko-KR" altLang="en-US"/>
           </a:p>
@@ -1451,7 +1464,7 @@
           <a:p>
             <a:fld id="{A4D42E3C-B70B-437C-85CF-1286301B9CBA}" type="datetime1">
               <a:rPr lang="ko-KR" altLang="en-US" smtClean="0"/>
-              <a:t>2023-05-04</a:t>
+              <a:t>2023-05-08</a:t>
             </a:fld>
             <a:endParaRPr lang="ko-KR" altLang="en-US"/>
           </a:p>
@@ -1703,7 +1716,7 @@
           <a:p>
             <a:fld id="{B3369A20-5B3D-4D98-A822-26B93D177A40}" type="datetime1">
               <a:rPr lang="ko-KR" altLang="en-US" smtClean="0"/>
-              <a:t>2023-05-04</a:t>
+              <a:t>2023-05-08</a:t>
             </a:fld>
             <a:endParaRPr lang="ko-KR" altLang="en-US"/>
           </a:p>
@@ -1988,7 +2001,7 @@
           <a:p>
             <a:fld id="{685CD4CE-9E43-4F70-A9D8-A2130CA7D92A}" type="datetime1">
               <a:rPr lang="ko-KR" altLang="en-US" smtClean="0"/>
-              <a:t>2023-05-04</a:t>
+              <a:t>2023-05-08</a:t>
             </a:fld>
             <a:endParaRPr lang="ko-KR" altLang="en-US"/>
           </a:p>
@@ -2414,7 +2427,7 @@
           <a:p>
             <a:fld id="{F752BD92-DA3E-4A0B-90C9-7DE5E15B6E96}" type="datetime1">
               <a:rPr lang="ko-KR" altLang="en-US" smtClean="0"/>
-              <a:t>2023-05-04</a:t>
+              <a:t>2023-05-08</a:t>
             </a:fld>
             <a:endParaRPr lang="ko-KR" altLang="en-US"/>
           </a:p>
@@ -2538,7 +2551,7 @@
           <a:p>
             <a:fld id="{8EA2B83A-F366-424E-B742-340ACF856BB5}" type="datetime1">
               <a:rPr lang="ko-KR" altLang="en-US" smtClean="0"/>
-              <a:t>2023-05-04</a:t>
+              <a:t>2023-05-08</a:t>
             </a:fld>
             <a:endParaRPr lang="ko-KR" altLang="en-US"/>
           </a:p>
@@ -2633,7 +2646,7 @@
           <a:p>
             <a:fld id="{9A49D68B-5DBD-48E9-A8D4-FCBC4B3DD9C6}" type="datetime1">
               <a:rPr lang="ko-KR" altLang="en-US" smtClean="0"/>
-              <a:t>2023-05-04</a:t>
+              <a:t>2023-05-08</a:t>
             </a:fld>
             <a:endParaRPr lang="ko-KR" altLang="en-US"/>
           </a:p>
@@ -2908,7 +2921,7 @@
           <a:p>
             <a:fld id="{4CAB534F-7D16-467B-9320-91F98915D181}" type="datetime1">
               <a:rPr lang="ko-KR" altLang="en-US" smtClean="0"/>
-              <a:t>2023-05-04</a:t>
+              <a:t>2023-05-08</a:t>
             </a:fld>
             <a:endParaRPr lang="ko-KR" altLang="en-US"/>
           </a:p>
@@ -3160,7 +3173,7 @@
           <a:p>
             <a:fld id="{A390A91F-2F8D-4486-A69D-D680F95444B0}" type="datetime1">
               <a:rPr lang="ko-KR" altLang="en-US" smtClean="0"/>
-              <a:t>2023-05-04</a:t>
+              <a:t>2023-05-08</a:t>
             </a:fld>
             <a:endParaRPr lang="ko-KR" altLang="en-US"/>
           </a:p>
@@ -3339,7 +3352,7 @@
           <a:p>
             <a:fld id="{2238BBEA-E8DD-414A-BF68-FC2AFA7CFF2D}" type="datetime1">
               <a:rPr lang="ko-KR" altLang="en-US" smtClean="0"/>
-              <a:t>2023-05-04</a:t>
+              <a:t>2023-05-08</a:t>
             </a:fld>
             <a:endParaRPr lang="ko-KR" altLang="en-US"/>
           </a:p>
@@ -4268,11 +4281,15 @@
           <a:p>
             <a:r>
               <a:rPr lang="en-US" altLang="ko-KR" dirty="0" smtClean="0"/>
-              <a:t> UI </a:t>
+              <a:t> </a:t>
             </a:r>
             <a:r>
               <a:rPr lang="ko-KR" altLang="en-US" dirty="0" smtClean="0"/>
-              <a:t>프로그래밍</a:t>
+              <a:t>레이아웃</a:t>
+            </a:r>
+            <a:r>
+              <a:rPr lang="en-US" altLang="ko-KR" dirty="0" smtClean="0"/>
+              <a:t>(layout)</a:t>
             </a:r>
             <a:endParaRPr lang="ko-KR" altLang="en-US" dirty="0"/>
           </a:p>
@@ -4303,14 +4320,166 @@
       </p:sp>
       <p:sp>
         <p:nvSpPr>
-          <p:cNvPr id="9" name="TextBox 8"/>
+          <p:cNvPr id="14" name="TextBox 13"/>
           <p:cNvSpPr txBox="1"/>
           <p:nvPr/>
         </p:nvSpPr>
         <p:spPr>
           <a:xfrm>
-            <a:off x="1352601" y="1412776"/>
-            <a:ext cx="4680520" cy="400110"/>
+            <a:off x="920552" y="1335646"/>
+            <a:ext cx="8064896" cy="509178"/>
+          </a:xfrm>
+          <a:prstGeom prst="rect">
+            <a:avLst/>
+          </a:prstGeom>
+          <a:ln>
+            <a:noFill/>
+          </a:ln>
+        </p:spPr>
+        <p:style>
+          <a:lnRef idx="2">
+            <a:schemeClr val="dk1"/>
+          </a:lnRef>
+          <a:fillRef idx="1">
+            <a:schemeClr val="lt1"/>
+          </a:fillRef>
+          <a:effectRef idx="0">
+            <a:schemeClr val="dk1"/>
+          </a:effectRef>
+          <a:fontRef idx="minor">
+            <a:schemeClr val="dk1"/>
+          </a:fontRef>
+        </p:style>
+        <p:txBody>
+          <a:bodyPr wrap="square" rtlCol="0">
+            <a:spAutoFit/>
+          </a:bodyPr>
+          <a:lstStyle/>
+          <a:p>
+            <a:pPr marL="342900" indent="-342900">
+              <a:lnSpc>
+                <a:spcPct val="150000"/>
+              </a:lnSpc>
+              <a:buFont typeface="Wingdings" panose="05000000000000000000" pitchFamily="2" charset="2"/>
+              <a:buChar char="§"/>
+            </a:pPr>
+            <a:r>
+              <a:rPr lang="ko-KR" altLang="en-US" sz="2000" dirty="0" smtClean="0">
+                <a:latin typeface="휴먼엑스포" panose="02030504000101010101" pitchFamily="18" charset="-127"/>
+                <a:ea typeface="휴먼엑스포" panose="02030504000101010101" pitchFamily="18" charset="-127"/>
+              </a:rPr>
+              <a:t>레이아웃 </a:t>
+            </a:r>
+            <a:r>
+              <a:rPr lang="en-US" altLang="ko-KR" sz="2000" dirty="0" smtClean="0">
+                <a:latin typeface="휴먼엑스포" panose="02030504000101010101" pitchFamily="18" charset="-127"/>
+                <a:ea typeface="휴먼엑스포" panose="02030504000101010101" pitchFamily="18" charset="-127"/>
+              </a:rPr>
+              <a:t>- pack() &amp; grid()</a:t>
+            </a:r>
+          </a:p>
+        </p:txBody>
+      </p:sp>
+      <p:sp>
+        <p:nvSpPr>
+          <p:cNvPr id="3" name="모서리가 둥근 직사각형 2"/>
+          <p:cNvSpPr/>
+          <p:nvPr/>
+        </p:nvSpPr>
+        <p:spPr>
+          <a:xfrm>
+            <a:off x="1640632" y="2388387"/>
+            <a:ext cx="2448272" cy="2192742"/>
+          </a:xfrm>
+          <a:prstGeom prst="roundRect">
+            <a:avLst/>
+          </a:prstGeom>
+          <a:noFill/>
+          <a:ln w="12700"/>
+        </p:spPr>
+        <p:style>
+          <a:lnRef idx="2">
+            <a:schemeClr val="accent1">
+              <a:shade val="50000"/>
+            </a:schemeClr>
+          </a:lnRef>
+          <a:fillRef idx="1">
+            <a:schemeClr val="accent1"/>
+          </a:fillRef>
+          <a:effectRef idx="0">
+            <a:schemeClr val="accent1"/>
+          </a:effectRef>
+          <a:fontRef idx="minor">
+            <a:schemeClr val="lt1"/>
+          </a:fontRef>
+        </p:style>
+        <p:txBody>
+          <a:bodyPr rtlCol="0" anchor="ctr"/>
+          <a:lstStyle/>
+          <a:p>
+            <a:pPr algn="ctr"/>
+            <a:endParaRPr lang="ko-KR" altLang="en-US"/>
+          </a:p>
+        </p:txBody>
+      </p:sp>
+      <p:sp>
+        <p:nvSpPr>
+          <p:cNvPr id="5" name="직사각형 4"/>
+          <p:cNvSpPr/>
+          <p:nvPr/>
+        </p:nvSpPr>
+        <p:spPr>
+          <a:xfrm>
+            <a:off x="1892660" y="2595786"/>
+            <a:ext cx="1944216" cy="504056"/>
+          </a:xfrm>
+          <a:prstGeom prst="rect">
+            <a:avLst/>
+          </a:prstGeom>
+          <a:solidFill>
+            <a:schemeClr val="bg1">
+              <a:lumMod val="95000"/>
+            </a:schemeClr>
+          </a:solidFill>
+          <a:ln/>
+        </p:spPr>
+        <p:style>
+          <a:lnRef idx="2">
+            <a:schemeClr val="accent3"/>
+          </a:lnRef>
+          <a:fillRef idx="1">
+            <a:schemeClr val="lt1"/>
+          </a:fillRef>
+          <a:effectRef idx="0">
+            <a:schemeClr val="accent3"/>
+          </a:effectRef>
+          <a:fontRef idx="minor">
+            <a:schemeClr val="dk1"/>
+          </a:fontRef>
+        </p:style>
+        <p:txBody>
+          <a:bodyPr rtlCol="0" anchor="ctr"/>
+          <a:lstStyle/>
+          <a:p>
+            <a:pPr algn="ctr"/>
+            <a:r>
+              <a:rPr lang="en-US" altLang="ko-KR" dirty="0" smtClean="0"/>
+              <a:t>1</a:t>
+            </a:r>
+            <a:endParaRPr lang="ko-KR" altLang="en-US" dirty="0"/>
+          </a:p>
+        </p:txBody>
+      </p:sp>
+      <p:sp>
+        <p:nvSpPr>
+          <p:cNvPr id="8" name="TextBox 7"/>
+          <p:cNvSpPr txBox="1"/>
+          <p:nvPr/>
+        </p:nvSpPr>
+        <p:spPr>
+          <a:xfrm>
+            <a:off x="1124575" y="4797152"/>
+            <a:ext cx="3672408" cy="923330"/>
           </a:xfrm>
           <a:prstGeom prst="rect">
             <a:avLst/>
@@ -4323,140 +4492,446 @@
           </a:bodyPr>
           <a:lstStyle/>
           <a:p>
-            <a:pPr marL="285750" indent="-285750">
-              <a:buFont typeface="Wingdings" panose="05000000000000000000" pitchFamily="2" charset="2"/>
-              <a:buChar char="§"/>
+            <a:pPr algn="ctr">
+              <a:lnSpc>
+                <a:spcPct val="150000"/>
+              </a:lnSpc>
             </a:pPr>
             <a:r>
-              <a:rPr lang="ko-KR" altLang="en-US" sz="2000" dirty="0" smtClean="0"/>
-              <a:t>이름을 입력 받고</a:t>
-            </a:r>
-            <a:r>
-              <a:rPr lang="en-US" altLang="ko-KR" sz="2000" dirty="0" smtClean="0"/>
-              <a:t>, </a:t>
-            </a:r>
-            <a:r>
-              <a:rPr lang="ko-KR" altLang="en-US" sz="2000" dirty="0" smtClean="0"/>
-              <a:t> 화면에 출력하기</a:t>
-            </a:r>
-            <a:endParaRPr lang="ko-KR" altLang="en-US" sz="2000" dirty="0"/>
-          </a:p>
-        </p:txBody>
-      </p:sp>
-      <p:pic>
-        <p:nvPicPr>
-          <p:cNvPr id="7" name="그림 6"/>
-          <p:cNvPicPr>
-            <a:picLocks noChangeAspect="1"/>
-          </p:cNvPicPr>
+              <a:rPr lang="en-US" altLang="ko-KR" b="1" dirty="0"/>
+              <a:t>p</a:t>
+            </a:r>
+            <a:r>
+              <a:rPr lang="en-US" altLang="ko-KR" b="1" dirty="0" smtClean="0"/>
+              <a:t>ack()</a:t>
+            </a:r>
+          </a:p>
+          <a:p>
+            <a:pPr algn="ctr">
+              <a:lnSpc>
+                <a:spcPct val="150000"/>
+              </a:lnSpc>
+            </a:pPr>
+            <a:r>
+              <a:rPr lang="ko-KR" altLang="en-US" dirty="0" smtClean="0"/>
+              <a:t>하나의 컨트롤이 한 줄을 차지함</a:t>
+            </a:r>
+            <a:endParaRPr lang="ko-KR" altLang="en-US" dirty="0"/>
+          </a:p>
+        </p:txBody>
+      </p:sp>
+      <p:sp>
+        <p:nvSpPr>
+          <p:cNvPr id="10" name="직사각형 9"/>
+          <p:cNvSpPr/>
           <p:nvPr/>
-        </p:nvPicPr>
-        <p:blipFill rotWithShape="1">
-          <a:blip r:embed="rId2">
-            <a:extLst>
-              <a:ext uri="{28A0092B-C50C-407E-A947-70E740481C1C}">
-                <a14:useLocalDpi xmlns:a14="http://schemas.microsoft.com/office/drawing/2010/main" val="0"/>
-              </a:ext>
-            </a:extLst>
-          </a:blip>
-          <a:srcRect t="55044"/>
-          <a:stretch/>
-        </p:blipFill>
-        <p:spPr>
-          <a:xfrm>
-            <a:off x="1352601" y="4264902"/>
-            <a:ext cx="7416824" cy="1877039"/>
+        </p:nvSpPr>
+        <p:spPr>
+          <a:xfrm>
+            <a:off x="1892660" y="3212976"/>
+            <a:ext cx="1944216" cy="504056"/>
           </a:xfrm>
           <a:prstGeom prst="rect">
             <a:avLst/>
           </a:prstGeom>
-          <a:ln>
-            <a:solidFill>
-              <a:schemeClr val="bg1">
-                <a:lumMod val="85000"/>
-              </a:schemeClr>
-            </a:solidFill>
-          </a:ln>
-        </p:spPr>
-      </p:pic>
-      <p:pic>
-        <p:nvPicPr>
-          <p:cNvPr id="8" name="그림 7"/>
-          <p:cNvPicPr>
-            <a:picLocks noChangeAspect="1"/>
-          </p:cNvPicPr>
+          <a:solidFill>
+            <a:schemeClr val="bg1">
+              <a:lumMod val="95000"/>
+            </a:schemeClr>
+          </a:solidFill>
+          <a:ln/>
+        </p:spPr>
+        <p:style>
+          <a:lnRef idx="2">
+            <a:schemeClr val="accent3"/>
+          </a:lnRef>
+          <a:fillRef idx="1">
+            <a:schemeClr val="lt1"/>
+          </a:fillRef>
+          <a:effectRef idx="0">
+            <a:schemeClr val="accent3"/>
+          </a:effectRef>
+          <a:fontRef idx="minor">
+            <a:schemeClr val="dk1"/>
+          </a:fontRef>
+        </p:style>
+        <p:txBody>
+          <a:bodyPr rtlCol="0" anchor="ctr"/>
+          <a:lstStyle/>
+          <a:p>
+            <a:pPr algn="ctr"/>
+            <a:r>
+              <a:rPr lang="en-US" altLang="ko-KR" dirty="0"/>
+              <a:t>2</a:t>
+            </a:r>
+            <a:endParaRPr lang="ko-KR" altLang="en-US" dirty="0"/>
+          </a:p>
+        </p:txBody>
+      </p:sp>
+      <p:sp>
+        <p:nvSpPr>
+          <p:cNvPr id="11" name="직사각형 10"/>
+          <p:cNvSpPr/>
           <p:nvPr/>
-        </p:nvPicPr>
-        <p:blipFill>
-          <a:blip r:embed="rId3">
-            <a:extLst>
-              <a:ext uri="{28A0092B-C50C-407E-A947-70E740481C1C}">
-                <a14:useLocalDpi xmlns:a14="http://schemas.microsoft.com/office/drawing/2010/main" val="0"/>
-              </a:ext>
-            </a:extLst>
-          </a:blip>
-          <a:stretch>
-            <a:fillRect/>
-          </a:stretch>
-        </p:blipFill>
-        <p:spPr>
-          <a:xfrm>
-            <a:off x="1640632" y="2276872"/>
-            <a:ext cx="1584176" cy="1601210"/>
+        </p:nvSpPr>
+        <p:spPr>
+          <a:xfrm>
+            <a:off x="1892660" y="3861048"/>
+            <a:ext cx="1944216" cy="504056"/>
           </a:xfrm>
           <a:prstGeom prst="rect">
             <a:avLst/>
           </a:prstGeom>
-          <a:ln>
-            <a:solidFill>
-              <a:schemeClr val="bg1">
-                <a:lumMod val="85000"/>
-              </a:schemeClr>
-            </a:solidFill>
-          </a:ln>
-        </p:spPr>
-      </p:pic>
-      <p:pic>
-        <p:nvPicPr>
-          <p:cNvPr id="3" name="그림 2"/>
-          <p:cNvPicPr>
-            <a:picLocks noChangeAspect="1"/>
-          </p:cNvPicPr>
+          <a:solidFill>
+            <a:schemeClr val="bg1">
+              <a:lumMod val="95000"/>
+            </a:schemeClr>
+          </a:solidFill>
+          <a:ln/>
+        </p:spPr>
+        <p:style>
+          <a:lnRef idx="2">
+            <a:schemeClr val="accent3"/>
+          </a:lnRef>
+          <a:fillRef idx="1">
+            <a:schemeClr val="lt1"/>
+          </a:fillRef>
+          <a:effectRef idx="0">
+            <a:schemeClr val="accent3"/>
+          </a:effectRef>
+          <a:fontRef idx="minor">
+            <a:schemeClr val="dk1"/>
+          </a:fontRef>
+        </p:style>
+        <p:txBody>
+          <a:bodyPr rtlCol="0" anchor="ctr"/>
+          <a:lstStyle/>
+          <a:p>
+            <a:pPr algn="ctr"/>
+            <a:r>
+              <a:rPr lang="en-US" altLang="ko-KR" dirty="0"/>
+              <a:t>3</a:t>
+            </a:r>
+            <a:endParaRPr lang="ko-KR" altLang="en-US" dirty="0"/>
+          </a:p>
+        </p:txBody>
+      </p:sp>
+      <p:sp>
+        <p:nvSpPr>
+          <p:cNvPr id="12" name="모서리가 둥근 직사각형 11"/>
+          <p:cNvSpPr/>
           <p:nvPr/>
-        </p:nvPicPr>
-        <p:blipFill>
-          <a:blip r:embed="rId4">
-            <a:extLst>
-              <a:ext uri="{28A0092B-C50C-407E-A947-70E740481C1C}">
-                <a14:useLocalDpi xmlns:a14="http://schemas.microsoft.com/office/drawing/2010/main" val="0"/>
-              </a:ext>
-            </a:extLst>
-          </a:blip>
-          <a:stretch>
-            <a:fillRect/>
-          </a:stretch>
-        </p:blipFill>
-        <p:spPr>
-          <a:xfrm>
-            <a:off x="4665521" y="2258819"/>
-            <a:ext cx="4103904" cy="1800200"/>
+        </p:nvSpPr>
+        <p:spPr>
+          <a:xfrm>
+            <a:off x="5385048" y="2348880"/>
+            <a:ext cx="2448272" cy="2232249"/>
+          </a:xfrm>
+          <a:prstGeom prst="roundRect">
+            <a:avLst/>
+          </a:prstGeom>
+          <a:noFill/>
+          <a:ln w="12700"/>
+        </p:spPr>
+        <p:style>
+          <a:lnRef idx="2">
+            <a:schemeClr val="accent1">
+              <a:shade val="50000"/>
+            </a:schemeClr>
+          </a:lnRef>
+          <a:fillRef idx="1">
+            <a:schemeClr val="accent1"/>
+          </a:fillRef>
+          <a:effectRef idx="0">
+            <a:schemeClr val="accent1"/>
+          </a:effectRef>
+          <a:fontRef idx="minor">
+            <a:schemeClr val="lt1"/>
+          </a:fontRef>
+        </p:style>
+        <p:txBody>
+          <a:bodyPr rtlCol="0" anchor="ctr"/>
+          <a:lstStyle/>
+          <a:p>
+            <a:pPr algn="ctr"/>
+            <a:endParaRPr lang="ko-KR" altLang="en-US"/>
+          </a:p>
+        </p:txBody>
+      </p:sp>
+      <p:sp>
+        <p:nvSpPr>
+          <p:cNvPr id="13" name="직사각형 12"/>
+          <p:cNvSpPr/>
+          <p:nvPr/>
+        </p:nvSpPr>
+        <p:spPr>
+          <a:xfrm>
+            <a:off x="5637076" y="2595786"/>
+            <a:ext cx="684076" cy="504056"/>
           </a:xfrm>
           <a:prstGeom prst="rect">
             <a:avLst/>
           </a:prstGeom>
-          <a:ln>
-            <a:solidFill>
-              <a:schemeClr val="bg1">
-                <a:lumMod val="85000"/>
-              </a:schemeClr>
-            </a:solidFill>
-          </a:ln>
-        </p:spPr>
-      </p:pic>
+          <a:solidFill>
+            <a:schemeClr val="accent6">
+              <a:lumMod val="20000"/>
+              <a:lumOff val="80000"/>
+            </a:schemeClr>
+          </a:solidFill>
+          <a:ln/>
+        </p:spPr>
+        <p:style>
+          <a:lnRef idx="2">
+            <a:schemeClr val="accent3"/>
+          </a:lnRef>
+          <a:fillRef idx="1">
+            <a:schemeClr val="lt1"/>
+          </a:fillRef>
+          <a:effectRef idx="0">
+            <a:schemeClr val="accent3"/>
+          </a:effectRef>
+          <a:fontRef idx="minor">
+            <a:schemeClr val="dk1"/>
+          </a:fontRef>
+        </p:style>
+        <p:txBody>
+          <a:bodyPr rtlCol="0" anchor="ctr"/>
+          <a:lstStyle/>
+          <a:p>
+            <a:pPr algn="ctr"/>
+            <a:r>
+              <a:rPr lang="en-US" altLang="ko-KR" dirty="0" smtClean="0"/>
+              <a:t>1</a:t>
+            </a:r>
+            <a:endParaRPr lang="ko-KR" altLang="en-US" dirty="0"/>
+          </a:p>
+        </p:txBody>
+      </p:sp>
+      <p:sp>
+        <p:nvSpPr>
+          <p:cNvPr id="15" name="TextBox 14"/>
+          <p:cNvSpPr txBox="1"/>
+          <p:nvPr/>
+        </p:nvSpPr>
+        <p:spPr>
+          <a:xfrm>
+            <a:off x="4880992" y="4725144"/>
+            <a:ext cx="3600400" cy="1338828"/>
+          </a:xfrm>
+          <a:prstGeom prst="rect">
+            <a:avLst/>
+          </a:prstGeom>
+          <a:noFill/>
+        </p:spPr>
+        <p:txBody>
+          <a:bodyPr wrap="square" rtlCol="0">
+            <a:spAutoFit/>
+          </a:bodyPr>
+          <a:lstStyle/>
+          <a:p>
+            <a:pPr algn="ctr">
+              <a:lnSpc>
+                <a:spcPct val="150000"/>
+              </a:lnSpc>
+            </a:pPr>
+            <a:r>
+              <a:rPr lang="en-US" altLang="ko-KR" b="1" dirty="0" smtClean="0"/>
+              <a:t>grid(</a:t>
+            </a:r>
+            <a:r>
+              <a:rPr lang="ko-KR" altLang="en-US" b="1" dirty="0" smtClean="0"/>
+              <a:t>행</a:t>
+            </a:r>
+            <a:r>
+              <a:rPr lang="en-US" altLang="ko-KR" b="1" dirty="0" smtClean="0"/>
+              <a:t>, </a:t>
+            </a:r>
+            <a:r>
+              <a:rPr lang="ko-KR" altLang="en-US" b="1" dirty="0" smtClean="0"/>
+              <a:t>열</a:t>
+            </a:r>
+            <a:r>
+              <a:rPr lang="en-US" altLang="ko-KR" b="1" dirty="0" smtClean="0"/>
+              <a:t>) </a:t>
+            </a:r>
+          </a:p>
+          <a:p>
+            <a:pPr algn="ctr">
+              <a:lnSpc>
+                <a:spcPct val="150000"/>
+              </a:lnSpc>
+            </a:pPr>
+            <a:r>
+              <a:rPr lang="en-US" altLang="ko-KR" dirty="0" smtClean="0"/>
+              <a:t> </a:t>
+            </a:r>
+            <a:r>
+              <a:rPr lang="ko-KR" altLang="en-US" dirty="0" smtClean="0"/>
+              <a:t>한 줄에 여러 개의 컨트롤을 배치할 수 있음</a:t>
+            </a:r>
+            <a:r>
+              <a:rPr lang="en-US" altLang="ko-KR" dirty="0" smtClean="0"/>
+              <a:t>, </a:t>
+            </a:r>
+            <a:r>
+              <a:rPr lang="ko-KR" altLang="en-US" dirty="0" smtClean="0"/>
+              <a:t>셀 병합도 가능</a:t>
+            </a:r>
+            <a:endParaRPr lang="ko-KR" altLang="en-US" dirty="0"/>
+          </a:p>
+        </p:txBody>
+      </p:sp>
+      <p:sp>
+        <p:nvSpPr>
+          <p:cNvPr id="16" name="직사각형 15"/>
+          <p:cNvSpPr/>
+          <p:nvPr/>
+        </p:nvSpPr>
+        <p:spPr>
+          <a:xfrm>
+            <a:off x="5637076" y="3212976"/>
+            <a:ext cx="684076" cy="504056"/>
+          </a:xfrm>
+          <a:prstGeom prst="rect">
+            <a:avLst/>
+          </a:prstGeom>
+          <a:solidFill>
+            <a:schemeClr val="accent6">
+              <a:lumMod val="20000"/>
+              <a:lumOff val="80000"/>
+            </a:schemeClr>
+          </a:solidFill>
+          <a:ln/>
+        </p:spPr>
+        <p:style>
+          <a:lnRef idx="2">
+            <a:schemeClr val="accent3"/>
+          </a:lnRef>
+          <a:fillRef idx="1">
+            <a:schemeClr val="lt1"/>
+          </a:fillRef>
+          <a:effectRef idx="0">
+            <a:schemeClr val="accent3"/>
+          </a:effectRef>
+          <a:fontRef idx="minor">
+            <a:schemeClr val="dk1"/>
+          </a:fontRef>
+        </p:style>
+        <p:txBody>
+          <a:bodyPr rtlCol="0" anchor="ctr"/>
+          <a:lstStyle/>
+          <a:p>
+            <a:pPr algn="ctr"/>
+            <a:r>
+              <a:rPr lang="en-US" altLang="ko-KR" dirty="0"/>
+              <a:t>2</a:t>
+            </a:r>
+            <a:endParaRPr lang="ko-KR" altLang="en-US" dirty="0"/>
+          </a:p>
+        </p:txBody>
+      </p:sp>
+      <p:sp>
+        <p:nvSpPr>
+          <p:cNvPr id="19" name="직사각형 18"/>
+          <p:cNvSpPr/>
+          <p:nvPr/>
+        </p:nvSpPr>
+        <p:spPr>
+          <a:xfrm>
+            <a:off x="6465168" y="3212976"/>
+            <a:ext cx="684076" cy="504056"/>
+          </a:xfrm>
+          <a:prstGeom prst="rect">
+            <a:avLst/>
+          </a:prstGeom>
+          <a:solidFill>
+            <a:schemeClr val="accent6">
+              <a:lumMod val="20000"/>
+              <a:lumOff val="80000"/>
+            </a:schemeClr>
+          </a:solidFill>
+          <a:ln/>
+        </p:spPr>
+        <p:style>
+          <a:lnRef idx="2">
+            <a:schemeClr val="accent3"/>
+          </a:lnRef>
+          <a:fillRef idx="1">
+            <a:schemeClr val="lt1"/>
+          </a:fillRef>
+          <a:effectRef idx="0">
+            <a:schemeClr val="accent3"/>
+          </a:effectRef>
+          <a:fontRef idx="minor">
+            <a:schemeClr val="dk1"/>
+          </a:fontRef>
+        </p:style>
+        <p:txBody>
+          <a:bodyPr rtlCol="0" anchor="ctr"/>
+          <a:lstStyle/>
+          <a:p>
+            <a:pPr algn="ctr"/>
+            <a:r>
+              <a:rPr lang="en-US" altLang="ko-KR" dirty="0" smtClean="0"/>
+              <a:t>3</a:t>
+            </a:r>
+            <a:endParaRPr lang="ko-KR" altLang="en-US" dirty="0"/>
+          </a:p>
+        </p:txBody>
+      </p:sp>
+      <p:sp>
+        <p:nvSpPr>
+          <p:cNvPr id="20" name="직사각형 19"/>
+          <p:cNvSpPr/>
+          <p:nvPr/>
+        </p:nvSpPr>
+        <p:spPr>
+          <a:xfrm>
+            <a:off x="5961113" y="3789040"/>
+            <a:ext cx="936104" cy="504056"/>
+          </a:xfrm>
+          <a:prstGeom prst="rect">
+            <a:avLst/>
+          </a:prstGeom>
+          <a:solidFill>
+            <a:schemeClr val="accent6">
+              <a:lumMod val="20000"/>
+              <a:lumOff val="80000"/>
+            </a:schemeClr>
+          </a:solidFill>
+          <a:ln/>
+        </p:spPr>
+        <p:style>
+          <a:lnRef idx="2">
+            <a:schemeClr val="accent3"/>
+          </a:lnRef>
+          <a:fillRef idx="1">
+            <a:schemeClr val="lt1"/>
+          </a:fillRef>
+          <a:effectRef idx="0">
+            <a:schemeClr val="accent3"/>
+          </a:effectRef>
+          <a:fontRef idx="minor">
+            <a:schemeClr val="dk1"/>
+          </a:fontRef>
+        </p:style>
+        <p:txBody>
+          <a:bodyPr rtlCol="0" anchor="ctr"/>
+          <a:lstStyle/>
+          <a:p>
+            <a:pPr algn="ctr"/>
+            <a:r>
+              <a:rPr lang="en-US" altLang="ko-KR" dirty="0"/>
+              <a:t>4</a:t>
+            </a:r>
+            <a:endParaRPr lang="ko-KR" altLang="en-US" dirty="0"/>
+          </a:p>
+        </p:txBody>
+      </p:sp>
     </p:spTree>
     <p:extLst>
       <p:ext uri="{BB962C8B-B14F-4D97-AF65-F5344CB8AC3E}">
-        <p14:creationId xmlns:p14="http://schemas.microsoft.com/office/powerpoint/2010/main" val="1289095272"/>
+        <p14:creationId xmlns:p14="http://schemas.microsoft.com/office/powerpoint/2010/main" val="2075720032"/>
       </p:ext>
     </p:extLst>
   </p:cSld>
@@ -4511,7 +4986,11 @@
             </a:r>
             <a:r>
               <a:rPr lang="ko-KR" altLang="en-US" dirty="0" smtClean="0"/>
-              <a:t>용어사전 만들기</a:t>
+              <a:t>레이아웃</a:t>
+            </a:r>
+            <a:r>
+              <a:rPr lang="en-US" altLang="ko-KR" dirty="0" smtClean="0"/>
+              <a:t>(layout)</a:t>
             </a:r>
             <a:endParaRPr lang="ko-KR" altLang="en-US" dirty="0"/>
           </a:p>
@@ -4540,80 +5019,9 @@
           </a:p>
         </p:txBody>
       </p:sp>
-      <p:sp>
-        <p:nvSpPr>
-          <p:cNvPr id="6" name="TextBox 5"/>
-          <p:cNvSpPr txBox="1"/>
-          <p:nvPr/>
-        </p:nvSpPr>
-        <p:spPr>
-          <a:xfrm>
-            <a:off x="992560" y="1322216"/>
-            <a:ext cx="6048672" cy="553998"/>
-          </a:xfrm>
-          <a:prstGeom prst="rect">
-            <a:avLst/>
-          </a:prstGeom>
-          <a:ln>
-            <a:noFill/>
-          </a:ln>
-        </p:spPr>
-        <p:style>
-          <a:lnRef idx="2">
-            <a:schemeClr val="dk1"/>
-          </a:lnRef>
-          <a:fillRef idx="1">
-            <a:schemeClr val="lt1"/>
-          </a:fillRef>
-          <a:effectRef idx="0">
-            <a:schemeClr val="dk1"/>
-          </a:effectRef>
-          <a:fontRef idx="minor">
-            <a:schemeClr val="dk1"/>
-          </a:fontRef>
-        </p:style>
-        <p:txBody>
-          <a:bodyPr wrap="square" rtlCol="0">
-            <a:spAutoFit/>
-          </a:bodyPr>
-          <a:lstStyle/>
-          <a:p>
-            <a:pPr>
-              <a:lnSpc>
-                <a:spcPct val="150000"/>
-              </a:lnSpc>
-            </a:pPr>
-            <a:r>
-              <a:rPr lang="ko-KR" altLang="en-US" sz="2000" dirty="0" smtClean="0">
-                <a:latin typeface="휴먼엑스포" panose="02030504000101010101" pitchFamily="18" charset="-127"/>
-                <a:ea typeface="휴먼엑스포" panose="02030504000101010101" pitchFamily="18" charset="-127"/>
-              </a:rPr>
-              <a:t>★ 용어 사전 </a:t>
-            </a:r>
-            <a:r>
-              <a:rPr lang="en-US" altLang="ko-KR" sz="2000" dirty="0" smtClean="0">
-                <a:latin typeface="휴먼엑스포" panose="02030504000101010101" pitchFamily="18" charset="-127"/>
-                <a:ea typeface="휴먼엑스포" panose="02030504000101010101" pitchFamily="18" charset="-127"/>
-              </a:rPr>
-              <a:t>App – dictionary </a:t>
-            </a:r>
-            <a:r>
-              <a:rPr lang="ko-KR" altLang="en-US" sz="2000" dirty="0" smtClean="0">
-                <a:latin typeface="휴먼엑스포" panose="02030504000101010101" pitchFamily="18" charset="-127"/>
-                <a:ea typeface="휴먼엑스포" panose="02030504000101010101" pitchFamily="18" charset="-127"/>
-              </a:rPr>
-              <a:t>자료구조 이용 </a:t>
-            </a:r>
-            <a:endParaRPr lang="en-US" altLang="ko-KR" sz="2000" dirty="0">
-              <a:latin typeface="휴먼엑스포" panose="02030504000101010101" pitchFamily="18" charset="-127"/>
-              <a:ea typeface="휴먼엑스포" panose="02030504000101010101" pitchFamily="18" charset="-127"/>
-            </a:endParaRPr>
-          </a:p>
-        </p:txBody>
-      </p:sp>
       <p:pic>
         <p:nvPicPr>
-          <p:cNvPr id="3" name="그림 2"/>
+          <p:cNvPr id="6" name="그림 5"/>
           <p:cNvPicPr>
             <a:picLocks noChangeAspect="1"/>
           </p:cNvPicPr>
@@ -4633,8 +5041,38 @@
         </p:blipFill>
         <p:spPr>
           <a:xfrm>
-            <a:off x="1784648" y="1995078"/>
-            <a:ext cx="5349704" cy="2370026"/>
+            <a:off x="1640632" y="2780928"/>
+            <a:ext cx="2979678" cy="1417443"/>
+          </a:xfrm>
+          <a:prstGeom prst="rect">
+            <a:avLst/>
+          </a:prstGeom>
+        </p:spPr>
+      </p:pic>
+      <p:pic>
+        <p:nvPicPr>
+          <p:cNvPr id="7" name="그림 6"/>
+          <p:cNvPicPr>
+            <a:picLocks noChangeAspect="1"/>
+          </p:cNvPicPr>
+          <p:nvPr/>
+        </p:nvPicPr>
+        <p:blipFill>
+          <a:blip r:embed="rId3">
+            <a:extLst>
+              <a:ext uri="{28A0092B-C50C-407E-A947-70E740481C1C}">
+                <a14:useLocalDpi xmlns:a14="http://schemas.microsoft.com/office/drawing/2010/main" val="0"/>
+              </a:ext>
+            </a:extLst>
+          </a:blip>
+          <a:stretch>
+            <a:fillRect/>
+          </a:stretch>
+        </p:blipFill>
+        <p:spPr>
+          <a:xfrm>
+            <a:off x="4985790" y="1988840"/>
+            <a:ext cx="4168501" cy="3787468"/>
           </a:xfrm>
           <a:prstGeom prst="rect">
             <a:avLst/>
@@ -4642,7 +5080,7 @@
           <a:ln>
             <a:solidFill>
               <a:schemeClr val="bg1">
-                <a:lumMod val="75000"/>
+                <a:lumMod val="85000"/>
               </a:schemeClr>
             </a:solidFill>
           </a:ln>
@@ -4650,132 +5088,63 @@
       </p:pic>
       <p:sp>
         <p:nvSpPr>
-          <p:cNvPr id="11" name="TextBox 10"/>
+          <p:cNvPr id="18" name="TextBox 17"/>
           <p:cNvSpPr txBox="1"/>
           <p:nvPr/>
         </p:nvSpPr>
         <p:spPr>
           <a:xfrm>
-            <a:off x="1424608" y="4549676"/>
-            <a:ext cx="7272808" cy="1569660"/>
+            <a:off x="920552" y="1335646"/>
+            <a:ext cx="8064896" cy="509178"/>
           </a:xfrm>
           <a:prstGeom prst="rect">
             <a:avLst/>
           </a:prstGeom>
-          <a:noFill/>
-        </p:spPr>
+          <a:ln>
+            <a:noFill/>
+          </a:ln>
+        </p:spPr>
+        <p:style>
+          <a:lnRef idx="2">
+            <a:schemeClr val="dk1"/>
+          </a:lnRef>
+          <a:fillRef idx="1">
+            <a:schemeClr val="lt1"/>
+          </a:fillRef>
+          <a:effectRef idx="0">
+            <a:schemeClr val="dk1"/>
+          </a:effectRef>
+          <a:fontRef idx="minor">
+            <a:schemeClr val="dk1"/>
+          </a:fontRef>
+        </p:style>
         <p:txBody>
           <a:bodyPr wrap="square" rtlCol="0">
             <a:spAutoFit/>
           </a:bodyPr>
           <a:lstStyle/>
-          <a:p>
-            <a:pPr>
-              <a:lnSpc>
-                <a:spcPct val="150000"/>
-              </a:lnSpc>
-            </a:pPr>
-            <a:r>
-              <a:rPr lang="en-US" altLang="ko-KR" sz="1600" dirty="0" smtClean="0"/>
-              <a:t>App </a:t>
-            </a:r>
-            <a:r>
-              <a:rPr lang="ko-KR" altLang="en-US" sz="1600" dirty="0" smtClean="0"/>
-              <a:t>설명</a:t>
-            </a:r>
-            <a:endParaRPr lang="en-US" altLang="ko-KR" sz="1600" dirty="0" smtClean="0"/>
-          </a:p>
           <a:p>
             <a:pPr marL="342900" indent="-342900">
               <a:lnSpc>
                 <a:spcPct val="150000"/>
               </a:lnSpc>
-              <a:buFont typeface="Arial" panose="020B0604020202020204" pitchFamily="34" charset="0"/>
-              <a:buChar char="•"/>
+              <a:buFont typeface="Wingdings" panose="05000000000000000000" pitchFamily="2" charset="2"/>
+              <a:buChar char="§"/>
             </a:pPr>
             <a:r>
-              <a:rPr lang="ko-KR" altLang="en-US" sz="1600" dirty="0" smtClean="0"/>
-              <a:t>용어를 미리 정의한다</a:t>
-            </a:r>
-            <a:r>
-              <a:rPr lang="en-US" altLang="ko-KR" sz="1600" dirty="0" smtClean="0"/>
-              <a:t>. – </a:t>
-            </a:r>
-            <a:r>
-              <a:rPr lang="ko-KR" altLang="en-US" sz="1600" dirty="0" err="1" smtClean="0"/>
-              <a:t>딕셔너리</a:t>
-            </a:r>
-            <a:r>
-              <a:rPr lang="ko-KR" altLang="en-US" sz="1600" dirty="0" smtClean="0"/>
-              <a:t> 자료 구조</a:t>
-            </a:r>
-            <a:endParaRPr lang="en-US" altLang="ko-KR" sz="1600" dirty="0" smtClean="0"/>
-          </a:p>
-          <a:p>
-            <a:pPr marL="342900" indent="-342900">
-              <a:lnSpc>
-                <a:spcPct val="150000"/>
-              </a:lnSpc>
-              <a:buFont typeface="Arial" panose="020B0604020202020204" pitchFamily="34" charset="0"/>
-              <a:buChar char="•"/>
-            </a:pPr>
-            <a:r>
-              <a:rPr lang="ko-KR" altLang="en-US" sz="1600" dirty="0" smtClean="0"/>
-              <a:t>단어를 입력하고 제출 버튼을 누르면</a:t>
-            </a:r>
-            <a:r>
-              <a:rPr lang="en-US" altLang="ko-KR" sz="1600" dirty="0" smtClean="0"/>
-              <a:t>, </a:t>
-            </a:r>
-            <a:r>
-              <a:rPr lang="ko-KR" altLang="en-US" sz="1600" dirty="0" smtClean="0"/>
-              <a:t>텍스트 상자에 정의가 출력된다</a:t>
-            </a:r>
-            <a:r>
-              <a:rPr lang="en-US" altLang="ko-KR" sz="1600" dirty="0" smtClean="0"/>
-              <a:t>.</a:t>
-            </a:r>
-          </a:p>
-          <a:p>
-            <a:pPr marL="342900" indent="-342900">
-              <a:lnSpc>
-                <a:spcPct val="150000"/>
-              </a:lnSpc>
-              <a:buFont typeface="Arial" panose="020B0604020202020204" pitchFamily="34" charset="0"/>
-              <a:buChar char="•"/>
-            </a:pPr>
-            <a:r>
-              <a:rPr lang="ko-KR" altLang="en-US" sz="1600" dirty="0" smtClean="0"/>
-              <a:t>정의된 단어가 아닌 경우 </a:t>
-            </a:r>
-            <a:r>
-              <a:rPr lang="en-US" altLang="ko-KR" sz="1600" dirty="0" smtClean="0"/>
-              <a:t>‘</a:t>
-            </a:r>
-            <a:r>
-              <a:rPr lang="ko-KR" altLang="en-US" sz="1600" dirty="0" smtClean="0"/>
-              <a:t>단어의 정의를 찾을 수 없습니다</a:t>
-            </a:r>
-            <a:r>
-              <a:rPr lang="en-US" altLang="ko-KR" sz="1600" dirty="0" smtClean="0"/>
-              <a:t>.’</a:t>
-            </a:r>
-            <a:r>
-              <a:rPr lang="ko-KR" altLang="en-US" sz="1600" dirty="0" smtClean="0"/>
-              <a:t>고 출력된다</a:t>
-            </a:r>
-            <a:r>
-              <a:rPr lang="en-US" altLang="ko-KR" sz="1600" dirty="0" smtClean="0"/>
-              <a:t>.</a:t>
-            </a:r>
-            <a:endParaRPr lang="ko-KR" altLang="en-US" sz="1600" dirty="0"/>
+              <a:rPr lang="en-US" altLang="ko-KR" sz="2000" dirty="0" smtClean="0">
+                <a:latin typeface="휴먼엑스포" panose="02030504000101010101" pitchFamily="18" charset="-127"/>
+                <a:ea typeface="휴먼엑스포" panose="02030504000101010101" pitchFamily="18" charset="-127"/>
+              </a:rPr>
+              <a:t>pack()</a:t>
+            </a:r>
           </a:p>
         </p:txBody>
       </p:sp>
     </p:spTree>
     <p:extLst>
       <p:ext uri="{BB962C8B-B14F-4D97-AF65-F5344CB8AC3E}">
-        <p14:creationId xmlns:p14="http://schemas.microsoft.com/office/powerpoint/2010/main" val="852726627"/>
+        <p14:creationId xmlns:p14="http://schemas.microsoft.com/office/powerpoint/2010/main" val="4021401457"/>
       </p:ext>
     </p:extLst>
   </p:cSld>
@@ -4830,7 +5199,11 @@
             </a:r>
             <a:r>
               <a:rPr lang="ko-KR" altLang="en-US" dirty="0" smtClean="0"/>
-              <a:t>용어사전 만들기</a:t>
+              <a:t>레이아웃</a:t>
+            </a:r>
+            <a:r>
+              <a:rPr lang="en-US" altLang="ko-KR" dirty="0" smtClean="0"/>
+              <a:t>(layout)</a:t>
             </a:r>
             <a:endParaRPr lang="ko-KR" altLang="en-US" dirty="0"/>
           </a:p>
@@ -4859,9 +5232,64 @@
           </a:p>
         </p:txBody>
       </p:sp>
+      <p:sp>
+        <p:nvSpPr>
+          <p:cNvPr id="18" name="TextBox 17"/>
+          <p:cNvSpPr txBox="1"/>
+          <p:nvPr/>
+        </p:nvSpPr>
+        <p:spPr>
+          <a:xfrm>
+            <a:off x="920552" y="1335646"/>
+            <a:ext cx="8064896" cy="509178"/>
+          </a:xfrm>
+          <a:prstGeom prst="rect">
+            <a:avLst/>
+          </a:prstGeom>
+          <a:ln>
+            <a:noFill/>
+          </a:ln>
+        </p:spPr>
+        <p:style>
+          <a:lnRef idx="2">
+            <a:schemeClr val="dk1"/>
+          </a:lnRef>
+          <a:fillRef idx="1">
+            <a:schemeClr val="lt1"/>
+          </a:fillRef>
+          <a:effectRef idx="0">
+            <a:schemeClr val="dk1"/>
+          </a:effectRef>
+          <a:fontRef idx="minor">
+            <a:schemeClr val="dk1"/>
+          </a:fontRef>
+        </p:style>
+        <p:txBody>
+          <a:bodyPr wrap="square" rtlCol="0">
+            <a:spAutoFit/>
+          </a:bodyPr>
+          <a:lstStyle/>
+          <a:p>
+            <a:pPr marL="342900" indent="-342900">
+              <a:lnSpc>
+                <a:spcPct val="150000"/>
+              </a:lnSpc>
+              <a:buFont typeface="Wingdings" panose="05000000000000000000" pitchFamily="2" charset="2"/>
+              <a:buChar char="§"/>
+            </a:pPr>
+            <a:r>
+              <a:rPr lang="en-US" altLang="ko-KR" sz="2000" dirty="0" smtClean="0">
+                <a:latin typeface="휴먼엑스포" panose="02030504000101010101" pitchFamily="18" charset="-127"/>
+                <a:ea typeface="휴먼엑스포" panose="02030504000101010101" pitchFamily="18" charset="-127"/>
+              </a:rPr>
+              <a:t>grid()</a:t>
+            </a:r>
+          </a:p>
+        </p:txBody>
+      </p:sp>
       <p:pic>
         <p:nvPicPr>
-          <p:cNvPr id="7" name="그림 6"/>
+          <p:cNvPr id="3" name="그림 2"/>
           <p:cNvPicPr>
             <a:picLocks noChangeAspect="1"/>
           </p:cNvPicPr>
@@ -4881,8 +5309,8 @@
         </p:blipFill>
         <p:spPr>
           <a:xfrm>
-            <a:off x="1280592" y="1484784"/>
-            <a:ext cx="6330760" cy="4320480"/>
+            <a:off x="1352600" y="2138683"/>
+            <a:ext cx="6325148" cy="4084674"/>
           </a:xfrm>
           <a:prstGeom prst="rect">
             <a:avLst/>
@@ -4896,10 +5324,47 @@
           </a:ln>
         </p:spPr>
       </p:pic>
+      <p:pic>
+        <p:nvPicPr>
+          <p:cNvPr id="5" name="그림 4"/>
+          <p:cNvPicPr>
+            <a:picLocks noChangeAspect="1"/>
+          </p:cNvPicPr>
+          <p:nvPr/>
+        </p:nvPicPr>
+        <p:blipFill>
+          <a:blip r:embed="rId3">
+            <a:extLst>
+              <a:ext uri="{28A0092B-C50C-407E-A947-70E740481C1C}">
+                <a14:useLocalDpi xmlns:a14="http://schemas.microsoft.com/office/drawing/2010/main" val="0"/>
+              </a:ext>
+            </a:extLst>
+          </a:blip>
+          <a:stretch>
+            <a:fillRect/>
+          </a:stretch>
+        </p:blipFill>
+        <p:spPr>
+          <a:xfrm>
+            <a:off x="5961112" y="1812365"/>
+            <a:ext cx="2424896" cy="1800200"/>
+          </a:xfrm>
+          <a:prstGeom prst="rect">
+            <a:avLst/>
+          </a:prstGeom>
+          <a:ln>
+            <a:solidFill>
+              <a:schemeClr val="bg1">
+                <a:lumMod val="85000"/>
+              </a:schemeClr>
+            </a:solidFill>
+          </a:ln>
+        </p:spPr>
+      </p:pic>
     </p:spTree>
     <p:extLst>
       <p:ext uri="{BB962C8B-B14F-4D97-AF65-F5344CB8AC3E}">
-        <p14:creationId xmlns:p14="http://schemas.microsoft.com/office/powerpoint/2010/main" val="504460018"/>
+        <p14:creationId xmlns:p14="http://schemas.microsoft.com/office/powerpoint/2010/main" val="2772056344"/>
       </p:ext>
     </p:extLst>
   </p:cSld>
@@ -4954,7 +5419,11 @@
             </a:r>
             <a:r>
               <a:rPr lang="ko-KR" altLang="en-US" dirty="0" smtClean="0"/>
-              <a:t>용어사전 만들기</a:t>
+              <a:t>레이아웃</a:t>
+            </a:r>
+            <a:r>
+              <a:rPr lang="en-US" altLang="ko-KR" dirty="0" smtClean="0"/>
+              <a:t>(layout)</a:t>
             </a:r>
             <a:endParaRPr lang="ko-KR" altLang="en-US" dirty="0"/>
           </a:p>
@@ -4985,14 +5454,14 @@
       </p:sp>
       <p:sp>
         <p:nvSpPr>
-          <p:cNvPr id="6" name="TextBox 5"/>
+          <p:cNvPr id="18" name="TextBox 17"/>
           <p:cNvSpPr txBox="1"/>
           <p:nvPr/>
         </p:nvSpPr>
         <p:spPr>
           <a:xfrm>
-            <a:off x="992560" y="1362675"/>
-            <a:ext cx="6048672" cy="553998"/>
+            <a:off x="920552" y="1335646"/>
+            <a:ext cx="8064896" cy="509178"/>
           </a:xfrm>
           <a:prstGeom prst="rect">
             <a:avLst/>
@@ -5021,42 +5490,26 @@
           </a:bodyPr>
           <a:lstStyle/>
           <a:p>
-            <a:pPr>
+            <a:pPr marL="342900" indent="-342900">
               <a:lnSpc>
                 <a:spcPct val="150000"/>
               </a:lnSpc>
+              <a:buFont typeface="Wingdings" panose="05000000000000000000" pitchFamily="2" charset="2"/>
+              <a:buChar char="§"/>
             </a:pPr>
-            <a:r>
-              <a:rPr lang="ko-KR" altLang="en-US" sz="2000" dirty="0" smtClean="0">
-                <a:latin typeface="휴먼엑스포" panose="02030504000101010101" pitchFamily="18" charset="-127"/>
-                <a:ea typeface="휴먼엑스포" panose="02030504000101010101" pitchFamily="18" charset="-127"/>
-              </a:rPr>
-              <a:t>★ 용어 사전 </a:t>
-            </a:r>
             <a:r>
               <a:rPr lang="en-US" altLang="ko-KR" sz="2000" dirty="0" smtClean="0">
                 <a:latin typeface="휴먼엑스포" panose="02030504000101010101" pitchFamily="18" charset="-127"/>
                 <a:ea typeface="휴먼엑스포" panose="02030504000101010101" pitchFamily="18" charset="-127"/>
               </a:rPr>
-              <a:t>App – dictionary </a:t>
-            </a:r>
-            <a:r>
-              <a:rPr lang="ko-KR" altLang="en-US" sz="2000" dirty="0" smtClean="0">
-                <a:latin typeface="휴먼엑스포" panose="02030504000101010101" pitchFamily="18" charset="-127"/>
-                <a:ea typeface="휴먼엑스포" panose="02030504000101010101" pitchFamily="18" charset="-127"/>
-              </a:rPr>
-              <a:t>자료구조 이용 </a:t>
-            </a:r>
-            <a:endParaRPr lang="en-US" altLang="ko-KR" sz="2000" dirty="0">
-              <a:latin typeface="휴먼엑스포" panose="02030504000101010101" pitchFamily="18" charset="-127"/>
-              <a:ea typeface="휴먼엑스포" panose="02030504000101010101" pitchFamily="18" charset="-127"/>
-            </a:endParaRPr>
+              <a:t>grid()</a:t>
+            </a:r>
           </a:p>
         </p:txBody>
       </p:sp>
       <p:pic>
         <p:nvPicPr>
-          <p:cNvPr id="5" name="그림 4"/>
+          <p:cNvPr id="8" name="그림 7"/>
           <p:cNvPicPr>
             <a:picLocks noChangeAspect="1"/>
           </p:cNvPicPr>
@@ -5076,8 +5529,8 @@
         </p:blipFill>
         <p:spPr>
           <a:xfrm>
-            <a:off x="848544" y="2204864"/>
-            <a:ext cx="8468140" cy="2088232"/>
+            <a:off x="1196014" y="2276872"/>
+            <a:ext cx="7513971" cy="3322608"/>
           </a:xfrm>
           <a:prstGeom prst="rect">
             <a:avLst/>
@@ -5093,7 +5546,7 @@
       </p:pic>
       <p:pic>
         <p:nvPicPr>
-          <p:cNvPr id="7" name="그림 6"/>
+          <p:cNvPr id="9" name="그림 8"/>
           <p:cNvPicPr>
             <a:picLocks noChangeAspect="1"/>
           </p:cNvPicPr>
@@ -5113,8 +5566,8 @@
         </p:blipFill>
         <p:spPr>
           <a:xfrm>
-            <a:off x="3643697" y="4417962"/>
-            <a:ext cx="5184576" cy="2262105"/>
+            <a:off x="6192593" y="1700808"/>
+            <a:ext cx="2796782" cy="2072820"/>
           </a:xfrm>
           <a:prstGeom prst="rect">
             <a:avLst/>
@@ -5131,7 +5584,7 @@
     </p:spTree>
     <p:extLst>
       <p:ext uri="{BB962C8B-B14F-4D97-AF65-F5344CB8AC3E}">
-        <p14:creationId xmlns:p14="http://schemas.microsoft.com/office/powerpoint/2010/main" val="1811241905"/>
+        <p14:creationId xmlns:p14="http://schemas.microsoft.com/office/powerpoint/2010/main" val="114108484"/>
       </p:ext>
     </p:extLst>
   </p:cSld>
@@ -5182,11 +5635,11 @@
           <a:p>
             <a:r>
               <a:rPr lang="en-US" altLang="ko-KR" dirty="0" smtClean="0"/>
-              <a:t> GUI </a:t>
-            </a:r>
-            <a:r>
-              <a:rPr lang="ko-KR" altLang="en-US" dirty="0" err="1" smtClean="0"/>
-              <a:t>위젯</a:t>
+              <a:t> UI </a:t>
+            </a:r>
+            <a:r>
+              <a:rPr lang="ko-KR" altLang="en-US" dirty="0" smtClean="0"/>
+              <a:t>프로그래밍</a:t>
             </a:r>
             <a:endParaRPr lang="ko-KR" altLang="en-US" dirty="0"/>
           </a:p>
@@ -5217,66 +5670,43 @@
       </p:sp>
       <p:sp>
         <p:nvSpPr>
-          <p:cNvPr id="14" name="TextBox 13"/>
+          <p:cNvPr id="9" name="TextBox 8"/>
           <p:cNvSpPr txBox="1"/>
           <p:nvPr/>
         </p:nvSpPr>
         <p:spPr>
           <a:xfrm>
-            <a:off x="1064568" y="1211048"/>
-            <a:ext cx="3600399" cy="507831"/>
+            <a:off x="1352601" y="1412776"/>
+            <a:ext cx="4680520" cy="400110"/>
           </a:xfrm>
           <a:prstGeom prst="rect">
             <a:avLst/>
           </a:prstGeom>
           <a:noFill/>
-          <a:ln>
-            <a:noFill/>
-          </a:ln>
-        </p:spPr>
-        <p:style>
-          <a:lnRef idx="1">
-            <a:schemeClr val="accent3"/>
-          </a:lnRef>
-          <a:fillRef idx="2">
-            <a:schemeClr val="accent3"/>
-          </a:fillRef>
-          <a:effectRef idx="1">
-            <a:schemeClr val="accent3"/>
-          </a:effectRef>
-          <a:fontRef idx="minor">
-            <a:schemeClr val="dk1"/>
-          </a:fontRef>
-        </p:style>
+        </p:spPr>
         <p:txBody>
           <a:bodyPr wrap="square" rtlCol="0">
             <a:spAutoFit/>
           </a:bodyPr>
           <a:lstStyle/>
           <a:p>
-            <a:pPr>
-              <a:lnSpc>
-                <a:spcPct val="150000"/>
-              </a:lnSpc>
+            <a:pPr marL="285750" indent="-285750">
+              <a:buFont typeface="Wingdings" panose="05000000000000000000" pitchFamily="2" charset="2"/>
+              <a:buChar char="§"/>
             </a:pPr>
             <a:r>
-              <a:rPr lang="ko-KR" altLang="en-US" dirty="0" smtClean="0">
-                <a:latin typeface="휴먼엑스포" panose="02030504000101010101" pitchFamily="18" charset="-127"/>
-                <a:ea typeface="휴먼엑스포" panose="02030504000101010101" pitchFamily="18" charset="-127"/>
-              </a:rPr>
-              <a:t>★ 컨트롤 도구</a:t>
-            </a:r>
-            <a:r>
-              <a:rPr lang="en-US" altLang="ko-KR" dirty="0" smtClean="0">
-                <a:latin typeface="휴먼엑스포" panose="02030504000101010101" pitchFamily="18" charset="-127"/>
-                <a:ea typeface="휴먼엑스포" panose="02030504000101010101" pitchFamily="18" charset="-127"/>
-              </a:rPr>
-              <a:t>(control tools)</a:t>
-            </a:r>
-            <a:endParaRPr lang="en-US" altLang="ko-KR" dirty="0">
-              <a:latin typeface="휴먼엑스포" panose="02030504000101010101" pitchFamily="18" charset="-127"/>
-              <a:ea typeface="휴먼엑스포" panose="02030504000101010101" pitchFamily="18" charset="-127"/>
-            </a:endParaRPr>
+              <a:rPr lang="ko-KR" altLang="en-US" sz="2000" dirty="0" smtClean="0"/>
+              <a:t>이름을 입력 받고</a:t>
+            </a:r>
+            <a:r>
+              <a:rPr lang="en-US" altLang="ko-KR" sz="2000" dirty="0" smtClean="0"/>
+              <a:t>, </a:t>
+            </a:r>
+            <a:r>
+              <a:rPr lang="ko-KR" altLang="en-US" sz="2000" dirty="0" smtClean="0"/>
+              <a:t> 화면에 출력하기</a:t>
+            </a:r>
+            <a:endParaRPr lang="ko-KR" altLang="en-US" sz="2000" dirty="0"/>
           </a:p>
         </p:txBody>
       </p:sp>
@@ -5288,7 +5718,7 @@
           </p:cNvPicPr>
           <p:nvPr/>
         </p:nvPicPr>
-        <p:blipFill>
+        <p:blipFill rotWithShape="1">
           <a:blip r:embed="rId2">
             <a:extLst>
               <a:ext uri="{28A0092B-C50C-407E-A947-70E740481C1C}">
@@ -5296,14 +5726,13 @@
               </a:ext>
             </a:extLst>
           </a:blip>
-          <a:stretch>
-            <a:fillRect/>
-          </a:stretch>
+          <a:srcRect t="55044"/>
+          <a:stretch/>
         </p:blipFill>
         <p:spPr>
           <a:xfrm>
-            <a:off x="1352600" y="1817401"/>
-            <a:ext cx="7031639" cy="4635935"/>
+            <a:off x="1352601" y="4264902"/>
+            <a:ext cx="7416824" cy="1877039"/>
           </a:xfrm>
           <a:prstGeom prst="rect">
             <a:avLst/>
@@ -5319,7 +5748,7 @@
       </p:pic>
       <p:pic>
         <p:nvPicPr>
-          <p:cNvPr id="6" name="그림 5"/>
+          <p:cNvPr id="8" name="그림 7"/>
           <p:cNvPicPr>
             <a:picLocks noChangeAspect="1"/>
           </p:cNvPicPr>
@@ -5339,8 +5768,8 @@
         </p:blipFill>
         <p:spPr>
           <a:xfrm>
-            <a:off x="5673080" y="1510602"/>
-            <a:ext cx="3430589" cy="1152128"/>
+            <a:off x="1640632" y="2276872"/>
+            <a:ext cx="1584176" cy="1601210"/>
           </a:xfrm>
           <a:prstGeom prst="rect">
             <a:avLst/>
@@ -5354,10 +5783,47 @@
           </a:ln>
         </p:spPr>
       </p:pic>
+      <p:pic>
+        <p:nvPicPr>
+          <p:cNvPr id="3" name="그림 2"/>
+          <p:cNvPicPr>
+            <a:picLocks noChangeAspect="1"/>
+          </p:cNvPicPr>
+          <p:nvPr/>
+        </p:nvPicPr>
+        <p:blipFill>
+          <a:blip r:embed="rId4">
+            <a:extLst>
+              <a:ext uri="{28A0092B-C50C-407E-A947-70E740481C1C}">
+                <a14:useLocalDpi xmlns:a14="http://schemas.microsoft.com/office/drawing/2010/main" val="0"/>
+              </a:ext>
+            </a:extLst>
+          </a:blip>
+          <a:stretch>
+            <a:fillRect/>
+          </a:stretch>
+        </p:blipFill>
+        <p:spPr>
+          <a:xfrm>
+            <a:off x="4665521" y="2258819"/>
+            <a:ext cx="4103904" cy="1800200"/>
+          </a:xfrm>
+          <a:prstGeom prst="rect">
+            <a:avLst/>
+          </a:prstGeom>
+          <a:ln>
+            <a:solidFill>
+              <a:schemeClr val="bg1">
+                <a:lumMod val="85000"/>
+              </a:schemeClr>
+            </a:solidFill>
+          </a:ln>
+        </p:spPr>
+      </p:pic>
     </p:spTree>
     <p:extLst>
       <p:ext uri="{BB962C8B-B14F-4D97-AF65-F5344CB8AC3E}">
-        <p14:creationId xmlns:p14="http://schemas.microsoft.com/office/powerpoint/2010/main" val="678485633"/>
+        <p14:creationId xmlns:p14="http://schemas.microsoft.com/office/powerpoint/2010/main" val="1289095272"/>
       </p:ext>
     </p:extLst>
   </p:cSld>
@@ -5408,11 +5874,11 @@
           <a:p>
             <a:r>
               <a:rPr lang="en-US" altLang="ko-KR" dirty="0" smtClean="0"/>
-              <a:t> GUI </a:t>
-            </a:r>
-            <a:r>
-              <a:rPr lang="ko-KR" altLang="en-US" dirty="0" err="1" smtClean="0"/>
-              <a:t>위젯</a:t>
+              <a:t> </a:t>
+            </a:r>
+            <a:r>
+              <a:rPr lang="ko-KR" altLang="en-US" dirty="0" smtClean="0"/>
+              <a:t>용어사전 만들기</a:t>
             </a:r>
             <a:endParaRPr lang="ko-KR" altLang="en-US" dirty="0"/>
           </a:p>
@@ -5443,32 +5909,31 @@
       </p:sp>
       <p:sp>
         <p:nvSpPr>
-          <p:cNvPr id="14" name="TextBox 13"/>
+          <p:cNvPr id="6" name="TextBox 5"/>
           <p:cNvSpPr txBox="1"/>
           <p:nvPr/>
         </p:nvSpPr>
         <p:spPr>
           <a:xfrm>
-            <a:off x="1064568" y="1211048"/>
-            <a:ext cx="3600399" cy="507831"/>
+            <a:off x="992560" y="1322216"/>
+            <a:ext cx="6048672" cy="553998"/>
           </a:xfrm>
           <a:prstGeom prst="rect">
             <a:avLst/>
           </a:prstGeom>
-          <a:noFill/>
           <a:ln>
             <a:noFill/>
           </a:ln>
         </p:spPr>
         <p:style>
-          <a:lnRef idx="1">
-            <a:schemeClr val="accent3"/>
+          <a:lnRef idx="2">
+            <a:schemeClr val="dk1"/>
           </a:lnRef>
-          <a:fillRef idx="2">
-            <a:schemeClr val="accent3"/>
+          <a:fillRef idx="1">
+            <a:schemeClr val="lt1"/>
           </a:fillRef>
-          <a:effectRef idx="1">
-            <a:schemeClr val="accent3"/>
+          <a:effectRef idx="0">
+            <a:schemeClr val="dk1"/>
           </a:effectRef>
           <a:fontRef idx="minor">
             <a:schemeClr val="dk1"/>
@@ -5486,20 +5951,27 @@
               </a:lnSpc>
             </a:pPr>
             <a:r>
-              <a:rPr lang="ko-KR" altLang="en-US" dirty="0" smtClean="0">
+              <a:rPr lang="ko-KR" altLang="en-US" sz="2000" dirty="0" smtClean="0">
                 <a:latin typeface="휴먼엑스포" panose="02030504000101010101" pitchFamily="18" charset="-127"/>
                 <a:ea typeface="휴먼엑스포" panose="02030504000101010101" pitchFamily="18" charset="-127"/>
               </a:rPr>
-              <a:t>★ 컨트롤 도구</a:t>
-            </a:r>
-            <a:r>
-              <a:rPr lang="en-US" altLang="ko-KR" dirty="0" smtClean="0">
+              <a:t>★ 용어 사전 </a:t>
+            </a:r>
+            <a:r>
+              <a:rPr lang="en-US" altLang="ko-KR" sz="2000" dirty="0" smtClean="0">
                 <a:latin typeface="휴먼엑스포" panose="02030504000101010101" pitchFamily="18" charset="-127"/>
                 <a:ea typeface="휴먼엑스포" panose="02030504000101010101" pitchFamily="18" charset="-127"/>
               </a:rPr>
-              <a:t>(control tools)</a:t>
-            </a:r>
-            <a:endParaRPr lang="en-US" altLang="ko-KR" dirty="0">
+              <a:t>App – dictionary </a:t>
+            </a:r>
+            <a:r>
+              <a:rPr lang="ko-KR" altLang="en-US" sz="2000" dirty="0" smtClean="0">
+                <a:latin typeface="휴먼엑스포" panose="02030504000101010101" pitchFamily="18" charset="-127"/>
+                <a:ea typeface="휴먼엑스포" panose="02030504000101010101" pitchFamily="18" charset="-127"/>
+              </a:rPr>
+              <a:t>자료구조 이용 </a:t>
+            </a:r>
+            <a:endParaRPr lang="en-US" altLang="ko-KR" sz="2000" dirty="0">
               <a:latin typeface="휴먼엑스포" panose="02030504000101010101" pitchFamily="18" charset="-127"/>
               <a:ea typeface="휴먼엑스포" panose="02030504000101010101" pitchFamily="18" charset="-127"/>
             </a:endParaRPr>
@@ -5508,7 +5980,7 @@
       </p:sp>
       <p:pic>
         <p:nvPicPr>
-          <p:cNvPr id="5" name="그림 4"/>
+          <p:cNvPr id="3" name="그림 2"/>
           <p:cNvPicPr>
             <a:picLocks noChangeAspect="1"/>
           </p:cNvPicPr>
@@ -5528,8 +6000,8 @@
         </p:blipFill>
         <p:spPr>
           <a:xfrm>
-            <a:off x="1712640" y="1858831"/>
-            <a:ext cx="5700254" cy="4480948"/>
+            <a:off x="1784648" y="1995078"/>
+            <a:ext cx="5349704" cy="2370026"/>
           </a:xfrm>
           <a:prstGeom prst="rect">
             <a:avLst/>
@@ -5537,16 +6009,140 @@
           <a:ln>
             <a:solidFill>
               <a:schemeClr val="bg1">
-                <a:lumMod val="85000"/>
+                <a:lumMod val="75000"/>
               </a:schemeClr>
             </a:solidFill>
           </a:ln>
         </p:spPr>
       </p:pic>
+      <p:sp>
+        <p:nvSpPr>
+          <p:cNvPr id="11" name="TextBox 10"/>
+          <p:cNvSpPr txBox="1"/>
+          <p:nvPr/>
+        </p:nvSpPr>
+        <p:spPr>
+          <a:xfrm>
+            <a:off x="1424608" y="4549676"/>
+            <a:ext cx="7272808" cy="1569660"/>
+          </a:xfrm>
+          <a:prstGeom prst="rect">
+            <a:avLst/>
+          </a:prstGeom>
+          <a:noFill/>
+        </p:spPr>
+        <p:txBody>
+          <a:bodyPr wrap="square" rtlCol="0">
+            <a:spAutoFit/>
+          </a:bodyPr>
+          <a:lstStyle/>
+          <a:p>
+            <a:pPr>
+              <a:lnSpc>
+                <a:spcPct val="150000"/>
+              </a:lnSpc>
+            </a:pPr>
+            <a:r>
+              <a:rPr lang="en-US" altLang="ko-KR" sz="1600" dirty="0" smtClean="0"/>
+              <a:t>App </a:t>
+            </a:r>
+            <a:r>
+              <a:rPr lang="ko-KR" altLang="en-US" sz="1600" dirty="0" smtClean="0"/>
+              <a:t>설명</a:t>
+            </a:r>
+            <a:endParaRPr lang="en-US" altLang="ko-KR" sz="1600" dirty="0" smtClean="0"/>
+          </a:p>
+          <a:p>
+            <a:pPr marL="342900" indent="-342900">
+              <a:lnSpc>
+                <a:spcPct val="150000"/>
+              </a:lnSpc>
+              <a:buFont typeface="Arial" panose="020B0604020202020204" pitchFamily="34" charset="0"/>
+              <a:buChar char="•"/>
+            </a:pPr>
+            <a:r>
+              <a:rPr lang="ko-KR" altLang="en-US" sz="1600" dirty="0" smtClean="0"/>
+              <a:t>용어를 미리 정의한다</a:t>
+            </a:r>
+            <a:r>
+              <a:rPr lang="en-US" altLang="ko-KR" sz="1600" dirty="0" smtClean="0"/>
+              <a:t>. – </a:t>
+            </a:r>
+            <a:r>
+              <a:rPr lang="ko-KR" altLang="en-US" sz="1600" dirty="0" err="1" smtClean="0"/>
+              <a:t>딕셔너리</a:t>
+            </a:r>
+            <a:r>
+              <a:rPr lang="ko-KR" altLang="en-US" sz="1600" dirty="0" smtClean="0"/>
+              <a:t> 자료 구조</a:t>
+            </a:r>
+            <a:endParaRPr lang="en-US" altLang="ko-KR" sz="1600" dirty="0" smtClean="0"/>
+          </a:p>
+          <a:p>
+            <a:pPr marL="342900" indent="-342900">
+              <a:lnSpc>
+                <a:spcPct val="150000"/>
+              </a:lnSpc>
+              <a:buFont typeface="Arial" panose="020B0604020202020204" pitchFamily="34" charset="0"/>
+              <a:buChar char="•"/>
+            </a:pPr>
+            <a:r>
+              <a:rPr lang="ko-KR" altLang="en-US" sz="1600" dirty="0" smtClean="0"/>
+              <a:t>단어를 입력하고 제출 버튼을 누르면</a:t>
+            </a:r>
+            <a:r>
+              <a:rPr lang="en-US" altLang="ko-KR" sz="1600" dirty="0" smtClean="0"/>
+              <a:t>, </a:t>
+            </a:r>
+            <a:r>
+              <a:rPr lang="ko-KR" altLang="en-US" sz="1600" dirty="0" smtClean="0"/>
+              <a:t>텍스트 상자에 정의가 출력된다</a:t>
+            </a:r>
+            <a:r>
+              <a:rPr lang="en-US" altLang="ko-KR" sz="1600" dirty="0" smtClean="0"/>
+              <a:t>.</a:t>
+            </a:r>
+          </a:p>
+          <a:p>
+            <a:pPr marL="342900" indent="-342900">
+              <a:lnSpc>
+                <a:spcPct val="150000"/>
+              </a:lnSpc>
+              <a:buFont typeface="Arial" panose="020B0604020202020204" pitchFamily="34" charset="0"/>
+              <a:buChar char="•"/>
+            </a:pPr>
+            <a:r>
+              <a:rPr lang="ko-KR" altLang="en-US" sz="1600" dirty="0" smtClean="0"/>
+              <a:t>정의된 단어가 아닌 경우 </a:t>
+            </a:r>
+            <a:r>
+              <a:rPr lang="en-US" altLang="ko-KR" sz="1600" dirty="0" smtClean="0"/>
+              <a:t>‘</a:t>
+            </a:r>
+            <a:r>
+              <a:rPr lang="ko-KR" altLang="en-US" sz="1600" dirty="0" smtClean="0"/>
+              <a:t>단어의 정의를 찾을 수 없습니다</a:t>
+            </a:r>
+            <a:r>
+              <a:rPr lang="en-US" altLang="ko-KR" sz="1600" dirty="0" smtClean="0"/>
+              <a:t>.’</a:t>
+            </a:r>
+            <a:r>
+              <a:rPr lang="ko-KR" altLang="en-US" sz="1600" dirty="0" smtClean="0"/>
+              <a:t>고 출력된다</a:t>
+            </a:r>
+            <a:r>
+              <a:rPr lang="en-US" altLang="ko-KR" sz="1600" dirty="0" smtClean="0"/>
+              <a:t>.</a:t>
+            </a:r>
+            <a:endParaRPr lang="ko-KR" altLang="en-US" sz="1600" dirty="0"/>
+          </a:p>
+        </p:txBody>
+      </p:sp>
     </p:spTree>
     <p:extLst>
       <p:ext uri="{BB962C8B-B14F-4D97-AF65-F5344CB8AC3E}">
-        <p14:creationId xmlns:p14="http://schemas.microsoft.com/office/powerpoint/2010/main" val="3871611708"/>
+        <p14:creationId xmlns:p14="http://schemas.microsoft.com/office/powerpoint/2010/main" val="852726627"/>
       </p:ext>
     </p:extLst>
   </p:cSld>
@@ -5601,11 +6197,7 @@
             </a:r>
             <a:r>
               <a:rPr lang="ko-KR" altLang="en-US" dirty="0" smtClean="0"/>
-              <a:t>온도 변환기 </a:t>
-            </a:r>
-            <a:r>
-              <a:rPr lang="en-US" altLang="ko-KR" dirty="0" smtClean="0"/>
-              <a:t>1</a:t>
+              <a:t>용어사전 만들기</a:t>
             </a:r>
             <a:endParaRPr lang="ko-KR" altLang="en-US" dirty="0"/>
           </a:p>
@@ -5634,172 +6226,9 @@
           </a:p>
         </p:txBody>
       </p:sp>
-      <p:sp>
-        <p:nvSpPr>
-          <p:cNvPr id="6" name="직사각형 5"/>
-          <p:cNvSpPr/>
-          <p:nvPr/>
-        </p:nvSpPr>
-        <p:spPr>
-          <a:xfrm>
-            <a:off x="1072538" y="1268760"/>
-            <a:ext cx="4456526" cy="553998"/>
-          </a:xfrm>
-          <a:prstGeom prst="rect">
-            <a:avLst/>
-          </a:prstGeom>
-        </p:spPr>
-        <p:txBody>
-          <a:bodyPr wrap="square">
-            <a:spAutoFit/>
-          </a:bodyPr>
-          <a:lstStyle/>
-          <a:p>
-            <a:pPr marL="342900" indent="-342900">
-              <a:lnSpc>
-                <a:spcPct val="150000"/>
-              </a:lnSpc>
-              <a:buFont typeface="Wingdings" panose="05000000000000000000" pitchFamily="2" charset="2"/>
-              <a:buChar char="l"/>
-            </a:pPr>
-            <a:r>
-              <a:rPr lang="ko-KR" altLang="en-US" sz="2000" dirty="0" smtClean="0">
-                <a:latin typeface="휴먼엑스포" panose="02030504000101010101" pitchFamily="18" charset="-127"/>
-                <a:ea typeface="휴먼엑스포" panose="02030504000101010101" pitchFamily="18" charset="-127"/>
-              </a:rPr>
-              <a:t>온도 변환기 </a:t>
-            </a:r>
-            <a:r>
-              <a:rPr lang="en-US" altLang="ko-KR" sz="2000" dirty="0" smtClean="0">
-                <a:latin typeface="휴먼엑스포" panose="02030504000101010101" pitchFamily="18" charset="-127"/>
-                <a:ea typeface="휴먼엑스포" panose="02030504000101010101" pitchFamily="18" charset="-127"/>
-              </a:rPr>
-              <a:t>– </a:t>
-            </a:r>
-            <a:r>
-              <a:rPr lang="ko-KR" altLang="en-US" sz="2000" dirty="0" smtClean="0">
-                <a:latin typeface="휴먼엑스포" panose="02030504000101010101" pitchFamily="18" charset="-127"/>
-                <a:ea typeface="휴먼엑스포" panose="02030504000101010101" pitchFamily="18" charset="-127"/>
-              </a:rPr>
-              <a:t>함수로 구현  </a:t>
-            </a:r>
-            <a:endParaRPr lang="en-US" altLang="ko-KR" sz="2000" dirty="0">
-              <a:latin typeface="휴먼엑스포" panose="02030504000101010101" pitchFamily="18" charset="-127"/>
-              <a:ea typeface="휴먼엑스포" panose="02030504000101010101" pitchFamily="18" charset="-127"/>
-            </a:endParaRPr>
-          </a:p>
-        </p:txBody>
-      </p:sp>
-      <p:sp>
-        <p:nvSpPr>
-          <p:cNvPr id="8" name="TextBox 7"/>
-          <p:cNvSpPr txBox="1"/>
-          <p:nvPr/>
-        </p:nvSpPr>
-        <p:spPr>
-          <a:xfrm>
-            <a:off x="1648002" y="3731548"/>
-            <a:ext cx="6833390" cy="1569660"/>
-          </a:xfrm>
-          <a:prstGeom prst="rect">
-            <a:avLst/>
-          </a:prstGeom>
-          <a:noFill/>
-        </p:spPr>
-        <p:txBody>
-          <a:bodyPr wrap="square" rtlCol="0">
-            <a:spAutoFit/>
-          </a:bodyPr>
-          <a:lstStyle/>
-          <a:p>
-            <a:pPr>
-              <a:lnSpc>
-                <a:spcPct val="150000"/>
-              </a:lnSpc>
-            </a:pPr>
-            <a:r>
-              <a:rPr lang="en-US" altLang="ko-KR" sz="1600" dirty="0" smtClean="0"/>
-              <a:t>App </a:t>
-            </a:r>
-            <a:r>
-              <a:rPr lang="ko-KR" altLang="en-US" sz="1600" dirty="0" smtClean="0"/>
-              <a:t>설명</a:t>
-            </a:r>
-            <a:endParaRPr lang="en-US" altLang="ko-KR" sz="1600" dirty="0" smtClean="0"/>
-          </a:p>
-          <a:p>
-            <a:pPr marL="342900" indent="-342900">
-              <a:lnSpc>
-                <a:spcPct val="150000"/>
-              </a:lnSpc>
-              <a:buFont typeface="Arial" panose="020B0604020202020204" pitchFamily="34" charset="0"/>
-              <a:buChar char="•"/>
-            </a:pPr>
-            <a:r>
-              <a:rPr lang="ko-KR" altLang="en-US" sz="1600" dirty="0" smtClean="0"/>
-              <a:t>섭씨온도를 입력하고</a:t>
-            </a:r>
-            <a:r>
-              <a:rPr lang="en-US" altLang="ko-KR" sz="1600" dirty="0"/>
-              <a:t> </a:t>
-            </a:r>
-            <a:r>
-              <a:rPr lang="ko-KR" altLang="en-US" sz="1600" dirty="0" smtClean="0"/>
-              <a:t>변환 버튼을 누르면  화씨온도로 변환된다</a:t>
-            </a:r>
-            <a:r>
-              <a:rPr lang="en-US" altLang="ko-KR" sz="1600" dirty="0" smtClean="0"/>
-              <a:t>.</a:t>
-            </a:r>
-          </a:p>
-          <a:p>
-            <a:pPr marL="342900" indent="-342900">
-              <a:lnSpc>
-                <a:spcPct val="150000"/>
-              </a:lnSpc>
-              <a:buFont typeface="Arial" panose="020B0604020202020204" pitchFamily="34" charset="0"/>
-              <a:buChar char="•"/>
-            </a:pPr>
-            <a:r>
-              <a:rPr lang="ko-KR" altLang="en-US" sz="1600" dirty="0" smtClean="0"/>
-              <a:t>섭씨온도는 정수뿐 아니라 실수범위까지 변환할 수 있다</a:t>
-            </a:r>
-            <a:r>
-              <a:rPr lang="en-US" altLang="ko-KR" sz="1600" dirty="0" smtClean="0"/>
-              <a:t>.</a:t>
-            </a:r>
-          </a:p>
-          <a:p>
-            <a:pPr marL="342900" indent="-342900">
-              <a:lnSpc>
-                <a:spcPct val="150000"/>
-              </a:lnSpc>
-              <a:buFont typeface="Arial" panose="020B0604020202020204" pitchFamily="34" charset="0"/>
-              <a:buChar char="•"/>
-            </a:pPr>
-            <a:r>
-              <a:rPr lang="ko-KR" altLang="en-US" sz="1600" dirty="0" smtClean="0"/>
-              <a:t>변환 명령은 함수 형태로 </a:t>
-            </a:r>
-            <a:r>
-              <a:rPr lang="ko-KR" altLang="en-US" sz="1600" dirty="0" err="1" smtClean="0"/>
-              <a:t>코딩되어</a:t>
-            </a:r>
-            <a:r>
-              <a:rPr lang="ko-KR" altLang="en-US" sz="1600" dirty="0" smtClean="0"/>
-              <a:t> 있다</a:t>
-            </a:r>
-            <a:r>
-              <a:rPr lang="en-US" altLang="ko-KR" sz="1600" dirty="0" smtClean="0"/>
-              <a:t>.</a:t>
-            </a:r>
-            <a:endParaRPr lang="ko-KR" altLang="en-US" sz="1600" dirty="0"/>
-          </a:p>
-        </p:txBody>
-      </p:sp>
       <p:pic>
         <p:nvPicPr>
-          <p:cNvPr id="3" name="그림 2"/>
+          <p:cNvPr id="7" name="그림 6"/>
           <p:cNvPicPr>
             <a:picLocks noChangeAspect="1"/>
           </p:cNvPicPr>
@@ -5819,8 +6248,8 @@
         </p:blipFill>
         <p:spPr>
           <a:xfrm>
-            <a:off x="1712640" y="1988840"/>
-            <a:ext cx="3236625" cy="1486205"/>
+            <a:off x="1280592" y="1484784"/>
+            <a:ext cx="6330760" cy="4320480"/>
           </a:xfrm>
           <a:prstGeom prst="rect">
             <a:avLst/>
@@ -5837,7 +6266,7 @@
     </p:spTree>
     <p:extLst>
       <p:ext uri="{BB962C8B-B14F-4D97-AF65-F5344CB8AC3E}">
-        <p14:creationId xmlns:p14="http://schemas.microsoft.com/office/powerpoint/2010/main" val="3220262055"/>
+        <p14:creationId xmlns:p14="http://schemas.microsoft.com/office/powerpoint/2010/main" val="504460018"/>
       </p:ext>
     </p:extLst>
   </p:cSld>
@@ -5892,11 +6321,7 @@
             </a:r>
             <a:r>
               <a:rPr lang="ko-KR" altLang="en-US" dirty="0" smtClean="0"/>
-              <a:t>온도 변환기 </a:t>
-            </a:r>
-            <a:r>
-              <a:rPr lang="en-US" altLang="ko-KR" dirty="0" smtClean="0"/>
-              <a:t>1</a:t>
+              <a:t>용어사전 만들기</a:t>
             </a:r>
             <a:endParaRPr lang="ko-KR" altLang="en-US" dirty="0"/>
           </a:p>
@@ -5922,6 +6347,77 @@
               <a:t>17</a:t>
             </a:fld>
             <a:endParaRPr lang="ko-KR" altLang="en-US"/>
+          </a:p>
+        </p:txBody>
+      </p:sp>
+      <p:sp>
+        <p:nvSpPr>
+          <p:cNvPr id="6" name="TextBox 5"/>
+          <p:cNvSpPr txBox="1"/>
+          <p:nvPr/>
+        </p:nvSpPr>
+        <p:spPr>
+          <a:xfrm>
+            <a:off x="992560" y="1362675"/>
+            <a:ext cx="6048672" cy="553998"/>
+          </a:xfrm>
+          <a:prstGeom prst="rect">
+            <a:avLst/>
+          </a:prstGeom>
+          <a:ln>
+            <a:noFill/>
+          </a:ln>
+        </p:spPr>
+        <p:style>
+          <a:lnRef idx="2">
+            <a:schemeClr val="dk1"/>
+          </a:lnRef>
+          <a:fillRef idx="1">
+            <a:schemeClr val="lt1"/>
+          </a:fillRef>
+          <a:effectRef idx="0">
+            <a:schemeClr val="dk1"/>
+          </a:effectRef>
+          <a:fontRef idx="minor">
+            <a:schemeClr val="dk1"/>
+          </a:fontRef>
+        </p:style>
+        <p:txBody>
+          <a:bodyPr wrap="square" rtlCol="0">
+            <a:spAutoFit/>
+          </a:bodyPr>
+          <a:lstStyle/>
+          <a:p>
+            <a:pPr>
+              <a:lnSpc>
+                <a:spcPct val="150000"/>
+              </a:lnSpc>
+            </a:pPr>
+            <a:r>
+              <a:rPr lang="ko-KR" altLang="en-US" sz="2000" dirty="0" smtClean="0">
+                <a:latin typeface="휴먼엑스포" panose="02030504000101010101" pitchFamily="18" charset="-127"/>
+                <a:ea typeface="휴먼엑스포" panose="02030504000101010101" pitchFamily="18" charset="-127"/>
+              </a:rPr>
+              <a:t>★ 용어 사전 </a:t>
+            </a:r>
+            <a:r>
+              <a:rPr lang="en-US" altLang="ko-KR" sz="2000" dirty="0" smtClean="0">
+                <a:latin typeface="휴먼엑스포" panose="02030504000101010101" pitchFamily="18" charset="-127"/>
+                <a:ea typeface="휴먼엑스포" panose="02030504000101010101" pitchFamily="18" charset="-127"/>
+              </a:rPr>
+              <a:t>App – dictionary </a:t>
+            </a:r>
+            <a:r>
+              <a:rPr lang="ko-KR" altLang="en-US" sz="2000" dirty="0" smtClean="0">
+                <a:latin typeface="휴먼엑스포" panose="02030504000101010101" pitchFamily="18" charset="-127"/>
+                <a:ea typeface="휴먼엑스포" panose="02030504000101010101" pitchFamily="18" charset="-127"/>
+              </a:rPr>
+              <a:t>자료구조 이용 </a:t>
+            </a:r>
+            <a:endParaRPr lang="en-US" altLang="ko-KR" sz="2000" dirty="0">
+              <a:latin typeface="휴먼엑스포" panose="02030504000101010101" pitchFamily="18" charset="-127"/>
+              <a:ea typeface="휴먼엑스포" panose="02030504000101010101" pitchFamily="18" charset="-127"/>
+            </a:endParaRPr>
           </a:p>
         </p:txBody>
       </p:sp>
@@ -5947,8 +6443,8 @@
         </p:blipFill>
         <p:spPr>
           <a:xfrm>
-            <a:off x="902973" y="1412776"/>
-            <a:ext cx="8344624" cy="4519052"/>
+            <a:off x="848544" y="2025003"/>
+            <a:ext cx="8468140" cy="2088232"/>
           </a:xfrm>
           <a:prstGeom prst="rect">
             <a:avLst/>
@@ -5962,10 +6458,47 @@
           </a:ln>
         </p:spPr>
       </p:pic>
+      <p:pic>
+        <p:nvPicPr>
+          <p:cNvPr id="7" name="그림 6"/>
+          <p:cNvPicPr>
+            <a:picLocks noChangeAspect="1"/>
+          </p:cNvPicPr>
+          <p:nvPr/>
+        </p:nvPicPr>
+        <p:blipFill>
+          <a:blip r:embed="rId3">
+            <a:extLst>
+              <a:ext uri="{28A0092B-C50C-407E-A947-70E740481C1C}">
+                <a14:useLocalDpi xmlns:a14="http://schemas.microsoft.com/office/drawing/2010/main" val="0"/>
+              </a:ext>
+            </a:extLst>
+          </a:blip>
+          <a:stretch>
+            <a:fillRect/>
+          </a:stretch>
+        </p:blipFill>
+        <p:spPr>
+          <a:xfrm>
+            <a:off x="4016896" y="3717032"/>
+            <a:ext cx="5446220" cy="2376264"/>
+          </a:xfrm>
+          <a:prstGeom prst="rect">
+            <a:avLst/>
+          </a:prstGeom>
+          <a:ln>
+            <a:solidFill>
+              <a:schemeClr val="bg1">
+                <a:lumMod val="85000"/>
+              </a:schemeClr>
+            </a:solidFill>
+          </a:ln>
+        </p:spPr>
+      </p:pic>
     </p:spTree>
     <p:extLst>
       <p:ext uri="{BB962C8B-B14F-4D97-AF65-F5344CB8AC3E}">
-        <p14:creationId xmlns:p14="http://schemas.microsoft.com/office/powerpoint/2010/main" val="1989999040"/>
+        <p14:creationId xmlns:p14="http://schemas.microsoft.com/office/powerpoint/2010/main" val="1811241905"/>
       </p:ext>
     </p:extLst>
   </p:cSld>
@@ -6016,15 +6549,11 @@
           <a:p>
             <a:r>
               <a:rPr lang="en-US" altLang="ko-KR" dirty="0" smtClean="0"/>
-              <a:t> </a:t>
-            </a:r>
-            <a:r>
-              <a:rPr lang="ko-KR" altLang="en-US" dirty="0" smtClean="0"/>
-              <a:t>온도 변환기 </a:t>
-            </a:r>
-            <a:r>
-              <a:rPr lang="en-US" altLang="ko-KR" dirty="0" smtClean="0"/>
-              <a:t>1</a:t>
+              <a:t> GUI </a:t>
+            </a:r>
+            <a:r>
+              <a:rPr lang="ko-KR" altLang="en-US" dirty="0" err="1" smtClean="0"/>
+              <a:t>위젯</a:t>
             </a:r>
             <a:endParaRPr lang="ko-KR" altLang="en-US" dirty="0"/>
           </a:p>
@@ -6053,9 +6582,74 @@
           </a:p>
         </p:txBody>
       </p:sp>
+      <p:sp>
+        <p:nvSpPr>
+          <p:cNvPr id="14" name="TextBox 13"/>
+          <p:cNvSpPr txBox="1"/>
+          <p:nvPr/>
+        </p:nvSpPr>
+        <p:spPr>
+          <a:xfrm>
+            <a:off x="1064568" y="1211048"/>
+            <a:ext cx="3600399" cy="507831"/>
+          </a:xfrm>
+          <a:prstGeom prst="rect">
+            <a:avLst/>
+          </a:prstGeom>
+          <a:noFill/>
+          <a:ln>
+            <a:noFill/>
+          </a:ln>
+        </p:spPr>
+        <p:style>
+          <a:lnRef idx="1">
+            <a:schemeClr val="accent3"/>
+          </a:lnRef>
+          <a:fillRef idx="2">
+            <a:schemeClr val="accent3"/>
+          </a:fillRef>
+          <a:effectRef idx="1">
+            <a:schemeClr val="accent3"/>
+          </a:effectRef>
+          <a:fontRef idx="minor">
+            <a:schemeClr val="dk1"/>
+          </a:fontRef>
+        </p:style>
+        <p:txBody>
+          <a:bodyPr wrap="square" rtlCol="0">
+            <a:spAutoFit/>
+          </a:bodyPr>
+          <a:lstStyle/>
+          <a:p>
+            <a:pPr>
+              <a:lnSpc>
+                <a:spcPct val="150000"/>
+              </a:lnSpc>
+            </a:pPr>
+            <a:r>
+              <a:rPr lang="ko-KR" altLang="en-US" dirty="0" smtClean="0">
+                <a:latin typeface="휴먼엑스포" panose="02030504000101010101" pitchFamily="18" charset="-127"/>
+                <a:ea typeface="휴먼엑스포" panose="02030504000101010101" pitchFamily="18" charset="-127"/>
+              </a:rPr>
+              <a:t>★ 컨트롤 도구</a:t>
+            </a:r>
+            <a:r>
+              <a:rPr lang="en-US" altLang="ko-KR" dirty="0" smtClean="0">
+                <a:latin typeface="휴먼엑스포" panose="02030504000101010101" pitchFamily="18" charset="-127"/>
+                <a:ea typeface="휴먼엑스포" panose="02030504000101010101" pitchFamily="18" charset="-127"/>
+              </a:rPr>
+              <a:t>(control tools)</a:t>
+            </a:r>
+            <a:endParaRPr lang="en-US" altLang="ko-KR" dirty="0">
+              <a:latin typeface="휴먼엑스포" panose="02030504000101010101" pitchFamily="18" charset="-127"/>
+              <a:ea typeface="휴먼엑스포" panose="02030504000101010101" pitchFamily="18" charset="-127"/>
+            </a:endParaRPr>
+          </a:p>
+        </p:txBody>
+      </p:sp>
       <p:pic>
         <p:nvPicPr>
-          <p:cNvPr id="3" name="그림 2"/>
+          <p:cNvPr id="7" name="그림 6"/>
           <p:cNvPicPr>
             <a:picLocks noChangeAspect="1"/>
           </p:cNvPicPr>
@@ -6075,8 +6669,8 @@
         </p:blipFill>
         <p:spPr>
           <a:xfrm>
-            <a:off x="1064568" y="1556792"/>
-            <a:ext cx="7285352" cy="2857748"/>
+            <a:off x="1352600" y="1817401"/>
+            <a:ext cx="7031639" cy="4635935"/>
           </a:xfrm>
           <a:prstGeom prst="rect">
             <a:avLst/>
@@ -6090,10 +6684,47 @@
           </a:ln>
         </p:spPr>
       </p:pic>
+      <p:pic>
+        <p:nvPicPr>
+          <p:cNvPr id="6" name="그림 5"/>
+          <p:cNvPicPr>
+            <a:picLocks noChangeAspect="1"/>
+          </p:cNvPicPr>
+          <p:nvPr/>
+        </p:nvPicPr>
+        <p:blipFill>
+          <a:blip r:embed="rId3">
+            <a:extLst>
+              <a:ext uri="{28A0092B-C50C-407E-A947-70E740481C1C}">
+                <a14:useLocalDpi xmlns:a14="http://schemas.microsoft.com/office/drawing/2010/main" val="0"/>
+              </a:ext>
+            </a:extLst>
+          </a:blip>
+          <a:stretch>
+            <a:fillRect/>
+          </a:stretch>
+        </p:blipFill>
+        <p:spPr>
+          <a:xfrm>
+            <a:off x="5673080" y="1510602"/>
+            <a:ext cx="3430589" cy="1152128"/>
+          </a:xfrm>
+          <a:prstGeom prst="rect">
+            <a:avLst/>
+          </a:prstGeom>
+          <a:ln>
+            <a:solidFill>
+              <a:schemeClr val="bg1">
+                <a:lumMod val="85000"/>
+              </a:schemeClr>
+            </a:solidFill>
+          </a:ln>
+        </p:spPr>
+      </p:pic>
     </p:spTree>
     <p:extLst>
       <p:ext uri="{BB962C8B-B14F-4D97-AF65-F5344CB8AC3E}">
-        <p14:creationId xmlns:p14="http://schemas.microsoft.com/office/powerpoint/2010/main" val="550006701"/>
+        <p14:creationId xmlns:p14="http://schemas.microsoft.com/office/powerpoint/2010/main" val="678485633"/>
       </p:ext>
     </p:extLst>
   </p:cSld>
@@ -6144,15 +6775,11 @@
           <a:p>
             <a:r>
               <a:rPr lang="en-US" altLang="ko-KR" dirty="0" smtClean="0"/>
-              <a:t> </a:t>
-            </a:r>
-            <a:r>
-              <a:rPr lang="ko-KR" altLang="en-US" dirty="0" smtClean="0"/>
-              <a:t>온도 변환기</a:t>
-            </a:r>
-            <a:r>
-              <a:rPr lang="en-US" altLang="ko-KR" dirty="0" smtClean="0"/>
-              <a:t>2</a:t>
+              <a:t> GUI </a:t>
+            </a:r>
+            <a:r>
+              <a:rPr lang="ko-KR" altLang="en-US" dirty="0" err="1" smtClean="0"/>
+              <a:t>위젯</a:t>
             </a:r>
             <a:endParaRPr lang="ko-KR" altLang="en-US" dirty="0"/>
           </a:p>
@@ -6181,9 +6808,74 @@
           </a:p>
         </p:txBody>
       </p:sp>
+      <p:sp>
+        <p:nvSpPr>
+          <p:cNvPr id="14" name="TextBox 13"/>
+          <p:cNvSpPr txBox="1"/>
+          <p:nvPr/>
+        </p:nvSpPr>
+        <p:spPr>
+          <a:xfrm>
+            <a:off x="1064568" y="1211048"/>
+            <a:ext cx="3600399" cy="507831"/>
+          </a:xfrm>
+          <a:prstGeom prst="rect">
+            <a:avLst/>
+          </a:prstGeom>
+          <a:noFill/>
+          <a:ln>
+            <a:noFill/>
+          </a:ln>
+        </p:spPr>
+        <p:style>
+          <a:lnRef idx="1">
+            <a:schemeClr val="accent3"/>
+          </a:lnRef>
+          <a:fillRef idx="2">
+            <a:schemeClr val="accent3"/>
+          </a:fillRef>
+          <a:effectRef idx="1">
+            <a:schemeClr val="accent3"/>
+          </a:effectRef>
+          <a:fontRef idx="minor">
+            <a:schemeClr val="dk1"/>
+          </a:fontRef>
+        </p:style>
+        <p:txBody>
+          <a:bodyPr wrap="square" rtlCol="0">
+            <a:spAutoFit/>
+          </a:bodyPr>
+          <a:lstStyle/>
+          <a:p>
+            <a:pPr>
+              <a:lnSpc>
+                <a:spcPct val="150000"/>
+              </a:lnSpc>
+            </a:pPr>
+            <a:r>
+              <a:rPr lang="ko-KR" altLang="en-US" dirty="0" smtClean="0">
+                <a:latin typeface="휴먼엑스포" panose="02030504000101010101" pitchFamily="18" charset="-127"/>
+                <a:ea typeface="휴먼엑스포" panose="02030504000101010101" pitchFamily="18" charset="-127"/>
+              </a:rPr>
+              <a:t>★ 컨트롤 도구</a:t>
+            </a:r>
+            <a:r>
+              <a:rPr lang="en-US" altLang="ko-KR" dirty="0" smtClean="0">
+                <a:latin typeface="휴먼엑스포" panose="02030504000101010101" pitchFamily="18" charset="-127"/>
+                <a:ea typeface="휴먼엑스포" panose="02030504000101010101" pitchFamily="18" charset="-127"/>
+              </a:rPr>
+              <a:t>(control tools)</a:t>
+            </a:r>
+            <a:endParaRPr lang="en-US" altLang="ko-KR" dirty="0">
+              <a:latin typeface="휴먼엑스포" panose="02030504000101010101" pitchFamily="18" charset="-127"/>
+              <a:ea typeface="휴먼엑스포" panose="02030504000101010101" pitchFamily="18" charset="-127"/>
+            </a:endParaRPr>
+          </a:p>
+        </p:txBody>
+      </p:sp>
       <p:pic>
         <p:nvPicPr>
-          <p:cNvPr id="3" name="그림 2"/>
+          <p:cNvPr id="5" name="그림 4"/>
           <p:cNvPicPr>
             <a:picLocks noChangeAspect="1"/>
           </p:cNvPicPr>
@@ -6203,8 +6895,8 @@
         </p:blipFill>
         <p:spPr>
           <a:xfrm>
-            <a:off x="1568623" y="2356994"/>
-            <a:ext cx="7032451" cy="3880318"/>
+            <a:off x="1712640" y="1858831"/>
+            <a:ext cx="5700254" cy="4480948"/>
           </a:xfrm>
           <a:prstGeom prst="rect">
             <a:avLst/>
@@ -6218,137 +6910,10 @@
           </a:ln>
         </p:spPr>
       </p:pic>
-      <p:pic>
-        <p:nvPicPr>
-          <p:cNvPr id="5" name="그림 4"/>
-          <p:cNvPicPr>
-            <a:picLocks noChangeAspect="1"/>
-          </p:cNvPicPr>
-          <p:nvPr/>
-        </p:nvPicPr>
-        <p:blipFill>
-          <a:blip r:embed="rId3">
-            <a:extLst>
-              <a:ext uri="{28A0092B-C50C-407E-A947-70E740481C1C}">
-                <a14:useLocalDpi xmlns:a14="http://schemas.microsoft.com/office/drawing/2010/main" val="0"/>
-              </a:ext>
-            </a:extLst>
-          </a:blip>
-          <a:stretch>
-            <a:fillRect/>
-          </a:stretch>
-        </p:blipFill>
-        <p:spPr>
-          <a:xfrm>
-            <a:off x="6491808" y="2564904"/>
-            <a:ext cx="2611376" cy="1008112"/>
-          </a:xfrm>
-          <a:prstGeom prst="rect">
-            <a:avLst/>
-          </a:prstGeom>
-          <a:ln>
-            <a:solidFill>
-              <a:schemeClr val="bg1">
-                <a:lumMod val="65000"/>
-              </a:schemeClr>
-            </a:solidFill>
-          </a:ln>
-        </p:spPr>
-      </p:pic>
-      <p:sp>
-        <p:nvSpPr>
-          <p:cNvPr id="6" name="직사각형 5"/>
-          <p:cNvSpPr/>
-          <p:nvPr/>
-        </p:nvSpPr>
-        <p:spPr>
-          <a:xfrm>
-            <a:off x="1064568" y="1196752"/>
-            <a:ext cx="4536504" cy="553998"/>
-          </a:xfrm>
-          <a:prstGeom prst="rect">
-            <a:avLst/>
-          </a:prstGeom>
-        </p:spPr>
-        <p:txBody>
-          <a:bodyPr wrap="square">
-            <a:spAutoFit/>
-          </a:bodyPr>
-          <a:lstStyle/>
-          <a:p>
-            <a:pPr marL="342900" indent="-342900">
-              <a:lnSpc>
-                <a:spcPct val="150000"/>
-              </a:lnSpc>
-              <a:buFont typeface="Wingdings" panose="05000000000000000000" pitchFamily="2" charset="2"/>
-              <a:buChar char="l"/>
-            </a:pPr>
-            <a:r>
-              <a:rPr lang="ko-KR" altLang="en-US" sz="2000" dirty="0" smtClean="0">
-                <a:latin typeface="휴먼엑스포" panose="02030504000101010101" pitchFamily="18" charset="-127"/>
-                <a:ea typeface="휴먼엑스포" panose="02030504000101010101" pitchFamily="18" charset="-127"/>
-              </a:rPr>
-              <a:t>온도 변환기 </a:t>
-            </a:r>
-            <a:r>
-              <a:rPr lang="en-US" altLang="ko-KR" sz="2000" dirty="0" smtClean="0">
-                <a:latin typeface="휴먼엑스포" panose="02030504000101010101" pitchFamily="18" charset="-127"/>
-                <a:ea typeface="휴먼엑스포" panose="02030504000101010101" pitchFamily="18" charset="-127"/>
-              </a:rPr>
-              <a:t>– </a:t>
-            </a:r>
-            <a:r>
-              <a:rPr lang="ko-KR" altLang="en-US" sz="2000" dirty="0" smtClean="0">
-                <a:latin typeface="휴먼엑스포" panose="02030504000101010101" pitchFamily="18" charset="-127"/>
-                <a:ea typeface="휴먼엑스포" panose="02030504000101010101" pitchFamily="18" charset="-127"/>
-              </a:rPr>
-              <a:t>클래스로 구현 </a:t>
-            </a:r>
-            <a:endParaRPr lang="en-US" altLang="ko-KR" sz="2000" dirty="0">
-              <a:latin typeface="휴먼엑스포" panose="02030504000101010101" pitchFamily="18" charset="-127"/>
-              <a:ea typeface="휴먼엑스포" panose="02030504000101010101" pitchFamily="18" charset="-127"/>
-            </a:endParaRPr>
-          </a:p>
-        </p:txBody>
-      </p:sp>
-      <p:sp>
-        <p:nvSpPr>
-          <p:cNvPr id="7" name="TextBox 6"/>
-          <p:cNvSpPr txBox="1"/>
-          <p:nvPr/>
-        </p:nvSpPr>
-        <p:spPr>
-          <a:xfrm>
-            <a:off x="1386136" y="1816993"/>
-            <a:ext cx="4752528" cy="369332"/>
-          </a:xfrm>
-          <a:prstGeom prst="rect">
-            <a:avLst/>
-          </a:prstGeom>
-          <a:noFill/>
-        </p:spPr>
-        <p:txBody>
-          <a:bodyPr wrap="square" rtlCol="0">
-            <a:spAutoFit/>
-          </a:bodyPr>
-          <a:lstStyle/>
-          <a:p>
-            <a:r>
-              <a:rPr lang="en-US" altLang="ko-KR" dirty="0" smtClean="0"/>
-              <a:t>- </a:t>
-            </a:r>
-            <a:r>
-              <a:rPr lang="ko-KR" altLang="en-US" dirty="0" smtClean="0"/>
-              <a:t>계산은 구현되지 않은 온도변환기 만들기</a:t>
-            </a:r>
-            <a:endParaRPr lang="ko-KR" altLang="en-US" dirty="0"/>
-          </a:p>
-        </p:txBody>
-      </p:sp>
     </p:spTree>
     <p:extLst>
       <p:ext uri="{BB962C8B-B14F-4D97-AF65-F5344CB8AC3E}">
-        <p14:creationId xmlns:p14="http://schemas.microsoft.com/office/powerpoint/2010/main" val="783249693"/>
+        <p14:creationId xmlns:p14="http://schemas.microsoft.com/office/powerpoint/2010/main" val="3871611708"/>
       </p:ext>
     </p:extLst>
   </p:cSld>
@@ -6906,7 +7471,11 @@
             </a:r>
             <a:r>
               <a:rPr lang="ko-KR" altLang="en-US" dirty="0" smtClean="0"/>
-              <a:t>온도 변환기</a:t>
+              <a:t>온도 변환기 </a:t>
+            </a:r>
+            <a:r>
+              <a:rPr lang="en-US" altLang="ko-KR" dirty="0" smtClean="0"/>
+              <a:t>1</a:t>
             </a:r>
             <a:endParaRPr lang="ko-KR" altLang="en-US" dirty="0"/>
           </a:p>
@@ -6937,37 +7506,76 @@
       </p:sp>
       <p:sp>
         <p:nvSpPr>
-          <p:cNvPr id="14" name="TextBox 13"/>
+          <p:cNvPr id="6" name="직사각형 5"/>
+          <p:cNvSpPr/>
+          <p:nvPr/>
+        </p:nvSpPr>
+        <p:spPr>
+          <a:xfrm>
+            <a:off x="1072538" y="1268760"/>
+            <a:ext cx="4456526" cy="553998"/>
+          </a:xfrm>
+          <a:prstGeom prst="rect">
+            <a:avLst/>
+          </a:prstGeom>
+        </p:spPr>
+        <p:txBody>
+          <a:bodyPr wrap="square">
+            <a:spAutoFit/>
+          </a:bodyPr>
+          <a:lstStyle/>
+          <a:p>
+            <a:pPr marL="342900" indent="-342900">
+              <a:lnSpc>
+                <a:spcPct val="150000"/>
+              </a:lnSpc>
+              <a:buFont typeface="Wingdings" panose="05000000000000000000" pitchFamily="2" charset="2"/>
+              <a:buChar char="l"/>
+            </a:pPr>
+            <a:r>
+              <a:rPr lang="ko-KR" altLang="en-US" sz="2000" dirty="0" smtClean="0">
+                <a:latin typeface="휴먼엑스포" panose="02030504000101010101" pitchFamily="18" charset="-127"/>
+                <a:ea typeface="휴먼엑스포" panose="02030504000101010101" pitchFamily="18" charset="-127"/>
+              </a:rPr>
+              <a:t>온도 변환기 </a:t>
+            </a:r>
+            <a:r>
+              <a:rPr lang="en-US" altLang="ko-KR" sz="2000" dirty="0" smtClean="0">
+                <a:latin typeface="휴먼엑스포" panose="02030504000101010101" pitchFamily="18" charset="-127"/>
+                <a:ea typeface="휴먼엑스포" panose="02030504000101010101" pitchFamily="18" charset="-127"/>
+              </a:rPr>
+              <a:t>– </a:t>
+            </a:r>
+            <a:r>
+              <a:rPr lang="ko-KR" altLang="en-US" sz="2000" dirty="0" smtClean="0">
+                <a:latin typeface="휴먼엑스포" panose="02030504000101010101" pitchFamily="18" charset="-127"/>
+                <a:ea typeface="휴먼엑스포" panose="02030504000101010101" pitchFamily="18" charset="-127"/>
+              </a:rPr>
+              <a:t>함수로 구현  </a:t>
+            </a:r>
+            <a:endParaRPr lang="en-US" altLang="ko-KR" sz="2000" dirty="0">
+              <a:latin typeface="휴먼엑스포" panose="02030504000101010101" pitchFamily="18" charset="-127"/>
+              <a:ea typeface="휴먼엑스포" panose="02030504000101010101" pitchFamily="18" charset="-127"/>
+            </a:endParaRPr>
+          </a:p>
+        </p:txBody>
+      </p:sp>
+      <p:sp>
+        <p:nvSpPr>
+          <p:cNvPr id="8" name="TextBox 7"/>
           <p:cNvSpPr txBox="1"/>
           <p:nvPr/>
         </p:nvSpPr>
         <p:spPr>
           <a:xfrm>
-            <a:off x="1064568" y="1196752"/>
-            <a:ext cx="5112568" cy="509178"/>
+            <a:off x="1648002" y="3731548"/>
+            <a:ext cx="6833390" cy="1569660"/>
           </a:xfrm>
           <a:prstGeom prst="rect">
             <a:avLst/>
           </a:prstGeom>
           <a:noFill/>
-          <a:ln>
-            <a:noFill/>
-          </a:ln>
-        </p:spPr>
-        <p:style>
-          <a:lnRef idx="1">
-            <a:schemeClr val="accent3"/>
-          </a:lnRef>
-          <a:fillRef idx="2">
-            <a:schemeClr val="accent3"/>
-          </a:fillRef>
-          <a:effectRef idx="1">
-            <a:schemeClr val="accent3"/>
-          </a:effectRef>
-          <a:fontRef idx="minor">
-            <a:schemeClr val="dk1"/>
-          </a:fontRef>
-        </p:style>
+        </p:spPr>
         <p:txBody>
           <a:bodyPr wrap="square" rtlCol="0">
             <a:spAutoFit/>
@@ -6980,29 +7588,88 @@
               </a:lnSpc>
             </a:pPr>
             <a:r>
-              <a:rPr lang="ko-KR" altLang="en-US" sz="2000" dirty="0" smtClean="0">
-                <a:latin typeface="휴먼엑스포" panose="02030504000101010101" pitchFamily="18" charset="-127"/>
-                <a:ea typeface="휴먼엑스포" panose="02030504000101010101" pitchFamily="18" charset="-127"/>
-              </a:rPr>
-              <a:t>★ 온도 변환 클래스</a:t>
-            </a:r>
-            <a:r>
-              <a:rPr lang="en-US" altLang="ko-KR" sz="2000" dirty="0" smtClean="0">
-                <a:latin typeface="휴먼엑스포" panose="02030504000101010101" pitchFamily="18" charset="-127"/>
-                <a:ea typeface="휴먼엑스포" panose="02030504000101010101" pitchFamily="18" charset="-127"/>
-              </a:rPr>
-              <a:t> - converters.py</a:t>
-            </a:r>
-            <a:endParaRPr lang="en-US" altLang="ko-KR" sz="2000" dirty="0">
-              <a:latin typeface="휴먼엑스포" panose="02030504000101010101" pitchFamily="18" charset="-127"/>
-              <a:ea typeface="휴먼엑스포" panose="02030504000101010101" pitchFamily="18" charset="-127"/>
-            </a:endParaRPr>
+              <a:rPr lang="en-US" altLang="ko-KR" sz="1600" dirty="0" smtClean="0"/>
+              <a:t>App </a:t>
+            </a:r>
+            <a:r>
+              <a:rPr lang="ko-KR" altLang="en-US" sz="1600" dirty="0" smtClean="0"/>
+              <a:t>설명</a:t>
+            </a:r>
+            <a:endParaRPr lang="en-US" altLang="ko-KR" sz="1600" dirty="0" smtClean="0"/>
+          </a:p>
+          <a:p>
+            <a:pPr marL="342900" indent="-342900">
+              <a:lnSpc>
+                <a:spcPct val="150000"/>
+              </a:lnSpc>
+              <a:buFont typeface="Arial" panose="020B0604020202020204" pitchFamily="34" charset="0"/>
+              <a:buChar char="•"/>
+            </a:pPr>
+            <a:r>
+              <a:rPr lang="ko-KR" altLang="en-US" sz="1600" dirty="0" smtClean="0"/>
+              <a:t>섭씨온도를 입력하고</a:t>
+            </a:r>
+            <a:r>
+              <a:rPr lang="en-US" altLang="ko-KR" sz="1600" dirty="0"/>
+              <a:t> </a:t>
+            </a:r>
+            <a:r>
+              <a:rPr lang="ko-KR" altLang="en-US" sz="1600" dirty="0" smtClean="0"/>
+              <a:t>변환 버튼을 누르면  화씨온도로 변환된다</a:t>
+            </a:r>
+            <a:r>
+              <a:rPr lang="en-US" altLang="ko-KR" sz="1600" dirty="0" smtClean="0"/>
+              <a:t>.</a:t>
+            </a:r>
+          </a:p>
+          <a:p>
+            <a:pPr marL="342900" indent="-342900">
+              <a:lnSpc>
+                <a:spcPct val="150000"/>
+              </a:lnSpc>
+              <a:buFont typeface="Arial" panose="020B0604020202020204" pitchFamily="34" charset="0"/>
+              <a:buChar char="•"/>
+            </a:pPr>
+            <a:r>
+              <a:rPr lang="ko-KR" altLang="en-US" sz="1600" dirty="0" smtClean="0"/>
+              <a:t>섭씨온도는 정수뿐 아니라 실수범위까지 변환할 수 있다</a:t>
+            </a:r>
+            <a:r>
+              <a:rPr lang="en-US" altLang="ko-KR" sz="1600" dirty="0" smtClean="0"/>
+              <a:t>.</a:t>
+            </a:r>
+          </a:p>
+          <a:p>
+            <a:pPr marL="342900" indent="-342900">
+              <a:lnSpc>
+                <a:spcPct val="150000"/>
+              </a:lnSpc>
+              <a:buFont typeface="Arial" panose="020B0604020202020204" pitchFamily="34" charset="0"/>
+              <a:buChar char="•"/>
+            </a:pPr>
+            <a:r>
+              <a:rPr lang="ko-KR" altLang="en-US" sz="1600" dirty="0" smtClean="0"/>
+              <a:t>변환 명령은 함수 형태로 </a:t>
+            </a:r>
+            <a:r>
+              <a:rPr lang="ko-KR" altLang="en-US" sz="1600" dirty="0" err="1" smtClean="0"/>
+              <a:t>코딩되어</a:t>
+            </a:r>
+            <a:r>
+              <a:rPr lang="ko-KR" altLang="en-US" sz="1600" dirty="0" smtClean="0"/>
+              <a:t> 있다</a:t>
+            </a:r>
+            <a:r>
+              <a:rPr lang="en-US" altLang="ko-KR" sz="1600" dirty="0" smtClean="0"/>
+              <a:t>.</a:t>
+            </a:r>
+            <a:endParaRPr lang="ko-KR" altLang="en-US" sz="1600" dirty="0"/>
           </a:p>
         </p:txBody>
       </p:sp>
       <p:pic>
         <p:nvPicPr>
-          <p:cNvPr id="5" name="그림 4"/>
+          <p:cNvPr id="3" name="그림 2"/>
           <p:cNvPicPr>
             <a:picLocks noChangeAspect="1"/>
           </p:cNvPicPr>
@@ -7022,8 +7689,8 @@
         </p:blipFill>
         <p:spPr>
           <a:xfrm>
-            <a:off x="1571501" y="1916832"/>
-            <a:ext cx="6645216" cy="3871296"/>
+            <a:off x="1712640" y="1988840"/>
+            <a:ext cx="3236625" cy="1486205"/>
           </a:xfrm>
           <a:prstGeom prst="rect">
             <a:avLst/>
@@ -7040,7 +7707,7 @@
     </p:spTree>
     <p:extLst>
       <p:ext uri="{BB962C8B-B14F-4D97-AF65-F5344CB8AC3E}">
-        <p14:creationId xmlns:p14="http://schemas.microsoft.com/office/powerpoint/2010/main" val="3640492405"/>
+        <p14:creationId xmlns:p14="http://schemas.microsoft.com/office/powerpoint/2010/main" val="3220262055"/>
       </p:ext>
     </p:extLst>
   </p:cSld>
@@ -7095,7 +7762,11 @@
             </a:r>
             <a:r>
               <a:rPr lang="ko-KR" altLang="en-US" dirty="0" smtClean="0"/>
-              <a:t>온도 변환기</a:t>
+              <a:t>온도 변환기 </a:t>
+            </a:r>
+            <a:r>
+              <a:rPr lang="en-US" altLang="ko-KR" dirty="0" smtClean="0"/>
+              <a:t>1</a:t>
             </a:r>
             <a:endParaRPr lang="ko-KR" altLang="en-US" dirty="0"/>
           </a:p>
@@ -7126,7 +7797,7 @@
       </p:sp>
       <p:pic>
         <p:nvPicPr>
-          <p:cNvPr id="7" name="그림 6"/>
+          <p:cNvPr id="5" name="그림 4"/>
           <p:cNvPicPr>
             <a:picLocks noChangeAspect="1"/>
           </p:cNvPicPr>
@@ -7146,8 +7817,8 @@
         </p:blipFill>
         <p:spPr>
           <a:xfrm>
-            <a:off x="632519" y="1628800"/>
-            <a:ext cx="8939035" cy="4305673"/>
+            <a:off x="902973" y="1412776"/>
+            <a:ext cx="8344624" cy="4519052"/>
           </a:xfrm>
           <a:prstGeom prst="rect">
             <a:avLst/>
@@ -7161,47 +7832,10 @@
           </a:ln>
         </p:spPr>
       </p:pic>
-      <p:pic>
-        <p:nvPicPr>
-          <p:cNvPr id="3" name="그림 2"/>
-          <p:cNvPicPr>
-            <a:picLocks noChangeAspect="1"/>
-          </p:cNvPicPr>
-          <p:nvPr/>
-        </p:nvPicPr>
-        <p:blipFill>
-          <a:blip r:embed="rId3">
-            <a:extLst>
-              <a:ext uri="{28A0092B-C50C-407E-A947-70E740481C1C}">
-                <a14:useLocalDpi xmlns:a14="http://schemas.microsoft.com/office/drawing/2010/main" val="0"/>
-              </a:ext>
-            </a:extLst>
-          </a:blip>
-          <a:stretch>
-            <a:fillRect/>
-          </a:stretch>
-        </p:blipFill>
-        <p:spPr>
-          <a:xfrm>
-            <a:off x="5961112" y="1412776"/>
-            <a:ext cx="3122140" cy="1576425"/>
-          </a:xfrm>
-          <a:prstGeom prst="rect">
-            <a:avLst/>
-          </a:prstGeom>
-          <a:ln>
-            <a:solidFill>
-              <a:schemeClr val="bg1">
-                <a:lumMod val="85000"/>
-              </a:schemeClr>
-            </a:solidFill>
-          </a:ln>
-        </p:spPr>
-      </p:pic>
     </p:spTree>
     <p:extLst>
       <p:ext uri="{BB962C8B-B14F-4D97-AF65-F5344CB8AC3E}">
-        <p14:creationId xmlns:p14="http://schemas.microsoft.com/office/powerpoint/2010/main" val="1995026841"/>
+        <p14:creationId xmlns:p14="http://schemas.microsoft.com/office/powerpoint/2010/main" val="1989999040"/>
       </p:ext>
     </p:extLst>
   </p:cSld>
@@ -7256,7 +7890,11 @@
             </a:r>
             <a:r>
               <a:rPr lang="ko-KR" altLang="en-US" dirty="0" smtClean="0"/>
-              <a:t>온도 변환기</a:t>
+              <a:t>온도 변환기 </a:t>
+            </a:r>
+            <a:r>
+              <a:rPr lang="en-US" altLang="ko-KR" dirty="0" smtClean="0"/>
+              <a:t>1</a:t>
             </a:r>
             <a:endParaRPr lang="ko-KR" altLang="en-US" dirty="0"/>
           </a:p>
@@ -7287,7 +7925,7 @@
       </p:sp>
       <p:pic>
         <p:nvPicPr>
-          <p:cNvPr id="5" name="그림 4"/>
+          <p:cNvPr id="3" name="그림 2"/>
           <p:cNvPicPr>
             <a:picLocks noChangeAspect="1"/>
           </p:cNvPicPr>
@@ -7307,8 +7945,8 @@
         </p:blipFill>
         <p:spPr>
           <a:xfrm>
-            <a:off x="1424608" y="1484784"/>
-            <a:ext cx="5879390" cy="3744416"/>
+            <a:off x="1064568" y="1556792"/>
+            <a:ext cx="7285352" cy="2857748"/>
           </a:xfrm>
           <a:prstGeom prst="rect">
             <a:avLst/>
@@ -7325,7 +7963,7 @@
     </p:spTree>
     <p:extLst>
       <p:ext uri="{BB962C8B-B14F-4D97-AF65-F5344CB8AC3E}">
-        <p14:creationId xmlns:p14="http://schemas.microsoft.com/office/powerpoint/2010/main" val="2066398034"/>
+        <p14:creationId xmlns:p14="http://schemas.microsoft.com/office/powerpoint/2010/main" val="550006701"/>
       </p:ext>
     </p:extLst>
   </p:cSld>
@@ -7376,11 +8014,15 @@
           <a:p>
             <a:r>
               <a:rPr lang="en-US" altLang="ko-KR" dirty="0" smtClean="0"/>
-              <a:t> UI - </a:t>
+              <a:t> </a:t>
             </a:r>
             <a:r>
               <a:rPr lang="ko-KR" altLang="en-US" dirty="0" smtClean="0"/>
-              <a:t>계산기</a:t>
+              <a:t>온도 변환기</a:t>
+            </a:r>
+            <a:r>
+              <a:rPr lang="en-US" altLang="ko-KR" dirty="0" smtClean="0"/>
+              <a:t>2</a:t>
             </a:r>
             <a:endParaRPr lang="ko-KR" altLang="en-US" dirty="0"/>
           </a:p>
@@ -7409,81 +8051,9 @@
           </a:p>
         </p:txBody>
       </p:sp>
-      <p:sp>
-        <p:nvSpPr>
-          <p:cNvPr id="10" name="TextBox 9"/>
-          <p:cNvSpPr txBox="1"/>
-          <p:nvPr/>
-        </p:nvSpPr>
-        <p:spPr>
-          <a:xfrm>
-            <a:off x="920553" y="1243350"/>
-            <a:ext cx="3888431" cy="553998"/>
-          </a:xfrm>
-          <a:prstGeom prst="rect">
-            <a:avLst/>
-          </a:prstGeom>
-          <a:noFill/>
-          <a:ln>
-            <a:noFill/>
-          </a:ln>
-        </p:spPr>
-        <p:style>
-          <a:lnRef idx="1">
-            <a:schemeClr val="accent3"/>
-          </a:lnRef>
-          <a:fillRef idx="2">
-            <a:schemeClr val="accent3"/>
-          </a:fillRef>
-          <a:effectRef idx="1">
-            <a:schemeClr val="accent3"/>
-          </a:effectRef>
-          <a:fontRef idx="minor">
-            <a:schemeClr val="dk1"/>
-          </a:fontRef>
-        </p:style>
-        <p:txBody>
-          <a:bodyPr wrap="square" rtlCol="0">
-            <a:spAutoFit/>
-          </a:bodyPr>
-          <a:lstStyle/>
-          <a:p>
-            <a:pPr>
-              <a:lnSpc>
-                <a:spcPct val="150000"/>
-              </a:lnSpc>
-            </a:pPr>
-            <a:r>
-              <a:rPr lang="ko-KR" altLang="en-US" sz="2000" dirty="0" smtClean="0">
-                <a:latin typeface="휴먼엑스포" panose="02030504000101010101" pitchFamily="18" charset="-127"/>
-                <a:ea typeface="휴먼엑스포" panose="02030504000101010101" pitchFamily="18" charset="-127"/>
-              </a:rPr>
-              <a:t>★ 계산기 </a:t>
-            </a:r>
-            <a:r>
-              <a:rPr lang="en-US" altLang="ko-KR" sz="2000" dirty="0" smtClean="0">
-                <a:latin typeface="휴먼엑스포" panose="02030504000101010101" pitchFamily="18" charset="-127"/>
-                <a:ea typeface="휴먼엑스포" panose="02030504000101010101" pitchFamily="18" charset="-127"/>
-              </a:rPr>
-              <a:t>– </a:t>
-            </a:r>
-            <a:r>
-              <a:rPr lang="ko-KR" altLang="en-US" sz="2000" dirty="0" smtClean="0">
-                <a:latin typeface="휴먼엑스포" panose="02030504000101010101" pitchFamily="18" charset="-127"/>
-                <a:ea typeface="휴먼엑스포" panose="02030504000101010101" pitchFamily="18" charset="-127"/>
-              </a:rPr>
-              <a:t>간단한 숫자표시</a:t>
-            </a:r>
-            <a:endParaRPr lang="en-US" altLang="ko-KR" sz="2000" dirty="0">
-              <a:latin typeface="휴먼엑스포" panose="02030504000101010101" pitchFamily="18" charset="-127"/>
-              <a:ea typeface="휴먼엑스포" panose="02030504000101010101" pitchFamily="18" charset="-127"/>
-            </a:endParaRPr>
-          </a:p>
-        </p:txBody>
-      </p:sp>
       <p:pic>
         <p:nvPicPr>
-          <p:cNvPr id="5" name="그림 4"/>
+          <p:cNvPr id="3" name="그림 2"/>
           <p:cNvPicPr>
             <a:picLocks noChangeAspect="1"/>
           </p:cNvPicPr>
@@ -7503,8 +8073,8 @@
         </p:blipFill>
         <p:spPr>
           <a:xfrm>
-            <a:off x="1324540" y="1916832"/>
-            <a:ext cx="7590178" cy="4160881"/>
+            <a:off x="1568623" y="2356994"/>
+            <a:ext cx="7032451" cy="3880318"/>
           </a:xfrm>
           <a:prstGeom prst="rect">
             <a:avLst/>
@@ -7520,7 +8090,7 @@
       </p:pic>
       <p:pic>
         <p:nvPicPr>
-          <p:cNvPr id="3" name="그림 2"/>
+          <p:cNvPr id="5" name="그림 4"/>
           <p:cNvPicPr>
             <a:picLocks noChangeAspect="1"/>
           </p:cNvPicPr>
@@ -7540,8 +8110,8 @@
         </p:blipFill>
         <p:spPr>
           <a:xfrm>
-            <a:off x="6321152" y="2160036"/>
-            <a:ext cx="1800200" cy="1261157"/>
+            <a:off x="6491808" y="2564904"/>
+            <a:ext cx="2611376" cy="1008112"/>
           </a:xfrm>
           <a:prstGeom prst="rect">
             <a:avLst/>
@@ -7549,16 +8119,106 @@
           <a:ln>
             <a:solidFill>
               <a:schemeClr val="bg1">
-                <a:lumMod val="85000"/>
+                <a:lumMod val="65000"/>
               </a:schemeClr>
             </a:solidFill>
           </a:ln>
         </p:spPr>
       </p:pic>
+      <p:sp>
+        <p:nvSpPr>
+          <p:cNvPr id="6" name="직사각형 5"/>
+          <p:cNvSpPr/>
+          <p:nvPr/>
+        </p:nvSpPr>
+        <p:spPr>
+          <a:xfrm>
+            <a:off x="1064568" y="1196752"/>
+            <a:ext cx="4536504" cy="553998"/>
+          </a:xfrm>
+          <a:prstGeom prst="rect">
+            <a:avLst/>
+          </a:prstGeom>
+        </p:spPr>
+        <p:txBody>
+          <a:bodyPr wrap="square">
+            <a:spAutoFit/>
+          </a:bodyPr>
+          <a:lstStyle/>
+          <a:p>
+            <a:pPr marL="342900" indent="-342900">
+              <a:lnSpc>
+                <a:spcPct val="150000"/>
+              </a:lnSpc>
+              <a:buFont typeface="Wingdings" panose="05000000000000000000" pitchFamily="2" charset="2"/>
+              <a:buChar char="l"/>
+            </a:pPr>
+            <a:r>
+              <a:rPr lang="ko-KR" altLang="en-US" sz="2000" dirty="0" smtClean="0">
+                <a:latin typeface="휴먼엑스포" panose="02030504000101010101" pitchFamily="18" charset="-127"/>
+                <a:ea typeface="휴먼엑스포" panose="02030504000101010101" pitchFamily="18" charset="-127"/>
+              </a:rPr>
+              <a:t>온도 변환기 </a:t>
+            </a:r>
+            <a:r>
+              <a:rPr lang="en-US" altLang="ko-KR" sz="2000" dirty="0" smtClean="0">
+                <a:latin typeface="휴먼엑스포" panose="02030504000101010101" pitchFamily="18" charset="-127"/>
+                <a:ea typeface="휴먼엑스포" panose="02030504000101010101" pitchFamily="18" charset="-127"/>
+              </a:rPr>
+              <a:t>– </a:t>
+            </a:r>
+            <a:r>
+              <a:rPr lang="ko-KR" altLang="en-US" sz="2000" dirty="0" smtClean="0">
+                <a:latin typeface="휴먼엑스포" panose="02030504000101010101" pitchFamily="18" charset="-127"/>
+                <a:ea typeface="휴먼엑스포" panose="02030504000101010101" pitchFamily="18" charset="-127"/>
+              </a:rPr>
+              <a:t>클래스로 구현 </a:t>
+            </a:r>
+            <a:endParaRPr lang="en-US" altLang="ko-KR" sz="2000" dirty="0">
+              <a:latin typeface="휴먼엑스포" panose="02030504000101010101" pitchFamily="18" charset="-127"/>
+              <a:ea typeface="휴먼엑스포" panose="02030504000101010101" pitchFamily="18" charset="-127"/>
+            </a:endParaRPr>
+          </a:p>
+        </p:txBody>
+      </p:sp>
+      <p:sp>
+        <p:nvSpPr>
+          <p:cNvPr id="7" name="TextBox 6"/>
+          <p:cNvSpPr txBox="1"/>
+          <p:nvPr/>
+        </p:nvSpPr>
+        <p:spPr>
+          <a:xfrm>
+            <a:off x="1386136" y="1816993"/>
+            <a:ext cx="4752528" cy="369332"/>
+          </a:xfrm>
+          <a:prstGeom prst="rect">
+            <a:avLst/>
+          </a:prstGeom>
+          <a:noFill/>
+        </p:spPr>
+        <p:txBody>
+          <a:bodyPr wrap="square" rtlCol="0">
+            <a:spAutoFit/>
+          </a:bodyPr>
+          <a:lstStyle/>
+          <a:p>
+            <a:r>
+              <a:rPr lang="en-US" altLang="ko-KR" dirty="0" smtClean="0"/>
+              <a:t>- </a:t>
+            </a:r>
+            <a:r>
+              <a:rPr lang="ko-KR" altLang="en-US" dirty="0" smtClean="0"/>
+              <a:t>계산은 구현되지 않은 온도변환기 만들기</a:t>
+            </a:r>
+            <a:endParaRPr lang="ko-KR" altLang="en-US" dirty="0"/>
+          </a:p>
+        </p:txBody>
+      </p:sp>
     </p:spTree>
     <p:extLst>
       <p:ext uri="{BB962C8B-B14F-4D97-AF65-F5344CB8AC3E}">
-        <p14:creationId xmlns:p14="http://schemas.microsoft.com/office/powerpoint/2010/main" val="169221804"/>
+        <p14:creationId xmlns:p14="http://schemas.microsoft.com/office/powerpoint/2010/main" val="783249693"/>
       </p:ext>
     </p:extLst>
   </p:cSld>
@@ -7592,9 +8252,124 @@
           <a:chExt cx="0" cy="0"/>
         </a:xfrm>
       </p:grpSpPr>
+      <p:sp>
+        <p:nvSpPr>
+          <p:cNvPr id="2" name="제목 1"/>
+          <p:cNvSpPr>
+            <a:spLocks noGrp="1"/>
+          </p:cNvSpPr>
+          <p:nvPr>
+            <p:ph type="title"/>
+          </p:nvPr>
+        </p:nvSpPr>
+        <p:spPr/>
+        <p:txBody>
+          <a:bodyPr/>
+          <a:lstStyle/>
+          <a:p>
+            <a:r>
+              <a:rPr lang="en-US" altLang="ko-KR" dirty="0" smtClean="0"/>
+              <a:t> </a:t>
+            </a:r>
+            <a:r>
+              <a:rPr lang="ko-KR" altLang="en-US" dirty="0" smtClean="0"/>
+              <a:t>온도 변환기</a:t>
+            </a:r>
+            <a:endParaRPr lang="ko-KR" altLang="en-US" dirty="0"/>
+          </a:p>
+        </p:txBody>
+      </p:sp>
+      <p:sp>
+        <p:nvSpPr>
+          <p:cNvPr id="4" name="슬라이드 번호 개체 틀 3"/>
+          <p:cNvSpPr>
+            <a:spLocks noGrp="1"/>
+          </p:cNvSpPr>
+          <p:nvPr>
+            <p:ph type="sldNum" sz="quarter" idx="12"/>
+          </p:nvPr>
+        </p:nvSpPr>
+        <p:spPr/>
+        <p:txBody>
+          <a:bodyPr/>
+          <a:lstStyle/>
+          <a:p>
+            <a:fld id="{1BDE3FE7-3AEA-4B05-AC5A-802D1816ACF0}" type="slidenum">
+              <a:rPr lang="ko-KR" altLang="en-US" smtClean="0"/>
+              <a:t>24</a:t>
+            </a:fld>
+            <a:endParaRPr lang="ko-KR" altLang="en-US"/>
+          </a:p>
+        </p:txBody>
+      </p:sp>
+      <p:sp>
+        <p:nvSpPr>
+          <p:cNvPr id="14" name="TextBox 13"/>
+          <p:cNvSpPr txBox="1"/>
+          <p:nvPr/>
+        </p:nvSpPr>
+        <p:spPr>
+          <a:xfrm>
+            <a:off x="1064568" y="1196752"/>
+            <a:ext cx="5112568" cy="509178"/>
+          </a:xfrm>
+          <a:prstGeom prst="rect">
+            <a:avLst/>
+          </a:prstGeom>
+          <a:noFill/>
+          <a:ln>
+            <a:noFill/>
+          </a:ln>
+        </p:spPr>
+        <p:style>
+          <a:lnRef idx="1">
+            <a:schemeClr val="accent3"/>
+          </a:lnRef>
+          <a:fillRef idx="2">
+            <a:schemeClr val="accent3"/>
+          </a:fillRef>
+          <a:effectRef idx="1">
+            <a:schemeClr val="accent3"/>
+          </a:effectRef>
+          <a:fontRef idx="minor">
+            <a:schemeClr val="dk1"/>
+          </a:fontRef>
+        </p:style>
+        <p:txBody>
+          <a:bodyPr wrap="square" rtlCol="0">
+            <a:spAutoFit/>
+          </a:bodyPr>
+          <a:lstStyle/>
+          <a:p>
+            <a:pPr>
+              <a:lnSpc>
+                <a:spcPct val="150000"/>
+              </a:lnSpc>
+            </a:pPr>
+            <a:r>
+              <a:rPr lang="ko-KR" altLang="en-US" sz="2000" dirty="0" smtClean="0">
+                <a:latin typeface="휴먼엑스포" panose="02030504000101010101" pitchFamily="18" charset="-127"/>
+                <a:ea typeface="휴먼엑스포" panose="02030504000101010101" pitchFamily="18" charset="-127"/>
+              </a:rPr>
+              <a:t>★ 온도 변환 클래스</a:t>
+            </a:r>
+            <a:r>
+              <a:rPr lang="en-US" altLang="ko-KR" sz="2000" dirty="0" smtClean="0">
+                <a:latin typeface="휴먼엑스포" panose="02030504000101010101" pitchFamily="18" charset="-127"/>
+                <a:ea typeface="휴먼엑스포" panose="02030504000101010101" pitchFamily="18" charset="-127"/>
+              </a:rPr>
+              <a:t> - converters.py</a:t>
+            </a:r>
+            <a:endParaRPr lang="en-US" altLang="ko-KR" sz="2000" dirty="0">
+              <a:latin typeface="휴먼엑스포" panose="02030504000101010101" pitchFamily="18" charset="-127"/>
+              <a:ea typeface="휴먼엑스포" panose="02030504000101010101" pitchFamily="18" charset="-127"/>
+            </a:endParaRPr>
+          </a:p>
+        </p:txBody>
+      </p:sp>
       <p:pic>
         <p:nvPicPr>
-          <p:cNvPr id="3" name="그림 2"/>
+          <p:cNvPr id="5" name="그림 4"/>
           <p:cNvPicPr>
             <a:picLocks noChangeAspect="1"/>
           </p:cNvPicPr>
@@ -7614,8 +8389,8 @@
         </p:blipFill>
         <p:spPr>
           <a:xfrm>
-            <a:off x="1934832" y="2222426"/>
-            <a:ext cx="3364244" cy="1584176"/>
+            <a:off x="1571501" y="1916832"/>
+            <a:ext cx="6645216" cy="3871296"/>
           </a:xfrm>
           <a:prstGeom prst="rect">
             <a:avLst/>
@@ -7629,461 +8404,10 @@
           </a:ln>
         </p:spPr>
       </p:pic>
-      <p:sp>
-        <p:nvSpPr>
-          <p:cNvPr id="2" name="제목 1"/>
-          <p:cNvSpPr>
-            <a:spLocks noGrp="1"/>
-          </p:cNvSpPr>
-          <p:nvPr>
-            <p:ph type="title"/>
-          </p:nvPr>
-        </p:nvSpPr>
-        <p:spPr/>
-        <p:txBody>
-          <a:bodyPr/>
-          <a:lstStyle/>
-          <a:p>
-            <a:r>
-              <a:rPr lang="en-US" altLang="ko-KR" dirty="0" smtClean="0"/>
-              <a:t> UI - </a:t>
-            </a:r>
-            <a:r>
-              <a:rPr lang="ko-KR" altLang="en-US" dirty="0" smtClean="0"/>
-              <a:t>계산기</a:t>
-            </a:r>
-            <a:endParaRPr lang="ko-KR" altLang="en-US" dirty="0"/>
-          </a:p>
-        </p:txBody>
-      </p:sp>
-      <p:sp>
-        <p:nvSpPr>
-          <p:cNvPr id="4" name="슬라이드 번호 개체 틀 3"/>
-          <p:cNvSpPr>
-            <a:spLocks noGrp="1"/>
-          </p:cNvSpPr>
-          <p:nvPr>
-            <p:ph type="sldNum" sz="quarter" idx="12"/>
-          </p:nvPr>
-        </p:nvSpPr>
-        <p:spPr/>
-        <p:txBody>
-          <a:bodyPr/>
-          <a:lstStyle/>
-          <a:p>
-            <a:fld id="{1BDE3FE7-3AEA-4B05-AC5A-802D1816ACF0}" type="slidenum">
-              <a:rPr lang="ko-KR" altLang="en-US" smtClean="0"/>
-              <a:t>24</a:t>
-            </a:fld>
-            <a:endParaRPr lang="ko-KR" altLang="en-US"/>
-          </a:p>
-        </p:txBody>
-      </p:sp>
-      <p:sp>
-        <p:nvSpPr>
-          <p:cNvPr id="12" name="TextBox 11"/>
-          <p:cNvSpPr txBox="1"/>
-          <p:nvPr/>
-        </p:nvSpPr>
-        <p:spPr>
-          <a:xfrm>
-            <a:off x="1064568" y="1409001"/>
-            <a:ext cx="4968552" cy="507831"/>
-          </a:xfrm>
-          <a:prstGeom prst="rect">
-            <a:avLst/>
-          </a:prstGeom>
-          <a:noFill/>
-          <a:ln>
-            <a:noFill/>
-          </a:ln>
-        </p:spPr>
-        <p:style>
-          <a:lnRef idx="1">
-            <a:schemeClr val="accent3"/>
-          </a:lnRef>
-          <a:fillRef idx="2">
-            <a:schemeClr val="accent3"/>
-          </a:fillRef>
-          <a:effectRef idx="1">
-            <a:schemeClr val="accent3"/>
-          </a:effectRef>
-          <a:fontRef idx="minor">
-            <a:schemeClr val="dk1"/>
-          </a:fontRef>
-        </p:style>
-        <p:txBody>
-          <a:bodyPr wrap="square" rtlCol="0">
-            <a:spAutoFit/>
-          </a:bodyPr>
-          <a:lstStyle/>
-          <a:p>
-            <a:pPr>
-              <a:lnSpc>
-                <a:spcPct val="150000"/>
-              </a:lnSpc>
-            </a:pPr>
-            <a:r>
-              <a:rPr lang="en-US" altLang="ko-KR" dirty="0" smtClean="0">
-                <a:latin typeface="+mn-ea"/>
-              </a:rPr>
-              <a:t>- </a:t>
-            </a:r>
-            <a:r>
-              <a:rPr lang="ko-KR" altLang="en-US" dirty="0" smtClean="0">
-                <a:latin typeface="+mn-ea"/>
-              </a:rPr>
-              <a:t>계산기 </a:t>
-            </a:r>
-            <a:r>
-              <a:rPr lang="en-US" altLang="ko-KR" dirty="0" smtClean="0">
-                <a:latin typeface="+mn-ea"/>
-              </a:rPr>
-              <a:t>: </a:t>
-            </a:r>
-            <a:r>
-              <a:rPr lang="ko-KR" altLang="en-US" dirty="0" smtClean="0">
-                <a:latin typeface="+mn-ea"/>
-              </a:rPr>
-              <a:t>여러 개의 프레임 사용</a:t>
-            </a:r>
-            <a:endParaRPr lang="en-US" altLang="ko-KR" dirty="0">
-              <a:latin typeface="+mn-ea"/>
-            </a:endParaRPr>
-          </a:p>
-        </p:txBody>
-      </p:sp>
-      <p:cxnSp>
-        <p:nvCxnSpPr>
-          <p:cNvPr id="13" name="직선 화살표 연결선 12"/>
-          <p:cNvCxnSpPr/>
-          <p:nvPr/>
-        </p:nvCxnSpPr>
-        <p:spPr>
-          <a:xfrm flipV="1">
-            <a:off x="4956615" y="2423776"/>
-            <a:ext cx="504056" cy="182341"/>
-          </a:xfrm>
-          <a:prstGeom prst="straightConnector1">
-            <a:avLst/>
-          </a:prstGeom>
-          <a:ln w="12700">
-            <a:solidFill>
-              <a:schemeClr val="tx1"/>
-            </a:solidFill>
-            <a:prstDash val="sysDash"/>
-            <a:headEnd type="triangle" w="med" len="med"/>
-            <a:tailEnd type="none" w="med" len="med"/>
-          </a:ln>
-        </p:spPr>
-        <p:style>
-          <a:lnRef idx="1">
-            <a:schemeClr val="accent1"/>
-          </a:lnRef>
-          <a:fillRef idx="0">
-            <a:schemeClr val="accent1"/>
-          </a:fillRef>
-          <a:effectRef idx="0">
-            <a:schemeClr val="accent1"/>
-          </a:effectRef>
-          <a:fontRef idx="minor">
-            <a:schemeClr val="tx1"/>
-          </a:fontRef>
-        </p:style>
-      </p:cxnSp>
-      <p:sp>
-        <p:nvSpPr>
-          <p:cNvPr id="14" name="모서리가 둥근 직사각형 13"/>
-          <p:cNvSpPr/>
-          <p:nvPr/>
-        </p:nvSpPr>
-        <p:spPr>
-          <a:xfrm>
-            <a:off x="5391244" y="2161903"/>
-            <a:ext cx="1866012" cy="330993"/>
-          </a:xfrm>
-          <a:prstGeom prst="roundRect">
-            <a:avLst/>
-          </a:prstGeom>
-          <a:noFill/>
-          <a:ln w="12700">
-            <a:noFill/>
-          </a:ln>
-        </p:spPr>
-        <p:style>
-          <a:lnRef idx="2">
-            <a:schemeClr val="accent1">
-              <a:shade val="50000"/>
-            </a:schemeClr>
-          </a:lnRef>
-          <a:fillRef idx="1">
-            <a:schemeClr val="accent1"/>
-          </a:fillRef>
-          <a:effectRef idx="0">
-            <a:schemeClr val="accent1"/>
-          </a:effectRef>
-          <a:fontRef idx="minor">
-            <a:schemeClr val="lt1"/>
-          </a:fontRef>
-        </p:style>
-        <p:txBody>
-          <a:bodyPr rtlCol="0" anchor="ctr"/>
-          <a:lstStyle/>
-          <a:p>
-            <a:r>
-              <a:rPr lang="en-US" altLang="ko-KR" sz="1600" dirty="0" err="1" smtClean="0">
-                <a:solidFill>
-                  <a:sysClr val="windowText" lastClr="000000"/>
-                </a:solidFill>
-              </a:rPr>
-              <a:t>top_row</a:t>
-            </a:r>
-            <a:r>
-              <a:rPr lang="en-US" altLang="ko-KR" sz="1600" dirty="0" smtClean="0">
-                <a:solidFill>
-                  <a:sysClr val="windowText" lastClr="000000"/>
-                </a:solidFill>
-              </a:rPr>
-              <a:t> </a:t>
-            </a:r>
-            <a:r>
-              <a:rPr lang="ko-KR" altLang="en-US" sz="1600" dirty="0" smtClean="0">
-                <a:solidFill>
-                  <a:sysClr val="windowText" lastClr="000000"/>
-                </a:solidFill>
-              </a:rPr>
-              <a:t>프레임</a:t>
-            </a:r>
-            <a:endParaRPr lang="ko-KR" altLang="en-US" sz="1600" dirty="0">
-              <a:solidFill>
-                <a:sysClr val="windowText" lastClr="000000"/>
-              </a:solidFill>
-            </a:endParaRPr>
-          </a:p>
-        </p:txBody>
-      </p:sp>
-      <p:sp>
-        <p:nvSpPr>
-          <p:cNvPr id="15" name="모서리가 둥근 직사각형 14"/>
-          <p:cNvSpPr/>
-          <p:nvPr/>
-        </p:nvSpPr>
-        <p:spPr>
-          <a:xfrm>
-            <a:off x="1799730" y="4021900"/>
-            <a:ext cx="1866012" cy="330993"/>
-          </a:xfrm>
-          <a:prstGeom prst="roundRect">
-            <a:avLst/>
-          </a:prstGeom>
-          <a:noFill/>
-          <a:ln w="12700">
-            <a:noFill/>
-          </a:ln>
-        </p:spPr>
-        <p:style>
-          <a:lnRef idx="2">
-            <a:schemeClr val="accent1">
-              <a:shade val="50000"/>
-            </a:schemeClr>
-          </a:lnRef>
-          <a:fillRef idx="1">
-            <a:schemeClr val="accent1"/>
-          </a:fillRef>
-          <a:effectRef idx="0">
-            <a:schemeClr val="accent1"/>
-          </a:effectRef>
-          <a:fontRef idx="minor">
-            <a:schemeClr val="lt1"/>
-          </a:fontRef>
-        </p:style>
-        <p:txBody>
-          <a:bodyPr rtlCol="0" anchor="ctr"/>
-          <a:lstStyle/>
-          <a:p>
-            <a:r>
-              <a:rPr lang="ko-KR" altLang="en-US" sz="1600" dirty="0" smtClean="0">
-                <a:solidFill>
-                  <a:sysClr val="windowText" lastClr="000000"/>
-                </a:solidFill>
-              </a:rPr>
-              <a:t>숫자버튼</a:t>
-            </a:r>
-            <a:r>
-              <a:rPr lang="en-US" altLang="ko-KR" sz="1600" dirty="0" smtClean="0">
-                <a:solidFill>
-                  <a:sysClr val="windowText" lastClr="000000"/>
-                </a:solidFill>
-              </a:rPr>
-              <a:t> </a:t>
-            </a:r>
-            <a:r>
-              <a:rPr lang="ko-KR" altLang="en-US" sz="1600" dirty="0" smtClean="0">
-                <a:solidFill>
-                  <a:sysClr val="windowText" lastClr="000000"/>
-                </a:solidFill>
-              </a:rPr>
-              <a:t>프레임</a:t>
-            </a:r>
-            <a:endParaRPr lang="ko-KR" altLang="en-US" sz="1600" dirty="0">
-              <a:solidFill>
-                <a:sysClr val="windowText" lastClr="000000"/>
-              </a:solidFill>
-            </a:endParaRPr>
-          </a:p>
-        </p:txBody>
-      </p:sp>
-      <p:cxnSp>
-        <p:nvCxnSpPr>
-          <p:cNvPr id="16" name="직선 화살표 연결선 15"/>
-          <p:cNvCxnSpPr/>
-          <p:nvPr/>
-        </p:nvCxnSpPr>
-        <p:spPr>
-          <a:xfrm flipH="1">
-            <a:off x="2508344" y="3602063"/>
-            <a:ext cx="72007" cy="419837"/>
-          </a:xfrm>
-          <a:prstGeom prst="straightConnector1">
-            <a:avLst/>
-          </a:prstGeom>
-          <a:ln w="12700">
-            <a:solidFill>
-              <a:schemeClr val="tx1"/>
-            </a:solidFill>
-            <a:prstDash val="sysDash"/>
-            <a:headEnd type="triangle" w="med" len="med"/>
-            <a:tailEnd type="none" w="med" len="med"/>
-          </a:ln>
-        </p:spPr>
-        <p:style>
-          <a:lnRef idx="1">
-            <a:schemeClr val="accent1"/>
-          </a:lnRef>
-          <a:fillRef idx="0">
-            <a:schemeClr val="accent1"/>
-          </a:fillRef>
-          <a:effectRef idx="0">
-            <a:schemeClr val="accent1"/>
-          </a:effectRef>
-          <a:fontRef idx="minor">
-            <a:schemeClr val="tx1"/>
-          </a:fontRef>
-        </p:style>
-      </p:cxnSp>
-      <p:sp>
-        <p:nvSpPr>
-          <p:cNvPr id="18" name="모서리가 둥근 직사각형 17"/>
-          <p:cNvSpPr/>
-          <p:nvPr/>
-        </p:nvSpPr>
-        <p:spPr>
-          <a:xfrm>
-            <a:off x="3726626" y="4034111"/>
-            <a:ext cx="1590029" cy="330993"/>
-          </a:xfrm>
-          <a:prstGeom prst="roundRect">
-            <a:avLst/>
-          </a:prstGeom>
-          <a:noFill/>
-          <a:ln w="12700">
-            <a:noFill/>
-          </a:ln>
-        </p:spPr>
-        <p:style>
-          <a:lnRef idx="2">
-            <a:schemeClr val="accent1">
-              <a:shade val="50000"/>
-            </a:schemeClr>
-          </a:lnRef>
-          <a:fillRef idx="1">
-            <a:schemeClr val="accent1"/>
-          </a:fillRef>
-          <a:effectRef idx="0">
-            <a:schemeClr val="accent1"/>
-          </a:effectRef>
-          <a:fontRef idx="minor">
-            <a:schemeClr val="lt1"/>
-          </a:fontRef>
-        </p:style>
-        <p:txBody>
-          <a:bodyPr rtlCol="0" anchor="ctr"/>
-          <a:lstStyle/>
-          <a:p>
-            <a:r>
-              <a:rPr lang="ko-KR" altLang="en-US" sz="1600" dirty="0" smtClean="0">
-                <a:solidFill>
-                  <a:sysClr val="windowText" lastClr="000000"/>
-                </a:solidFill>
-              </a:rPr>
-              <a:t>연산자</a:t>
-            </a:r>
-            <a:r>
-              <a:rPr lang="en-US" altLang="ko-KR" sz="1600" dirty="0" smtClean="0">
-                <a:solidFill>
-                  <a:sysClr val="windowText" lastClr="000000"/>
-                </a:solidFill>
-              </a:rPr>
-              <a:t> </a:t>
-            </a:r>
-            <a:r>
-              <a:rPr lang="ko-KR" altLang="en-US" sz="1600" dirty="0" smtClean="0">
-                <a:solidFill>
-                  <a:sysClr val="windowText" lastClr="000000"/>
-                </a:solidFill>
-              </a:rPr>
-              <a:t>프레임</a:t>
-            </a:r>
-            <a:endParaRPr lang="ko-KR" altLang="en-US" sz="1600" dirty="0">
-              <a:solidFill>
-                <a:sysClr val="windowText" lastClr="000000"/>
-              </a:solidFill>
-            </a:endParaRPr>
-          </a:p>
-        </p:txBody>
-      </p:sp>
-      <p:cxnSp>
-        <p:nvCxnSpPr>
-          <p:cNvPr id="19" name="직선 화살표 연결선 18"/>
-          <p:cNvCxnSpPr/>
-          <p:nvPr/>
-        </p:nvCxnSpPr>
-        <p:spPr>
-          <a:xfrm>
-            <a:off x="4593648" y="3602063"/>
-            <a:ext cx="60883" cy="419837"/>
-          </a:xfrm>
-          <a:prstGeom prst="straightConnector1">
-            <a:avLst/>
-          </a:prstGeom>
-          <a:ln w="12700">
-            <a:solidFill>
-              <a:schemeClr val="tx1"/>
-            </a:solidFill>
-            <a:prstDash val="sysDash"/>
-            <a:headEnd type="triangle" w="med" len="med"/>
-            <a:tailEnd type="none" w="med" len="med"/>
-          </a:ln>
-        </p:spPr>
-        <p:style>
-          <a:lnRef idx="1">
-            <a:schemeClr val="accent1"/>
-          </a:lnRef>
-          <a:fillRef idx="0">
-            <a:schemeClr val="accent1"/>
-          </a:fillRef>
-          <a:effectRef idx="0">
-            <a:schemeClr val="accent1"/>
-          </a:effectRef>
-          <a:fontRef idx="minor">
-            <a:schemeClr val="tx1"/>
-          </a:fontRef>
-        </p:style>
-      </p:cxnSp>
     </p:spTree>
     <p:extLst>
       <p:ext uri="{BB962C8B-B14F-4D97-AF65-F5344CB8AC3E}">
-        <p14:creationId xmlns:p14="http://schemas.microsoft.com/office/powerpoint/2010/main" val="3167853815"/>
+        <p14:creationId xmlns:p14="http://schemas.microsoft.com/office/powerpoint/2010/main" val="3640492405"/>
       </p:ext>
     </p:extLst>
   </p:cSld>
@@ -8093,189 +8417,7 @@
   <p:timing>
     <p:tnLst>
       <p:par>
-        <p:cTn id="1" dur="indefinite" restart="never" nodeType="tmRoot">
-          <p:childTnLst>
-            <p:seq concurrent="1" nextAc="seek">
-              <p:cTn id="2" dur="indefinite" nodeType="mainSeq">
-                <p:childTnLst>
-                  <p:par>
-                    <p:cTn id="3" fill="hold">
-                      <p:stCondLst>
-                        <p:cond delay="indefinite"/>
-                      </p:stCondLst>
-                      <p:childTnLst>
-                        <p:par>
-                          <p:cTn id="4" fill="hold">
-                            <p:stCondLst>
-                              <p:cond delay="0"/>
-                            </p:stCondLst>
-                            <p:childTnLst>
-                              <p:par>
-                                <p:cTn id="5" presetID="22" presetClass="entr" presetSubtype="4" fill="hold" nodeType="clickEffect">
-                                  <p:stCondLst>
-                                    <p:cond delay="0"/>
-                                  </p:stCondLst>
-                                  <p:childTnLst>
-                                    <p:set>
-                                      <p:cBhvr>
-                                        <p:cTn id="6" dur="1" fill="hold">
-                                          <p:stCondLst>
-                                            <p:cond delay="0"/>
-                                          </p:stCondLst>
-                                        </p:cTn>
-                                        <p:tgtEl>
-                                          <p:spTgt spid="13"/>
-                                        </p:tgtEl>
-                                        <p:attrNameLst>
-                                          <p:attrName>style.visibility</p:attrName>
-                                        </p:attrNameLst>
-                                      </p:cBhvr>
-                                      <p:to>
-                                        <p:strVal val="visible"/>
-                                      </p:to>
-                                    </p:set>
-                                    <p:animEffect transition="in" filter="wipe(down)">
-                                      <p:cBhvr>
-                                        <p:cTn id="7" dur="500"/>
-                                        <p:tgtEl>
-                                          <p:spTgt spid="13"/>
-                                        </p:tgtEl>
-                                      </p:cBhvr>
-                                    </p:animEffect>
-                                  </p:childTnLst>
-                                </p:cTn>
-                              </p:par>
-                            </p:childTnLst>
-                          </p:cTn>
-                        </p:par>
-                      </p:childTnLst>
-                    </p:cTn>
-                  </p:par>
-                  <p:par>
-                    <p:cTn id="8" fill="hold">
-                      <p:stCondLst>
-                        <p:cond delay="indefinite"/>
-                      </p:stCondLst>
-                      <p:childTnLst>
-                        <p:par>
-                          <p:cTn id="9" fill="hold">
-                            <p:stCondLst>
-                              <p:cond delay="0"/>
-                            </p:stCondLst>
-                            <p:childTnLst>
-                              <p:par>
-                                <p:cTn id="10" presetID="22" presetClass="entr" presetSubtype="4" fill="hold" nodeType="clickEffect">
-                                  <p:stCondLst>
-                                    <p:cond delay="0"/>
-                                  </p:stCondLst>
-                                  <p:childTnLst>
-                                    <p:set>
-                                      <p:cBhvr>
-                                        <p:cTn id="11" dur="1" fill="hold">
-                                          <p:stCondLst>
-                                            <p:cond delay="0"/>
-                                          </p:stCondLst>
-                                        </p:cTn>
-                                        <p:tgtEl>
-                                          <p:spTgt spid="16"/>
-                                        </p:tgtEl>
-                                        <p:attrNameLst>
-                                          <p:attrName>style.visibility</p:attrName>
-                                        </p:attrNameLst>
-                                      </p:cBhvr>
-                                      <p:to>
-                                        <p:strVal val="visible"/>
-                                      </p:to>
-                                    </p:set>
-                                    <p:animEffect transition="in" filter="wipe(down)">
-                                      <p:cBhvr>
-                                        <p:cTn id="12" dur="500"/>
-                                        <p:tgtEl>
-                                          <p:spTgt spid="16"/>
-                                        </p:tgtEl>
-                                      </p:cBhvr>
-                                    </p:animEffect>
-                                  </p:childTnLst>
-                                </p:cTn>
-                              </p:par>
-                            </p:childTnLst>
-                          </p:cTn>
-                        </p:par>
-                      </p:childTnLst>
-                    </p:cTn>
-                  </p:par>
-                  <p:par>
-                    <p:cTn id="13" fill="hold">
-                      <p:stCondLst>
-                        <p:cond delay="indefinite"/>
-                      </p:stCondLst>
-                      <p:childTnLst>
-                        <p:par>
-                          <p:cTn id="14" fill="hold">
-                            <p:stCondLst>
-                              <p:cond delay="0"/>
-                            </p:stCondLst>
-                            <p:childTnLst>
-                              <p:par>
-                                <p:cTn id="15" presetID="22" presetClass="entr" presetSubtype="4" fill="hold" nodeType="clickEffect">
-                                  <p:stCondLst>
-                                    <p:cond delay="0"/>
-                                  </p:stCondLst>
-                                  <p:childTnLst>
-                                    <p:set>
-                                      <p:cBhvr>
-                                        <p:cTn id="16" dur="1" fill="hold">
-                                          <p:stCondLst>
-                                            <p:cond delay="0"/>
-                                          </p:stCondLst>
-                                        </p:cTn>
-                                        <p:tgtEl>
-                                          <p:spTgt spid="19"/>
-                                        </p:tgtEl>
-                                        <p:attrNameLst>
-                                          <p:attrName>style.visibility</p:attrName>
-                                        </p:attrNameLst>
-                                      </p:cBhvr>
-                                      <p:to>
-                                        <p:strVal val="visible"/>
-                                      </p:to>
-                                    </p:set>
-                                    <p:animEffect transition="in" filter="wipe(down)">
-                                      <p:cBhvr>
-                                        <p:cTn id="17" dur="500"/>
-                                        <p:tgtEl>
-                                          <p:spTgt spid="19"/>
-                                        </p:tgtEl>
-                                      </p:cBhvr>
-                                    </p:animEffect>
-                                  </p:childTnLst>
-                                </p:cTn>
-                              </p:par>
-                            </p:childTnLst>
-                          </p:cTn>
-                        </p:par>
-                      </p:childTnLst>
-                    </p:cTn>
-                  </p:par>
-                </p:childTnLst>
-              </p:cTn>
-              <p:prevCondLst>
-                <p:cond evt="onPrev" delay="0">
-                  <p:tgtEl>
-                    <p:sldTgt/>
-                  </p:tgtEl>
-                </p:cond>
-              </p:prevCondLst>
-              <p:nextCondLst>
-                <p:cond evt="onNext" delay="0">
-                  <p:tgtEl>
-                    <p:sldTgt/>
-                  </p:tgtEl>
-                </p:cond>
-              </p:nextCondLst>
-            </p:seq>
-          </p:childTnLst>
-        </p:cTn>
+        <p:cTn id="1" dur="indefinite" restart="never" nodeType="tmRoot"/>
       </p:par>
     </p:tnLst>
   </p:timing>
@@ -8316,11 +8458,11 @@
           <a:p>
             <a:r>
               <a:rPr lang="en-US" altLang="ko-KR" dirty="0" smtClean="0"/>
-              <a:t> UI - </a:t>
+              <a:t> </a:t>
             </a:r>
             <a:r>
               <a:rPr lang="ko-KR" altLang="en-US" dirty="0" smtClean="0"/>
-              <a:t>계산기</a:t>
+              <a:t>온도 변환기</a:t>
             </a:r>
             <a:endParaRPr lang="ko-KR" altLang="en-US" dirty="0"/>
           </a:p>
@@ -8349,95 +8491,9 @@
           </a:p>
         </p:txBody>
       </p:sp>
-      <p:sp>
-        <p:nvSpPr>
-          <p:cNvPr id="12" name="TextBox 11"/>
-          <p:cNvSpPr txBox="1"/>
-          <p:nvPr/>
-        </p:nvSpPr>
-        <p:spPr>
-          <a:xfrm>
-            <a:off x="1064568" y="1268760"/>
-            <a:ext cx="4968552" cy="507831"/>
-          </a:xfrm>
-          <a:prstGeom prst="rect">
-            <a:avLst/>
-          </a:prstGeom>
-          <a:noFill/>
-          <a:ln>
-            <a:noFill/>
-          </a:ln>
-        </p:spPr>
-        <p:style>
-          <a:lnRef idx="1">
-            <a:schemeClr val="accent3"/>
-          </a:lnRef>
-          <a:fillRef idx="2">
-            <a:schemeClr val="accent3"/>
-          </a:fillRef>
-          <a:effectRef idx="1">
-            <a:schemeClr val="accent3"/>
-          </a:effectRef>
-          <a:fontRef idx="minor">
-            <a:schemeClr val="dk1"/>
-          </a:fontRef>
-        </p:style>
-        <p:txBody>
-          <a:bodyPr wrap="square" rtlCol="0">
-            <a:spAutoFit/>
-          </a:bodyPr>
-          <a:lstStyle/>
-          <a:p>
-            <a:pPr>
-              <a:lnSpc>
-                <a:spcPct val="150000"/>
-              </a:lnSpc>
-            </a:pPr>
-            <a:r>
-              <a:rPr lang="en-US" altLang="ko-KR" dirty="0" smtClean="0">
-                <a:latin typeface="+mn-ea"/>
-              </a:rPr>
-              <a:t>- </a:t>
-            </a:r>
-            <a:r>
-              <a:rPr lang="ko-KR" altLang="en-US" dirty="0" smtClean="0">
-                <a:latin typeface="+mn-ea"/>
-              </a:rPr>
-              <a:t>계산기 </a:t>
-            </a:r>
-            <a:r>
-              <a:rPr lang="en-US" altLang="ko-KR" dirty="0" smtClean="0">
-                <a:latin typeface="+mn-ea"/>
-              </a:rPr>
-              <a:t>: </a:t>
-            </a:r>
-            <a:r>
-              <a:rPr lang="en-US" altLang="ko-KR" dirty="0" err="1" smtClean="0">
-                <a:latin typeface="+mn-ea"/>
-              </a:rPr>
-              <a:t>top_row</a:t>
-            </a:r>
-            <a:r>
-              <a:rPr lang="en-US" altLang="ko-KR" dirty="0" smtClean="0">
-                <a:latin typeface="+mn-ea"/>
-              </a:rPr>
-              <a:t> </a:t>
-            </a:r>
-            <a:r>
-              <a:rPr lang="ko-KR" altLang="en-US" dirty="0" smtClean="0">
-                <a:latin typeface="+mn-ea"/>
-              </a:rPr>
-              <a:t>프레임</a:t>
-            </a:r>
-            <a:endParaRPr lang="en-US" altLang="ko-KR" dirty="0">
-              <a:latin typeface="+mn-ea"/>
-            </a:endParaRPr>
-          </a:p>
-        </p:txBody>
-      </p:sp>
       <p:pic>
         <p:nvPicPr>
-          <p:cNvPr id="17" name="그림 16"/>
+          <p:cNvPr id="7" name="그림 6"/>
           <p:cNvPicPr>
             <a:picLocks noChangeAspect="1"/>
           </p:cNvPicPr>
@@ -8457,8 +8513,8 @@
         </p:blipFill>
         <p:spPr>
           <a:xfrm>
-            <a:off x="776536" y="1992615"/>
-            <a:ext cx="7350614" cy="2592288"/>
+            <a:off x="632519" y="1628800"/>
+            <a:ext cx="8939035" cy="4305673"/>
           </a:xfrm>
           <a:prstGeom prst="rect">
             <a:avLst/>
@@ -8472,10 +8528,47 @@
           </a:ln>
         </p:spPr>
       </p:pic>
+      <p:pic>
+        <p:nvPicPr>
+          <p:cNvPr id="3" name="그림 2"/>
+          <p:cNvPicPr>
+            <a:picLocks noChangeAspect="1"/>
+          </p:cNvPicPr>
+          <p:nvPr/>
+        </p:nvPicPr>
+        <p:blipFill>
+          <a:blip r:embed="rId3">
+            <a:extLst>
+              <a:ext uri="{28A0092B-C50C-407E-A947-70E740481C1C}">
+                <a14:useLocalDpi xmlns:a14="http://schemas.microsoft.com/office/drawing/2010/main" val="0"/>
+              </a:ext>
+            </a:extLst>
+          </a:blip>
+          <a:stretch>
+            <a:fillRect/>
+          </a:stretch>
+        </p:blipFill>
+        <p:spPr>
+          <a:xfrm>
+            <a:off x="5961112" y="1412776"/>
+            <a:ext cx="3122140" cy="1576425"/>
+          </a:xfrm>
+          <a:prstGeom prst="rect">
+            <a:avLst/>
+          </a:prstGeom>
+          <a:ln>
+            <a:solidFill>
+              <a:schemeClr val="bg1">
+                <a:lumMod val="85000"/>
+              </a:schemeClr>
+            </a:solidFill>
+          </a:ln>
+        </p:spPr>
+      </p:pic>
     </p:spTree>
     <p:extLst>
       <p:ext uri="{BB962C8B-B14F-4D97-AF65-F5344CB8AC3E}">
-        <p14:creationId xmlns:p14="http://schemas.microsoft.com/office/powerpoint/2010/main" val="3744144981"/>
+        <p14:creationId xmlns:p14="http://schemas.microsoft.com/office/powerpoint/2010/main" val="1995026841"/>
       </p:ext>
     </p:extLst>
   </p:cSld>
@@ -8509,9 +8602,59 @@
           <a:chExt cx="0" cy="0"/>
         </a:xfrm>
       </p:grpSpPr>
+      <p:sp>
+        <p:nvSpPr>
+          <p:cNvPr id="2" name="제목 1"/>
+          <p:cNvSpPr>
+            <a:spLocks noGrp="1"/>
+          </p:cNvSpPr>
+          <p:nvPr>
+            <p:ph type="title"/>
+          </p:nvPr>
+        </p:nvSpPr>
+        <p:spPr/>
+        <p:txBody>
+          <a:bodyPr/>
+          <a:lstStyle/>
+          <a:p>
+            <a:r>
+              <a:rPr lang="en-US" altLang="ko-KR" dirty="0" smtClean="0"/>
+              <a:t> </a:t>
+            </a:r>
+            <a:r>
+              <a:rPr lang="ko-KR" altLang="en-US" dirty="0" smtClean="0"/>
+              <a:t>온도 변환기</a:t>
+            </a:r>
+            <a:endParaRPr lang="ko-KR" altLang="en-US" dirty="0"/>
+          </a:p>
+        </p:txBody>
+      </p:sp>
+      <p:sp>
+        <p:nvSpPr>
+          <p:cNvPr id="4" name="슬라이드 번호 개체 틀 3"/>
+          <p:cNvSpPr>
+            <a:spLocks noGrp="1"/>
+          </p:cNvSpPr>
+          <p:nvPr>
+            <p:ph type="sldNum" sz="quarter" idx="12"/>
+          </p:nvPr>
+        </p:nvSpPr>
+        <p:spPr/>
+        <p:txBody>
+          <a:bodyPr/>
+          <a:lstStyle/>
+          <a:p>
+            <a:fld id="{1BDE3FE7-3AEA-4B05-AC5A-802D1816ACF0}" type="slidenum">
+              <a:rPr lang="ko-KR" altLang="en-US" smtClean="0"/>
+              <a:t>26</a:t>
+            </a:fld>
+            <a:endParaRPr lang="ko-KR" altLang="en-US"/>
+          </a:p>
+        </p:txBody>
+      </p:sp>
       <p:pic>
         <p:nvPicPr>
-          <p:cNvPr id="3" name="그림 2"/>
+          <p:cNvPr id="5" name="그림 4"/>
           <p:cNvPicPr>
             <a:picLocks noChangeAspect="1"/>
           </p:cNvPicPr>
@@ -8531,8 +8674,8 @@
         </p:blipFill>
         <p:spPr>
           <a:xfrm>
-            <a:off x="1101694" y="1173831"/>
-            <a:ext cx="7750212" cy="5517358"/>
+            <a:off x="1424608" y="1484784"/>
+            <a:ext cx="5879390" cy="3744416"/>
           </a:xfrm>
           <a:prstGeom prst="rect">
             <a:avLst/>
@@ -8546,183 +8689,10 @@
           </a:ln>
         </p:spPr>
       </p:pic>
-      <p:sp>
-        <p:nvSpPr>
-          <p:cNvPr id="2" name="제목 1"/>
-          <p:cNvSpPr>
-            <a:spLocks noGrp="1"/>
-          </p:cNvSpPr>
-          <p:nvPr>
-            <p:ph type="title"/>
-          </p:nvPr>
-        </p:nvSpPr>
-        <p:spPr/>
-        <p:txBody>
-          <a:bodyPr/>
-          <a:lstStyle/>
-          <a:p>
-            <a:r>
-              <a:rPr lang="en-US" altLang="ko-KR" dirty="0" smtClean="0"/>
-              <a:t> UI - </a:t>
-            </a:r>
-            <a:r>
-              <a:rPr lang="ko-KR" altLang="en-US" dirty="0" smtClean="0"/>
-              <a:t>계산기</a:t>
-            </a:r>
-            <a:endParaRPr lang="ko-KR" altLang="en-US" dirty="0"/>
-          </a:p>
-        </p:txBody>
-      </p:sp>
-      <p:sp>
-        <p:nvSpPr>
-          <p:cNvPr id="4" name="슬라이드 번호 개체 틀 3"/>
-          <p:cNvSpPr>
-            <a:spLocks noGrp="1"/>
-          </p:cNvSpPr>
-          <p:nvPr>
-            <p:ph type="sldNum" sz="quarter" idx="12"/>
-          </p:nvPr>
-        </p:nvSpPr>
-        <p:spPr/>
-        <p:txBody>
-          <a:bodyPr/>
-          <a:lstStyle/>
-          <a:p>
-            <a:fld id="{1BDE3FE7-3AEA-4B05-AC5A-802D1816ACF0}" type="slidenum">
-              <a:rPr lang="ko-KR" altLang="en-US" smtClean="0"/>
-              <a:t>26</a:t>
-            </a:fld>
-            <a:endParaRPr lang="ko-KR" altLang="en-US"/>
-          </a:p>
-        </p:txBody>
-      </p:sp>
-      <p:sp>
-        <p:nvSpPr>
-          <p:cNvPr id="8" name="모서리가 둥근 직사각형 7"/>
-          <p:cNvSpPr/>
-          <p:nvPr/>
-        </p:nvSpPr>
-        <p:spPr>
-          <a:xfrm>
-            <a:off x="1424608" y="4437112"/>
-            <a:ext cx="2088232" cy="792088"/>
-          </a:xfrm>
-          <a:prstGeom prst="roundRect">
-            <a:avLst/>
-          </a:prstGeom>
-          <a:noFill/>
-          <a:ln>
-            <a:solidFill>
-              <a:srgbClr val="C00000"/>
-            </a:solidFill>
-            <a:prstDash val="sysDot"/>
-          </a:ln>
-        </p:spPr>
-        <p:style>
-          <a:lnRef idx="2">
-            <a:schemeClr val="accent6"/>
-          </a:lnRef>
-          <a:fillRef idx="1">
-            <a:schemeClr val="lt1"/>
-          </a:fillRef>
-          <a:effectRef idx="0">
-            <a:schemeClr val="accent6"/>
-          </a:effectRef>
-          <a:fontRef idx="minor">
-            <a:schemeClr val="dk1"/>
-          </a:fontRef>
-        </p:style>
-        <p:txBody>
-          <a:bodyPr rtlCol="0" anchor="ctr"/>
-          <a:lstStyle/>
-          <a:p>
-            <a:endParaRPr lang="ko-KR" altLang="en-US" sz="1600" dirty="0">
-              <a:solidFill>
-                <a:sysClr val="windowText" lastClr="000000"/>
-              </a:solidFill>
-            </a:endParaRPr>
-          </a:p>
-        </p:txBody>
-      </p:sp>
-      <p:cxnSp>
-        <p:nvCxnSpPr>
-          <p:cNvPr id="9" name="직선 화살표 연결선 8"/>
-          <p:cNvCxnSpPr/>
-          <p:nvPr/>
-        </p:nvCxnSpPr>
-        <p:spPr>
-          <a:xfrm flipH="1">
-            <a:off x="3512840" y="3932510"/>
-            <a:ext cx="1800201" cy="576610"/>
-          </a:xfrm>
-          <a:prstGeom prst="straightConnector1">
-            <a:avLst/>
-          </a:prstGeom>
-          <a:ln w="12700">
-            <a:solidFill>
-              <a:srgbClr val="C00000"/>
-            </a:solidFill>
-            <a:prstDash val="sysDash"/>
-            <a:headEnd type="triangle" w="med" len="med"/>
-            <a:tailEnd type="none" w="med" len="med"/>
-          </a:ln>
-        </p:spPr>
-        <p:style>
-          <a:lnRef idx="1">
-            <a:schemeClr val="accent1"/>
-          </a:lnRef>
-          <a:fillRef idx="0">
-            <a:schemeClr val="accent1"/>
-          </a:fillRef>
-          <a:effectRef idx="0">
-            <a:schemeClr val="accent1"/>
-          </a:effectRef>
-          <a:fontRef idx="minor">
-            <a:schemeClr val="tx1"/>
-          </a:fontRef>
-        </p:style>
-      </p:cxnSp>
-      <p:pic>
-        <p:nvPicPr>
-          <p:cNvPr id="12" name="그림 11"/>
-          <p:cNvPicPr>
-            <a:picLocks noChangeAspect="1"/>
-          </p:cNvPicPr>
-          <p:nvPr/>
-        </p:nvPicPr>
-        <p:blipFill>
-          <a:blip r:embed="rId3">
-            <a:extLst>
-              <a:ext uri="{28A0092B-C50C-407E-A947-70E740481C1C}">
-                <a14:useLocalDpi xmlns:a14="http://schemas.microsoft.com/office/drawing/2010/main" val="0"/>
-              </a:ext>
-            </a:extLst>
-          </a:blip>
-          <a:stretch>
-            <a:fillRect/>
-          </a:stretch>
-        </p:blipFill>
-        <p:spPr>
-          <a:xfrm>
-            <a:off x="5385048" y="2420888"/>
-            <a:ext cx="2735817" cy="1912786"/>
-          </a:xfrm>
-          <a:prstGeom prst="rect">
-            <a:avLst/>
-          </a:prstGeom>
-          <a:ln>
-            <a:solidFill>
-              <a:schemeClr val="bg1">
-                <a:lumMod val="85000"/>
-              </a:schemeClr>
-            </a:solidFill>
-          </a:ln>
-        </p:spPr>
-      </p:pic>
     </p:spTree>
     <p:extLst>
       <p:ext uri="{BB962C8B-B14F-4D97-AF65-F5344CB8AC3E}">
-        <p14:creationId xmlns:p14="http://schemas.microsoft.com/office/powerpoint/2010/main" val="4275153432"/>
+        <p14:creationId xmlns:p14="http://schemas.microsoft.com/office/powerpoint/2010/main" val="2066398034"/>
       </p:ext>
     </p:extLst>
   </p:cSld>
@@ -8732,83 +8702,7 @@
   <p:timing>
     <p:tnLst>
       <p:par>
-        <p:cTn id="1" dur="indefinite" restart="never" nodeType="tmRoot">
-          <p:childTnLst>
-            <p:seq concurrent="1" nextAc="seek">
-              <p:cTn id="2" dur="indefinite" nodeType="mainSeq">
-                <p:childTnLst>
-                  <p:par>
-                    <p:cTn id="3" fill="hold">
-                      <p:stCondLst>
-                        <p:cond delay="indefinite"/>
-                      </p:stCondLst>
-                      <p:childTnLst>
-                        <p:par>
-                          <p:cTn id="4" fill="hold">
-                            <p:stCondLst>
-                              <p:cond delay="0"/>
-                            </p:stCondLst>
-                            <p:childTnLst>
-                              <p:par>
-                                <p:cTn id="5" presetID="22" presetClass="entr" presetSubtype="4" fill="hold" nodeType="clickEffect">
-                                  <p:stCondLst>
-                                    <p:cond delay="0"/>
-                                  </p:stCondLst>
-                                  <p:childTnLst>
-                                    <p:set>
-                                      <p:cBhvr>
-                                        <p:cTn id="6" dur="1" fill="hold">
-                                          <p:stCondLst>
-                                            <p:cond delay="0"/>
-                                          </p:stCondLst>
-                                        </p:cTn>
-                                        <p:tgtEl>
-                                          <p:spTgt spid="9"/>
-                                        </p:tgtEl>
-                                        <p:attrNameLst>
-                                          <p:attrName>style.visibility</p:attrName>
-                                        </p:attrNameLst>
-                                      </p:cBhvr>
-                                      <p:to>
-                                        <p:strVal val="visible"/>
-                                      </p:to>
-                                    </p:set>
-                                    <p:animEffect transition="in" filter="wipe(down)">
-                                      <p:cBhvr>
-                                        <p:cTn id="7" dur="500"/>
-                                        <p:tgtEl>
-                                          <p:spTgt spid="9"/>
-                                        </p:tgtEl>
-                                      </p:cBhvr>
-                                    </p:animEffect>
-                                  </p:childTnLst>
-                                </p:cTn>
-                              </p:par>
-                            </p:childTnLst>
-                          </p:cTn>
-                        </p:par>
-                      </p:childTnLst>
-                    </p:cTn>
-                  </p:par>
-                </p:childTnLst>
-              </p:cTn>
-              <p:prevCondLst>
-                <p:cond evt="onPrev" delay="0">
-                  <p:tgtEl>
-                    <p:sldTgt/>
-                  </p:tgtEl>
-                </p:cond>
-              </p:prevCondLst>
-              <p:nextCondLst>
-                <p:cond evt="onNext" delay="0">
-                  <p:tgtEl>
-                    <p:sldTgt/>
-                  </p:tgtEl>
-                </p:cond>
-              </p:nextCondLst>
-            </p:seq>
-          </p:childTnLst>
-        </p:cTn>
+        <p:cTn id="1" dur="indefinite" restart="never" nodeType="tmRoot"/>
       </p:par>
     </p:tnLst>
   </p:timing>
@@ -8849,11 +8743,27 @@
           <a:p>
             <a:r>
               <a:rPr lang="en-US" altLang="ko-KR" dirty="0" smtClean="0"/>
-              <a:t> UI - </a:t>
+              <a:t> </a:t>
             </a:r>
             <a:r>
               <a:rPr lang="ko-KR" altLang="en-US" dirty="0" smtClean="0"/>
-              <a:t>계산기</a:t>
+              <a:t>쿠폰 </a:t>
+            </a:r>
+            <a:r>
+              <a:rPr lang="ko-KR" altLang="en-US" dirty="0" err="1" smtClean="0"/>
+              <a:t>추첨기</a:t>
+            </a:r>
+            <a:r>
+              <a:rPr lang="ko-KR" altLang="en-US" dirty="0" smtClean="0"/>
+              <a:t> </a:t>
+            </a:r>
+            <a:r>
+              <a:rPr lang="en-US" altLang="ko-KR" dirty="0" smtClean="0"/>
+              <a:t>– </a:t>
+            </a:r>
+            <a:r>
+              <a:rPr lang="ko-KR" altLang="en-US" dirty="0" smtClean="0"/>
+              <a:t>실습 예제</a:t>
             </a:r>
             <a:endParaRPr lang="ko-KR" altLang="en-US" dirty="0"/>
           </a:p>
@@ -8882,9 +8792,87 @@
           </a:p>
         </p:txBody>
       </p:sp>
+      <p:sp>
+        <p:nvSpPr>
+          <p:cNvPr id="6" name="TextBox 5"/>
+          <p:cNvSpPr txBox="1"/>
+          <p:nvPr/>
+        </p:nvSpPr>
+        <p:spPr>
+          <a:xfrm>
+            <a:off x="1496616" y="4011516"/>
+            <a:ext cx="5544616" cy="923330"/>
+          </a:xfrm>
+          <a:prstGeom prst="rect">
+            <a:avLst/>
+          </a:prstGeom>
+          <a:noFill/>
+        </p:spPr>
+        <p:txBody>
+          <a:bodyPr wrap="square" rtlCol="0">
+            <a:spAutoFit/>
+          </a:bodyPr>
+          <a:lstStyle/>
+          <a:p>
+            <a:pPr marL="285750" indent="-285750">
+              <a:lnSpc>
+                <a:spcPct val="150000"/>
+              </a:lnSpc>
+              <a:buFont typeface="Wingdings" panose="05000000000000000000" pitchFamily="2" charset="2"/>
+              <a:buChar char="l"/>
+            </a:pPr>
+            <a:r>
+              <a:rPr lang="ko-KR" altLang="en-US" dirty="0" smtClean="0"/>
+              <a:t>추첨을 누르면</a:t>
+            </a:r>
+            <a:r>
+              <a:rPr lang="en-US" altLang="ko-KR" dirty="0"/>
+              <a:t> </a:t>
+            </a:r>
+            <a:r>
+              <a:rPr lang="en-US" altLang="ko-KR" dirty="0" smtClean="0"/>
+              <a:t>4</a:t>
+            </a:r>
+            <a:r>
+              <a:rPr lang="ko-KR" altLang="en-US" dirty="0" smtClean="0"/>
+              <a:t>명의 이름이 </a:t>
+            </a:r>
+            <a:r>
+              <a:rPr lang="ko-KR" altLang="en-US" dirty="0" err="1" smtClean="0"/>
+              <a:t>랜덤하게</a:t>
+            </a:r>
+            <a:r>
+              <a:rPr lang="ko-KR" altLang="en-US" dirty="0" smtClean="0"/>
+              <a:t> 출력됨</a:t>
+            </a:r>
+            <a:r>
+              <a:rPr lang="en-US" altLang="ko-KR" dirty="0" smtClean="0"/>
+              <a:t>.</a:t>
+            </a:r>
+          </a:p>
+          <a:p>
+            <a:pPr marL="285750" indent="-285750">
+              <a:lnSpc>
+                <a:spcPct val="150000"/>
+              </a:lnSpc>
+              <a:buFont typeface="Wingdings" panose="05000000000000000000" pitchFamily="2" charset="2"/>
+              <a:buChar char="l"/>
+            </a:pPr>
+            <a:r>
+              <a:rPr lang="en-US" altLang="ko-KR" dirty="0" smtClean="0"/>
+              <a:t>click() </a:t>
+            </a:r>
+            <a:r>
+              <a:rPr lang="ko-KR" altLang="en-US" dirty="0" smtClean="0"/>
+              <a:t>함수를 작성하시오</a:t>
+            </a:r>
+            <a:endParaRPr lang="ko-KR" altLang="en-US" dirty="0"/>
+          </a:p>
+        </p:txBody>
+      </p:sp>
       <p:pic>
         <p:nvPicPr>
-          <p:cNvPr id="3" name="그림 2"/>
+          <p:cNvPr id="8" name="그림 7"/>
           <p:cNvPicPr>
             <a:picLocks noChangeAspect="1"/>
           </p:cNvPicPr>
@@ -8904,8 +8892,8 @@
         </p:blipFill>
         <p:spPr>
           <a:xfrm>
-            <a:off x="992560" y="1241985"/>
-            <a:ext cx="7992888" cy="4999162"/>
+            <a:off x="1568624" y="5192505"/>
+            <a:ext cx="5540220" cy="1188823"/>
           </a:xfrm>
           <a:prstGeom prst="rect">
             <a:avLst/>
@@ -8919,10 +8907,40 @@
           </a:ln>
         </p:spPr>
       </p:pic>
+      <p:pic>
+        <p:nvPicPr>
+          <p:cNvPr id="9" name="그림 8"/>
+          <p:cNvPicPr>
+            <a:picLocks noChangeAspect="1"/>
+          </p:cNvPicPr>
+          <p:nvPr/>
+        </p:nvPicPr>
+        <p:blipFill>
+          <a:blip r:embed="rId3">
+            <a:extLst>
+              <a:ext uri="{28A0092B-C50C-407E-A947-70E740481C1C}">
+                <a14:useLocalDpi xmlns:a14="http://schemas.microsoft.com/office/drawing/2010/main" val="0"/>
+              </a:ext>
+            </a:extLst>
+          </a:blip>
+          <a:stretch>
+            <a:fillRect/>
+          </a:stretch>
+        </p:blipFill>
+        <p:spPr>
+          <a:xfrm>
+            <a:off x="2880267" y="1246381"/>
+            <a:ext cx="2916934" cy="2583571"/>
+          </a:xfrm>
+          <a:prstGeom prst="rect">
+            <a:avLst/>
+          </a:prstGeom>
+        </p:spPr>
+      </p:pic>
     </p:spTree>
     <p:extLst>
       <p:ext uri="{BB962C8B-B14F-4D97-AF65-F5344CB8AC3E}">
-        <p14:creationId xmlns:p14="http://schemas.microsoft.com/office/powerpoint/2010/main" val="2499862890"/>
+        <p14:creationId xmlns:p14="http://schemas.microsoft.com/office/powerpoint/2010/main" val="2235521345"/>
       </p:ext>
     </p:extLst>
   </p:cSld>
@@ -8956,9 +8974,63 @@
           <a:chExt cx="0" cy="0"/>
         </a:xfrm>
       </p:grpSpPr>
+      <p:sp>
+        <p:nvSpPr>
+          <p:cNvPr id="2" name="제목 1"/>
+          <p:cNvSpPr>
+            <a:spLocks noGrp="1"/>
+          </p:cNvSpPr>
+          <p:nvPr>
+            <p:ph type="title"/>
+          </p:nvPr>
+        </p:nvSpPr>
+        <p:spPr/>
+        <p:txBody>
+          <a:bodyPr/>
+          <a:lstStyle/>
+          <a:p>
+            <a:r>
+              <a:rPr lang="en-US" altLang="ko-KR" dirty="0" smtClean="0"/>
+              <a:t> </a:t>
+            </a:r>
+            <a:r>
+              <a:rPr lang="ko-KR" altLang="en-US" dirty="0" smtClean="0"/>
+              <a:t>쿠폰 </a:t>
+            </a:r>
+            <a:r>
+              <a:rPr lang="ko-KR" altLang="en-US" dirty="0" err="1" smtClean="0"/>
+              <a:t>추첨기</a:t>
+            </a:r>
+            <a:endParaRPr lang="ko-KR" altLang="en-US" dirty="0"/>
+          </a:p>
+        </p:txBody>
+      </p:sp>
+      <p:sp>
+        <p:nvSpPr>
+          <p:cNvPr id="4" name="슬라이드 번호 개체 틀 3"/>
+          <p:cNvSpPr>
+            <a:spLocks noGrp="1"/>
+          </p:cNvSpPr>
+          <p:nvPr>
+            <p:ph type="sldNum" sz="quarter" idx="12"/>
+          </p:nvPr>
+        </p:nvSpPr>
+        <p:spPr/>
+        <p:txBody>
+          <a:bodyPr/>
+          <a:lstStyle/>
+          <a:p>
+            <a:fld id="{1BDE3FE7-3AEA-4B05-AC5A-802D1816ACF0}" type="slidenum">
+              <a:rPr lang="ko-KR" altLang="en-US" smtClean="0"/>
+              <a:t>28</a:t>
+            </a:fld>
+            <a:endParaRPr lang="ko-KR" altLang="en-US"/>
+          </a:p>
+        </p:txBody>
+      </p:sp>
       <p:pic>
         <p:nvPicPr>
-          <p:cNvPr id="3" name="그림 2"/>
+          <p:cNvPr id="6" name="그림 5"/>
           <p:cNvPicPr>
             <a:picLocks noChangeAspect="1"/>
           </p:cNvPicPr>
@@ -8978,8 +9050,8 @@
         </p:blipFill>
         <p:spPr>
           <a:xfrm>
-            <a:off x="1712640" y="3012774"/>
-            <a:ext cx="6142253" cy="3482642"/>
+            <a:off x="1352600" y="1340768"/>
+            <a:ext cx="6873836" cy="4701947"/>
           </a:xfrm>
           <a:prstGeom prst="rect">
             <a:avLst/>
@@ -8995,132 +9067,42 @@
       </p:pic>
       <p:sp>
         <p:nvSpPr>
-          <p:cNvPr id="2" name="제목 1"/>
-          <p:cNvSpPr>
-            <a:spLocks noGrp="1"/>
-          </p:cNvSpPr>
-          <p:nvPr>
-            <p:ph type="title"/>
-          </p:nvPr>
-        </p:nvSpPr>
-        <p:spPr/>
-        <p:txBody>
-          <a:bodyPr/>
-          <a:lstStyle/>
-          <a:p>
-            <a:r>
-              <a:rPr lang="en-US" altLang="ko-KR" dirty="0" smtClean="0"/>
-              <a:t> UI - </a:t>
-            </a:r>
-            <a:r>
-              <a:rPr lang="ko-KR" altLang="en-US" dirty="0" smtClean="0"/>
-              <a:t>계산기</a:t>
-            </a:r>
-            <a:endParaRPr lang="ko-KR" altLang="en-US" dirty="0"/>
-          </a:p>
-        </p:txBody>
-      </p:sp>
-      <p:sp>
-        <p:nvSpPr>
-          <p:cNvPr id="4" name="슬라이드 번호 개체 틀 3"/>
-          <p:cNvSpPr>
-            <a:spLocks noGrp="1"/>
-          </p:cNvSpPr>
-          <p:nvPr>
-            <p:ph type="sldNum" sz="quarter" idx="12"/>
-          </p:nvPr>
-        </p:nvSpPr>
-        <p:spPr/>
-        <p:txBody>
-          <a:bodyPr/>
-          <a:lstStyle/>
-          <a:p>
-            <a:fld id="{1BDE3FE7-3AEA-4B05-AC5A-802D1816ACF0}" type="slidenum">
-              <a:rPr lang="ko-KR" altLang="en-US" smtClean="0"/>
-              <a:t>28</a:t>
-            </a:fld>
-            <a:endParaRPr lang="ko-KR" altLang="en-US"/>
-          </a:p>
-        </p:txBody>
-      </p:sp>
-      <p:pic>
-        <p:nvPicPr>
-          <p:cNvPr id="7" name="그림 6"/>
-          <p:cNvPicPr>
-            <a:picLocks noChangeAspect="1"/>
-          </p:cNvPicPr>
+          <p:cNvPr id="3" name="TextBox 2"/>
+          <p:cNvSpPr txBox="1"/>
           <p:nvPr/>
-        </p:nvPicPr>
-        <p:blipFill>
-          <a:blip r:embed="rId3">
-            <a:extLst>
-              <a:ext uri="{28A0092B-C50C-407E-A947-70E740481C1C}">
-                <a14:useLocalDpi xmlns:a14="http://schemas.microsoft.com/office/drawing/2010/main" val="0"/>
-              </a:ext>
-            </a:extLst>
-          </a:blip>
-          <a:stretch>
-            <a:fillRect/>
-          </a:stretch>
-        </p:blipFill>
-        <p:spPr>
-          <a:xfrm>
-            <a:off x="1359330" y="1412776"/>
-            <a:ext cx="3033023" cy="1432684"/>
+        </p:nvSpPr>
+        <p:spPr>
+          <a:xfrm>
+            <a:off x="7149714" y="2132856"/>
+            <a:ext cx="2153444" cy="369332"/>
           </a:xfrm>
           <a:prstGeom prst="rect">
             <a:avLst/>
           </a:prstGeom>
-          <a:ln>
-            <a:solidFill>
-              <a:schemeClr val="bg1">
-                <a:lumMod val="85000"/>
-              </a:schemeClr>
-            </a:solidFill>
-          </a:ln>
-        </p:spPr>
-      </p:pic>
-      <p:pic>
-        <p:nvPicPr>
-          <p:cNvPr id="9" name="그림 8"/>
-          <p:cNvPicPr>
-            <a:picLocks noChangeAspect="1"/>
-          </p:cNvPicPr>
-          <p:nvPr/>
-        </p:nvPicPr>
-        <p:blipFill>
-          <a:blip r:embed="rId4">
-            <a:extLst>
-              <a:ext uri="{28A0092B-C50C-407E-A947-70E740481C1C}">
-                <a14:useLocalDpi xmlns:a14="http://schemas.microsoft.com/office/drawing/2010/main" val="0"/>
-              </a:ext>
-            </a:extLst>
-          </a:blip>
-          <a:stretch>
-            <a:fillRect/>
-          </a:stretch>
-        </p:blipFill>
-        <p:spPr>
-          <a:xfrm>
-            <a:off x="4931769" y="1412776"/>
-            <a:ext cx="3383573" cy="1432684"/>
-          </a:xfrm>
-          <a:prstGeom prst="rect">
-            <a:avLst/>
-          </a:prstGeom>
-          <a:ln>
-            <a:solidFill>
-              <a:schemeClr val="bg1">
-                <a:lumMod val="85000"/>
-              </a:schemeClr>
-            </a:solidFill>
-          </a:ln>
-        </p:spPr>
-      </p:pic>
+          <a:noFill/>
+        </p:spPr>
+        <p:txBody>
+          <a:bodyPr wrap="square" rtlCol="0">
+            <a:spAutoFit/>
+          </a:bodyPr>
+          <a:lstStyle/>
+          <a:p>
+            <a:r>
+              <a:rPr lang="en-US" altLang="ko-KR" dirty="0"/>
+              <a:t>l</a:t>
+            </a:r>
+            <a:r>
+              <a:rPr lang="en-US" altLang="ko-KR" dirty="0" smtClean="0"/>
+              <a:t>unch_coupon.py</a:t>
+            </a:r>
+            <a:endParaRPr lang="ko-KR" altLang="en-US" dirty="0"/>
+          </a:p>
+        </p:txBody>
+      </p:sp>
     </p:spTree>
     <p:extLst>
       <p:ext uri="{BB962C8B-B14F-4D97-AF65-F5344CB8AC3E}">
-        <p14:creationId xmlns:p14="http://schemas.microsoft.com/office/powerpoint/2010/main" val="666236070"/>
+        <p14:creationId xmlns:p14="http://schemas.microsoft.com/office/powerpoint/2010/main" val="165120395"/>
       </p:ext>
     </p:extLst>
   </p:cSld>
@@ -9174,16 +9156,12 @@
               <a:t> </a:t>
             </a:r>
             <a:r>
+              <a:rPr lang="ko-KR" altLang="en-US" dirty="0" smtClean="0"/>
+              <a:t>쿠폰 </a:t>
+            </a:r>
+            <a:r>
               <a:rPr lang="ko-KR" altLang="en-US" dirty="0" err="1" smtClean="0"/>
-              <a:t>로또</a:t>
-            </a:r>
-            <a:r>
-              <a:rPr lang="ko-KR" altLang="en-US" dirty="0" smtClean="0"/>
-              <a:t> 당첨 번호 확인 </a:t>
-            </a:r>
-            <a:r>
-              <a:rPr lang="ko-KR" altLang="en-US" dirty="0" err="1" smtClean="0"/>
-              <a:t>앱</a:t>
+              <a:t>추첨기</a:t>
             </a:r>
             <a:endParaRPr lang="ko-KR" altLang="en-US" dirty="0"/>
           </a:p>
@@ -9212,83 +9190,16 @@
           </a:p>
         </p:txBody>
       </p:sp>
-      <p:pic>
-        <p:nvPicPr>
-          <p:cNvPr id="3" name="그림 2"/>
-          <p:cNvPicPr>
-            <a:picLocks noChangeAspect="1"/>
-          </p:cNvPicPr>
-          <p:nvPr/>
-        </p:nvPicPr>
-        <p:blipFill>
-          <a:blip r:embed="rId2">
-            <a:extLst>
-              <a:ext uri="{28A0092B-C50C-407E-A947-70E740481C1C}">
-                <a14:useLocalDpi xmlns:a14="http://schemas.microsoft.com/office/drawing/2010/main" val="0"/>
-              </a:ext>
-            </a:extLst>
-          </a:blip>
-          <a:stretch>
-            <a:fillRect/>
-          </a:stretch>
-        </p:blipFill>
-        <p:spPr>
-          <a:xfrm>
-            <a:off x="1577777" y="4456959"/>
-            <a:ext cx="3456385" cy="1440160"/>
-          </a:xfrm>
-          <a:prstGeom prst="rect">
-            <a:avLst/>
-          </a:prstGeom>
-        </p:spPr>
-      </p:pic>
-      <p:pic>
-        <p:nvPicPr>
-          <p:cNvPr id="6" name="그림 5"/>
-          <p:cNvPicPr>
-            <a:picLocks noChangeAspect="1"/>
-          </p:cNvPicPr>
-          <p:nvPr/>
-        </p:nvPicPr>
-        <p:blipFill>
-          <a:blip r:embed="rId3">
-            <a:extLst>
-              <a:ext uri="{28A0092B-C50C-407E-A947-70E740481C1C}">
-                <a14:useLocalDpi xmlns:a14="http://schemas.microsoft.com/office/drawing/2010/main" val="0"/>
-              </a:ext>
-            </a:extLst>
-          </a:blip>
-          <a:stretch>
-            <a:fillRect/>
-          </a:stretch>
-        </p:blipFill>
-        <p:spPr>
-          <a:xfrm>
-            <a:off x="5545462" y="4548334"/>
-            <a:ext cx="3863675" cy="1257409"/>
-          </a:xfrm>
-          <a:prstGeom prst="rect">
-            <a:avLst/>
-          </a:prstGeom>
-          <a:ln>
-            <a:solidFill>
-              <a:schemeClr val="bg1">
-                <a:lumMod val="85000"/>
-              </a:schemeClr>
-            </a:solidFill>
-          </a:ln>
-        </p:spPr>
-      </p:pic>
-      <p:sp>
-        <p:nvSpPr>
-          <p:cNvPr id="7" name="TextBox 6"/>
+      <p:sp>
+        <p:nvSpPr>
+          <p:cNvPr id="3" name="TextBox 2"/>
           <p:cNvSpPr txBox="1"/>
           <p:nvPr/>
         </p:nvSpPr>
         <p:spPr>
           <a:xfrm>
-            <a:off x="1160200" y="1448852"/>
-            <a:ext cx="6673120" cy="400110"/>
+            <a:off x="7149714" y="2132856"/>
+            <a:ext cx="2153444" cy="369332"/>
           </a:xfrm>
           <a:prstGeom prst="rect">
             <a:avLst/>
@@ -9301,67 +9212,102 @@
           </a:bodyPr>
           <a:lstStyle/>
           <a:p>
-            <a:pPr marL="285750" indent="-285750">
-              <a:buFont typeface="Wingdings" panose="05000000000000000000" pitchFamily="2" charset="2"/>
-              <a:buChar char="Ø"/>
-            </a:pPr>
-            <a:r>
-              <a:rPr lang="ko-KR" altLang="en-US" sz="2000" dirty="0" smtClean="0"/>
-              <a:t>당첨 </a:t>
-            </a:r>
-            <a:r>
-              <a:rPr lang="ko-KR" altLang="en-US" sz="2000" dirty="0" err="1" smtClean="0"/>
-              <a:t>회차를</a:t>
-            </a:r>
-            <a:r>
-              <a:rPr lang="ko-KR" altLang="en-US" sz="2000" dirty="0" smtClean="0"/>
-              <a:t> 입력하면 당첨번호와 보너스 번호 출력</a:t>
-            </a:r>
-            <a:endParaRPr lang="ko-KR" altLang="en-US" sz="2000" dirty="0"/>
-          </a:p>
-        </p:txBody>
-      </p:sp>
-      <p:pic>
-        <p:nvPicPr>
-          <p:cNvPr id="8" name="그림 7"/>
-          <p:cNvPicPr>
-            <a:picLocks noChangeAspect="1"/>
-          </p:cNvPicPr>
+            <a:r>
+              <a:rPr lang="en-US" altLang="ko-KR" dirty="0"/>
+              <a:t>l</a:t>
+            </a:r>
+            <a:r>
+              <a:rPr lang="en-US" altLang="ko-KR" dirty="0" smtClean="0"/>
+              <a:t>unch_coupon.py</a:t>
+            </a:r>
+            <a:endParaRPr lang="ko-KR" altLang="en-US" dirty="0"/>
+          </a:p>
+        </p:txBody>
+      </p:sp>
+      <p:sp>
+        <p:nvSpPr>
+          <p:cNvPr id="5" name="모서리가 둥근 직사각형 4"/>
+          <p:cNvSpPr/>
           <p:nvPr/>
-        </p:nvPicPr>
-        <p:blipFill>
-          <a:blip r:embed="rId4">
-            <a:extLst>
-              <a:ext uri="{28A0092B-C50C-407E-A947-70E740481C1C}">
-                <a14:useLocalDpi xmlns:a14="http://schemas.microsoft.com/office/drawing/2010/main" val="0"/>
-              </a:ext>
-            </a:extLst>
-          </a:blip>
-          <a:stretch>
-            <a:fillRect/>
-          </a:stretch>
-        </p:blipFill>
-        <p:spPr>
-          <a:xfrm>
-            <a:off x="1568624" y="2014107"/>
-            <a:ext cx="4712141" cy="1816385"/>
+        </p:nvSpPr>
+        <p:spPr>
+          <a:xfrm>
+            <a:off x="1280592" y="2132856"/>
+            <a:ext cx="6984776" cy="3744416"/>
+          </a:xfrm>
+          <a:prstGeom prst="roundRect">
+            <a:avLst/>
+          </a:prstGeom>
+          <a:noFill/>
+          <a:ln w="12700"/>
+        </p:spPr>
+        <p:style>
+          <a:lnRef idx="2">
+            <a:schemeClr val="accent1">
+              <a:shade val="50000"/>
+            </a:schemeClr>
+          </a:lnRef>
+          <a:fillRef idx="1">
+            <a:schemeClr val="accent1"/>
+          </a:fillRef>
+          <a:effectRef idx="0">
+            <a:schemeClr val="accent1"/>
+          </a:effectRef>
+          <a:fontRef idx="minor">
+            <a:schemeClr val="lt1"/>
+          </a:fontRef>
+        </p:style>
+        <p:txBody>
+          <a:bodyPr rtlCol="0" anchor="ctr"/>
+          <a:lstStyle/>
+          <a:p>
+            <a:pPr algn="ctr"/>
+            <a:endParaRPr lang="ko-KR" altLang="en-US"/>
+          </a:p>
+        </p:txBody>
+      </p:sp>
+      <p:sp>
+        <p:nvSpPr>
+          <p:cNvPr id="6" name="TextBox 5"/>
+          <p:cNvSpPr txBox="1"/>
+          <p:nvPr/>
+        </p:nvSpPr>
+        <p:spPr>
+          <a:xfrm>
+            <a:off x="1856656" y="2317522"/>
+            <a:ext cx="1584176" cy="369332"/>
           </a:xfrm>
           <a:prstGeom prst="rect">
             <a:avLst/>
           </a:prstGeom>
-          <a:ln>
-            <a:solidFill>
-              <a:schemeClr val="bg1">
-                <a:lumMod val="85000"/>
-              </a:schemeClr>
-            </a:solidFill>
-          </a:ln>
-        </p:spPr>
-      </p:pic>
+          <a:noFill/>
+        </p:spPr>
+        <p:txBody>
+          <a:bodyPr wrap="square" rtlCol="0">
+            <a:spAutoFit/>
+          </a:bodyPr>
+          <a:lstStyle/>
+          <a:p>
+            <a:r>
+              <a:rPr lang="en-US" altLang="ko-KR" dirty="0" err="1"/>
+              <a:t>d</a:t>
+            </a:r>
+            <a:r>
+              <a:rPr lang="en-US" altLang="ko-KR" dirty="0" err="1" smtClean="0"/>
+              <a:t>ef</a:t>
+            </a:r>
+            <a:r>
+              <a:rPr lang="en-US" altLang="ko-KR" dirty="0" smtClean="0"/>
+              <a:t> click():</a:t>
+            </a:r>
+            <a:endParaRPr lang="ko-KR" altLang="en-US" dirty="0"/>
+          </a:p>
+        </p:txBody>
+      </p:sp>
     </p:spTree>
     <p:extLst>
       <p:ext uri="{BB962C8B-B14F-4D97-AF65-F5344CB8AC3E}">
-        <p14:creationId xmlns:p14="http://schemas.microsoft.com/office/powerpoint/2010/main" val="2902796832"/>
+        <p14:creationId xmlns:p14="http://schemas.microsoft.com/office/powerpoint/2010/main" val="1863646874"/>
       </p:ext>
     </p:extLst>
   </p:cSld>
@@ -10515,19 +10461,11 @@
           <a:p>
             <a:r>
               <a:rPr lang="en-US" altLang="ko-KR" dirty="0" smtClean="0"/>
-              <a:t> </a:t>
-            </a:r>
-            <a:r>
-              <a:rPr lang="ko-KR" altLang="en-US" dirty="0" err="1" smtClean="0"/>
-              <a:t>로또</a:t>
+              <a:t> UI - </a:t>
             </a:r>
             <a:r>
               <a:rPr lang="ko-KR" altLang="en-US" dirty="0" smtClean="0"/>
-              <a:t> 당첨 번호 확인 </a:t>
-            </a:r>
-            <a:r>
-              <a:rPr lang="ko-KR" altLang="en-US" dirty="0" err="1" smtClean="0"/>
-              <a:t>앱</a:t>
+              <a:t>계산기</a:t>
             </a:r>
             <a:endParaRPr lang="ko-KR" altLang="en-US" dirty="0"/>
           </a:p>
@@ -10556,9 +10494,81 @@
           </a:p>
         </p:txBody>
       </p:sp>
+      <p:sp>
+        <p:nvSpPr>
+          <p:cNvPr id="10" name="TextBox 9"/>
+          <p:cNvSpPr txBox="1"/>
+          <p:nvPr/>
+        </p:nvSpPr>
+        <p:spPr>
+          <a:xfrm>
+            <a:off x="920553" y="1243350"/>
+            <a:ext cx="3888431" cy="553998"/>
+          </a:xfrm>
+          <a:prstGeom prst="rect">
+            <a:avLst/>
+          </a:prstGeom>
+          <a:noFill/>
+          <a:ln>
+            <a:noFill/>
+          </a:ln>
+        </p:spPr>
+        <p:style>
+          <a:lnRef idx="1">
+            <a:schemeClr val="accent3"/>
+          </a:lnRef>
+          <a:fillRef idx="2">
+            <a:schemeClr val="accent3"/>
+          </a:fillRef>
+          <a:effectRef idx="1">
+            <a:schemeClr val="accent3"/>
+          </a:effectRef>
+          <a:fontRef idx="minor">
+            <a:schemeClr val="dk1"/>
+          </a:fontRef>
+        </p:style>
+        <p:txBody>
+          <a:bodyPr wrap="square" rtlCol="0">
+            <a:spAutoFit/>
+          </a:bodyPr>
+          <a:lstStyle/>
+          <a:p>
+            <a:pPr>
+              <a:lnSpc>
+                <a:spcPct val="150000"/>
+              </a:lnSpc>
+            </a:pPr>
+            <a:r>
+              <a:rPr lang="ko-KR" altLang="en-US" sz="2000" dirty="0" smtClean="0">
+                <a:latin typeface="휴먼엑스포" panose="02030504000101010101" pitchFamily="18" charset="-127"/>
+                <a:ea typeface="휴먼엑스포" panose="02030504000101010101" pitchFamily="18" charset="-127"/>
+              </a:rPr>
+              <a:t>★ 계산기 </a:t>
+            </a:r>
+            <a:r>
+              <a:rPr lang="en-US" altLang="ko-KR" sz="2000" dirty="0" smtClean="0">
+                <a:latin typeface="휴먼엑스포" panose="02030504000101010101" pitchFamily="18" charset="-127"/>
+                <a:ea typeface="휴먼엑스포" panose="02030504000101010101" pitchFamily="18" charset="-127"/>
+              </a:rPr>
+              <a:t>– </a:t>
+            </a:r>
+            <a:r>
+              <a:rPr lang="ko-KR" altLang="en-US" sz="2000" dirty="0" smtClean="0">
+                <a:latin typeface="휴먼엑스포" panose="02030504000101010101" pitchFamily="18" charset="-127"/>
+                <a:ea typeface="휴먼엑스포" panose="02030504000101010101" pitchFamily="18" charset="-127"/>
+              </a:rPr>
+              <a:t>간단한 숫자표시</a:t>
+            </a:r>
+            <a:endParaRPr lang="en-US" altLang="ko-KR" sz="2000" dirty="0">
+              <a:latin typeface="휴먼엑스포" panose="02030504000101010101" pitchFamily="18" charset="-127"/>
+              <a:ea typeface="휴먼엑스포" panose="02030504000101010101" pitchFamily="18" charset="-127"/>
+            </a:endParaRPr>
+          </a:p>
+        </p:txBody>
+      </p:sp>
       <p:pic>
         <p:nvPicPr>
-          <p:cNvPr id="3" name="그림 2"/>
+          <p:cNvPr id="5" name="그림 4"/>
           <p:cNvPicPr>
             <a:picLocks noChangeAspect="1"/>
           </p:cNvPicPr>
@@ -10578,8 +10588,8 @@
         </p:blipFill>
         <p:spPr>
           <a:xfrm>
-            <a:off x="1280592" y="1556792"/>
-            <a:ext cx="6866215" cy="3360711"/>
+            <a:off x="1324540" y="1916832"/>
+            <a:ext cx="7590178" cy="4160881"/>
           </a:xfrm>
           <a:prstGeom prst="rect">
             <a:avLst/>
@@ -10593,10 +10603,47 @@
           </a:ln>
         </p:spPr>
       </p:pic>
+      <p:pic>
+        <p:nvPicPr>
+          <p:cNvPr id="3" name="그림 2"/>
+          <p:cNvPicPr>
+            <a:picLocks noChangeAspect="1"/>
+          </p:cNvPicPr>
+          <p:nvPr/>
+        </p:nvPicPr>
+        <p:blipFill>
+          <a:blip r:embed="rId3">
+            <a:extLst>
+              <a:ext uri="{28A0092B-C50C-407E-A947-70E740481C1C}">
+                <a14:useLocalDpi xmlns:a14="http://schemas.microsoft.com/office/drawing/2010/main" val="0"/>
+              </a:ext>
+            </a:extLst>
+          </a:blip>
+          <a:stretch>
+            <a:fillRect/>
+          </a:stretch>
+        </p:blipFill>
+        <p:spPr>
+          <a:xfrm>
+            <a:off x="6321152" y="2160036"/>
+            <a:ext cx="1800200" cy="1261157"/>
+          </a:xfrm>
+          <a:prstGeom prst="rect">
+            <a:avLst/>
+          </a:prstGeom>
+          <a:ln>
+            <a:solidFill>
+              <a:schemeClr val="bg1">
+                <a:lumMod val="85000"/>
+              </a:schemeClr>
+            </a:solidFill>
+          </a:ln>
+        </p:spPr>
+      </p:pic>
     </p:spTree>
     <p:extLst>
       <p:ext uri="{BB962C8B-B14F-4D97-AF65-F5344CB8AC3E}">
-        <p14:creationId xmlns:p14="http://schemas.microsoft.com/office/powerpoint/2010/main" val="2087334653"/>
+        <p14:creationId xmlns:p14="http://schemas.microsoft.com/office/powerpoint/2010/main" val="169221804"/>
       </p:ext>
     </p:extLst>
   </p:cSld>
@@ -10630,6 +10677,43 @@
           <a:chExt cx="0" cy="0"/>
         </a:xfrm>
       </p:grpSpPr>
+      <p:pic>
+        <p:nvPicPr>
+          <p:cNvPr id="3" name="그림 2"/>
+          <p:cNvPicPr>
+            <a:picLocks noChangeAspect="1"/>
+          </p:cNvPicPr>
+          <p:nvPr/>
+        </p:nvPicPr>
+        <p:blipFill>
+          <a:blip r:embed="rId2">
+            <a:extLst>
+              <a:ext uri="{28A0092B-C50C-407E-A947-70E740481C1C}">
+                <a14:useLocalDpi xmlns:a14="http://schemas.microsoft.com/office/drawing/2010/main" val="0"/>
+              </a:ext>
+            </a:extLst>
+          </a:blip>
+          <a:stretch>
+            <a:fillRect/>
+          </a:stretch>
+        </p:blipFill>
+        <p:spPr>
+          <a:xfrm>
+            <a:off x="1934832" y="2222426"/>
+            <a:ext cx="3364244" cy="1584176"/>
+          </a:xfrm>
+          <a:prstGeom prst="rect">
+            <a:avLst/>
+          </a:prstGeom>
+          <a:ln>
+            <a:solidFill>
+              <a:schemeClr val="bg1">
+                <a:lumMod val="85000"/>
+              </a:schemeClr>
+            </a:solidFill>
+          </a:ln>
+        </p:spPr>
+      </p:pic>
       <p:sp>
         <p:nvSpPr>
           <p:cNvPr id="2" name="제목 1"/>
@@ -10647,19 +10731,11 @@
           <a:p>
             <a:r>
               <a:rPr lang="en-US" altLang="ko-KR" dirty="0" smtClean="0"/>
-              <a:t> </a:t>
-            </a:r>
-            <a:r>
-              <a:rPr lang="ko-KR" altLang="en-US" dirty="0" err="1" smtClean="0"/>
-              <a:t>로또</a:t>
+              <a:t> UI - </a:t>
             </a:r>
             <a:r>
               <a:rPr lang="ko-KR" altLang="en-US" dirty="0" smtClean="0"/>
-              <a:t> 당첨 번호 확인 </a:t>
-            </a:r>
-            <a:r>
-              <a:rPr lang="ko-KR" altLang="en-US" dirty="0" err="1" smtClean="0"/>
-              <a:t>앱</a:t>
+              <a:t>계산기</a:t>
             </a:r>
             <a:endParaRPr lang="ko-KR" altLang="en-US" dirty="0"/>
           </a:p>
@@ -10685,6 +10761,1747 @@
               <a:t>31</a:t>
             </a:fld>
             <a:endParaRPr lang="ko-KR" altLang="en-US"/>
+          </a:p>
+        </p:txBody>
+      </p:sp>
+      <p:sp>
+        <p:nvSpPr>
+          <p:cNvPr id="12" name="TextBox 11"/>
+          <p:cNvSpPr txBox="1"/>
+          <p:nvPr/>
+        </p:nvSpPr>
+        <p:spPr>
+          <a:xfrm>
+            <a:off x="1064568" y="1409001"/>
+            <a:ext cx="4968552" cy="507831"/>
+          </a:xfrm>
+          <a:prstGeom prst="rect">
+            <a:avLst/>
+          </a:prstGeom>
+          <a:noFill/>
+          <a:ln>
+            <a:noFill/>
+          </a:ln>
+        </p:spPr>
+        <p:style>
+          <a:lnRef idx="1">
+            <a:schemeClr val="accent3"/>
+          </a:lnRef>
+          <a:fillRef idx="2">
+            <a:schemeClr val="accent3"/>
+          </a:fillRef>
+          <a:effectRef idx="1">
+            <a:schemeClr val="accent3"/>
+          </a:effectRef>
+          <a:fontRef idx="minor">
+            <a:schemeClr val="dk1"/>
+          </a:fontRef>
+        </p:style>
+        <p:txBody>
+          <a:bodyPr wrap="square" rtlCol="0">
+            <a:spAutoFit/>
+          </a:bodyPr>
+          <a:lstStyle/>
+          <a:p>
+            <a:pPr>
+              <a:lnSpc>
+                <a:spcPct val="150000"/>
+              </a:lnSpc>
+            </a:pPr>
+            <a:r>
+              <a:rPr lang="en-US" altLang="ko-KR" dirty="0" smtClean="0">
+                <a:latin typeface="+mn-ea"/>
+              </a:rPr>
+              <a:t>- </a:t>
+            </a:r>
+            <a:r>
+              <a:rPr lang="ko-KR" altLang="en-US" dirty="0" smtClean="0">
+                <a:latin typeface="+mn-ea"/>
+              </a:rPr>
+              <a:t>계산기 </a:t>
+            </a:r>
+            <a:r>
+              <a:rPr lang="en-US" altLang="ko-KR" dirty="0" smtClean="0">
+                <a:latin typeface="+mn-ea"/>
+              </a:rPr>
+              <a:t>: </a:t>
+            </a:r>
+            <a:r>
+              <a:rPr lang="ko-KR" altLang="en-US" dirty="0" smtClean="0">
+                <a:latin typeface="+mn-ea"/>
+              </a:rPr>
+              <a:t>여러 개의 프레임 사용</a:t>
+            </a:r>
+            <a:endParaRPr lang="en-US" altLang="ko-KR" dirty="0">
+              <a:latin typeface="+mn-ea"/>
+            </a:endParaRPr>
+          </a:p>
+        </p:txBody>
+      </p:sp>
+      <p:cxnSp>
+        <p:nvCxnSpPr>
+          <p:cNvPr id="13" name="직선 화살표 연결선 12"/>
+          <p:cNvCxnSpPr/>
+          <p:nvPr/>
+        </p:nvCxnSpPr>
+        <p:spPr>
+          <a:xfrm flipV="1">
+            <a:off x="4956615" y="2423776"/>
+            <a:ext cx="504056" cy="182341"/>
+          </a:xfrm>
+          <a:prstGeom prst="straightConnector1">
+            <a:avLst/>
+          </a:prstGeom>
+          <a:ln w="12700">
+            <a:solidFill>
+              <a:schemeClr val="tx1"/>
+            </a:solidFill>
+            <a:prstDash val="sysDash"/>
+            <a:headEnd type="triangle" w="med" len="med"/>
+            <a:tailEnd type="none" w="med" len="med"/>
+          </a:ln>
+        </p:spPr>
+        <p:style>
+          <a:lnRef idx="1">
+            <a:schemeClr val="accent1"/>
+          </a:lnRef>
+          <a:fillRef idx="0">
+            <a:schemeClr val="accent1"/>
+          </a:fillRef>
+          <a:effectRef idx="0">
+            <a:schemeClr val="accent1"/>
+          </a:effectRef>
+          <a:fontRef idx="minor">
+            <a:schemeClr val="tx1"/>
+          </a:fontRef>
+        </p:style>
+      </p:cxnSp>
+      <p:sp>
+        <p:nvSpPr>
+          <p:cNvPr id="14" name="모서리가 둥근 직사각형 13"/>
+          <p:cNvSpPr/>
+          <p:nvPr/>
+        </p:nvSpPr>
+        <p:spPr>
+          <a:xfrm>
+            <a:off x="5391244" y="2161903"/>
+            <a:ext cx="1866012" cy="330993"/>
+          </a:xfrm>
+          <a:prstGeom prst="roundRect">
+            <a:avLst/>
+          </a:prstGeom>
+          <a:noFill/>
+          <a:ln w="12700">
+            <a:noFill/>
+          </a:ln>
+        </p:spPr>
+        <p:style>
+          <a:lnRef idx="2">
+            <a:schemeClr val="accent1">
+              <a:shade val="50000"/>
+            </a:schemeClr>
+          </a:lnRef>
+          <a:fillRef idx="1">
+            <a:schemeClr val="accent1"/>
+          </a:fillRef>
+          <a:effectRef idx="0">
+            <a:schemeClr val="accent1"/>
+          </a:effectRef>
+          <a:fontRef idx="minor">
+            <a:schemeClr val="lt1"/>
+          </a:fontRef>
+        </p:style>
+        <p:txBody>
+          <a:bodyPr rtlCol="0" anchor="ctr"/>
+          <a:lstStyle/>
+          <a:p>
+            <a:r>
+              <a:rPr lang="en-US" altLang="ko-KR" sz="1600" dirty="0" err="1" smtClean="0">
+                <a:solidFill>
+                  <a:sysClr val="windowText" lastClr="000000"/>
+                </a:solidFill>
+              </a:rPr>
+              <a:t>top_row</a:t>
+            </a:r>
+            <a:r>
+              <a:rPr lang="en-US" altLang="ko-KR" sz="1600" dirty="0" smtClean="0">
+                <a:solidFill>
+                  <a:sysClr val="windowText" lastClr="000000"/>
+                </a:solidFill>
+              </a:rPr>
+              <a:t> </a:t>
+            </a:r>
+            <a:r>
+              <a:rPr lang="ko-KR" altLang="en-US" sz="1600" dirty="0" smtClean="0">
+                <a:solidFill>
+                  <a:sysClr val="windowText" lastClr="000000"/>
+                </a:solidFill>
+              </a:rPr>
+              <a:t>프레임</a:t>
+            </a:r>
+            <a:endParaRPr lang="ko-KR" altLang="en-US" sz="1600" dirty="0">
+              <a:solidFill>
+                <a:sysClr val="windowText" lastClr="000000"/>
+              </a:solidFill>
+            </a:endParaRPr>
+          </a:p>
+        </p:txBody>
+      </p:sp>
+      <p:sp>
+        <p:nvSpPr>
+          <p:cNvPr id="15" name="모서리가 둥근 직사각형 14"/>
+          <p:cNvSpPr/>
+          <p:nvPr/>
+        </p:nvSpPr>
+        <p:spPr>
+          <a:xfrm>
+            <a:off x="1799730" y="4021900"/>
+            <a:ext cx="1866012" cy="330993"/>
+          </a:xfrm>
+          <a:prstGeom prst="roundRect">
+            <a:avLst/>
+          </a:prstGeom>
+          <a:noFill/>
+          <a:ln w="12700">
+            <a:noFill/>
+          </a:ln>
+        </p:spPr>
+        <p:style>
+          <a:lnRef idx="2">
+            <a:schemeClr val="accent1">
+              <a:shade val="50000"/>
+            </a:schemeClr>
+          </a:lnRef>
+          <a:fillRef idx="1">
+            <a:schemeClr val="accent1"/>
+          </a:fillRef>
+          <a:effectRef idx="0">
+            <a:schemeClr val="accent1"/>
+          </a:effectRef>
+          <a:fontRef idx="minor">
+            <a:schemeClr val="lt1"/>
+          </a:fontRef>
+        </p:style>
+        <p:txBody>
+          <a:bodyPr rtlCol="0" anchor="ctr"/>
+          <a:lstStyle/>
+          <a:p>
+            <a:r>
+              <a:rPr lang="ko-KR" altLang="en-US" sz="1600" dirty="0" smtClean="0">
+                <a:solidFill>
+                  <a:sysClr val="windowText" lastClr="000000"/>
+                </a:solidFill>
+              </a:rPr>
+              <a:t>숫자버튼</a:t>
+            </a:r>
+            <a:r>
+              <a:rPr lang="en-US" altLang="ko-KR" sz="1600" dirty="0" smtClean="0">
+                <a:solidFill>
+                  <a:sysClr val="windowText" lastClr="000000"/>
+                </a:solidFill>
+              </a:rPr>
+              <a:t> </a:t>
+            </a:r>
+            <a:r>
+              <a:rPr lang="ko-KR" altLang="en-US" sz="1600" dirty="0" smtClean="0">
+                <a:solidFill>
+                  <a:sysClr val="windowText" lastClr="000000"/>
+                </a:solidFill>
+              </a:rPr>
+              <a:t>프레임</a:t>
+            </a:r>
+            <a:endParaRPr lang="ko-KR" altLang="en-US" sz="1600" dirty="0">
+              <a:solidFill>
+                <a:sysClr val="windowText" lastClr="000000"/>
+              </a:solidFill>
+            </a:endParaRPr>
+          </a:p>
+        </p:txBody>
+      </p:sp>
+      <p:cxnSp>
+        <p:nvCxnSpPr>
+          <p:cNvPr id="16" name="직선 화살표 연결선 15"/>
+          <p:cNvCxnSpPr/>
+          <p:nvPr/>
+        </p:nvCxnSpPr>
+        <p:spPr>
+          <a:xfrm flipH="1">
+            <a:off x="2508344" y="3602063"/>
+            <a:ext cx="72007" cy="419837"/>
+          </a:xfrm>
+          <a:prstGeom prst="straightConnector1">
+            <a:avLst/>
+          </a:prstGeom>
+          <a:ln w="12700">
+            <a:solidFill>
+              <a:schemeClr val="tx1"/>
+            </a:solidFill>
+            <a:prstDash val="sysDash"/>
+            <a:headEnd type="triangle" w="med" len="med"/>
+            <a:tailEnd type="none" w="med" len="med"/>
+          </a:ln>
+        </p:spPr>
+        <p:style>
+          <a:lnRef idx="1">
+            <a:schemeClr val="accent1"/>
+          </a:lnRef>
+          <a:fillRef idx="0">
+            <a:schemeClr val="accent1"/>
+          </a:fillRef>
+          <a:effectRef idx="0">
+            <a:schemeClr val="accent1"/>
+          </a:effectRef>
+          <a:fontRef idx="minor">
+            <a:schemeClr val="tx1"/>
+          </a:fontRef>
+        </p:style>
+      </p:cxnSp>
+      <p:sp>
+        <p:nvSpPr>
+          <p:cNvPr id="18" name="모서리가 둥근 직사각형 17"/>
+          <p:cNvSpPr/>
+          <p:nvPr/>
+        </p:nvSpPr>
+        <p:spPr>
+          <a:xfrm>
+            <a:off x="3726626" y="4034111"/>
+            <a:ext cx="1590029" cy="330993"/>
+          </a:xfrm>
+          <a:prstGeom prst="roundRect">
+            <a:avLst/>
+          </a:prstGeom>
+          <a:noFill/>
+          <a:ln w="12700">
+            <a:noFill/>
+          </a:ln>
+        </p:spPr>
+        <p:style>
+          <a:lnRef idx="2">
+            <a:schemeClr val="accent1">
+              <a:shade val="50000"/>
+            </a:schemeClr>
+          </a:lnRef>
+          <a:fillRef idx="1">
+            <a:schemeClr val="accent1"/>
+          </a:fillRef>
+          <a:effectRef idx="0">
+            <a:schemeClr val="accent1"/>
+          </a:effectRef>
+          <a:fontRef idx="minor">
+            <a:schemeClr val="lt1"/>
+          </a:fontRef>
+        </p:style>
+        <p:txBody>
+          <a:bodyPr rtlCol="0" anchor="ctr"/>
+          <a:lstStyle/>
+          <a:p>
+            <a:r>
+              <a:rPr lang="ko-KR" altLang="en-US" sz="1600" dirty="0" smtClean="0">
+                <a:solidFill>
+                  <a:sysClr val="windowText" lastClr="000000"/>
+                </a:solidFill>
+              </a:rPr>
+              <a:t>연산자</a:t>
+            </a:r>
+            <a:r>
+              <a:rPr lang="en-US" altLang="ko-KR" sz="1600" dirty="0" smtClean="0">
+                <a:solidFill>
+                  <a:sysClr val="windowText" lastClr="000000"/>
+                </a:solidFill>
+              </a:rPr>
+              <a:t> </a:t>
+            </a:r>
+            <a:r>
+              <a:rPr lang="ko-KR" altLang="en-US" sz="1600" dirty="0" smtClean="0">
+                <a:solidFill>
+                  <a:sysClr val="windowText" lastClr="000000"/>
+                </a:solidFill>
+              </a:rPr>
+              <a:t>프레임</a:t>
+            </a:r>
+            <a:endParaRPr lang="ko-KR" altLang="en-US" sz="1600" dirty="0">
+              <a:solidFill>
+                <a:sysClr val="windowText" lastClr="000000"/>
+              </a:solidFill>
+            </a:endParaRPr>
+          </a:p>
+        </p:txBody>
+      </p:sp>
+      <p:cxnSp>
+        <p:nvCxnSpPr>
+          <p:cNvPr id="19" name="직선 화살표 연결선 18"/>
+          <p:cNvCxnSpPr/>
+          <p:nvPr/>
+        </p:nvCxnSpPr>
+        <p:spPr>
+          <a:xfrm>
+            <a:off x="4593648" y="3602063"/>
+            <a:ext cx="60883" cy="419837"/>
+          </a:xfrm>
+          <a:prstGeom prst="straightConnector1">
+            <a:avLst/>
+          </a:prstGeom>
+          <a:ln w="12700">
+            <a:solidFill>
+              <a:schemeClr val="tx1"/>
+            </a:solidFill>
+            <a:prstDash val="sysDash"/>
+            <a:headEnd type="triangle" w="med" len="med"/>
+            <a:tailEnd type="none" w="med" len="med"/>
+          </a:ln>
+        </p:spPr>
+        <p:style>
+          <a:lnRef idx="1">
+            <a:schemeClr val="accent1"/>
+          </a:lnRef>
+          <a:fillRef idx="0">
+            <a:schemeClr val="accent1"/>
+          </a:fillRef>
+          <a:effectRef idx="0">
+            <a:schemeClr val="accent1"/>
+          </a:effectRef>
+          <a:fontRef idx="minor">
+            <a:schemeClr val="tx1"/>
+          </a:fontRef>
+        </p:style>
+      </p:cxnSp>
+    </p:spTree>
+    <p:extLst>
+      <p:ext uri="{BB962C8B-B14F-4D97-AF65-F5344CB8AC3E}">
+        <p14:creationId xmlns:p14="http://schemas.microsoft.com/office/powerpoint/2010/main" val="3167853815"/>
+      </p:ext>
+    </p:extLst>
+  </p:cSld>
+  <p:clrMapOvr>
+    <a:masterClrMapping/>
+  </p:clrMapOvr>
+  <p:timing>
+    <p:tnLst>
+      <p:par>
+        <p:cTn id="1" dur="indefinite" restart="never" nodeType="tmRoot">
+          <p:childTnLst>
+            <p:seq concurrent="1" nextAc="seek">
+              <p:cTn id="2" dur="indefinite" nodeType="mainSeq">
+                <p:childTnLst>
+                  <p:par>
+                    <p:cTn id="3" fill="hold">
+                      <p:stCondLst>
+                        <p:cond delay="indefinite"/>
+                      </p:stCondLst>
+                      <p:childTnLst>
+                        <p:par>
+                          <p:cTn id="4" fill="hold">
+                            <p:stCondLst>
+                              <p:cond delay="0"/>
+                            </p:stCondLst>
+                            <p:childTnLst>
+                              <p:par>
+                                <p:cTn id="5" presetID="22" presetClass="entr" presetSubtype="4" fill="hold" nodeType="clickEffect">
+                                  <p:stCondLst>
+                                    <p:cond delay="0"/>
+                                  </p:stCondLst>
+                                  <p:childTnLst>
+                                    <p:set>
+                                      <p:cBhvr>
+                                        <p:cTn id="6" dur="1" fill="hold">
+                                          <p:stCondLst>
+                                            <p:cond delay="0"/>
+                                          </p:stCondLst>
+                                        </p:cTn>
+                                        <p:tgtEl>
+                                          <p:spTgt spid="13"/>
+                                        </p:tgtEl>
+                                        <p:attrNameLst>
+                                          <p:attrName>style.visibility</p:attrName>
+                                        </p:attrNameLst>
+                                      </p:cBhvr>
+                                      <p:to>
+                                        <p:strVal val="visible"/>
+                                      </p:to>
+                                    </p:set>
+                                    <p:animEffect transition="in" filter="wipe(down)">
+                                      <p:cBhvr>
+                                        <p:cTn id="7" dur="500"/>
+                                        <p:tgtEl>
+                                          <p:spTgt spid="13"/>
+                                        </p:tgtEl>
+                                      </p:cBhvr>
+                                    </p:animEffect>
+                                  </p:childTnLst>
+                                </p:cTn>
+                              </p:par>
+                            </p:childTnLst>
+                          </p:cTn>
+                        </p:par>
+                      </p:childTnLst>
+                    </p:cTn>
+                  </p:par>
+                  <p:par>
+                    <p:cTn id="8" fill="hold">
+                      <p:stCondLst>
+                        <p:cond delay="indefinite"/>
+                      </p:stCondLst>
+                      <p:childTnLst>
+                        <p:par>
+                          <p:cTn id="9" fill="hold">
+                            <p:stCondLst>
+                              <p:cond delay="0"/>
+                            </p:stCondLst>
+                            <p:childTnLst>
+                              <p:par>
+                                <p:cTn id="10" presetID="22" presetClass="entr" presetSubtype="4" fill="hold" nodeType="clickEffect">
+                                  <p:stCondLst>
+                                    <p:cond delay="0"/>
+                                  </p:stCondLst>
+                                  <p:childTnLst>
+                                    <p:set>
+                                      <p:cBhvr>
+                                        <p:cTn id="11" dur="1" fill="hold">
+                                          <p:stCondLst>
+                                            <p:cond delay="0"/>
+                                          </p:stCondLst>
+                                        </p:cTn>
+                                        <p:tgtEl>
+                                          <p:spTgt spid="16"/>
+                                        </p:tgtEl>
+                                        <p:attrNameLst>
+                                          <p:attrName>style.visibility</p:attrName>
+                                        </p:attrNameLst>
+                                      </p:cBhvr>
+                                      <p:to>
+                                        <p:strVal val="visible"/>
+                                      </p:to>
+                                    </p:set>
+                                    <p:animEffect transition="in" filter="wipe(down)">
+                                      <p:cBhvr>
+                                        <p:cTn id="12" dur="500"/>
+                                        <p:tgtEl>
+                                          <p:spTgt spid="16"/>
+                                        </p:tgtEl>
+                                      </p:cBhvr>
+                                    </p:animEffect>
+                                  </p:childTnLst>
+                                </p:cTn>
+                              </p:par>
+                            </p:childTnLst>
+                          </p:cTn>
+                        </p:par>
+                      </p:childTnLst>
+                    </p:cTn>
+                  </p:par>
+                  <p:par>
+                    <p:cTn id="13" fill="hold">
+                      <p:stCondLst>
+                        <p:cond delay="indefinite"/>
+                      </p:stCondLst>
+                      <p:childTnLst>
+                        <p:par>
+                          <p:cTn id="14" fill="hold">
+                            <p:stCondLst>
+                              <p:cond delay="0"/>
+                            </p:stCondLst>
+                            <p:childTnLst>
+                              <p:par>
+                                <p:cTn id="15" presetID="22" presetClass="entr" presetSubtype="4" fill="hold" nodeType="clickEffect">
+                                  <p:stCondLst>
+                                    <p:cond delay="0"/>
+                                  </p:stCondLst>
+                                  <p:childTnLst>
+                                    <p:set>
+                                      <p:cBhvr>
+                                        <p:cTn id="16" dur="1" fill="hold">
+                                          <p:stCondLst>
+                                            <p:cond delay="0"/>
+                                          </p:stCondLst>
+                                        </p:cTn>
+                                        <p:tgtEl>
+                                          <p:spTgt spid="19"/>
+                                        </p:tgtEl>
+                                        <p:attrNameLst>
+                                          <p:attrName>style.visibility</p:attrName>
+                                        </p:attrNameLst>
+                                      </p:cBhvr>
+                                      <p:to>
+                                        <p:strVal val="visible"/>
+                                      </p:to>
+                                    </p:set>
+                                    <p:animEffect transition="in" filter="wipe(down)">
+                                      <p:cBhvr>
+                                        <p:cTn id="17" dur="500"/>
+                                        <p:tgtEl>
+                                          <p:spTgt spid="19"/>
+                                        </p:tgtEl>
+                                      </p:cBhvr>
+                                    </p:animEffect>
+                                  </p:childTnLst>
+                                </p:cTn>
+                              </p:par>
+                            </p:childTnLst>
+                          </p:cTn>
+                        </p:par>
+                      </p:childTnLst>
+                    </p:cTn>
+                  </p:par>
+                </p:childTnLst>
+              </p:cTn>
+              <p:prevCondLst>
+                <p:cond evt="onPrev" delay="0">
+                  <p:tgtEl>
+                    <p:sldTgt/>
+                  </p:tgtEl>
+                </p:cond>
+              </p:prevCondLst>
+              <p:nextCondLst>
+                <p:cond evt="onNext" delay="0">
+                  <p:tgtEl>
+                    <p:sldTgt/>
+                  </p:tgtEl>
+                </p:cond>
+              </p:nextCondLst>
+            </p:seq>
+          </p:childTnLst>
+        </p:cTn>
+      </p:par>
+    </p:tnLst>
+  </p:timing>
+</p:sld>
+</file>
+
+<file path=ppt/slides/slide32.xml><?xml version="1.0" encoding="utf-8"?>
+<p:sld xmlns:a="http://schemas.openxmlformats.org/drawingml/2006/main" xmlns:r="http://schemas.openxmlformats.org/officeDocument/2006/relationships" xmlns:p="http://schemas.openxmlformats.org/presentationml/2006/main">
+  <p:cSld>
+    <p:spTree>
+      <p:nvGrpSpPr>
+        <p:cNvPr id="1" name=""/>
+        <p:cNvGrpSpPr/>
+        <p:nvPr/>
+      </p:nvGrpSpPr>
+      <p:grpSpPr>
+        <a:xfrm>
+          <a:off x="0" y="0"/>
+          <a:ext cx="0" cy="0"/>
+          <a:chOff x="0" y="0"/>
+          <a:chExt cx="0" cy="0"/>
+        </a:xfrm>
+      </p:grpSpPr>
+      <p:sp>
+        <p:nvSpPr>
+          <p:cNvPr id="2" name="제목 1"/>
+          <p:cNvSpPr>
+            <a:spLocks noGrp="1"/>
+          </p:cNvSpPr>
+          <p:nvPr>
+            <p:ph type="title"/>
+          </p:nvPr>
+        </p:nvSpPr>
+        <p:spPr/>
+        <p:txBody>
+          <a:bodyPr/>
+          <a:lstStyle/>
+          <a:p>
+            <a:r>
+              <a:rPr lang="en-US" altLang="ko-KR" dirty="0" smtClean="0"/>
+              <a:t> UI - </a:t>
+            </a:r>
+            <a:r>
+              <a:rPr lang="ko-KR" altLang="en-US" dirty="0" smtClean="0"/>
+              <a:t>계산기</a:t>
+            </a:r>
+            <a:endParaRPr lang="ko-KR" altLang="en-US" dirty="0"/>
+          </a:p>
+        </p:txBody>
+      </p:sp>
+      <p:sp>
+        <p:nvSpPr>
+          <p:cNvPr id="4" name="슬라이드 번호 개체 틀 3"/>
+          <p:cNvSpPr>
+            <a:spLocks noGrp="1"/>
+          </p:cNvSpPr>
+          <p:nvPr>
+            <p:ph type="sldNum" sz="quarter" idx="12"/>
+          </p:nvPr>
+        </p:nvSpPr>
+        <p:spPr/>
+        <p:txBody>
+          <a:bodyPr/>
+          <a:lstStyle/>
+          <a:p>
+            <a:fld id="{1BDE3FE7-3AEA-4B05-AC5A-802D1816ACF0}" type="slidenum">
+              <a:rPr lang="ko-KR" altLang="en-US" smtClean="0"/>
+              <a:t>32</a:t>
+            </a:fld>
+            <a:endParaRPr lang="ko-KR" altLang="en-US"/>
+          </a:p>
+        </p:txBody>
+      </p:sp>
+      <p:sp>
+        <p:nvSpPr>
+          <p:cNvPr id="12" name="TextBox 11"/>
+          <p:cNvSpPr txBox="1"/>
+          <p:nvPr/>
+        </p:nvSpPr>
+        <p:spPr>
+          <a:xfrm>
+            <a:off x="1064568" y="1268760"/>
+            <a:ext cx="4968552" cy="507831"/>
+          </a:xfrm>
+          <a:prstGeom prst="rect">
+            <a:avLst/>
+          </a:prstGeom>
+          <a:noFill/>
+          <a:ln>
+            <a:noFill/>
+          </a:ln>
+        </p:spPr>
+        <p:style>
+          <a:lnRef idx="1">
+            <a:schemeClr val="accent3"/>
+          </a:lnRef>
+          <a:fillRef idx="2">
+            <a:schemeClr val="accent3"/>
+          </a:fillRef>
+          <a:effectRef idx="1">
+            <a:schemeClr val="accent3"/>
+          </a:effectRef>
+          <a:fontRef idx="minor">
+            <a:schemeClr val="dk1"/>
+          </a:fontRef>
+        </p:style>
+        <p:txBody>
+          <a:bodyPr wrap="square" rtlCol="0">
+            <a:spAutoFit/>
+          </a:bodyPr>
+          <a:lstStyle/>
+          <a:p>
+            <a:pPr>
+              <a:lnSpc>
+                <a:spcPct val="150000"/>
+              </a:lnSpc>
+            </a:pPr>
+            <a:r>
+              <a:rPr lang="en-US" altLang="ko-KR" dirty="0" smtClean="0">
+                <a:latin typeface="+mn-ea"/>
+              </a:rPr>
+              <a:t>- </a:t>
+            </a:r>
+            <a:r>
+              <a:rPr lang="ko-KR" altLang="en-US" dirty="0" smtClean="0">
+                <a:latin typeface="+mn-ea"/>
+              </a:rPr>
+              <a:t>계산기 </a:t>
+            </a:r>
+            <a:r>
+              <a:rPr lang="en-US" altLang="ko-KR" dirty="0" smtClean="0">
+                <a:latin typeface="+mn-ea"/>
+              </a:rPr>
+              <a:t>: </a:t>
+            </a:r>
+            <a:r>
+              <a:rPr lang="en-US" altLang="ko-KR" dirty="0" err="1" smtClean="0">
+                <a:latin typeface="+mn-ea"/>
+              </a:rPr>
+              <a:t>top_row</a:t>
+            </a:r>
+            <a:r>
+              <a:rPr lang="en-US" altLang="ko-KR" dirty="0" smtClean="0">
+                <a:latin typeface="+mn-ea"/>
+              </a:rPr>
+              <a:t> </a:t>
+            </a:r>
+            <a:r>
+              <a:rPr lang="ko-KR" altLang="en-US" dirty="0" smtClean="0">
+                <a:latin typeface="+mn-ea"/>
+              </a:rPr>
+              <a:t>프레임</a:t>
+            </a:r>
+            <a:endParaRPr lang="en-US" altLang="ko-KR" dirty="0">
+              <a:latin typeface="+mn-ea"/>
+            </a:endParaRPr>
+          </a:p>
+        </p:txBody>
+      </p:sp>
+      <p:pic>
+        <p:nvPicPr>
+          <p:cNvPr id="17" name="그림 16"/>
+          <p:cNvPicPr>
+            <a:picLocks noChangeAspect="1"/>
+          </p:cNvPicPr>
+          <p:nvPr/>
+        </p:nvPicPr>
+        <p:blipFill>
+          <a:blip r:embed="rId2">
+            <a:extLst>
+              <a:ext uri="{28A0092B-C50C-407E-A947-70E740481C1C}">
+                <a14:useLocalDpi xmlns:a14="http://schemas.microsoft.com/office/drawing/2010/main" val="0"/>
+              </a:ext>
+            </a:extLst>
+          </a:blip>
+          <a:stretch>
+            <a:fillRect/>
+          </a:stretch>
+        </p:blipFill>
+        <p:spPr>
+          <a:xfrm>
+            <a:off x="776536" y="1992615"/>
+            <a:ext cx="7350614" cy="2592288"/>
+          </a:xfrm>
+          <a:prstGeom prst="rect">
+            <a:avLst/>
+          </a:prstGeom>
+          <a:ln>
+            <a:solidFill>
+              <a:schemeClr val="bg1">
+                <a:lumMod val="85000"/>
+              </a:schemeClr>
+            </a:solidFill>
+          </a:ln>
+        </p:spPr>
+      </p:pic>
+    </p:spTree>
+    <p:extLst>
+      <p:ext uri="{BB962C8B-B14F-4D97-AF65-F5344CB8AC3E}">
+        <p14:creationId xmlns:p14="http://schemas.microsoft.com/office/powerpoint/2010/main" val="3744144981"/>
+      </p:ext>
+    </p:extLst>
+  </p:cSld>
+  <p:clrMapOvr>
+    <a:masterClrMapping/>
+  </p:clrMapOvr>
+  <p:timing>
+    <p:tnLst>
+      <p:par>
+        <p:cTn id="1" dur="indefinite" restart="never" nodeType="tmRoot"/>
+      </p:par>
+    </p:tnLst>
+  </p:timing>
+</p:sld>
+</file>
+
+<file path=ppt/slides/slide33.xml><?xml version="1.0" encoding="utf-8"?>
+<p:sld xmlns:a="http://schemas.openxmlformats.org/drawingml/2006/main" xmlns:r="http://schemas.openxmlformats.org/officeDocument/2006/relationships" xmlns:p="http://schemas.openxmlformats.org/presentationml/2006/main">
+  <p:cSld>
+    <p:spTree>
+      <p:nvGrpSpPr>
+        <p:cNvPr id="1" name=""/>
+        <p:cNvGrpSpPr/>
+        <p:nvPr/>
+      </p:nvGrpSpPr>
+      <p:grpSpPr>
+        <a:xfrm>
+          <a:off x="0" y="0"/>
+          <a:ext cx="0" cy="0"/>
+          <a:chOff x="0" y="0"/>
+          <a:chExt cx="0" cy="0"/>
+        </a:xfrm>
+      </p:grpSpPr>
+      <p:pic>
+        <p:nvPicPr>
+          <p:cNvPr id="3" name="그림 2"/>
+          <p:cNvPicPr>
+            <a:picLocks noChangeAspect="1"/>
+          </p:cNvPicPr>
+          <p:nvPr/>
+        </p:nvPicPr>
+        <p:blipFill>
+          <a:blip r:embed="rId2">
+            <a:extLst>
+              <a:ext uri="{28A0092B-C50C-407E-A947-70E740481C1C}">
+                <a14:useLocalDpi xmlns:a14="http://schemas.microsoft.com/office/drawing/2010/main" val="0"/>
+              </a:ext>
+            </a:extLst>
+          </a:blip>
+          <a:stretch>
+            <a:fillRect/>
+          </a:stretch>
+        </p:blipFill>
+        <p:spPr>
+          <a:xfrm>
+            <a:off x="1101694" y="1173831"/>
+            <a:ext cx="7750212" cy="5517358"/>
+          </a:xfrm>
+          <a:prstGeom prst="rect">
+            <a:avLst/>
+          </a:prstGeom>
+          <a:ln>
+            <a:solidFill>
+              <a:schemeClr val="bg1">
+                <a:lumMod val="85000"/>
+              </a:schemeClr>
+            </a:solidFill>
+          </a:ln>
+        </p:spPr>
+      </p:pic>
+      <p:sp>
+        <p:nvSpPr>
+          <p:cNvPr id="2" name="제목 1"/>
+          <p:cNvSpPr>
+            <a:spLocks noGrp="1"/>
+          </p:cNvSpPr>
+          <p:nvPr>
+            <p:ph type="title"/>
+          </p:nvPr>
+        </p:nvSpPr>
+        <p:spPr/>
+        <p:txBody>
+          <a:bodyPr/>
+          <a:lstStyle/>
+          <a:p>
+            <a:r>
+              <a:rPr lang="en-US" altLang="ko-KR" dirty="0" smtClean="0"/>
+              <a:t> UI - </a:t>
+            </a:r>
+            <a:r>
+              <a:rPr lang="ko-KR" altLang="en-US" dirty="0" smtClean="0"/>
+              <a:t>계산기</a:t>
+            </a:r>
+            <a:endParaRPr lang="ko-KR" altLang="en-US" dirty="0"/>
+          </a:p>
+        </p:txBody>
+      </p:sp>
+      <p:sp>
+        <p:nvSpPr>
+          <p:cNvPr id="4" name="슬라이드 번호 개체 틀 3"/>
+          <p:cNvSpPr>
+            <a:spLocks noGrp="1"/>
+          </p:cNvSpPr>
+          <p:nvPr>
+            <p:ph type="sldNum" sz="quarter" idx="12"/>
+          </p:nvPr>
+        </p:nvSpPr>
+        <p:spPr/>
+        <p:txBody>
+          <a:bodyPr/>
+          <a:lstStyle/>
+          <a:p>
+            <a:fld id="{1BDE3FE7-3AEA-4B05-AC5A-802D1816ACF0}" type="slidenum">
+              <a:rPr lang="ko-KR" altLang="en-US" smtClean="0"/>
+              <a:t>33</a:t>
+            </a:fld>
+            <a:endParaRPr lang="ko-KR" altLang="en-US"/>
+          </a:p>
+        </p:txBody>
+      </p:sp>
+      <p:sp>
+        <p:nvSpPr>
+          <p:cNvPr id="8" name="모서리가 둥근 직사각형 7"/>
+          <p:cNvSpPr/>
+          <p:nvPr/>
+        </p:nvSpPr>
+        <p:spPr>
+          <a:xfrm>
+            <a:off x="1424608" y="4437112"/>
+            <a:ext cx="2088232" cy="792088"/>
+          </a:xfrm>
+          <a:prstGeom prst="roundRect">
+            <a:avLst/>
+          </a:prstGeom>
+          <a:noFill/>
+          <a:ln>
+            <a:solidFill>
+              <a:srgbClr val="C00000"/>
+            </a:solidFill>
+            <a:prstDash val="sysDot"/>
+          </a:ln>
+        </p:spPr>
+        <p:style>
+          <a:lnRef idx="2">
+            <a:schemeClr val="accent6"/>
+          </a:lnRef>
+          <a:fillRef idx="1">
+            <a:schemeClr val="lt1"/>
+          </a:fillRef>
+          <a:effectRef idx="0">
+            <a:schemeClr val="accent6"/>
+          </a:effectRef>
+          <a:fontRef idx="minor">
+            <a:schemeClr val="dk1"/>
+          </a:fontRef>
+        </p:style>
+        <p:txBody>
+          <a:bodyPr rtlCol="0" anchor="ctr"/>
+          <a:lstStyle/>
+          <a:p>
+            <a:endParaRPr lang="ko-KR" altLang="en-US" sz="1600" dirty="0">
+              <a:solidFill>
+                <a:sysClr val="windowText" lastClr="000000"/>
+              </a:solidFill>
+            </a:endParaRPr>
+          </a:p>
+        </p:txBody>
+      </p:sp>
+      <p:cxnSp>
+        <p:nvCxnSpPr>
+          <p:cNvPr id="9" name="직선 화살표 연결선 8"/>
+          <p:cNvCxnSpPr/>
+          <p:nvPr/>
+        </p:nvCxnSpPr>
+        <p:spPr>
+          <a:xfrm flipH="1">
+            <a:off x="3512840" y="3932510"/>
+            <a:ext cx="1800201" cy="576610"/>
+          </a:xfrm>
+          <a:prstGeom prst="straightConnector1">
+            <a:avLst/>
+          </a:prstGeom>
+          <a:ln w="12700">
+            <a:solidFill>
+              <a:srgbClr val="C00000"/>
+            </a:solidFill>
+            <a:prstDash val="sysDash"/>
+            <a:headEnd type="triangle" w="med" len="med"/>
+            <a:tailEnd type="none" w="med" len="med"/>
+          </a:ln>
+        </p:spPr>
+        <p:style>
+          <a:lnRef idx="1">
+            <a:schemeClr val="accent1"/>
+          </a:lnRef>
+          <a:fillRef idx="0">
+            <a:schemeClr val="accent1"/>
+          </a:fillRef>
+          <a:effectRef idx="0">
+            <a:schemeClr val="accent1"/>
+          </a:effectRef>
+          <a:fontRef idx="minor">
+            <a:schemeClr val="tx1"/>
+          </a:fontRef>
+        </p:style>
+      </p:cxnSp>
+      <p:pic>
+        <p:nvPicPr>
+          <p:cNvPr id="12" name="그림 11"/>
+          <p:cNvPicPr>
+            <a:picLocks noChangeAspect="1"/>
+          </p:cNvPicPr>
+          <p:nvPr/>
+        </p:nvPicPr>
+        <p:blipFill>
+          <a:blip r:embed="rId3">
+            <a:extLst>
+              <a:ext uri="{28A0092B-C50C-407E-A947-70E740481C1C}">
+                <a14:useLocalDpi xmlns:a14="http://schemas.microsoft.com/office/drawing/2010/main" val="0"/>
+              </a:ext>
+            </a:extLst>
+          </a:blip>
+          <a:stretch>
+            <a:fillRect/>
+          </a:stretch>
+        </p:blipFill>
+        <p:spPr>
+          <a:xfrm>
+            <a:off x="5385048" y="2420888"/>
+            <a:ext cx="2735817" cy="1912786"/>
+          </a:xfrm>
+          <a:prstGeom prst="rect">
+            <a:avLst/>
+          </a:prstGeom>
+          <a:ln>
+            <a:solidFill>
+              <a:schemeClr val="bg1">
+                <a:lumMod val="85000"/>
+              </a:schemeClr>
+            </a:solidFill>
+          </a:ln>
+        </p:spPr>
+      </p:pic>
+    </p:spTree>
+    <p:extLst>
+      <p:ext uri="{BB962C8B-B14F-4D97-AF65-F5344CB8AC3E}">
+        <p14:creationId xmlns:p14="http://schemas.microsoft.com/office/powerpoint/2010/main" val="4275153432"/>
+      </p:ext>
+    </p:extLst>
+  </p:cSld>
+  <p:clrMapOvr>
+    <a:masterClrMapping/>
+  </p:clrMapOvr>
+  <p:timing>
+    <p:tnLst>
+      <p:par>
+        <p:cTn id="1" dur="indefinite" restart="never" nodeType="tmRoot">
+          <p:childTnLst>
+            <p:seq concurrent="1" nextAc="seek">
+              <p:cTn id="2" dur="indefinite" nodeType="mainSeq">
+                <p:childTnLst>
+                  <p:par>
+                    <p:cTn id="3" fill="hold">
+                      <p:stCondLst>
+                        <p:cond delay="indefinite"/>
+                      </p:stCondLst>
+                      <p:childTnLst>
+                        <p:par>
+                          <p:cTn id="4" fill="hold">
+                            <p:stCondLst>
+                              <p:cond delay="0"/>
+                            </p:stCondLst>
+                            <p:childTnLst>
+                              <p:par>
+                                <p:cTn id="5" presetID="22" presetClass="entr" presetSubtype="4" fill="hold" nodeType="clickEffect">
+                                  <p:stCondLst>
+                                    <p:cond delay="0"/>
+                                  </p:stCondLst>
+                                  <p:childTnLst>
+                                    <p:set>
+                                      <p:cBhvr>
+                                        <p:cTn id="6" dur="1" fill="hold">
+                                          <p:stCondLst>
+                                            <p:cond delay="0"/>
+                                          </p:stCondLst>
+                                        </p:cTn>
+                                        <p:tgtEl>
+                                          <p:spTgt spid="9"/>
+                                        </p:tgtEl>
+                                        <p:attrNameLst>
+                                          <p:attrName>style.visibility</p:attrName>
+                                        </p:attrNameLst>
+                                      </p:cBhvr>
+                                      <p:to>
+                                        <p:strVal val="visible"/>
+                                      </p:to>
+                                    </p:set>
+                                    <p:animEffect transition="in" filter="wipe(down)">
+                                      <p:cBhvr>
+                                        <p:cTn id="7" dur="500"/>
+                                        <p:tgtEl>
+                                          <p:spTgt spid="9"/>
+                                        </p:tgtEl>
+                                      </p:cBhvr>
+                                    </p:animEffect>
+                                  </p:childTnLst>
+                                </p:cTn>
+                              </p:par>
+                            </p:childTnLst>
+                          </p:cTn>
+                        </p:par>
+                      </p:childTnLst>
+                    </p:cTn>
+                  </p:par>
+                </p:childTnLst>
+              </p:cTn>
+              <p:prevCondLst>
+                <p:cond evt="onPrev" delay="0">
+                  <p:tgtEl>
+                    <p:sldTgt/>
+                  </p:tgtEl>
+                </p:cond>
+              </p:prevCondLst>
+              <p:nextCondLst>
+                <p:cond evt="onNext" delay="0">
+                  <p:tgtEl>
+                    <p:sldTgt/>
+                  </p:tgtEl>
+                </p:cond>
+              </p:nextCondLst>
+            </p:seq>
+          </p:childTnLst>
+        </p:cTn>
+      </p:par>
+    </p:tnLst>
+  </p:timing>
+</p:sld>
+</file>
+
+<file path=ppt/slides/slide34.xml><?xml version="1.0" encoding="utf-8"?>
+<p:sld xmlns:a="http://schemas.openxmlformats.org/drawingml/2006/main" xmlns:r="http://schemas.openxmlformats.org/officeDocument/2006/relationships" xmlns:p="http://schemas.openxmlformats.org/presentationml/2006/main">
+  <p:cSld>
+    <p:spTree>
+      <p:nvGrpSpPr>
+        <p:cNvPr id="1" name=""/>
+        <p:cNvGrpSpPr/>
+        <p:nvPr/>
+      </p:nvGrpSpPr>
+      <p:grpSpPr>
+        <a:xfrm>
+          <a:off x="0" y="0"/>
+          <a:ext cx="0" cy="0"/>
+          <a:chOff x="0" y="0"/>
+          <a:chExt cx="0" cy="0"/>
+        </a:xfrm>
+      </p:grpSpPr>
+      <p:sp>
+        <p:nvSpPr>
+          <p:cNvPr id="2" name="제목 1"/>
+          <p:cNvSpPr>
+            <a:spLocks noGrp="1"/>
+          </p:cNvSpPr>
+          <p:nvPr>
+            <p:ph type="title"/>
+          </p:nvPr>
+        </p:nvSpPr>
+        <p:spPr/>
+        <p:txBody>
+          <a:bodyPr/>
+          <a:lstStyle/>
+          <a:p>
+            <a:r>
+              <a:rPr lang="en-US" altLang="ko-KR" dirty="0" smtClean="0"/>
+              <a:t> UI - </a:t>
+            </a:r>
+            <a:r>
+              <a:rPr lang="ko-KR" altLang="en-US" dirty="0" smtClean="0"/>
+              <a:t>계산기</a:t>
+            </a:r>
+            <a:endParaRPr lang="ko-KR" altLang="en-US" dirty="0"/>
+          </a:p>
+        </p:txBody>
+      </p:sp>
+      <p:sp>
+        <p:nvSpPr>
+          <p:cNvPr id="4" name="슬라이드 번호 개체 틀 3"/>
+          <p:cNvSpPr>
+            <a:spLocks noGrp="1"/>
+          </p:cNvSpPr>
+          <p:nvPr>
+            <p:ph type="sldNum" sz="quarter" idx="12"/>
+          </p:nvPr>
+        </p:nvSpPr>
+        <p:spPr/>
+        <p:txBody>
+          <a:bodyPr/>
+          <a:lstStyle/>
+          <a:p>
+            <a:fld id="{1BDE3FE7-3AEA-4B05-AC5A-802D1816ACF0}" type="slidenum">
+              <a:rPr lang="ko-KR" altLang="en-US" smtClean="0"/>
+              <a:t>34</a:t>
+            </a:fld>
+            <a:endParaRPr lang="ko-KR" altLang="en-US"/>
+          </a:p>
+        </p:txBody>
+      </p:sp>
+      <p:pic>
+        <p:nvPicPr>
+          <p:cNvPr id="3" name="그림 2"/>
+          <p:cNvPicPr>
+            <a:picLocks noChangeAspect="1"/>
+          </p:cNvPicPr>
+          <p:nvPr/>
+        </p:nvPicPr>
+        <p:blipFill>
+          <a:blip r:embed="rId2">
+            <a:extLst>
+              <a:ext uri="{28A0092B-C50C-407E-A947-70E740481C1C}">
+                <a14:useLocalDpi xmlns:a14="http://schemas.microsoft.com/office/drawing/2010/main" val="0"/>
+              </a:ext>
+            </a:extLst>
+          </a:blip>
+          <a:stretch>
+            <a:fillRect/>
+          </a:stretch>
+        </p:blipFill>
+        <p:spPr>
+          <a:xfrm>
+            <a:off x="992560" y="1241985"/>
+            <a:ext cx="7992888" cy="4999162"/>
+          </a:xfrm>
+          <a:prstGeom prst="rect">
+            <a:avLst/>
+          </a:prstGeom>
+          <a:ln>
+            <a:solidFill>
+              <a:schemeClr val="bg1">
+                <a:lumMod val="85000"/>
+              </a:schemeClr>
+            </a:solidFill>
+          </a:ln>
+        </p:spPr>
+      </p:pic>
+    </p:spTree>
+    <p:extLst>
+      <p:ext uri="{BB962C8B-B14F-4D97-AF65-F5344CB8AC3E}">
+        <p14:creationId xmlns:p14="http://schemas.microsoft.com/office/powerpoint/2010/main" val="2499862890"/>
+      </p:ext>
+    </p:extLst>
+  </p:cSld>
+  <p:clrMapOvr>
+    <a:masterClrMapping/>
+  </p:clrMapOvr>
+  <p:timing>
+    <p:tnLst>
+      <p:par>
+        <p:cTn id="1" dur="indefinite" restart="never" nodeType="tmRoot"/>
+      </p:par>
+    </p:tnLst>
+  </p:timing>
+</p:sld>
+</file>
+
+<file path=ppt/slides/slide35.xml><?xml version="1.0" encoding="utf-8"?>
+<p:sld xmlns:a="http://schemas.openxmlformats.org/drawingml/2006/main" xmlns:r="http://schemas.openxmlformats.org/officeDocument/2006/relationships" xmlns:p="http://schemas.openxmlformats.org/presentationml/2006/main">
+  <p:cSld>
+    <p:spTree>
+      <p:nvGrpSpPr>
+        <p:cNvPr id="1" name=""/>
+        <p:cNvGrpSpPr/>
+        <p:nvPr/>
+      </p:nvGrpSpPr>
+      <p:grpSpPr>
+        <a:xfrm>
+          <a:off x="0" y="0"/>
+          <a:ext cx="0" cy="0"/>
+          <a:chOff x="0" y="0"/>
+          <a:chExt cx="0" cy="0"/>
+        </a:xfrm>
+      </p:grpSpPr>
+      <p:pic>
+        <p:nvPicPr>
+          <p:cNvPr id="3" name="그림 2"/>
+          <p:cNvPicPr>
+            <a:picLocks noChangeAspect="1"/>
+          </p:cNvPicPr>
+          <p:nvPr/>
+        </p:nvPicPr>
+        <p:blipFill>
+          <a:blip r:embed="rId2">
+            <a:extLst>
+              <a:ext uri="{28A0092B-C50C-407E-A947-70E740481C1C}">
+                <a14:useLocalDpi xmlns:a14="http://schemas.microsoft.com/office/drawing/2010/main" val="0"/>
+              </a:ext>
+            </a:extLst>
+          </a:blip>
+          <a:stretch>
+            <a:fillRect/>
+          </a:stretch>
+        </p:blipFill>
+        <p:spPr>
+          <a:xfrm>
+            <a:off x="1712640" y="3012774"/>
+            <a:ext cx="6142253" cy="3482642"/>
+          </a:xfrm>
+          <a:prstGeom prst="rect">
+            <a:avLst/>
+          </a:prstGeom>
+          <a:ln>
+            <a:solidFill>
+              <a:schemeClr val="bg1">
+                <a:lumMod val="85000"/>
+              </a:schemeClr>
+            </a:solidFill>
+          </a:ln>
+        </p:spPr>
+      </p:pic>
+      <p:sp>
+        <p:nvSpPr>
+          <p:cNvPr id="2" name="제목 1"/>
+          <p:cNvSpPr>
+            <a:spLocks noGrp="1"/>
+          </p:cNvSpPr>
+          <p:nvPr>
+            <p:ph type="title"/>
+          </p:nvPr>
+        </p:nvSpPr>
+        <p:spPr/>
+        <p:txBody>
+          <a:bodyPr/>
+          <a:lstStyle/>
+          <a:p>
+            <a:r>
+              <a:rPr lang="en-US" altLang="ko-KR" dirty="0" smtClean="0"/>
+              <a:t> UI - </a:t>
+            </a:r>
+            <a:r>
+              <a:rPr lang="ko-KR" altLang="en-US" dirty="0" smtClean="0"/>
+              <a:t>계산기</a:t>
+            </a:r>
+            <a:endParaRPr lang="ko-KR" altLang="en-US" dirty="0"/>
+          </a:p>
+        </p:txBody>
+      </p:sp>
+      <p:sp>
+        <p:nvSpPr>
+          <p:cNvPr id="4" name="슬라이드 번호 개체 틀 3"/>
+          <p:cNvSpPr>
+            <a:spLocks noGrp="1"/>
+          </p:cNvSpPr>
+          <p:nvPr>
+            <p:ph type="sldNum" sz="quarter" idx="12"/>
+          </p:nvPr>
+        </p:nvSpPr>
+        <p:spPr/>
+        <p:txBody>
+          <a:bodyPr/>
+          <a:lstStyle/>
+          <a:p>
+            <a:fld id="{1BDE3FE7-3AEA-4B05-AC5A-802D1816ACF0}" type="slidenum">
+              <a:rPr lang="ko-KR" altLang="en-US" smtClean="0"/>
+              <a:t>35</a:t>
+            </a:fld>
+            <a:endParaRPr lang="ko-KR" altLang="en-US"/>
+          </a:p>
+        </p:txBody>
+      </p:sp>
+      <p:pic>
+        <p:nvPicPr>
+          <p:cNvPr id="7" name="그림 6"/>
+          <p:cNvPicPr>
+            <a:picLocks noChangeAspect="1"/>
+          </p:cNvPicPr>
+          <p:nvPr/>
+        </p:nvPicPr>
+        <p:blipFill>
+          <a:blip r:embed="rId3">
+            <a:extLst>
+              <a:ext uri="{28A0092B-C50C-407E-A947-70E740481C1C}">
+                <a14:useLocalDpi xmlns:a14="http://schemas.microsoft.com/office/drawing/2010/main" val="0"/>
+              </a:ext>
+            </a:extLst>
+          </a:blip>
+          <a:stretch>
+            <a:fillRect/>
+          </a:stretch>
+        </p:blipFill>
+        <p:spPr>
+          <a:xfrm>
+            <a:off x="1359330" y="1412776"/>
+            <a:ext cx="3033023" cy="1432684"/>
+          </a:xfrm>
+          <a:prstGeom prst="rect">
+            <a:avLst/>
+          </a:prstGeom>
+          <a:ln>
+            <a:solidFill>
+              <a:schemeClr val="bg1">
+                <a:lumMod val="85000"/>
+              </a:schemeClr>
+            </a:solidFill>
+          </a:ln>
+        </p:spPr>
+      </p:pic>
+      <p:pic>
+        <p:nvPicPr>
+          <p:cNvPr id="9" name="그림 8"/>
+          <p:cNvPicPr>
+            <a:picLocks noChangeAspect="1"/>
+          </p:cNvPicPr>
+          <p:nvPr/>
+        </p:nvPicPr>
+        <p:blipFill>
+          <a:blip r:embed="rId4">
+            <a:extLst>
+              <a:ext uri="{28A0092B-C50C-407E-A947-70E740481C1C}">
+                <a14:useLocalDpi xmlns:a14="http://schemas.microsoft.com/office/drawing/2010/main" val="0"/>
+              </a:ext>
+            </a:extLst>
+          </a:blip>
+          <a:stretch>
+            <a:fillRect/>
+          </a:stretch>
+        </p:blipFill>
+        <p:spPr>
+          <a:xfrm>
+            <a:off x="4931769" y="1412776"/>
+            <a:ext cx="3383573" cy="1432684"/>
+          </a:xfrm>
+          <a:prstGeom prst="rect">
+            <a:avLst/>
+          </a:prstGeom>
+          <a:ln>
+            <a:solidFill>
+              <a:schemeClr val="bg1">
+                <a:lumMod val="85000"/>
+              </a:schemeClr>
+            </a:solidFill>
+          </a:ln>
+        </p:spPr>
+      </p:pic>
+    </p:spTree>
+    <p:extLst>
+      <p:ext uri="{BB962C8B-B14F-4D97-AF65-F5344CB8AC3E}">
+        <p14:creationId xmlns:p14="http://schemas.microsoft.com/office/powerpoint/2010/main" val="666236070"/>
+      </p:ext>
+    </p:extLst>
+  </p:cSld>
+  <p:clrMapOvr>
+    <a:masterClrMapping/>
+  </p:clrMapOvr>
+  <p:timing>
+    <p:tnLst>
+      <p:par>
+        <p:cTn id="1" dur="indefinite" restart="never" nodeType="tmRoot"/>
+      </p:par>
+    </p:tnLst>
+  </p:timing>
+</p:sld>
+</file>
+
+<file path=ppt/slides/slide36.xml><?xml version="1.0" encoding="utf-8"?>
+<p:sld xmlns:a="http://schemas.openxmlformats.org/drawingml/2006/main" xmlns:r="http://schemas.openxmlformats.org/officeDocument/2006/relationships" xmlns:p="http://schemas.openxmlformats.org/presentationml/2006/main">
+  <p:cSld>
+    <p:spTree>
+      <p:nvGrpSpPr>
+        <p:cNvPr id="1" name=""/>
+        <p:cNvGrpSpPr/>
+        <p:nvPr/>
+      </p:nvGrpSpPr>
+      <p:grpSpPr>
+        <a:xfrm>
+          <a:off x="0" y="0"/>
+          <a:ext cx="0" cy="0"/>
+          <a:chOff x="0" y="0"/>
+          <a:chExt cx="0" cy="0"/>
+        </a:xfrm>
+      </p:grpSpPr>
+      <p:sp>
+        <p:nvSpPr>
+          <p:cNvPr id="2" name="제목 1"/>
+          <p:cNvSpPr>
+            <a:spLocks noGrp="1"/>
+          </p:cNvSpPr>
+          <p:nvPr>
+            <p:ph type="title"/>
+          </p:nvPr>
+        </p:nvSpPr>
+        <p:spPr/>
+        <p:txBody>
+          <a:bodyPr/>
+          <a:lstStyle/>
+          <a:p>
+            <a:r>
+              <a:rPr lang="en-US" altLang="ko-KR" dirty="0" smtClean="0"/>
+              <a:t> </a:t>
+            </a:r>
+            <a:r>
+              <a:rPr lang="ko-KR" altLang="en-US" dirty="0" err="1" smtClean="0"/>
+              <a:t>로또</a:t>
+            </a:r>
+            <a:r>
+              <a:rPr lang="ko-KR" altLang="en-US" dirty="0" smtClean="0"/>
+              <a:t> 당첨 번호 확인 </a:t>
+            </a:r>
+            <a:r>
+              <a:rPr lang="ko-KR" altLang="en-US" dirty="0" err="1" smtClean="0"/>
+              <a:t>앱</a:t>
+            </a:r>
+            <a:endParaRPr lang="ko-KR" altLang="en-US" dirty="0"/>
+          </a:p>
+        </p:txBody>
+      </p:sp>
+      <p:sp>
+        <p:nvSpPr>
+          <p:cNvPr id="4" name="슬라이드 번호 개체 틀 3"/>
+          <p:cNvSpPr>
+            <a:spLocks noGrp="1"/>
+          </p:cNvSpPr>
+          <p:nvPr>
+            <p:ph type="sldNum" sz="quarter" idx="12"/>
+          </p:nvPr>
+        </p:nvSpPr>
+        <p:spPr/>
+        <p:txBody>
+          <a:bodyPr/>
+          <a:lstStyle/>
+          <a:p>
+            <a:fld id="{1BDE3FE7-3AEA-4B05-AC5A-802D1816ACF0}" type="slidenum">
+              <a:rPr lang="ko-KR" altLang="en-US" smtClean="0"/>
+              <a:t>36</a:t>
+            </a:fld>
+            <a:endParaRPr lang="ko-KR" altLang="en-US"/>
+          </a:p>
+        </p:txBody>
+      </p:sp>
+      <p:sp>
+        <p:nvSpPr>
+          <p:cNvPr id="7" name="TextBox 6"/>
+          <p:cNvSpPr txBox="1"/>
+          <p:nvPr/>
+        </p:nvSpPr>
+        <p:spPr>
+          <a:xfrm>
+            <a:off x="848544" y="1320733"/>
+            <a:ext cx="6673120" cy="400110"/>
+          </a:xfrm>
+          <a:prstGeom prst="rect">
+            <a:avLst/>
+          </a:prstGeom>
+          <a:noFill/>
+        </p:spPr>
+        <p:txBody>
+          <a:bodyPr wrap="square" rtlCol="0">
+            <a:spAutoFit/>
+          </a:bodyPr>
+          <a:lstStyle/>
+          <a:p>
+            <a:pPr marL="285750" indent="-285750">
+              <a:buFont typeface="Wingdings" panose="05000000000000000000" pitchFamily="2" charset="2"/>
+              <a:buChar char="Ø"/>
+            </a:pPr>
+            <a:r>
+              <a:rPr lang="ko-KR" altLang="en-US" sz="2000" dirty="0" smtClean="0"/>
+              <a:t>당첨 </a:t>
+            </a:r>
+            <a:r>
+              <a:rPr lang="ko-KR" altLang="en-US" sz="2000" dirty="0" err="1" smtClean="0"/>
+              <a:t>회차를</a:t>
+            </a:r>
+            <a:r>
+              <a:rPr lang="ko-KR" altLang="en-US" sz="2000" dirty="0" smtClean="0"/>
+              <a:t> 입력하면 당첨번호와 보너스 번호 출력</a:t>
+            </a:r>
+            <a:endParaRPr lang="ko-KR" altLang="en-US" sz="2000" dirty="0"/>
+          </a:p>
+        </p:txBody>
+      </p:sp>
+      <p:pic>
+        <p:nvPicPr>
+          <p:cNvPr id="9" name="그림 8"/>
+          <p:cNvPicPr>
+            <a:picLocks noChangeAspect="1"/>
+          </p:cNvPicPr>
+          <p:nvPr/>
+        </p:nvPicPr>
+        <p:blipFill>
+          <a:blip r:embed="rId2">
+            <a:extLst>
+              <a:ext uri="{28A0092B-C50C-407E-A947-70E740481C1C}">
+                <a14:useLocalDpi xmlns:a14="http://schemas.microsoft.com/office/drawing/2010/main" val="0"/>
+              </a:ext>
+            </a:extLst>
+          </a:blip>
+          <a:stretch>
+            <a:fillRect/>
+          </a:stretch>
+        </p:blipFill>
+        <p:spPr>
+          <a:xfrm>
+            <a:off x="1136576" y="1988840"/>
+            <a:ext cx="7396726" cy="3674541"/>
+          </a:xfrm>
+          <a:prstGeom prst="rect">
+            <a:avLst/>
+          </a:prstGeom>
+          <a:ln>
+            <a:solidFill>
+              <a:schemeClr val="bg1">
+                <a:lumMod val="85000"/>
+              </a:schemeClr>
+            </a:solidFill>
+          </a:ln>
+        </p:spPr>
+      </p:pic>
+    </p:spTree>
+    <p:extLst>
+      <p:ext uri="{BB962C8B-B14F-4D97-AF65-F5344CB8AC3E}">
+        <p14:creationId xmlns:p14="http://schemas.microsoft.com/office/powerpoint/2010/main" val="2902796832"/>
+      </p:ext>
+    </p:extLst>
+  </p:cSld>
+  <p:clrMapOvr>
+    <a:masterClrMapping/>
+  </p:clrMapOvr>
+  <p:timing>
+    <p:tnLst>
+      <p:par>
+        <p:cTn id="1" dur="indefinite" restart="never" nodeType="tmRoot"/>
+      </p:par>
+    </p:tnLst>
+  </p:timing>
+</p:sld>
+</file>
+
+<file path=ppt/slides/slide37.xml><?xml version="1.0" encoding="utf-8"?>
+<p:sld xmlns:a="http://schemas.openxmlformats.org/drawingml/2006/main" xmlns:r="http://schemas.openxmlformats.org/officeDocument/2006/relationships" xmlns:p="http://schemas.openxmlformats.org/presentationml/2006/main">
+  <p:cSld>
+    <p:spTree>
+      <p:nvGrpSpPr>
+        <p:cNvPr id="1" name=""/>
+        <p:cNvGrpSpPr/>
+        <p:nvPr/>
+      </p:nvGrpSpPr>
+      <p:grpSpPr>
+        <a:xfrm>
+          <a:off x="0" y="0"/>
+          <a:ext cx="0" cy="0"/>
+          <a:chOff x="0" y="0"/>
+          <a:chExt cx="0" cy="0"/>
+        </a:xfrm>
+      </p:grpSpPr>
+      <p:sp>
+        <p:nvSpPr>
+          <p:cNvPr id="2" name="제목 1"/>
+          <p:cNvSpPr>
+            <a:spLocks noGrp="1"/>
+          </p:cNvSpPr>
+          <p:nvPr>
+            <p:ph type="title"/>
+          </p:nvPr>
+        </p:nvSpPr>
+        <p:spPr/>
+        <p:txBody>
+          <a:bodyPr/>
+          <a:lstStyle/>
+          <a:p>
+            <a:r>
+              <a:rPr lang="en-US" altLang="ko-KR" dirty="0" smtClean="0"/>
+              <a:t> </a:t>
+            </a:r>
+            <a:r>
+              <a:rPr lang="ko-KR" altLang="en-US" dirty="0" err="1" smtClean="0"/>
+              <a:t>로또</a:t>
+            </a:r>
+            <a:r>
+              <a:rPr lang="ko-KR" altLang="en-US" dirty="0" smtClean="0"/>
+              <a:t> 당첨 번호 확인 </a:t>
+            </a:r>
+            <a:r>
+              <a:rPr lang="ko-KR" altLang="en-US" dirty="0" err="1" smtClean="0"/>
+              <a:t>앱</a:t>
+            </a:r>
+            <a:endParaRPr lang="ko-KR" altLang="en-US" dirty="0"/>
+          </a:p>
+        </p:txBody>
+      </p:sp>
+      <p:sp>
+        <p:nvSpPr>
+          <p:cNvPr id="4" name="슬라이드 번호 개체 틀 3"/>
+          <p:cNvSpPr>
+            <a:spLocks noGrp="1"/>
+          </p:cNvSpPr>
+          <p:nvPr>
+            <p:ph type="sldNum" sz="quarter" idx="12"/>
+          </p:nvPr>
+        </p:nvSpPr>
+        <p:spPr/>
+        <p:txBody>
+          <a:bodyPr/>
+          <a:lstStyle/>
+          <a:p>
+            <a:fld id="{1BDE3FE7-3AEA-4B05-AC5A-802D1816ACF0}" type="slidenum">
+              <a:rPr lang="ko-KR" altLang="en-US" smtClean="0"/>
+              <a:t>37</a:t>
+            </a:fld>
+            <a:endParaRPr lang="ko-KR" altLang="en-US"/>
+          </a:p>
+        </p:txBody>
+      </p:sp>
+      <p:sp>
+        <p:nvSpPr>
+          <p:cNvPr id="7" name="TextBox 6"/>
+          <p:cNvSpPr txBox="1"/>
+          <p:nvPr/>
+        </p:nvSpPr>
+        <p:spPr>
+          <a:xfrm>
+            <a:off x="848544" y="1320733"/>
+            <a:ext cx="6673120" cy="400110"/>
+          </a:xfrm>
+          <a:prstGeom prst="rect">
+            <a:avLst/>
+          </a:prstGeom>
+          <a:noFill/>
+        </p:spPr>
+        <p:txBody>
+          <a:bodyPr wrap="square" rtlCol="0">
+            <a:spAutoFit/>
+          </a:bodyPr>
+          <a:lstStyle/>
+          <a:p>
+            <a:pPr marL="285750" indent="-285750">
+              <a:buFont typeface="Wingdings" panose="05000000000000000000" pitchFamily="2" charset="2"/>
+              <a:buChar char="Ø"/>
+            </a:pPr>
+            <a:r>
+              <a:rPr lang="ko-KR" altLang="en-US" sz="2000" dirty="0" smtClean="0"/>
+              <a:t>당첨 번호 확인 윈도우</a:t>
+            </a:r>
+            <a:endParaRPr lang="ko-KR" altLang="en-US" sz="2000" dirty="0"/>
           </a:p>
         </p:txBody>
       </p:sp>
@@ -10710,8 +12527,161 @@
         </p:blipFill>
         <p:spPr>
           <a:xfrm>
-            <a:off x="920552" y="1556792"/>
-            <a:ext cx="8436071" cy="3810330"/>
+            <a:off x="1352600" y="2060848"/>
+            <a:ext cx="4200046" cy="2049475"/>
+          </a:xfrm>
+          <a:prstGeom prst="rect">
+            <a:avLst/>
+          </a:prstGeom>
+        </p:spPr>
+      </p:pic>
+    </p:spTree>
+    <p:extLst>
+      <p:ext uri="{BB962C8B-B14F-4D97-AF65-F5344CB8AC3E}">
+        <p14:creationId xmlns:p14="http://schemas.microsoft.com/office/powerpoint/2010/main" val="98690180"/>
+      </p:ext>
+    </p:extLst>
+  </p:cSld>
+  <p:clrMapOvr>
+    <a:masterClrMapping/>
+  </p:clrMapOvr>
+  <p:timing>
+    <p:tnLst>
+      <p:par>
+        <p:cTn id="1" dur="indefinite" restart="never" nodeType="tmRoot"/>
+      </p:par>
+    </p:tnLst>
+  </p:timing>
+</p:sld>
+</file>
+
+<file path=ppt/slides/slide38.xml><?xml version="1.0" encoding="utf-8"?>
+<p:sld xmlns:a="http://schemas.openxmlformats.org/drawingml/2006/main" xmlns:r="http://schemas.openxmlformats.org/officeDocument/2006/relationships" xmlns:p="http://schemas.openxmlformats.org/presentationml/2006/main">
+  <p:cSld>
+    <p:spTree>
+      <p:nvGrpSpPr>
+        <p:cNvPr id="1" name=""/>
+        <p:cNvGrpSpPr/>
+        <p:nvPr/>
+      </p:nvGrpSpPr>
+      <p:grpSpPr>
+        <a:xfrm>
+          <a:off x="0" y="0"/>
+          <a:ext cx="0" cy="0"/>
+          <a:chOff x="0" y="0"/>
+          <a:chExt cx="0" cy="0"/>
+        </a:xfrm>
+      </p:grpSpPr>
+      <p:sp>
+        <p:nvSpPr>
+          <p:cNvPr id="2" name="제목 1"/>
+          <p:cNvSpPr>
+            <a:spLocks noGrp="1"/>
+          </p:cNvSpPr>
+          <p:nvPr>
+            <p:ph type="title"/>
+          </p:nvPr>
+        </p:nvSpPr>
+        <p:spPr/>
+        <p:txBody>
+          <a:bodyPr/>
+          <a:lstStyle/>
+          <a:p>
+            <a:r>
+              <a:rPr lang="en-US" altLang="ko-KR" dirty="0" smtClean="0"/>
+              <a:t> </a:t>
+            </a:r>
+            <a:r>
+              <a:rPr lang="ko-KR" altLang="en-US" dirty="0" err="1" smtClean="0"/>
+              <a:t>로또</a:t>
+            </a:r>
+            <a:r>
+              <a:rPr lang="ko-KR" altLang="en-US" dirty="0" smtClean="0"/>
+              <a:t> 당첨 번호 확인 </a:t>
+            </a:r>
+            <a:r>
+              <a:rPr lang="ko-KR" altLang="en-US" dirty="0" err="1" smtClean="0"/>
+              <a:t>앱</a:t>
+            </a:r>
+            <a:endParaRPr lang="ko-KR" altLang="en-US" dirty="0"/>
+          </a:p>
+        </p:txBody>
+      </p:sp>
+      <p:sp>
+        <p:nvSpPr>
+          <p:cNvPr id="4" name="슬라이드 번호 개체 틀 3"/>
+          <p:cNvSpPr>
+            <a:spLocks noGrp="1"/>
+          </p:cNvSpPr>
+          <p:nvPr>
+            <p:ph type="sldNum" sz="quarter" idx="12"/>
+          </p:nvPr>
+        </p:nvSpPr>
+        <p:spPr/>
+        <p:txBody>
+          <a:bodyPr/>
+          <a:lstStyle/>
+          <a:p>
+            <a:fld id="{1BDE3FE7-3AEA-4B05-AC5A-802D1816ACF0}" type="slidenum">
+              <a:rPr lang="ko-KR" altLang="en-US" smtClean="0"/>
+              <a:t>38</a:t>
+            </a:fld>
+            <a:endParaRPr lang="ko-KR" altLang="en-US"/>
+          </a:p>
+        </p:txBody>
+      </p:sp>
+      <p:pic>
+        <p:nvPicPr>
+          <p:cNvPr id="6" name="그림 5"/>
+          <p:cNvPicPr>
+            <a:picLocks noChangeAspect="1"/>
+          </p:cNvPicPr>
+          <p:nvPr/>
+        </p:nvPicPr>
+        <p:blipFill rotWithShape="1">
+          <a:blip r:embed="rId2">
+            <a:extLst>
+              <a:ext uri="{28A0092B-C50C-407E-A947-70E740481C1C}">
+                <a14:useLocalDpi xmlns:a14="http://schemas.microsoft.com/office/drawing/2010/main" val="0"/>
+              </a:ext>
+            </a:extLst>
+          </a:blip>
+          <a:srcRect r="20094"/>
+          <a:stretch/>
+        </p:blipFill>
+        <p:spPr>
+          <a:xfrm>
+            <a:off x="1064568" y="1052736"/>
+            <a:ext cx="7416824" cy="2819644"/>
+          </a:xfrm>
+          <a:prstGeom prst="rect">
+            <a:avLst/>
+          </a:prstGeom>
+        </p:spPr>
+      </p:pic>
+      <p:pic>
+        <p:nvPicPr>
+          <p:cNvPr id="7" name="그림 6"/>
+          <p:cNvPicPr>
+            <a:picLocks noChangeAspect="1"/>
+          </p:cNvPicPr>
+          <p:nvPr/>
+        </p:nvPicPr>
+        <p:blipFill rotWithShape="1">
+          <a:blip r:embed="rId3">
+            <a:extLst>
+              <a:ext uri="{28A0092B-C50C-407E-A947-70E740481C1C}">
+                <a14:useLocalDpi xmlns:a14="http://schemas.microsoft.com/office/drawing/2010/main" val="0"/>
+              </a:ext>
+            </a:extLst>
+          </a:blip>
+          <a:srcRect b="22281"/>
+          <a:stretch/>
+        </p:blipFill>
+        <p:spPr>
+          <a:xfrm>
+            <a:off x="2288704" y="3933892"/>
+            <a:ext cx="4288563" cy="2524374"/>
           </a:xfrm>
           <a:prstGeom prst="rect">
             <a:avLst/>
@@ -10728,7 +12698,176 @@
     </p:spTree>
     <p:extLst>
       <p:ext uri="{BB962C8B-B14F-4D97-AF65-F5344CB8AC3E}">
-        <p14:creationId xmlns:p14="http://schemas.microsoft.com/office/powerpoint/2010/main" val="3369510661"/>
+        <p14:creationId xmlns:p14="http://schemas.microsoft.com/office/powerpoint/2010/main" val="2087334653"/>
+      </p:ext>
+    </p:extLst>
+  </p:cSld>
+  <p:clrMapOvr>
+    <a:masterClrMapping/>
+  </p:clrMapOvr>
+  <p:timing>
+    <p:tnLst>
+      <p:par>
+        <p:cTn id="1" dur="indefinite" restart="never" nodeType="tmRoot"/>
+      </p:par>
+    </p:tnLst>
+  </p:timing>
+</p:sld>
+</file>
+
+<file path=ppt/slides/slide39.xml><?xml version="1.0" encoding="utf-8"?>
+<p:sld xmlns:a="http://schemas.openxmlformats.org/drawingml/2006/main" xmlns:r="http://schemas.openxmlformats.org/officeDocument/2006/relationships" xmlns:p="http://schemas.openxmlformats.org/presentationml/2006/main">
+  <p:cSld>
+    <p:spTree>
+      <p:nvGrpSpPr>
+        <p:cNvPr id="1" name=""/>
+        <p:cNvGrpSpPr/>
+        <p:nvPr/>
+      </p:nvGrpSpPr>
+      <p:grpSpPr>
+        <a:xfrm>
+          <a:off x="0" y="0"/>
+          <a:ext cx="0" cy="0"/>
+          <a:chOff x="0" y="0"/>
+          <a:chExt cx="0" cy="0"/>
+        </a:xfrm>
+      </p:grpSpPr>
+      <p:sp>
+        <p:nvSpPr>
+          <p:cNvPr id="2" name="제목 1"/>
+          <p:cNvSpPr>
+            <a:spLocks noGrp="1"/>
+          </p:cNvSpPr>
+          <p:nvPr>
+            <p:ph type="title"/>
+          </p:nvPr>
+        </p:nvSpPr>
+        <p:spPr/>
+        <p:txBody>
+          <a:bodyPr/>
+          <a:lstStyle/>
+          <a:p>
+            <a:r>
+              <a:rPr lang="en-US" altLang="ko-KR" dirty="0" smtClean="0"/>
+              <a:t> </a:t>
+            </a:r>
+            <a:r>
+              <a:rPr lang="ko-KR" altLang="en-US" dirty="0" err="1" smtClean="0"/>
+              <a:t>로또</a:t>
+            </a:r>
+            <a:r>
+              <a:rPr lang="ko-KR" altLang="en-US" dirty="0" smtClean="0"/>
+              <a:t> 당첨 번호 확인 </a:t>
+            </a:r>
+            <a:r>
+              <a:rPr lang="ko-KR" altLang="en-US" dirty="0" err="1" smtClean="0"/>
+              <a:t>앱</a:t>
+            </a:r>
+            <a:endParaRPr lang="ko-KR" altLang="en-US" dirty="0"/>
+          </a:p>
+        </p:txBody>
+      </p:sp>
+      <p:sp>
+        <p:nvSpPr>
+          <p:cNvPr id="4" name="슬라이드 번호 개체 틀 3"/>
+          <p:cNvSpPr>
+            <a:spLocks noGrp="1"/>
+          </p:cNvSpPr>
+          <p:nvPr>
+            <p:ph type="sldNum" sz="quarter" idx="12"/>
+          </p:nvPr>
+        </p:nvSpPr>
+        <p:spPr/>
+        <p:txBody>
+          <a:bodyPr/>
+          <a:lstStyle/>
+          <a:p>
+            <a:fld id="{1BDE3FE7-3AEA-4B05-AC5A-802D1816ACF0}" type="slidenum">
+              <a:rPr lang="ko-KR" altLang="en-US" smtClean="0"/>
+              <a:t>39</a:t>
+            </a:fld>
+            <a:endParaRPr lang="ko-KR" altLang="en-US"/>
+          </a:p>
+        </p:txBody>
+      </p:sp>
+      <p:pic>
+        <p:nvPicPr>
+          <p:cNvPr id="7" name="그림 6"/>
+          <p:cNvPicPr>
+            <a:picLocks noChangeAspect="1"/>
+          </p:cNvPicPr>
+          <p:nvPr/>
+        </p:nvPicPr>
+        <p:blipFill>
+          <a:blip r:embed="rId2">
+            <a:extLst>
+              <a:ext uri="{28A0092B-C50C-407E-A947-70E740481C1C}">
+                <a14:useLocalDpi xmlns:a14="http://schemas.microsoft.com/office/drawing/2010/main" val="0"/>
+              </a:ext>
+            </a:extLst>
+          </a:blip>
+          <a:stretch>
+            <a:fillRect/>
+          </a:stretch>
+        </p:blipFill>
+        <p:spPr>
+          <a:xfrm>
+            <a:off x="920552" y="1556792"/>
+            <a:ext cx="5342083" cy="1447925"/>
+          </a:xfrm>
+          <a:prstGeom prst="rect">
+            <a:avLst/>
+          </a:prstGeom>
+          <a:ln>
+            <a:solidFill>
+              <a:schemeClr val="bg1">
+                <a:lumMod val="85000"/>
+              </a:schemeClr>
+            </a:solidFill>
+          </a:ln>
+        </p:spPr>
+      </p:pic>
+      <p:pic>
+        <p:nvPicPr>
+          <p:cNvPr id="3" name="그림 2"/>
+          <p:cNvPicPr>
+            <a:picLocks noChangeAspect="1"/>
+          </p:cNvPicPr>
+          <p:nvPr/>
+        </p:nvPicPr>
+        <p:blipFill>
+          <a:blip r:embed="rId3">
+            <a:extLst>
+              <a:ext uri="{28A0092B-C50C-407E-A947-70E740481C1C}">
+                <a14:useLocalDpi xmlns:a14="http://schemas.microsoft.com/office/drawing/2010/main" val="0"/>
+              </a:ext>
+            </a:extLst>
+          </a:blip>
+          <a:stretch>
+            <a:fillRect/>
+          </a:stretch>
+        </p:blipFill>
+        <p:spPr>
+          <a:xfrm>
+            <a:off x="5014644" y="2492896"/>
+            <a:ext cx="4117422" cy="3816424"/>
+          </a:xfrm>
+          <a:prstGeom prst="rect">
+            <a:avLst/>
+          </a:prstGeom>
+          <a:ln>
+            <a:solidFill>
+              <a:schemeClr val="bg1">
+                <a:lumMod val="85000"/>
+              </a:schemeClr>
+            </a:solidFill>
+          </a:ln>
+        </p:spPr>
+      </p:pic>
+    </p:spTree>
+    <p:extLst>
+      <p:ext uri="{BB962C8B-B14F-4D97-AF65-F5344CB8AC3E}">
+        <p14:creationId xmlns:p14="http://schemas.microsoft.com/office/powerpoint/2010/main" val="2255102920"/>
       </p:ext>
     </p:extLst>
   </p:cSld>
@@ -11570,6 +13709,974 @@
       <p:bldP spid="11" grpId="0" animBg="1"/>
       <p:bldP spid="12" grpId="0" animBg="1"/>
     </p:bldLst>
+  </p:timing>
+</p:sld>
+</file>
+
+<file path=ppt/slides/slide40.xml><?xml version="1.0" encoding="utf-8"?>
+<p:sld xmlns:a="http://schemas.openxmlformats.org/drawingml/2006/main" xmlns:r="http://schemas.openxmlformats.org/officeDocument/2006/relationships" xmlns:p="http://schemas.openxmlformats.org/presentationml/2006/main">
+  <p:cSld>
+    <p:spTree>
+      <p:nvGrpSpPr>
+        <p:cNvPr id="1" name=""/>
+        <p:cNvGrpSpPr/>
+        <p:nvPr/>
+      </p:nvGrpSpPr>
+      <p:grpSpPr>
+        <a:xfrm>
+          <a:off x="0" y="0"/>
+          <a:ext cx="0" cy="0"/>
+          <a:chOff x="0" y="0"/>
+          <a:chExt cx="0" cy="0"/>
+        </a:xfrm>
+      </p:grpSpPr>
+      <p:sp>
+        <p:nvSpPr>
+          <p:cNvPr id="2" name="제목 1"/>
+          <p:cNvSpPr>
+            <a:spLocks noGrp="1"/>
+          </p:cNvSpPr>
+          <p:nvPr>
+            <p:ph type="title"/>
+          </p:nvPr>
+        </p:nvSpPr>
+        <p:spPr/>
+        <p:txBody>
+          <a:bodyPr/>
+          <a:lstStyle/>
+          <a:p>
+            <a:r>
+              <a:rPr lang="en-US" altLang="ko-KR" dirty="0" smtClean="0"/>
+              <a:t> </a:t>
+            </a:r>
+            <a:r>
+              <a:rPr lang="ko-KR" altLang="en-US" dirty="0" err="1" smtClean="0"/>
+              <a:t>로또</a:t>
+            </a:r>
+            <a:r>
+              <a:rPr lang="ko-KR" altLang="en-US" dirty="0" smtClean="0"/>
+              <a:t> 당첨 번호 확인 </a:t>
+            </a:r>
+            <a:r>
+              <a:rPr lang="ko-KR" altLang="en-US" dirty="0" err="1" smtClean="0"/>
+              <a:t>앱</a:t>
+            </a:r>
+            <a:endParaRPr lang="ko-KR" altLang="en-US" dirty="0"/>
+          </a:p>
+        </p:txBody>
+      </p:sp>
+      <p:sp>
+        <p:nvSpPr>
+          <p:cNvPr id="4" name="슬라이드 번호 개체 틀 3"/>
+          <p:cNvSpPr>
+            <a:spLocks noGrp="1"/>
+          </p:cNvSpPr>
+          <p:nvPr>
+            <p:ph type="sldNum" sz="quarter" idx="12"/>
+          </p:nvPr>
+        </p:nvSpPr>
+        <p:spPr/>
+        <p:txBody>
+          <a:bodyPr/>
+          <a:lstStyle/>
+          <a:p>
+            <a:fld id="{1BDE3FE7-3AEA-4B05-AC5A-802D1816ACF0}" type="slidenum">
+              <a:rPr lang="ko-KR" altLang="en-US" smtClean="0"/>
+              <a:t>40</a:t>
+            </a:fld>
+            <a:endParaRPr lang="ko-KR" altLang="en-US"/>
+          </a:p>
+        </p:txBody>
+      </p:sp>
+      <p:pic>
+        <p:nvPicPr>
+          <p:cNvPr id="5" name="그림 4"/>
+          <p:cNvPicPr>
+            <a:picLocks noChangeAspect="1"/>
+          </p:cNvPicPr>
+          <p:nvPr/>
+        </p:nvPicPr>
+        <p:blipFill>
+          <a:blip r:embed="rId2">
+            <a:extLst>
+              <a:ext uri="{28A0092B-C50C-407E-A947-70E740481C1C}">
+                <a14:useLocalDpi xmlns:a14="http://schemas.microsoft.com/office/drawing/2010/main" val="0"/>
+              </a:ext>
+            </a:extLst>
+          </a:blip>
+          <a:stretch>
+            <a:fillRect/>
+          </a:stretch>
+        </p:blipFill>
+        <p:spPr>
+          <a:xfrm>
+            <a:off x="1726393" y="1700808"/>
+            <a:ext cx="5075360" cy="2911092"/>
+          </a:xfrm>
+          <a:prstGeom prst="rect">
+            <a:avLst/>
+          </a:prstGeom>
+          <a:ln>
+            <a:solidFill>
+              <a:schemeClr val="bg1">
+                <a:lumMod val="85000"/>
+              </a:schemeClr>
+            </a:solidFill>
+          </a:ln>
+        </p:spPr>
+      </p:pic>
+    </p:spTree>
+    <p:extLst>
+      <p:ext uri="{BB962C8B-B14F-4D97-AF65-F5344CB8AC3E}">
+        <p14:creationId xmlns:p14="http://schemas.microsoft.com/office/powerpoint/2010/main" val="2436433059"/>
+      </p:ext>
+    </p:extLst>
+  </p:cSld>
+  <p:clrMapOvr>
+    <a:masterClrMapping/>
+  </p:clrMapOvr>
+  <p:timing>
+    <p:tnLst>
+      <p:par>
+        <p:cTn id="1" dur="indefinite" restart="never" nodeType="tmRoot"/>
+      </p:par>
+    </p:tnLst>
+  </p:timing>
+</p:sld>
+</file>
+
+<file path=ppt/slides/slide41.xml><?xml version="1.0" encoding="utf-8"?>
+<p:sld xmlns:a="http://schemas.openxmlformats.org/drawingml/2006/main" xmlns:r="http://schemas.openxmlformats.org/officeDocument/2006/relationships" xmlns:p="http://schemas.openxmlformats.org/presentationml/2006/main">
+  <p:cSld>
+    <p:spTree>
+      <p:nvGrpSpPr>
+        <p:cNvPr id="1" name=""/>
+        <p:cNvGrpSpPr/>
+        <p:nvPr/>
+      </p:nvGrpSpPr>
+      <p:grpSpPr>
+        <a:xfrm>
+          <a:off x="0" y="0"/>
+          <a:ext cx="0" cy="0"/>
+          <a:chOff x="0" y="0"/>
+          <a:chExt cx="0" cy="0"/>
+        </a:xfrm>
+      </p:grpSpPr>
+      <p:sp>
+        <p:nvSpPr>
+          <p:cNvPr id="2" name="제목 1"/>
+          <p:cNvSpPr>
+            <a:spLocks noGrp="1"/>
+          </p:cNvSpPr>
+          <p:nvPr>
+            <p:ph type="title"/>
+          </p:nvPr>
+        </p:nvSpPr>
+        <p:spPr/>
+        <p:txBody>
+          <a:bodyPr/>
+          <a:lstStyle/>
+          <a:p>
+            <a:r>
+              <a:rPr lang="en-US" altLang="ko-KR" dirty="0" smtClean="0"/>
+              <a:t> </a:t>
+            </a:r>
+            <a:r>
+              <a:rPr lang="ko-KR" altLang="en-US" dirty="0" err="1" smtClean="0"/>
+              <a:t>로또</a:t>
+            </a:r>
+            <a:r>
+              <a:rPr lang="ko-KR" altLang="en-US" dirty="0" smtClean="0"/>
+              <a:t> 당첨 번호 확인 </a:t>
+            </a:r>
+            <a:r>
+              <a:rPr lang="ko-KR" altLang="en-US" dirty="0" err="1" smtClean="0"/>
+              <a:t>앱</a:t>
+            </a:r>
+            <a:endParaRPr lang="ko-KR" altLang="en-US" dirty="0"/>
+          </a:p>
+        </p:txBody>
+      </p:sp>
+      <p:sp>
+        <p:nvSpPr>
+          <p:cNvPr id="4" name="슬라이드 번호 개체 틀 3"/>
+          <p:cNvSpPr>
+            <a:spLocks noGrp="1"/>
+          </p:cNvSpPr>
+          <p:nvPr>
+            <p:ph type="sldNum" sz="quarter" idx="12"/>
+          </p:nvPr>
+        </p:nvSpPr>
+        <p:spPr/>
+        <p:txBody>
+          <a:bodyPr/>
+          <a:lstStyle/>
+          <a:p>
+            <a:fld id="{1BDE3FE7-3AEA-4B05-AC5A-802D1816ACF0}" type="slidenum">
+              <a:rPr lang="ko-KR" altLang="en-US" smtClean="0"/>
+              <a:t>41</a:t>
+            </a:fld>
+            <a:endParaRPr lang="ko-KR" altLang="en-US"/>
+          </a:p>
+        </p:txBody>
+      </p:sp>
+      <p:pic>
+        <p:nvPicPr>
+          <p:cNvPr id="5" name="그림 4"/>
+          <p:cNvPicPr>
+            <a:picLocks noChangeAspect="1"/>
+          </p:cNvPicPr>
+          <p:nvPr/>
+        </p:nvPicPr>
+        <p:blipFill>
+          <a:blip r:embed="rId2">
+            <a:extLst>
+              <a:ext uri="{28A0092B-C50C-407E-A947-70E740481C1C}">
+                <a14:useLocalDpi xmlns:a14="http://schemas.microsoft.com/office/drawing/2010/main" val="0"/>
+              </a:ext>
+            </a:extLst>
+          </a:blip>
+          <a:stretch>
+            <a:fillRect/>
+          </a:stretch>
+        </p:blipFill>
+        <p:spPr>
+          <a:xfrm>
+            <a:off x="1208584" y="1412776"/>
+            <a:ext cx="7224386" cy="4701947"/>
+          </a:xfrm>
+          <a:prstGeom prst="rect">
+            <a:avLst/>
+          </a:prstGeom>
+          <a:ln>
+            <a:solidFill>
+              <a:schemeClr val="bg1">
+                <a:lumMod val="85000"/>
+              </a:schemeClr>
+            </a:solidFill>
+          </a:ln>
+        </p:spPr>
+      </p:pic>
+    </p:spTree>
+    <p:extLst>
+      <p:ext uri="{BB962C8B-B14F-4D97-AF65-F5344CB8AC3E}">
+        <p14:creationId xmlns:p14="http://schemas.microsoft.com/office/powerpoint/2010/main" val="118802283"/>
+      </p:ext>
+    </p:extLst>
+  </p:cSld>
+  <p:clrMapOvr>
+    <a:masterClrMapping/>
+  </p:clrMapOvr>
+  <p:timing>
+    <p:tnLst>
+      <p:par>
+        <p:cTn id="1" dur="indefinite" restart="never" nodeType="tmRoot"/>
+      </p:par>
+    </p:tnLst>
+  </p:timing>
+</p:sld>
+</file>
+
+<file path=ppt/slides/slide42.xml><?xml version="1.0" encoding="utf-8"?>
+<p:sld xmlns:a="http://schemas.openxmlformats.org/drawingml/2006/main" xmlns:r="http://schemas.openxmlformats.org/officeDocument/2006/relationships" xmlns:p="http://schemas.openxmlformats.org/presentationml/2006/main">
+  <p:cSld>
+    <p:spTree>
+      <p:nvGrpSpPr>
+        <p:cNvPr id="1" name=""/>
+        <p:cNvGrpSpPr/>
+        <p:nvPr/>
+      </p:nvGrpSpPr>
+      <p:grpSpPr>
+        <a:xfrm>
+          <a:off x="0" y="0"/>
+          <a:ext cx="0" cy="0"/>
+          <a:chOff x="0" y="0"/>
+          <a:chExt cx="0" cy="0"/>
+        </a:xfrm>
+      </p:grpSpPr>
+      <p:sp>
+        <p:nvSpPr>
+          <p:cNvPr id="2" name="제목 1"/>
+          <p:cNvSpPr>
+            <a:spLocks noGrp="1"/>
+          </p:cNvSpPr>
+          <p:nvPr>
+            <p:ph type="title"/>
+          </p:nvPr>
+        </p:nvSpPr>
+        <p:spPr/>
+        <p:txBody>
+          <a:bodyPr/>
+          <a:lstStyle/>
+          <a:p>
+            <a:r>
+              <a:rPr lang="en-US" altLang="ko-KR" dirty="0" smtClean="0"/>
+              <a:t> </a:t>
+            </a:r>
+            <a:r>
+              <a:rPr lang="ko-KR" altLang="en-US" dirty="0" err="1" smtClean="0"/>
+              <a:t>로또</a:t>
+            </a:r>
+            <a:r>
+              <a:rPr lang="ko-KR" altLang="en-US" dirty="0" smtClean="0"/>
+              <a:t> 당첨 번호 확인 </a:t>
+            </a:r>
+            <a:r>
+              <a:rPr lang="ko-KR" altLang="en-US" dirty="0" err="1" smtClean="0"/>
+              <a:t>앱</a:t>
+            </a:r>
+            <a:endParaRPr lang="ko-KR" altLang="en-US" dirty="0"/>
+          </a:p>
+        </p:txBody>
+      </p:sp>
+      <p:sp>
+        <p:nvSpPr>
+          <p:cNvPr id="4" name="슬라이드 번호 개체 틀 3"/>
+          <p:cNvSpPr>
+            <a:spLocks noGrp="1"/>
+          </p:cNvSpPr>
+          <p:nvPr>
+            <p:ph type="sldNum" sz="quarter" idx="12"/>
+          </p:nvPr>
+        </p:nvSpPr>
+        <p:spPr/>
+        <p:txBody>
+          <a:bodyPr/>
+          <a:lstStyle/>
+          <a:p>
+            <a:fld id="{1BDE3FE7-3AEA-4B05-AC5A-802D1816ACF0}" type="slidenum">
+              <a:rPr lang="ko-KR" altLang="en-US" smtClean="0"/>
+              <a:t>42</a:t>
+            </a:fld>
+            <a:endParaRPr lang="ko-KR" altLang="en-US"/>
+          </a:p>
+        </p:txBody>
+      </p:sp>
+      <p:pic>
+        <p:nvPicPr>
+          <p:cNvPr id="5" name="그림 4"/>
+          <p:cNvPicPr>
+            <a:picLocks noChangeAspect="1"/>
+          </p:cNvPicPr>
+          <p:nvPr/>
+        </p:nvPicPr>
+        <p:blipFill>
+          <a:blip r:embed="rId2">
+            <a:extLst>
+              <a:ext uri="{28A0092B-C50C-407E-A947-70E740481C1C}">
+                <a14:useLocalDpi xmlns:a14="http://schemas.microsoft.com/office/drawing/2010/main" val="0"/>
+              </a:ext>
+            </a:extLst>
+          </a:blip>
+          <a:stretch>
+            <a:fillRect/>
+          </a:stretch>
+        </p:blipFill>
+        <p:spPr>
+          <a:xfrm>
+            <a:off x="1208584" y="1412776"/>
+            <a:ext cx="7224386" cy="4701947"/>
+          </a:xfrm>
+          <a:prstGeom prst="rect">
+            <a:avLst/>
+          </a:prstGeom>
+          <a:ln>
+            <a:solidFill>
+              <a:schemeClr val="bg1">
+                <a:lumMod val="85000"/>
+              </a:schemeClr>
+            </a:solidFill>
+          </a:ln>
+        </p:spPr>
+      </p:pic>
+    </p:spTree>
+    <p:extLst>
+      <p:ext uri="{BB962C8B-B14F-4D97-AF65-F5344CB8AC3E}">
+        <p14:creationId xmlns:p14="http://schemas.microsoft.com/office/powerpoint/2010/main" val="3207558869"/>
+      </p:ext>
+    </p:extLst>
+  </p:cSld>
+  <p:clrMapOvr>
+    <a:masterClrMapping/>
+  </p:clrMapOvr>
+  <p:timing>
+    <p:tnLst>
+      <p:par>
+        <p:cTn id="1" dur="indefinite" restart="never" nodeType="tmRoot"/>
+      </p:par>
+    </p:tnLst>
+  </p:timing>
+</p:sld>
+</file>
+
+<file path=ppt/slides/slide43.xml><?xml version="1.0" encoding="utf-8"?>
+<p:sld xmlns:a="http://schemas.openxmlformats.org/drawingml/2006/main" xmlns:r="http://schemas.openxmlformats.org/officeDocument/2006/relationships" xmlns:p="http://schemas.openxmlformats.org/presentationml/2006/main">
+  <p:cSld>
+    <p:spTree>
+      <p:nvGrpSpPr>
+        <p:cNvPr id="1" name=""/>
+        <p:cNvGrpSpPr/>
+        <p:nvPr/>
+      </p:nvGrpSpPr>
+      <p:grpSpPr>
+        <a:xfrm>
+          <a:off x="0" y="0"/>
+          <a:ext cx="0" cy="0"/>
+          <a:chOff x="0" y="0"/>
+          <a:chExt cx="0" cy="0"/>
+        </a:xfrm>
+      </p:grpSpPr>
+      <p:sp>
+        <p:nvSpPr>
+          <p:cNvPr id="2" name="제목 1"/>
+          <p:cNvSpPr>
+            <a:spLocks noGrp="1"/>
+          </p:cNvSpPr>
+          <p:nvPr>
+            <p:ph type="title"/>
+          </p:nvPr>
+        </p:nvSpPr>
+        <p:spPr/>
+        <p:txBody>
+          <a:bodyPr/>
+          <a:lstStyle/>
+          <a:p>
+            <a:r>
+              <a:rPr lang="en-US" altLang="ko-KR" dirty="0" smtClean="0"/>
+              <a:t> </a:t>
+            </a:r>
+            <a:r>
+              <a:rPr lang="ko-KR" altLang="en-US" dirty="0" smtClean="0"/>
+              <a:t>실행 파일</a:t>
+            </a:r>
+            <a:r>
+              <a:rPr lang="en-US" altLang="ko-KR" dirty="0" smtClean="0"/>
+              <a:t>(.exe) </a:t>
+            </a:r>
+            <a:r>
+              <a:rPr lang="ko-KR" altLang="en-US" dirty="0" smtClean="0"/>
+              <a:t>만들기</a:t>
+            </a:r>
+            <a:endParaRPr lang="ko-KR" altLang="en-US" dirty="0"/>
+          </a:p>
+        </p:txBody>
+      </p:sp>
+      <p:sp>
+        <p:nvSpPr>
+          <p:cNvPr id="4" name="슬라이드 번호 개체 틀 3"/>
+          <p:cNvSpPr>
+            <a:spLocks noGrp="1"/>
+          </p:cNvSpPr>
+          <p:nvPr>
+            <p:ph type="sldNum" sz="quarter" idx="12"/>
+          </p:nvPr>
+        </p:nvSpPr>
+        <p:spPr/>
+        <p:txBody>
+          <a:bodyPr/>
+          <a:lstStyle/>
+          <a:p>
+            <a:fld id="{1BDE3FE7-3AEA-4B05-AC5A-802D1816ACF0}" type="slidenum">
+              <a:rPr lang="ko-KR" altLang="en-US" smtClean="0"/>
+              <a:t>43</a:t>
+            </a:fld>
+            <a:endParaRPr lang="ko-KR" altLang="en-US"/>
+          </a:p>
+        </p:txBody>
+      </p:sp>
+      <p:sp>
+        <p:nvSpPr>
+          <p:cNvPr id="5" name="TextBox 4"/>
+          <p:cNvSpPr txBox="1"/>
+          <p:nvPr/>
+        </p:nvSpPr>
+        <p:spPr>
+          <a:xfrm>
+            <a:off x="1136576" y="1412776"/>
+            <a:ext cx="2952328" cy="707886"/>
+          </a:xfrm>
+          <a:prstGeom prst="rect">
+            <a:avLst/>
+          </a:prstGeom>
+          <a:noFill/>
+        </p:spPr>
+        <p:txBody>
+          <a:bodyPr wrap="square" rtlCol="0">
+            <a:spAutoFit/>
+          </a:bodyPr>
+          <a:lstStyle/>
+          <a:p>
+            <a:r>
+              <a:rPr lang="en-US" altLang="ko-KR" sz="2000" b="1" dirty="0" err="1"/>
+              <a:t>p</a:t>
+            </a:r>
+            <a:r>
+              <a:rPr lang="en-US" altLang="ko-KR" sz="2000" b="1" dirty="0" err="1" smtClean="0"/>
+              <a:t>yinstaller</a:t>
+            </a:r>
+            <a:r>
+              <a:rPr lang="en-US" altLang="ko-KR" sz="2000" b="1" dirty="0" smtClean="0"/>
+              <a:t> </a:t>
+            </a:r>
+            <a:r>
+              <a:rPr lang="ko-KR" altLang="en-US" sz="2000" b="1" dirty="0" smtClean="0"/>
+              <a:t>모듈 설치</a:t>
+            </a:r>
+            <a:endParaRPr lang="en-US" altLang="ko-KR" sz="2000" b="1" dirty="0" smtClean="0"/>
+          </a:p>
+          <a:p>
+            <a:r>
+              <a:rPr lang="en-US" altLang="ko-KR" sz="2000" b="1" dirty="0"/>
+              <a:t>p</a:t>
+            </a:r>
+            <a:r>
+              <a:rPr lang="en-US" altLang="ko-KR" sz="2000" b="1" dirty="0" smtClean="0"/>
+              <a:t>ip install </a:t>
+            </a:r>
+            <a:r>
+              <a:rPr lang="en-US" altLang="ko-KR" sz="2000" b="1" dirty="0" err="1" smtClean="0"/>
+              <a:t>pyinstaller</a:t>
+            </a:r>
+            <a:endParaRPr lang="en-US" altLang="ko-KR" sz="2000" b="1" dirty="0"/>
+          </a:p>
+        </p:txBody>
+      </p:sp>
+      <p:sp>
+        <p:nvSpPr>
+          <p:cNvPr id="6" name="TextBox 5"/>
+          <p:cNvSpPr txBox="1"/>
+          <p:nvPr/>
+        </p:nvSpPr>
+        <p:spPr>
+          <a:xfrm>
+            <a:off x="1136575" y="2636912"/>
+            <a:ext cx="8064897" cy="1323439"/>
+          </a:xfrm>
+          <a:prstGeom prst="rect">
+            <a:avLst/>
+          </a:prstGeom>
+          <a:noFill/>
+        </p:spPr>
+        <p:txBody>
+          <a:bodyPr wrap="square" rtlCol="0">
+            <a:spAutoFit/>
+          </a:bodyPr>
+          <a:lstStyle/>
+          <a:p>
+            <a:pPr marL="342900" indent="-342900">
+              <a:buFont typeface="Wingdings" panose="05000000000000000000" pitchFamily="2" charset="2"/>
+              <a:buChar char="ü"/>
+            </a:pPr>
+            <a:r>
+              <a:rPr lang="ko-KR" altLang="en-US" sz="2000" b="1" dirty="0" smtClean="0"/>
+              <a:t>이미지가 없는 경우</a:t>
+            </a:r>
+            <a:endParaRPr lang="en-US" altLang="ko-KR" sz="2000" b="1" dirty="0" smtClean="0"/>
+          </a:p>
+          <a:p>
+            <a:r>
+              <a:rPr lang="en-US" altLang="ko-KR" sz="2000" b="1" dirty="0" smtClean="0"/>
+              <a:t>D:\Green_pyworks\pyinstaller --</a:t>
+            </a:r>
+            <a:r>
+              <a:rPr lang="en-US" altLang="ko-KR" sz="2000" b="1" dirty="0" err="1" smtClean="0"/>
+              <a:t>onefile</a:t>
+            </a:r>
+            <a:r>
+              <a:rPr lang="en-US" altLang="ko-KR" sz="2000" b="1" dirty="0" smtClean="0"/>
+              <a:t> --</a:t>
+            </a:r>
+            <a:r>
+              <a:rPr lang="en-US" altLang="ko-KR" sz="2000" b="1" dirty="0" err="1" smtClean="0"/>
+              <a:t>noconsole</a:t>
+            </a:r>
+            <a:r>
+              <a:rPr lang="en-US" altLang="ko-KR" sz="2000" b="1" dirty="0" smtClean="0"/>
+              <a:t> calculator </a:t>
+            </a:r>
+          </a:p>
+          <a:p>
+            <a:r>
+              <a:rPr lang="en-US" altLang="ko-KR" sz="2000" b="1" dirty="0" smtClean="0"/>
+              <a:t>(1</a:t>
+            </a:r>
+            <a:r>
+              <a:rPr lang="ko-KR" altLang="en-US" sz="2000" b="1" dirty="0" smtClean="0"/>
+              <a:t>개의 파일로 만들고 </a:t>
+            </a:r>
+            <a:r>
+              <a:rPr lang="ko-KR" altLang="en-US" sz="2000" b="1" dirty="0" err="1" smtClean="0"/>
+              <a:t>콘솔창이</a:t>
+            </a:r>
+            <a:r>
+              <a:rPr lang="ko-KR" altLang="en-US" sz="2000" b="1" dirty="0" smtClean="0"/>
+              <a:t> 없음</a:t>
+            </a:r>
+            <a:r>
+              <a:rPr lang="en-US" altLang="ko-KR" sz="2000" b="1" dirty="0" smtClean="0"/>
+              <a:t>)</a:t>
+            </a:r>
+          </a:p>
+          <a:p>
+            <a:r>
+              <a:rPr lang="en-US" altLang="ko-KR" sz="2000" b="1" dirty="0" err="1"/>
+              <a:t>d</a:t>
+            </a:r>
+            <a:r>
+              <a:rPr lang="en-US" altLang="ko-KR" sz="2000" b="1" dirty="0" err="1" smtClean="0"/>
+              <a:t>ist</a:t>
+            </a:r>
+            <a:r>
+              <a:rPr lang="en-US" altLang="ko-KR" sz="2000" b="1" dirty="0" smtClean="0"/>
+              <a:t> </a:t>
+            </a:r>
+            <a:r>
+              <a:rPr lang="ko-KR" altLang="en-US" sz="2000" b="1" dirty="0" err="1" smtClean="0"/>
+              <a:t>폴더안에</a:t>
+            </a:r>
+            <a:r>
+              <a:rPr lang="ko-KR" altLang="en-US" sz="2000" b="1" dirty="0" smtClean="0"/>
+              <a:t> 생성됨</a:t>
+            </a:r>
+            <a:endParaRPr lang="en-US" altLang="ko-KR" sz="2000" b="1" dirty="0" smtClean="0"/>
+          </a:p>
+        </p:txBody>
+      </p:sp>
+      <p:pic>
+        <p:nvPicPr>
+          <p:cNvPr id="8" name="그림 7"/>
+          <p:cNvPicPr>
+            <a:picLocks noChangeAspect="1"/>
+          </p:cNvPicPr>
+          <p:nvPr/>
+        </p:nvPicPr>
+        <p:blipFill>
+          <a:blip r:embed="rId2">
+            <a:extLst>
+              <a:ext uri="{28A0092B-C50C-407E-A947-70E740481C1C}">
+                <a14:useLocalDpi xmlns:a14="http://schemas.microsoft.com/office/drawing/2010/main" val="0"/>
+              </a:ext>
+            </a:extLst>
+          </a:blip>
+          <a:stretch>
+            <a:fillRect/>
+          </a:stretch>
+        </p:blipFill>
+        <p:spPr>
+          <a:xfrm>
+            <a:off x="1424608" y="4235494"/>
+            <a:ext cx="2004234" cy="1386960"/>
+          </a:xfrm>
+          <a:prstGeom prst="rect">
+            <a:avLst/>
+          </a:prstGeom>
+          <a:ln>
+            <a:solidFill>
+              <a:schemeClr val="bg1">
+                <a:lumMod val="85000"/>
+              </a:schemeClr>
+            </a:solidFill>
+          </a:ln>
+        </p:spPr>
+      </p:pic>
+      <p:pic>
+        <p:nvPicPr>
+          <p:cNvPr id="9" name="그림 8"/>
+          <p:cNvPicPr>
+            <a:picLocks noChangeAspect="1"/>
+          </p:cNvPicPr>
+          <p:nvPr/>
+        </p:nvPicPr>
+        <p:blipFill>
+          <a:blip r:embed="rId3">
+            <a:extLst>
+              <a:ext uri="{28A0092B-C50C-407E-A947-70E740481C1C}">
+                <a14:useLocalDpi xmlns:a14="http://schemas.microsoft.com/office/drawing/2010/main" val="0"/>
+              </a:ext>
+            </a:extLst>
+          </a:blip>
+          <a:stretch>
+            <a:fillRect/>
+          </a:stretch>
+        </p:blipFill>
+        <p:spPr>
+          <a:xfrm>
+            <a:off x="3872880" y="4331852"/>
+            <a:ext cx="2209992" cy="1104996"/>
+          </a:xfrm>
+          <a:prstGeom prst="rect">
+            <a:avLst/>
+          </a:prstGeom>
+          <a:ln>
+            <a:solidFill>
+              <a:schemeClr val="bg1">
+                <a:lumMod val="85000"/>
+              </a:schemeClr>
+            </a:solidFill>
+          </a:ln>
+        </p:spPr>
+      </p:pic>
+    </p:spTree>
+    <p:extLst>
+      <p:ext uri="{BB962C8B-B14F-4D97-AF65-F5344CB8AC3E}">
+        <p14:creationId xmlns:p14="http://schemas.microsoft.com/office/powerpoint/2010/main" val="3369510661"/>
+      </p:ext>
+    </p:extLst>
+  </p:cSld>
+  <p:clrMapOvr>
+    <a:masterClrMapping/>
+  </p:clrMapOvr>
+  <p:timing>
+    <p:tnLst>
+      <p:par>
+        <p:cTn id="1" dur="indefinite" restart="never" nodeType="tmRoot"/>
+      </p:par>
+    </p:tnLst>
+  </p:timing>
+</p:sld>
+</file>
+
+<file path=ppt/slides/slide44.xml><?xml version="1.0" encoding="utf-8"?>
+<p:sld xmlns:a="http://schemas.openxmlformats.org/drawingml/2006/main" xmlns:r="http://schemas.openxmlformats.org/officeDocument/2006/relationships" xmlns:p="http://schemas.openxmlformats.org/presentationml/2006/main">
+  <p:cSld>
+    <p:spTree>
+      <p:nvGrpSpPr>
+        <p:cNvPr id="1" name=""/>
+        <p:cNvGrpSpPr/>
+        <p:nvPr/>
+      </p:nvGrpSpPr>
+      <p:grpSpPr>
+        <a:xfrm>
+          <a:off x="0" y="0"/>
+          <a:ext cx="0" cy="0"/>
+          <a:chOff x="0" y="0"/>
+          <a:chExt cx="0" cy="0"/>
+        </a:xfrm>
+      </p:grpSpPr>
+      <p:sp>
+        <p:nvSpPr>
+          <p:cNvPr id="2" name="제목 1"/>
+          <p:cNvSpPr>
+            <a:spLocks noGrp="1"/>
+          </p:cNvSpPr>
+          <p:nvPr>
+            <p:ph type="title"/>
+          </p:nvPr>
+        </p:nvSpPr>
+        <p:spPr/>
+        <p:txBody>
+          <a:bodyPr/>
+          <a:lstStyle/>
+          <a:p>
+            <a:r>
+              <a:rPr lang="en-US" altLang="ko-KR" dirty="0" smtClean="0"/>
+              <a:t> </a:t>
+            </a:r>
+            <a:r>
+              <a:rPr lang="ko-KR" altLang="en-US" dirty="0" smtClean="0"/>
+              <a:t>실행 파일</a:t>
+            </a:r>
+            <a:r>
+              <a:rPr lang="en-US" altLang="ko-KR" dirty="0" smtClean="0"/>
+              <a:t>(.exe) </a:t>
+            </a:r>
+            <a:r>
+              <a:rPr lang="ko-KR" altLang="en-US" dirty="0" smtClean="0"/>
+              <a:t>만들기</a:t>
+            </a:r>
+            <a:endParaRPr lang="ko-KR" altLang="en-US" dirty="0"/>
+          </a:p>
+        </p:txBody>
+      </p:sp>
+      <p:sp>
+        <p:nvSpPr>
+          <p:cNvPr id="4" name="슬라이드 번호 개체 틀 3"/>
+          <p:cNvSpPr>
+            <a:spLocks noGrp="1"/>
+          </p:cNvSpPr>
+          <p:nvPr>
+            <p:ph type="sldNum" sz="quarter" idx="12"/>
+          </p:nvPr>
+        </p:nvSpPr>
+        <p:spPr/>
+        <p:txBody>
+          <a:bodyPr/>
+          <a:lstStyle/>
+          <a:p>
+            <a:fld id="{1BDE3FE7-3AEA-4B05-AC5A-802D1816ACF0}" type="slidenum">
+              <a:rPr lang="ko-KR" altLang="en-US" smtClean="0"/>
+              <a:t>44</a:t>
+            </a:fld>
+            <a:endParaRPr lang="ko-KR" altLang="en-US"/>
+          </a:p>
+        </p:txBody>
+      </p:sp>
+      <p:sp>
+        <p:nvSpPr>
+          <p:cNvPr id="5" name="TextBox 4"/>
+          <p:cNvSpPr txBox="1"/>
+          <p:nvPr/>
+        </p:nvSpPr>
+        <p:spPr>
+          <a:xfrm>
+            <a:off x="1136576" y="1412776"/>
+            <a:ext cx="2952328" cy="707886"/>
+          </a:xfrm>
+          <a:prstGeom prst="rect">
+            <a:avLst/>
+          </a:prstGeom>
+          <a:noFill/>
+        </p:spPr>
+        <p:txBody>
+          <a:bodyPr wrap="square" rtlCol="0">
+            <a:spAutoFit/>
+          </a:bodyPr>
+          <a:lstStyle/>
+          <a:p>
+            <a:r>
+              <a:rPr lang="en-US" altLang="ko-KR" sz="2000" b="1" dirty="0" err="1" smtClean="0"/>
+              <a:t>Pyinstaller</a:t>
+            </a:r>
+            <a:r>
+              <a:rPr lang="en-US" altLang="ko-KR" sz="2000" b="1" dirty="0" smtClean="0"/>
+              <a:t> </a:t>
+            </a:r>
+            <a:r>
+              <a:rPr lang="ko-KR" altLang="en-US" sz="2000" b="1" dirty="0" smtClean="0"/>
+              <a:t>모듈 설치</a:t>
+            </a:r>
+            <a:endParaRPr lang="en-US" altLang="ko-KR" sz="2000" b="1" dirty="0" smtClean="0"/>
+          </a:p>
+          <a:p>
+            <a:r>
+              <a:rPr lang="en-US" altLang="ko-KR" sz="2000" b="1" dirty="0"/>
+              <a:t>p</a:t>
+            </a:r>
+            <a:r>
+              <a:rPr lang="en-US" altLang="ko-KR" sz="2000" b="1" dirty="0" smtClean="0"/>
+              <a:t>ip install </a:t>
+            </a:r>
+            <a:r>
+              <a:rPr lang="en-US" altLang="ko-KR" sz="2000" b="1" dirty="0" err="1" smtClean="0"/>
+              <a:t>pyinstaller</a:t>
+            </a:r>
+            <a:endParaRPr lang="en-US" altLang="ko-KR" sz="2000" b="1" dirty="0"/>
+          </a:p>
+        </p:txBody>
+      </p:sp>
+      <p:sp>
+        <p:nvSpPr>
+          <p:cNvPr id="7" name="TextBox 6"/>
+          <p:cNvSpPr txBox="1"/>
+          <p:nvPr/>
+        </p:nvSpPr>
+        <p:spPr>
+          <a:xfrm>
+            <a:off x="1136576" y="2348880"/>
+            <a:ext cx="8064897" cy="1323439"/>
+          </a:xfrm>
+          <a:prstGeom prst="rect">
+            <a:avLst/>
+          </a:prstGeom>
+          <a:noFill/>
+        </p:spPr>
+        <p:txBody>
+          <a:bodyPr wrap="square" rtlCol="0">
+            <a:spAutoFit/>
+          </a:bodyPr>
+          <a:lstStyle/>
+          <a:p>
+            <a:pPr marL="342900" indent="-342900">
+              <a:buFont typeface="Wingdings" panose="05000000000000000000" pitchFamily="2" charset="2"/>
+              <a:buChar char="ü"/>
+            </a:pPr>
+            <a:r>
+              <a:rPr lang="ko-KR" altLang="en-US" sz="2000" b="1" dirty="0" smtClean="0"/>
+              <a:t>이미지가 있는 경우</a:t>
+            </a:r>
+            <a:endParaRPr lang="en-US" altLang="ko-KR" sz="2000" b="1" dirty="0" smtClean="0"/>
+          </a:p>
+          <a:p>
+            <a:r>
+              <a:rPr lang="en-US" altLang="ko-KR" sz="2000" b="1" dirty="0" smtClean="0"/>
+              <a:t>C:\&gt;pyinstaller </a:t>
+            </a:r>
+            <a:r>
+              <a:rPr lang="en-US" altLang="ko-KR" sz="2000" b="1" dirty="0"/>
+              <a:t>--</a:t>
+            </a:r>
+            <a:r>
+              <a:rPr lang="en-US" altLang="ko-KR" sz="2000" b="1" dirty="0" err="1"/>
+              <a:t>noconfirm</a:t>
+            </a:r>
+            <a:r>
+              <a:rPr lang="en-US" altLang="ko-KR" sz="2000" b="1" dirty="0"/>
+              <a:t> --</a:t>
+            </a:r>
+            <a:r>
+              <a:rPr lang="en-US" altLang="ko-KR" sz="2000" b="1" dirty="0" err="1"/>
+              <a:t>onefile</a:t>
+            </a:r>
+            <a:r>
+              <a:rPr lang="en-US" altLang="ko-KR" sz="2000" b="1" dirty="0"/>
+              <a:t> --windowed --add-data "D:\Green_pyworks\coupon\bronx.png;." "D:\Green_pyworks\coupon\coupon.py"</a:t>
+            </a:r>
+            <a:endParaRPr lang="en-US" altLang="ko-KR" sz="2000" b="1" dirty="0" smtClean="0"/>
+          </a:p>
+        </p:txBody>
+      </p:sp>
+      <p:pic>
+        <p:nvPicPr>
+          <p:cNvPr id="3" name="그림 2"/>
+          <p:cNvPicPr>
+            <a:picLocks noChangeAspect="1"/>
+          </p:cNvPicPr>
+          <p:nvPr/>
+        </p:nvPicPr>
+        <p:blipFill rotWithShape="1">
+          <a:blip r:embed="rId2">
+            <a:extLst>
+              <a:ext uri="{28A0092B-C50C-407E-A947-70E740481C1C}">
+                <a14:useLocalDpi xmlns:a14="http://schemas.microsoft.com/office/drawing/2010/main" val="0"/>
+              </a:ext>
+            </a:extLst>
+          </a:blip>
+          <a:srcRect t="9548"/>
+          <a:stretch/>
+        </p:blipFill>
+        <p:spPr>
+          <a:xfrm>
+            <a:off x="1558845" y="3911486"/>
+            <a:ext cx="2530059" cy="1426866"/>
+          </a:xfrm>
+          <a:prstGeom prst="rect">
+            <a:avLst/>
+          </a:prstGeom>
+          <a:ln>
+            <a:solidFill>
+              <a:schemeClr val="bg1">
+                <a:lumMod val="85000"/>
+              </a:schemeClr>
+            </a:solidFill>
+          </a:ln>
+        </p:spPr>
+      </p:pic>
+    </p:spTree>
+    <p:extLst>
+      <p:ext uri="{BB962C8B-B14F-4D97-AF65-F5344CB8AC3E}">
+        <p14:creationId xmlns:p14="http://schemas.microsoft.com/office/powerpoint/2010/main" val="1021417658"/>
+      </p:ext>
+    </p:extLst>
+  </p:cSld>
+  <p:clrMapOvr>
+    <a:masterClrMapping/>
+  </p:clrMapOvr>
+  <p:timing>
+    <p:tnLst>
+      <p:par>
+        <p:cTn id="1" dur="indefinite" restart="never" nodeType="tmRoot"/>
+      </p:par>
+    </p:tnLst>
   </p:timing>
 </p:sld>
 </file>

--- a/python_ppt/Python 11장. GUI 프로그래밍.pptx
+++ b/python_ppt/Python 11장. GUI 프로그래밍.pptx
@@ -251,7 +251,7 @@
           <a:p>
             <a:fld id="{7665CDAC-D627-4E87-877A-1B781DD4CADC}" type="datetimeFigureOut">
               <a:rPr lang="ko-KR" altLang="en-US" smtClean="0"/>
-              <a:t>2023-05-08</a:t>
+              <a:t>2023-05-09</a:t>
             </a:fld>
             <a:endParaRPr lang="ko-KR" altLang="en-US"/>
           </a:p>
@@ -663,7 +663,7 @@
           <a:p>
             <a:fld id="{C25BCFD5-C4DF-4EBC-B718-C69ED2FBDE6F}" type="datetime1">
               <a:rPr lang="ko-KR" altLang="en-US" smtClean="0"/>
-              <a:t>2023-05-08</a:t>
+              <a:t>2023-05-09</a:t>
             </a:fld>
             <a:endParaRPr lang="ko-KR" altLang="en-US"/>
           </a:p>
@@ -1114,7 +1114,7 @@
           <a:p>
             <a:fld id="{AB448CD7-D367-43D5-B461-ACE552E75063}" type="datetime1">
               <a:rPr lang="ko-KR" altLang="en-US" smtClean="0"/>
-              <a:t>2023-05-08</a:t>
+              <a:t>2023-05-09</a:t>
             </a:fld>
             <a:endParaRPr lang="ko-KR" altLang="en-US"/>
           </a:p>
@@ -1292,7 +1292,7 @@
           <a:p>
             <a:fld id="{B6E49E79-7361-4780-8BEF-7EDE3708298A}" type="datetime1">
               <a:rPr lang="ko-KR" altLang="en-US" smtClean="0"/>
-              <a:t>2023-05-08</a:t>
+              <a:t>2023-05-09</a:t>
             </a:fld>
             <a:endParaRPr lang="ko-KR" altLang="en-US"/>
           </a:p>
@@ -1464,7 +1464,7 @@
           <a:p>
             <a:fld id="{A4D42E3C-B70B-437C-85CF-1286301B9CBA}" type="datetime1">
               <a:rPr lang="ko-KR" altLang="en-US" smtClean="0"/>
-              <a:t>2023-05-08</a:t>
+              <a:t>2023-05-09</a:t>
             </a:fld>
             <a:endParaRPr lang="ko-KR" altLang="en-US"/>
           </a:p>
@@ -1716,7 +1716,7 @@
           <a:p>
             <a:fld id="{B3369A20-5B3D-4D98-A822-26B93D177A40}" type="datetime1">
               <a:rPr lang="ko-KR" altLang="en-US" smtClean="0"/>
-              <a:t>2023-05-08</a:t>
+              <a:t>2023-05-09</a:t>
             </a:fld>
             <a:endParaRPr lang="ko-KR" altLang="en-US"/>
           </a:p>
@@ -2001,7 +2001,7 @@
           <a:p>
             <a:fld id="{685CD4CE-9E43-4F70-A9D8-A2130CA7D92A}" type="datetime1">
               <a:rPr lang="ko-KR" altLang="en-US" smtClean="0"/>
-              <a:t>2023-05-08</a:t>
+              <a:t>2023-05-09</a:t>
             </a:fld>
             <a:endParaRPr lang="ko-KR" altLang="en-US"/>
           </a:p>
@@ -2427,7 +2427,7 @@
           <a:p>
             <a:fld id="{F752BD92-DA3E-4A0B-90C9-7DE5E15B6E96}" type="datetime1">
               <a:rPr lang="ko-KR" altLang="en-US" smtClean="0"/>
-              <a:t>2023-05-08</a:t>
+              <a:t>2023-05-09</a:t>
             </a:fld>
             <a:endParaRPr lang="ko-KR" altLang="en-US"/>
           </a:p>
@@ -2551,7 +2551,7 @@
           <a:p>
             <a:fld id="{8EA2B83A-F366-424E-B742-340ACF856BB5}" type="datetime1">
               <a:rPr lang="ko-KR" altLang="en-US" smtClean="0"/>
-              <a:t>2023-05-08</a:t>
+              <a:t>2023-05-09</a:t>
             </a:fld>
             <a:endParaRPr lang="ko-KR" altLang="en-US"/>
           </a:p>
@@ -2646,7 +2646,7 @@
           <a:p>
             <a:fld id="{9A49D68B-5DBD-48E9-A8D4-FCBC4B3DD9C6}" type="datetime1">
               <a:rPr lang="ko-KR" altLang="en-US" smtClean="0"/>
-              <a:t>2023-05-08</a:t>
+              <a:t>2023-05-09</a:t>
             </a:fld>
             <a:endParaRPr lang="ko-KR" altLang="en-US"/>
           </a:p>
@@ -2921,7 +2921,7 @@
           <a:p>
             <a:fld id="{4CAB534F-7D16-467B-9320-91F98915D181}" type="datetime1">
               <a:rPr lang="ko-KR" altLang="en-US" smtClean="0"/>
-              <a:t>2023-05-08</a:t>
+              <a:t>2023-05-09</a:t>
             </a:fld>
             <a:endParaRPr lang="ko-KR" altLang="en-US"/>
           </a:p>
@@ -3173,7 +3173,7 @@
           <a:p>
             <a:fld id="{A390A91F-2F8D-4486-A69D-D680F95444B0}" type="datetime1">
               <a:rPr lang="ko-KR" altLang="en-US" smtClean="0"/>
-              <a:t>2023-05-08</a:t>
+              <a:t>2023-05-09</a:t>
             </a:fld>
             <a:endParaRPr lang="ko-KR" altLang="en-US"/>
           </a:p>
@@ -3352,7 +3352,7 @@
           <a:p>
             <a:fld id="{2238BBEA-E8DD-414A-BF68-FC2AFA7CFF2D}" type="datetime1">
               <a:rPr lang="ko-KR" altLang="en-US" smtClean="0"/>
-              <a:t>2023-05-08</a:t>
+              <a:t>2023-05-09</a:t>
             </a:fld>
             <a:endParaRPr lang="ko-KR" altLang="en-US"/>
           </a:p>
@@ -14054,7 +14054,7 @@
       </p:sp>
       <p:pic>
         <p:nvPicPr>
-          <p:cNvPr id="5" name="그림 4"/>
+          <p:cNvPr id="3" name="그림 2"/>
           <p:cNvPicPr>
             <a:picLocks noChangeAspect="1"/>
           </p:cNvPicPr>
@@ -14074,8 +14074,8 @@
         </p:blipFill>
         <p:spPr>
           <a:xfrm>
-            <a:off x="1208584" y="1412776"/>
-            <a:ext cx="7224386" cy="4701947"/>
+            <a:off x="1352600" y="1556792"/>
+            <a:ext cx="6754112" cy="3960440"/>
           </a:xfrm>
           <a:prstGeom prst="rect">
             <a:avLst/>
